--- a/s_extreme_programming.pptx
+++ b/s_extreme_programming.pptx
@@ -5,14 +5,11 @@
     <p:sldMasterId id="2147483660" r:id="rId1"/>
   </p:sldMasterIdLst>
   <p:notesMasterIdLst>
-    <p:notesMasterId r:id="rId7"/>
+    <p:notesMasterId r:id="rId4"/>
   </p:notesMasterIdLst>
   <p:sldIdLst>
-    <p:sldId id="258" r:id="rId2"/>
-    <p:sldId id="259" r:id="rId3"/>
-    <p:sldId id="260" r:id="rId4"/>
-    <p:sldId id="261" r:id="rId5"/>
-    <p:sldId id="262" r:id="rId6"/>
+    <p:sldId id="263" r:id="rId2"/>
+    <p:sldId id="264" r:id="rId3"/>
   </p:sldIdLst>
   <p:sldSz cx="12192000" cy="6858000"/>
   <p:notesSz cx="6858000" cy="9144000"/>
@@ -111,7 +108,6252 @@
       </a:defRPr>
     </a:lvl9pPr>
   </p:defaultTextStyle>
+  <p:extLst>
+    <p:ext uri="{521415D9-36F7-43E2-AB2F-B90AF26B5E84}">
+      <p14:sectionLst xmlns:p14="http://schemas.microsoft.com/office/powerpoint/2010/main">
+        <p14:section name="Untitled Section" id="{4BA9CD7C-5B10-4FF6-A093-732A07BC8C77}">
+          <p14:sldIdLst>
+            <p14:sldId id="263"/>
+            <p14:sldId id="264"/>
+          </p14:sldIdLst>
+        </p14:section>
+      </p14:sectionLst>
+    </p:ext>
+  </p:extLst>
 </p:presentation>
+</file>
+
+<file path=ppt/diagrams/colors1.xml><?xml version="1.0" encoding="utf-8"?>
+<dgm:colorsDef xmlns:dgm="http://schemas.openxmlformats.org/drawingml/2006/diagram" xmlns:a="http://schemas.openxmlformats.org/drawingml/2006/main" uniqueId="urn:microsoft.com/office/officeart/2005/8/colors/accent1_2">
+  <dgm:title val=""/>
+  <dgm:desc val=""/>
+  <dgm:catLst>
+    <dgm:cat type="accent1" pri="11200"/>
+  </dgm:catLst>
+  <dgm:styleLbl name="node0">
+    <dgm:fillClrLst meth="repeat">
+      <a:schemeClr val="accent1"/>
+    </dgm:fillClrLst>
+    <dgm:linClrLst meth="repeat">
+      <a:schemeClr val="lt1"/>
+    </dgm:linClrLst>
+    <dgm:effectClrLst/>
+    <dgm:txLinClrLst/>
+    <dgm:txFillClrLst/>
+    <dgm:txEffectClrLst/>
+  </dgm:styleLbl>
+  <dgm:styleLbl name="alignNode1">
+    <dgm:fillClrLst meth="repeat">
+      <a:schemeClr val="accent1"/>
+    </dgm:fillClrLst>
+    <dgm:linClrLst meth="repeat">
+      <a:schemeClr val="accent1"/>
+    </dgm:linClrLst>
+    <dgm:effectClrLst/>
+    <dgm:txLinClrLst/>
+    <dgm:txFillClrLst/>
+    <dgm:txEffectClrLst/>
+  </dgm:styleLbl>
+  <dgm:styleLbl name="node1">
+    <dgm:fillClrLst meth="repeat">
+      <a:schemeClr val="accent1"/>
+    </dgm:fillClrLst>
+    <dgm:linClrLst meth="repeat">
+      <a:schemeClr val="lt1"/>
+    </dgm:linClrLst>
+    <dgm:effectClrLst/>
+    <dgm:txLinClrLst/>
+    <dgm:txFillClrLst/>
+    <dgm:txEffectClrLst/>
+  </dgm:styleLbl>
+  <dgm:styleLbl name="lnNode1">
+    <dgm:fillClrLst meth="repeat">
+      <a:schemeClr val="accent1"/>
+    </dgm:fillClrLst>
+    <dgm:linClrLst meth="repeat">
+      <a:schemeClr val="lt1"/>
+    </dgm:linClrLst>
+    <dgm:effectClrLst/>
+    <dgm:txLinClrLst/>
+    <dgm:txFillClrLst/>
+    <dgm:txEffectClrLst/>
+  </dgm:styleLbl>
+  <dgm:styleLbl name="vennNode1">
+    <dgm:fillClrLst meth="repeat">
+      <a:schemeClr val="accent1">
+        <a:alpha val="50000"/>
+      </a:schemeClr>
+    </dgm:fillClrLst>
+    <dgm:linClrLst meth="repeat">
+      <a:schemeClr val="lt1"/>
+    </dgm:linClrLst>
+    <dgm:effectClrLst/>
+    <dgm:txLinClrLst/>
+    <dgm:txFillClrLst/>
+    <dgm:txEffectClrLst/>
+  </dgm:styleLbl>
+  <dgm:styleLbl name="node2">
+    <dgm:fillClrLst meth="repeat">
+      <a:schemeClr val="accent1"/>
+    </dgm:fillClrLst>
+    <dgm:linClrLst meth="repeat">
+      <a:schemeClr val="lt1"/>
+    </dgm:linClrLst>
+    <dgm:effectClrLst/>
+    <dgm:txLinClrLst/>
+    <dgm:txFillClrLst/>
+    <dgm:txEffectClrLst/>
+  </dgm:styleLbl>
+  <dgm:styleLbl name="node3">
+    <dgm:fillClrLst meth="repeat">
+      <a:schemeClr val="accent1"/>
+    </dgm:fillClrLst>
+    <dgm:linClrLst meth="repeat">
+      <a:schemeClr val="lt1"/>
+    </dgm:linClrLst>
+    <dgm:effectClrLst/>
+    <dgm:txLinClrLst/>
+    <dgm:txFillClrLst/>
+    <dgm:txEffectClrLst/>
+  </dgm:styleLbl>
+  <dgm:styleLbl name="node4">
+    <dgm:fillClrLst meth="repeat">
+      <a:schemeClr val="accent1"/>
+    </dgm:fillClrLst>
+    <dgm:linClrLst meth="repeat">
+      <a:schemeClr val="lt1"/>
+    </dgm:linClrLst>
+    <dgm:effectClrLst/>
+    <dgm:txLinClrLst/>
+    <dgm:txFillClrLst/>
+    <dgm:txEffectClrLst/>
+  </dgm:styleLbl>
+  <dgm:styleLbl name="fgImgPlace1">
+    <dgm:fillClrLst meth="repeat">
+      <a:schemeClr val="accent1">
+        <a:tint val="50000"/>
+      </a:schemeClr>
+    </dgm:fillClrLst>
+    <dgm:linClrLst meth="repeat">
+      <a:schemeClr val="lt1"/>
+    </dgm:linClrLst>
+    <dgm:effectClrLst/>
+    <dgm:txLinClrLst/>
+    <dgm:txFillClrLst meth="repeat">
+      <a:schemeClr val="lt1"/>
+    </dgm:txFillClrLst>
+    <dgm:txEffectClrLst/>
+  </dgm:styleLbl>
+  <dgm:styleLbl name="alignImgPlace1">
+    <dgm:fillClrLst meth="repeat">
+      <a:schemeClr val="accent1">
+        <a:tint val="50000"/>
+      </a:schemeClr>
+    </dgm:fillClrLst>
+    <dgm:linClrLst meth="repeat">
+      <a:schemeClr val="lt1"/>
+    </dgm:linClrLst>
+    <dgm:effectClrLst/>
+    <dgm:txLinClrLst/>
+    <dgm:txFillClrLst meth="repeat">
+      <a:schemeClr val="lt1"/>
+    </dgm:txFillClrLst>
+    <dgm:txEffectClrLst/>
+  </dgm:styleLbl>
+  <dgm:styleLbl name="bgImgPlace1">
+    <dgm:fillClrLst meth="repeat">
+      <a:schemeClr val="accent1">
+        <a:tint val="50000"/>
+      </a:schemeClr>
+    </dgm:fillClrLst>
+    <dgm:linClrLst meth="repeat">
+      <a:schemeClr val="lt1"/>
+    </dgm:linClrLst>
+    <dgm:effectClrLst/>
+    <dgm:txLinClrLst/>
+    <dgm:txFillClrLst meth="repeat">
+      <a:schemeClr val="lt1"/>
+    </dgm:txFillClrLst>
+    <dgm:txEffectClrLst/>
+  </dgm:styleLbl>
+  <dgm:styleLbl name="sibTrans2D1">
+    <dgm:fillClrLst meth="repeat">
+      <a:schemeClr val="accent1">
+        <a:tint val="60000"/>
+      </a:schemeClr>
+    </dgm:fillClrLst>
+    <dgm:linClrLst meth="repeat">
+      <a:schemeClr val="accent1">
+        <a:tint val="60000"/>
+      </a:schemeClr>
+    </dgm:linClrLst>
+    <dgm:effectClrLst/>
+    <dgm:txLinClrLst/>
+    <dgm:txFillClrLst/>
+    <dgm:txEffectClrLst/>
+  </dgm:styleLbl>
+  <dgm:styleLbl name="fgSibTrans2D1">
+    <dgm:fillClrLst meth="repeat">
+      <a:schemeClr val="accent1">
+        <a:tint val="60000"/>
+      </a:schemeClr>
+    </dgm:fillClrLst>
+    <dgm:linClrLst meth="repeat">
+      <a:schemeClr val="accent1">
+        <a:tint val="60000"/>
+      </a:schemeClr>
+    </dgm:linClrLst>
+    <dgm:effectClrLst/>
+    <dgm:txLinClrLst/>
+    <dgm:txFillClrLst/>
+    <dgm:txEffectClrLst/>
+  </dgm:styleLbl>
+  <dgm:styleLbl name="bgSibTrans2D1">
+    <dgm:fillClrLst meth="repeat">
+      <a:schemeClr val="accent1">
+        <a:tint val="60000"/>
+      </a:schemeClr>
+    </dgm:fillClrLst>
+    <dgm:linClrLst meth="repeat">
+      <a:schemeClr val="accent1">
+        <a:tint val="60000"/>
+      </a:schemeClr>
+    </dgm:linClrLst>
+    <dgm:effectClrLst/>
+    <dgm:txLinClrLst/>
+    <dgm:txFillClrLst/>
+    <dgm:txEffectClrLst/>
+  </dgm:styleLbl>
+  <dgm:styleLbl name="sibTrans1D1">
+    <dgm:fillClrLst meth="repeat">
+      <a:schemeClr val="accent1"/>
+    </dgm:fillClrLst>
+    <dgm:linClrLst meth="repeat">
+      <a:schemeClr val="accent1"/>
+    </dgm:linClrLst>
+    <dgm:effectClrLst/>
+    <dgm:txLinClrLst/>
+    <dgm:txFillClrLst meth="repeat">
+      <a:schemeClr val="tx1"/>
+    </dgm:txFillClrLst>
+    <dgm:txEffectClrLst/>
+  </dgm:styleLbl>
+  <dgm:styleLbl name="callout">
+    <dgm:fillClrLst meth="repeat">
+      <a:schemeClr val="accent1"/>
+    </dgm:fillClrLst>
+    <dgm:linClrLst meth="repeat">
+      <a:schemeClr val="accent1">
+        <a:tint val="50000"/>
+      </a:schemeClr>
+    </dgm:linClrLst>
+    <dgm:effectClrLst/>
+    <dgm:txLinClrLst/>
+    <dgm:txFillClrLst meth="repeat">
+      <a:schemeClr val="tx1"/>
+    </dgm:txFillClrLst>
+    <dgm:txEffectClrLst/>
+  </dgm:styleLbl>
+  <dgm:styleLbl name="asst0">
+    <dgm:fillClrLst meth="repeat">
+      <a:schemeClr val="accent1"/>
+    </dgm:fillClrLst>
+    <dgm:linClrLst meth="repeat">
+      <a:schemeClr val="lt1"/>
+    </dgm:linClrLst>
+    <dgm:effectClrLst/>
+    <dgm:txLinClrLst/>
+    <dgm:txFillClrLst/>
+    <dgm:txEffectClrLst/>
+  </dgm:styleLbl>
+  <dgm:styleLbl name="asst1">
+    <dgm:fillClrLst meth="repeat">
+      <a:schemeClr val="accent1"/>
+    </dgm:fillClrLst>
+    <dgm:linClrLst meth="repeat">
+      <a:schemeClr val="lt1"/>
+    </dgm:linClrLst>
+    <dgm:effectClrLst/>
+    <dgm:txLinClrLst/>
+    <dgm:txFillClrLst/>
+    <dgm:txEffectClrLst/>
+  </dgm:styleLbl>
+  <dgm:styleLbl name="asst2">
+    <dgm:fillClrLst meth="repeat">
+      <a:schemeClr val="accent1"/>
+    </dgm:fillClrLst>
+    <dgm:linClrLst meth="repeat">
+      <a:schemeClr val="lt1"/>
+    </dgm:linClrLst>
+    <dgm:effectClrLst/>
+    <dgm:txLinClrLst/>
+    <dgm:txFillClrLst/>
+    <dgm:txEffectClrLst/>
+  </dgm:styleLbl>
+  <dgm:styleLbl name="asst3">
+    <dgm:fillClrLst meth="repeat">
+      <a:schemeClr val="accent1"/>
+    </dgm:fillClrLst>
+    <dgm:linClrLst meth="repeat">
+      <a:schemeClr val="lt1"/>
+    </dgm:linClrLst>
+    <dgm:effectClrLst/>
+    <dgm:txLinClrLst/>
+    <dgm:txFillClrLst/>
+    <dgm:txEffectClrLst/>
+  </dgm:styleLbl>
+  <dgm:styleLbl name="asst4">
+    <dgm:fillClrLst meth="repeat">
+      <a:schemeClr val="accent1"/>
+    </dgm:fillClrLst>
+    <dgm:linClrLst meth="repeat">
+      <a:schemeClr val="lt1"/>
+    </dgm:linClrLst>
+    <dgm:effectClrLst/>
+    <dgm:txLinClrLst/>
+    <dgm:txFillClrLst/>
+    <dgm:txEffectClrLst/>
+  </dgm:styleLbl>
+  <dgm:styleLbl name="parChTrans2D1">
+    <dgm:fillClrLst meth="repeat">
+      <a:schemeClr val="accent1">
+        <a:tint val="60000"/>
+      </a:schemeClr>
+    </dgm:fillClrLst>
+    <dgm:linClrLst meth="repeat">
+      <a:schemeClr val="accent1">
+        <a:tint val="60000"/>
+      </a:schemeClr>
+    </dgm:linClrLst>
+    <dgm:effectClrLst/>
+    <dgm:txLinClrLst/>
+    <dgm:txFillClrLst meth="repeat">
+      <a:schemeClr val="lt1"/>
+    </dgm:txFillClrLst>
+    <dgm:txEffectClrLst/>
+  </dgm:styleLbl>
+  <dgm:styleLbl name="parChTrans2D2">
+    <dgm:fillClrLst meth="repeat">
+      <a:schemeClr val="accent1"/>
+    </dgm:fillClrLst>
+    <dgm:linClrLst meth="repeat">
+      <a:schemeClr val="accent1"/>
+    </dgm:linClrLst>
+    <dgm:effectClrLst/>
+    <dgm:txLinClrLst/>
+    <dgm:txFillClrLst meth="repeat">
+      <a:schemeClr val="lt1"/>
+    </dgm:txFillClrLst>
+    <dgm:txEffectClrLst/>
+  </dgm:styleLbl>
+  <dgm:styleLbl name="parChTrans2D3">
+    <dgm:fillClrLst meth="repeat">
+      <a:schemeClr val="accent1"/>
+    </dgm:fillClrLst>
+    <dgm:linClrLst meth="repeat">
+      <a:schemeClr val="accent1"/>
+    </dgm:linClrLst>
+    <dgm:effectClrLst/>
+    <dgm:txLinClrLst/>
+    <dgm:txFillClrLst meth="repeat">
+      <a:schemeClr val="lt1"/>
+    </dgm:txFillClrLst>
+    <dgm:txEffectClrLst/>
+  </dgm:styleLbl>
+  <dgm:styleLbl name="parChTrans2D4">
+    <dgm:fillClrLst meth="repeat">
+      <a:schemeClr val="accent1"/>
+    </dgm:fillClrLst>
+    <dgm:linClrLst meth="repeat">
+      <a:schemeClr val="accent1"/>
+    </dgm:linClrLst>
+    <dgm:effectClrLst/>
+    <dgm:txLinClrLst/>
+    <dgm:txFillClrLst meth="repeat">
+      <a:schemeClr val="lt1"/>
+    </dgm:txFillClrLst>
+    <dgm:txEffectClrLst/>
+  </dgm:styleLbl>
+  <dgm:styleLbl name="parChTrans1D1">
+    <dgm:fillClrLst meth="repeat">
+      <a:schemeClr val="accent1"/>
+    </dgm:fillClrLst>
+    <dgm:linClrLst meth="repeat">
+      <a:schemeClr val="accent1">
+        <a:shade val="60000"/>
+      </a:schemeClr>
+    </dgm:linClrLst>
+    <dgm:effectClrLst/>
+    <dgm:txLinClrLst/>
+    <dgm:txFillClrLst meth="repeat">
+      <a:schemeClr val="tx1"/>
+    </dgm:txFillClrLst>
+    <dgm:txEffectClrLst/>
+  </dgm:styleLbl>
+  <dgm:styleLbl name="parChTrans1D2">
+    <dgm:fillClrLst meth="repeat">
+      <a:schemeClr val="accent1"/>
+    </dgm:fillClrLst>
+    <dgm:linClrLst meth="repeat">
+      <a:schemeClr val="accent1">
+        <a:shade val="60000"/>
+      </a:schemeClr>
+    </dgm:linClrLst>
+    <dgm:effectClrLst/>
+    <dgm:txLinClrLst/>
+    <dgm:txFillClrLst meth="repeat">
+      <a:schemeClr val="tx1"/>
+    </dgm:txFillClrLst>
+    <dgm:txEffectClrLst/>
+  </dgm:styleLbl>
+  <dgm:styleLbl name="parChTrans1D3">
+    <dgm:fillClrLst meth="repeat">
+      <a:schemeClr val="accent1"/>
+    </dgm:fillClrLst>
+    <dgm:linClrLst meth="repeat">
+      <a:schemeClr val="accent1">
+        <a:shade val="80000"/>
+      </a:schemeClr>
+    </dgm:linClrLst>
+    <dgm:effectClrLst/>
+    <dgm:txLinClrLst/>
+    <dgm:txFillClrLst meth="repeat">
+      <a:schemeClr val="tx1"/>
+    </dgm:txFillClrLst>
+    <dgm:txEffectClrLst/>
+  </dgm:styleLbl>
+  <dgm:styleLbl name="parChTrans1D4">
+    <dgm:fillClrLst meth="repeat">
+      <a:schemeClr val="accent1"/>
+    </dgm:fillClrLst>
+    <dgm:linClrLst meth="repeat">
+      <a:schemeClr val="accent1">
+        <a:shade val="80000"/>
+      </a:schemeClr>
+    </dgm:linClrLst>
+    <dgm:effectClrLst/>
+    <dgm:txLinClrLst/>
+    <dgm:txFillClrLst meth="repeat">
+      <a:schemeClr val="tx1"/>
+    </dgm:txFillClrLst>
+    <dgm:txEffectClrLst/>
+  </dgm:styleLbl>
+  <dgm:styleLbl name="fgAcc1">
+    <dgm:fillClrLst meth="repeat">
+      <a:schemeClr val="lt1">
+        <a:alpha val="90000"/>
+      </a:schemeClr>
+    </dgm:fillClrLst>
+    <dgm:linClrLst meth="repeat">
+      <a:schemeClr val="accent1"/>
+    </dgm:linClrLst>
+    <dgm:effectClrLst/>
+    <dgm:txLinClrLst/>
+    <dgm:txFillClrLst meth="repeat">
+      <a:schemeClr val="dk1"/>
+    </dgm:txFillClrLst>
+    <dgm:txEffectClrLst/>
+  </dgm:styleLbl>
+  <dgm:styleLbl name="conFgAcc1">
+    <dgm:fillClrLst meth="repeat">
+      <a:schemeClr val="lt1">
+        <a:alpha val="90000"/>
+      </a:schemeClr>
+    </dgm:fillClrLst>
+    <dgm:linClrLst meth="repeat">
+      <a:schemeClr val="accent1"/>
+    </dgm:linClrLst>
+    <dgm:effectClrLst/>
+    <dgm:txLinClrLst/>
+    <dgm:txFillClrLst meth="repeat">
+      <a:schemeClr val="dk1"/>
+    </dgm:txFillClrLst>
+    <dgm:txEffectClrLst/>
+  </dgm:styleLbl>
+  <dgm:styleLbl name="alignAcc1">
+    <dgm:fillClrLst meth="repeat">
+      <a:schemeClr val="lt1">
+        <a:alpha val="90000"/>
+      </a:schemeClr>
+    </dgm:fillClrLst>
+    <dgm:linClrLst meth="repeat">
+      <a:schemeClr val="accent1"/>
+    </dgm:linClrLst>
+    <dgm:effectClrLst/>
+    <dgm:txLinClrLst/>
+    <dgm:txFillClrLst meth="repeat">
+      <a:schemeClr val="dk1"/>
+    </dgm:txFillClrLst>
+    <dgm:txEffectClrLst/>
+  </dgm:styleLbl>
+  <dgm:styleLbl name="trAlignAcc1">
+    <dgm:fillClrLst meth="repeat">
+      <a:schemeClr val="lt1">
+        <a:alpha val="40000"/>
+      </a:schemeClr>
+    </dgm:fillClrLst>
+    <dgm:linClrLst meth="repeat">
+      <a:schemeClr val="accent1"/>
+    </dgm:linClrLst>
+    <dgm:effectClrLst/>
+    <dgm:txLinClrLst/>
+    <dgm:txFillClrLst meth="repeat">
+      <a:schemeClr val="dk1"/>
+    </dgm:txFillClrLst>
+    <dgm:txEffectClrLst/>
+  </dgm:styleLbl>
+  <dgm:styleLbl name="bgAcc1">
+    <dgm:fillClrLst meth="repeat">
+      <a:schemeClr val="lt1">
+        <a:alpha val="90000"/>
+      </a:schemeClr>
+    </dgm:fillClrLst>
+    <dgm:linClrLst meth="repeat">
+      <a:schemeClr val="accent1"/>
+    </dgm:linClrLst>
+    <dgm:effectClrLst/>
+    <dgm:txLinClrLst/>
+    <dgm:txFillClrLst meth="repeat">
+      <a:schemeClr val="dk1"/>
+    </dgm:txFillClrLst>
+    <dgm:txEffectClrLst/>
+  </dgm:styleLbl>
+  <dgm:styleLbl name="solidFgAcc1">
+    <dgm:fillClrLst meth="repeat">
+      <a:schemeClr val="lt1"/>
+    </dgm:fillClrLst>
+    <dgm:linClrLst meth="repeat">
+      <a:schemeClr val="accent1"/>
+    </dgm:linClrLst>
+    <dgm:effectClrLst/>
+    <dgm:txLinClrLst/>
+    <dgm:txFillClrLst meth="repeat">
+      <a:schemeClr val="dk1"/>
+    </dgm:txFillClrLst>
+    <dgm:txEffectClrLst/>
+  </dgm:styleLbl>
+  <dgm:styleLbl name="solidAlignAcc1">
+    <dgm:fillClrLst meth="repeat">
+      <a:schemeClr val="lt1"/>
+    </dgm:fillClrLst>
+    <dgm:linClrLst meth="repeat">
+      <a:schemeClr val="accent1"/>
+    </dgm:linClrLst>
+    <dgm:effectClrLst/>
+    <dgm:txLinClrLst/>
+    <dgm:txFillClrLst meth="repeat">
+      <a:schemeClr val="dk1"/>
+    </dgm:txFillClrLst>
+    <dgm:txEffectClrLst/>
+  </dgm:styleLbl>
+  <dgm:styleLbl name="solidBgAcc1">
+    <dgm:fillClrLst meth="repeat">
+      <a:schemeClr val="lt1"/>
+    </dgm:fillClrLst>
+    <dgm:linClrLst meth="repeat">
+      <a:schemeClr val="accent1"/>
+    </dgm:linClrLst>
+    <dgm:effectClrLst/>
+    <dgm:txLinClrLst/>
+    <dgm:txFillClrLst meth="repeat">
+      <a:schemeClr val="dk1"/>
+    </dgm:txFillClrLst>
+    <dgm:txEffectClrLst/>
+  </dgm:styleLbl>
+  <dgm:styleLbl name="fgAccFollowNode1">
+    <dgm:fillClrLst meth="repeat">
+      <a:schemeClr val="accent1">
+        <a:alpha val="90000"/>
+        <a:tint val="40000"/>
+      </a:schemeClr>
+    </dgm:fillClrLst>
+    <dgm:linClrLst meth="repeat">
+      <a:schemeClr val="accent1">
+        <a:alpha val="90000"/>
+        <a:tint val="40000"/>
+      </a:schemeClr>
+    </dgm:linClrLst>
+    <dgm:effectClrLst/>
+    <dgm:txLinClrLst/>
+    <dgm:txFillClrLst meth="repeat">
+      <a:schemeClr val="dk1"/>
+    </dgm:txFillClrLst>
+    <dgm:txEffectClrLst/>
+  </dgm:styleLbl>
+  <dgm:styleLbl name="alignAccFollowNode1">
+    <dgm:fillClrLst meth="repeat">
+      <a:schemeClr val="accent1">
+        <a:alpha val="90000"/>
+        <a:tint val="40000"/>
+      </a:schemeClr>
+    </dgm:fillClrLst>
+    <dgm:linClrLst meth="repeat">
+      <a:schemeClr val="accent1">
+        <a:alpha val="90000"/>
+        <a:tint val="40000"/>
+      </a:schemeClr>
+    </dgm:linClrLst>
+    <dgm:effectClrLst/>
+    <dgm:txLinClrLst/>
+    <dgm:txFillClrLst meth="repeat">
+      <a:schemeClr val="dk1"/>
+    </dgm:txFillClrLst>
+    <dgm:txEffectClrLst/>
+  </dgm:styleLbl>
+  <dgm:styleLbl name="bgAccFollowNode1">
+    <dgm:fillClrLst meth="repeat">
+      <a:schemeClr val="accent1">
+        <a:alpha val="90000"/>
+        <a:tint val="40000"/>
+      </a:schemeClr>
+    </dgm:fillClrLst>
+    <dgm:linClrLst meth="repeat">
+      <a:schemeClr val="accent1">
+        <a:alpha val="90000"/>
+        <a:tint val="40000"/>
+      </a:schemeClr>
+    </dgm:linClrLst>
+    <dgm:effectClrLst/>
+    <dgm:txLinClrLst/>
+    <dgm:txFillClrLst meth="repeat">
+      <a:schemeClr val="dk1"/>
+    </dgm:txFillClrLst>
+    <dgm:txEffectClrLst/>
+  </dgm:styleLbl>
+  <dgm:styleLbl name="fgAcc0">
+    <dgm:fillClrLst meth="repeat">
+      <a:schemeClr val="lt1">
+        <a:alpha val="90000"/>
+      </a:schemeClr>
+    </dgm:fillClrLst>
+    <dgm:linClrLst meth="repeat">
+      <a:schemeClr val="accent1"/>
+    </dgm:linClrLst>
+    <dgm:effectClrLst/>
+    <dgm:txLinClrLst/>
+    <dgm:txFillClrLst meth="repeat">
+      <a:schemeClr val="dk1"/>
+    </dgm:txFillClrLst>
+    <dgm:txEffectClrLst/>
+  </dgm:styleLbl>
+  <dgm:styleLbl name="fgAcc2">
+    <dgm:fillClrLst meth="repeat">
+      <a:schemeClr val="lt1">
+        <a:alpha val="90000"/>
+      </a:schemeClr>
+    </dgm:fillClrLst>
+    <dgm:linClrLst meth="repeat">
+      <a:schemeClr val="accent1"/>
+    </dgm:linClrLst>
+    <dgm:effectClrLst/>
+    <dgm:txLinClrLst/>
+    <dgm:txFillClrLst meth="repeat">
+      <a:schemeClr val="dk1"/>
+    </dgm:txFillClrLst>
+    <dgm:txEffectClrLst/>
+  </dgm:styleLbl>
+  <dgm:styleLbl name="fgAcc3">
+    <dgm:fillClrLst meth="repeat">
+      <a:schemeClr val="lt1">
+        <a:alpha val="90000"/>
+      </a:schemeClr>
+    </dgm:fillClrLst>
+    <dgm:linClrLst meth="repeat">
+      <a:schemeClr val="accent1"/>
+    </dgm:linClrLst>
+    <dgm:effectClrLst/>
+    <dgm:txLinClrLst/>
+    <dgm:txFillClrLst meth="repeat">
+      <a:schemeClr val="dk1"/>
+    </dgm:txFillClrLst>
+    <dgm:txEffectClrLst/>
+  </dgm:styleLbl>
+  <dgm:styleLbl name="fgAcc4">
+    <dgm:fillClrLst meth="repeat">
+      <a:schemeClr val="lt1">
+        <a:alpha val="90000"/>
+      </a:schemeClr>
+    </dgm:fillClrLst>
+    <dgm:linClrLst meth="repeat">
+      <a:schemeClr val="accent1"/>
+    </dgm:linClrLst>
+    <dgm:effectClrLst/>
+    <dgm:txLinClrLst/>
+    <dgm:txFillClrLst meth="repeat">
+      <a:schemeClr val="dk1"/>
+    </dgm:txFillClrLst>
+    <dgm:txEffectClrLst/>
+  </dgm:styleLbl>
+  <dgm:styleLbl name="bgShp">
+    <dgm:fillClrLst meth="repeat">
+      <a:schemeClr val="accent1">
+        <a:tint val="40000"/>
+      </a:schemeClr>
+    </dgm:fillClrLst>
+    <dgm:linClrLst meth="repeat">
+      <a:schemeClr val="accent1"/>
+    </dgm:linClrLst>
+    <dgm:effectClrLst/>
+    <dgm:txLinClrLst/>
+    <dgm:txFillClrLst meth="repeat">
+      <a:schemeClr val="dk1"/>
+    </dgm:txFillClrLst>
+    <dgm:txEffectClrLst/>
+  </dgm:styleLbl>
+  <dgm:styleLbl name="dkBgShp">
+    <dgm:fillClrLst meth="repeat">
+      <a:schemeClr val="accent1">
+        <a:shade val="80000"/>
+      </a:schemeClr>
+    </dgm:fillClrLst>
+    <dgm:linClrLst meth="repeat">
+      <a:schemeClr val="accent1"/>
+    </dgm:linClrLst>
+    <dgm:effectClrLst/>
+    <dgm:txLinClrLst/>
+    <dgm:txFillClrLst meth="repeat">
+      <a:schemeClr val="lt1"/>
+    </dgm:txFillClrLst>
+    <dgm:txEffectClrLst/>
+  </dgm:styleLbl>
+  <dgm:styleLbl name="trBgShp">
+    <dgm:fillClrLst meth="repeat">
+      <a:schemeClr val="accent1">
+        <a:tint val="50000"/>
+        <a:alpha val="40000"/>
+      </a:schemeClr>
+    </dgm:fillClrLst>
+    <dgm:linClrLst meth="repeat">
+      <a:schemeClr val="accent1"/>
+    </dgm:linClrLst>
+    <dgm:effectClrLst/>
+    <dgm:txLinClrLst/>
+    <dgm:txFillClrLst meth="repeat">
+      <a:schemeClr val="lt1"/>
+    </dgm:txFillClrLst>
+    <dgm:txEffectClrLst/>
+  </dgm:styleLbl>
+  <dgm:styleLbl name="fgShp">
+    <dgm:fillClrLst meth="repeat">
+      <a:schemeClr val="accent1">
+        <a:tint val="60000"/>
+      </a:schemeClr>
+    </dgm:fillClrLst>
+    <dgm:linClrLst meth="repeat">
+      <a:schemeClr val="lt1"/>
+    </dgm:linClrLst>
+    <dgm:effectClrLst/>
+    <dgm:txLinClrLst/>
+    <dgm:txFillClrLst meth="repeat">
+      <a:schemeClr val="dk1"/>
+    </dgm:txFillClrLst>
+    <dgm:txEffectClrLst/>
+  </dgm:styleLbl>
+  <dgm:styleLbl name="revTx">
+    <dgm:fillClrLst meth="repeat">
+      <a:schemeClr val="lt1">
+        <a:alpha val="0"/>
+      </a:schemeClr>
+    </dgm:fillClrLst>
+    <dgm:linClrLst meth="repeat">
+      <a:schemeClr val="dk1">
+        <a:alpha val="0"/>
+      </a:schemeClr>
+    </dgm:linClrLst>
+    <dgm:effectClrLst/>
+    <dgm:txLinClrLst/>
+    <dgm:txFillClrLst meth="repeat">
+      <a:schemeClr val="tx1"/>
+    </dgm:txFillClrLst>
+    <dgm:txEffectClrLst/>
+  </dgm:styleLbl>
+</dgm:colorsDef>
+</file>
+
+<file path=ppt/diagrams/colors2.xml><?xml version="1.0" encoding="utf-8"?>
+<dgm:colorsDef xmlns:dgm="http://schemas.openxmlformats.org/drawingml/2006/diagram" xmlns:a="http://schemas.openxmlformats.org/drawingml/2006/main" uniqueId="urn:microsoft.com/office/officeart/2005/8/colors/accent1_2">
+  <dgm:title val=""/>
+  <dgm:desc val=""/>
+  <dgm:catLst>
+    <dgm:cat type="accent1" pri="11200"/>
+  </dgm:catLst>
+  <dgm:styleLbl name="node0">
+    <dgm:fillClrLst meth="repeat">
+      <a:schemeClr val="accent1"/>
+    </dgm:fillClrLst>
+    <dgm:linClrLst meth="repeat">
+      <a:schemeClr val="lt1"/>
+    </dgm:linClrLst>
+    <dgm:effectClrLst/>
+    <dgm:txLinClrLst/>
+    <dgm:txFillClrLst/>
+    <dgm:txEffectClrLst/>
+  </dgm:styleLbl>
+  <dgm:styleLbl name="alignNode1">
+    <dgm:fillClrLst meth="repeat">
+      <a:schemeClr val="accent1"/>
+    </dgm:fillClrLst>
+    <dgm:linClrLst meth="repeat">
+      <a:schemeClr val="accent1"/>
+    </dgm:linClrLst>
+    <dgm:effectClrLst/>
+    <dgm:txLinClrLst/>
+    <dgm:txFillClrLst/>
+    <dgm:txEffectClrLst/>
+  </dgm:styleLbl>
+  <dgm:styleLbl name="node1">
+    <dgm:fillClrLst meth="repeat">
+      <a:schemeClr val="accent1"/>
+    </dgm:fillClrLst>
+    <dgm:linClrLst meth="repeat">
+      <a:schemeClr val="lt1"/>
+    </dgm:linClrLst>
+    <dgm:effectClrLst/>
+    <dgm:txLinClrLst/>
+    <dgm:txFillClrLst/>
+    <dgm:txEffectClrLst/>
+  </dgm:styleLbl>
+  <dgm:styleLbl name="lnNode1">
+    <dgm:fillClrLst meth="repeat">
+      <a:schemeClr val="accent1"/>
+    </dgm:fillClrLst>
+    <dgm:linClrLst meth="repeat">
+      <a:schemeClr val="lt1"/>
+    </dgm:linClrLst>
+    <dgm:effectClrLst/>
+    <dgm:txLinClrLst/>
+    <dgm:txFillClrLst/>
+    <dgm:txEffectClrLst/>
+  </dgm:styleLbl>
+  <dgm:styleLbl name="vennNode1">
+    <dgm:fillClrLst meth="repeat">
+      <a:schemeClr val="accent1">
+        <a:alpha val="50000"/>
+      </a:schemeClr>
+    </dgm:fillClrLst>
+    <dgm:linClrLst meth="repeat">
+      <a:schemeClr val="lt1"/>
+    </dgm:linClrLst>
+    <dgm:effectClrLst/>
+    <dgm:txLinClrLst/>
+    <dgm:txFillClrLst/>
+    <dgm:txEffectClrLst/>
+  </dgm:styleLbl>
+  <dgm:styleLbl name="node2">
+    <dgm:fillClrLst meth="repeat">
+      <a:schemeClr val="accent1"/>
+    </dgm:fillClrLst>
+    <dgm:linClrLst meth="repeat">
+      <a:schemeClr val="lt1"/>
+    </dgm:linClrLst>
+    <dgm:effectClrLst/>
+    <dgm:txLinClrLst/>
+    <dgm:txFillClrLst/>
+    <dgm:txEffectClrLst/>
+  </dgm:styleLbl>
+  <dgm:styleLbl name="node3">
+    <dgm:fillClrLst meth="repeat">
+      <a:schemeClr val="accent1"/>
+    </dgm:fillClrLst>
+    <dgm:linClrLst meth="repeat">
+      <a:schemeClr val="lt1"/>
+    </dgm:linClrLst>
+    <dgm:effectClrLst/>
+    <dgm:txLinClrLst/>
+    <dgm:txFillClrLst/>
+    <dgm:txEffectClrLst/>
+  </dgm:styleLbl>
+  <dgm:styleLbl name="node4">
+    <dgm:fillClrLst meth="repeat">
+      <a:schemeClr val="accent1"/>
+    </dgm:fillClrLst>
+    <dgm:linClrLst meth="repeat">
+      <a:schemeClr val="lt1"/>
+    </dgm:linClrLst>
+    <dgm:effectClrLst/>
+    <dgm:txLinClrLst/>
+    <dgm:txFillClrLst/>
+    <dgm:txEffectClrLst/>
+  </dgm:styleLbl>
+  <dgm:styleLbl name="fgImgPlace1">
+    <dgm:fillClrLst meth="repeat">
+      <a:schemeClr val="accent1">
+        <a:tint val="50000"/>
+      </a:schemeClr>
+    </dgm:fillClrLst>
+    <dgm:linClrLst meth="repeat">
+      <a:schemeClr val="lt1"/>
+    </dgm:linClrLst>
+    <dgm:effectClrLst/>
+    <dgm:txLinClrLst/>
+    <dgm:txFillClrLst meth="repeat">
+      <a:schemeClr val="lt1"/>
+    </dgm:txFillClrLst>
+    <dgm:txEffectClrLst/>
+  </dgm:styleLbl>
+  <dgm:styleLbl name="alignImgPlace1">
+    <dgm:fillClrLst meth="repeat">
+      <a:schemeClr val="accent1">
+        <a:tint val="50000"/>
+      </a:schemeClr>
+    </dgm:fillClrLst>
+    <dgm:linClrLst meth="repeat">
+      <a:schemeClr val="lt1"/>
+    </dgm:linClrLst>
+    <dgm:effectClrLst/>
+    <dgm:txLinClrLst/>
+    <dgm:txFillClrLst meth="repeat">
+      <a:schemeClr val="lt1"/>
+    </dgm:txFillClrLst>
+    <dgm:txEffectClrLst/>
+  </dgm:styleLbl>
+  <dgm:styleLbl name="bgImgPlace1">
+    <dgm:fillClrLst meth="repeat">
+      <a:schemeClr val="accent1">
+        <a:tint val="50000"/>
+      </a:schemeClr>
+    </dgm:fillClrLst>
+    <dgm:linClrLst meth="repeat">
+      <a:schemeClr val="lt1"/>
+    </dgm:linClrLst>
+    <dgm:effectClrLst/>
+    <dgm:txLinClrLst/>
+    <dgm:txFillClrLst meth="repeat">
+      <a:schemeClr val="lt1"/>
+    </dgm:txFillClrLst>
+    <dgm:txEffectClrLst/>
+  </dgm:styleLbl>
+  <dgm:styleLbl name="sibTrans2D1">
+    <dgm:fillClrLst meth="repeat">
+      <a:schemeClr val="accent1">
+        <a:tint val="60000"/>
+      </a:schemeClr>
+    </dgm:fillClrLst>
+    <dgm:linClrLst meth="repeat">
+      <a:schemeClr val="accent1">
+        <a:tint val="60000"/>
+      </a:schemeClr>
+    </dgm:linClrLst>
+    <dgm:effectClrLst/>
+    <dgm:txLinClrLst/>
+    <dgm:txFillClrLst/>
+    <dgm:txEffectClrLst/>
+  </dgm:styleLbl>
+  <dgm:styleLbl name="fgSibTrans2D1">
+    <dgm:fillClrLst meth="repeat">
+      <a:schemeClr val="accent1">
+        <a:tint val="60000"/>
+      </a:schemeClr>
+    </dgm:fillClrLst>
+    <dgm:linClrLst meth="repeat">
+      <a:schemeClr val="accent1">
+        <a:tint val="60000"/>
+      </a:schemeClr>
+    </dgm:linClrLst>
+    <dgm:effectClrLst/>
+    <dgm:txLinClrLst/>
+    <dgm:txFillClrLst/>
+    <dgm:txEffectClrLst/>
+  </dgm:styleLbl>
+  <dgm:styleLbl name="bgSibTrans2D1">
+    <dgm:fillClrLst meth="repeat">
+      <a:schemeClr val="accent1">
+        <a:tint val="60000"/>
+      </a:schemeClr>
+    </dgm:fillClrLst>
+    <dgm:linClrLst meth="repeat">
+      <a:schemeClr val="accent1">
+        <a:tint val="60000"/>
+      </a:schemeClr>
+    </dgm:linClrLst>
+    <dgm:effectClrLst/>
+    <dgm:txLinClrLst/>
+    <dgm:txFillClrLst/>
+    <dgm:txEffectClrLst/>
+  </dgm:styleLbl>
+  <dgm:styleLbl name="sibTrans1D1">
+    <dgm:fillClrLst meth="repeat">
+      <a:schemeClr val="accent1"/>
+    </dgm:fillClrLst>
+    <dgm:linClrLst meth="repeat">
+      <a:schemeClr val="accent1"/>
+    </dgm:linClrLst>
+    <dgm:effectClrLst/>
+    <dgm:txLinClrLst/>
+    <dgm:txFillClrLst meth="repeat">
+      <a:schemeClr val="tx1"/>
+    </dgm:txFillClrLst>
+    <dgm:txEffectClrLst/>
+  </dgm:styleLbl>
+  <dgm:styleLbl name="callout">
+    <dgm:fillClrLst meth="repeat">
+      <a:schemeClr val="accent1"/>
+    </dgm:fillClrLst>
+    <dgm:linClrLst meth="repeat">
+      <a:schemeClr val="accent1">
+        <a:tint val="50000"/>
+      </a:schemeClr>
+    </dgm:linClrLst>
+    <dgm:effectClrLst/>
+    <dgm:txLinClrLst/>
+    <dgm:txFillClrLst meth="repeat">
+      <a:schemeClr val="tx1"/>
+    </dgm:txFillClrLst>
+    <dgm:txEffectClrLst/>
+  </dgm:styleLbl>
+  <dgm:styleLbl name="asst0">
+    <dgm:fillClrLst meth="repeat">
+      <a:schemeClr val="accent1"/>
+    </dgm:fillClrLst>
+    <dgm:linClrLst meth="repeat">
+      <a:schemeClr val="lt1"/>
+    </dgm:linClrLst>
+    <dgm:effectClrLst/>
+    <dgm:txLinClrLst/>
+    <dgm:txFillClrLst/>
+    <dgm:txEffectClrLst/>
+  </dgm:styleLbl>
+  <dgm:styleLbl name="asst1">
+    <dgm:fillClrLst meth="repeat">
+      <a:schemeClr val="accent1"/>
+    </dgm:fillClrLst>
+    <dgm:linClrLst meth="repeat">
+      <a:schemeClr val="lt1"/>
+    </dgm:linClrLst>
+    <dgm:effectClrLst/>
+    <dgm:txLinClrLst/>
+    <dgm:txFillClrLst/>
+    <dgm:txEffectClrLst/>
+  </dgm:styleLbl>
+  <dgm:styleLbl name="asst2">
+    <dgm:fillClrLst meth="repeat">
+      <a:schemeClr val="accent1"/>
+    </dgm:fillClrLst>
+    <dgm:linClrLst meth="repeat">
+      <a:schemeClr val="lt1"/>
+    </dgm:linClrLst>
+    <dgm:effectClrLst/>
+    <dgm:txLinClrLst/>
+    <dgm:txFillClrLst/>
+    <dgm:txEffectClrLst/>
+  </dgm:styleLbl>
+  <dgm:styleLbl name="asst3">
+    <dgm:fillClrLst meth="repeat">
+      <a:schemeClr val="accent1"/>
+    </dgm:fillClrLst>
+    <dgm:linClrLst meth="repeat">
+      <a:schemeClr val="lt1"/>
+    </dgm:linClrLst>
+    <dgm:effectClrLst/>
+    <dgm:txLinClrLst/>
+    <dgm:txFillClrLst/>
+    <dgm:txEffectClrLst/>
+  </dgm:styleLbl>
+  <dgm:styleLbl name="asst4">
+    <dgm:fillClrLst meth="repeat">
+      <a:schemeClr val="accent1"/>
+    </dgm:fillClrLst>
+    <dgm:linClrLst meth="repeat">
+      <a:schemeClr val="lt1"/>
+    </dgm:linClrLst>
+    <dgm:effectClrLst/>
+    <dgm:txLinClrLst/>
+    <dgm:txFillClrLst/>
+    <dgm:txEffectClrLst/>
+  </dgm:styleLbl>
+  <dgm:styleLbl name="parChTrans2D1">
+    <dgm:fillClrLst meth="repeat">
+      <a:schemeClr val="accent1">
+        <a:tint val="60000"/>
+      </a:schemeClr>
+    </dgm:fillClrLst>
+    <dgm:linClrLst meth="repeat">
+      <a:schemeClr val="accent1">
+        <a:tint val="60000"/>
+      </a:schemeClr>
+    </dgm:linClrLst>
+    <dgm:effectClrLst/>
+    <dgm:txLinClrLst/>
+    <dgm:txFillClrLst meth="repeat">
+      <a:schemeClr val="lt1"/>
+    </dgm:txFillClrLst>
+    <dgm:txEffectClrLst/>
+  </dgm:styleLbl>
+  <dgm:styleLbl name="parChTrans2D2">
+    <dgm:fillClrLst meth="repeat">
+      <a:schemeClr val="accent1"/>
+    </dgm:fillClrLst>
+    <dgm:linClrLst meth="repeat">
+      <a:schemeClr val="accent1"/>
+    </dgm:linClrLst>
+    <dgm:effectClrLst/>
+    <dgm:txLinClrLst/>
+    <dgm:txFillClrLst meth="repeat">
+      <a:schemeClr val="lt1"/>
+    </dgm:txFillClrLst>
+    <dgm:txEffectClrLst/>
+  </dgm:styleLbl>
+  <dgm:styleLbl name="parChTrans2D3">
+    <dgm:fillClrLst meth="repeat">
+      <a:schemeClr val="accent1"/>
+    </dgm:fillClrLst>
+    <dgm:linClrLst meth="repeat">
+      <a:schemeClr val="accent1"/>
+    </dgm:linClrLst>
+    <dgm:effectClrLst/>
+    <dgm:txLinClrLst/>
+    <dgm:txFillClrLst meth="repeat">
+      <a:schemeClr val="lt1"/>
+    </dgm:txFillClrLst>
+    <dgm:txEffectClrLst/>
+  </dgm:styleLbl>
+  <dgm:styleLbl name="parChTrans2D4">
+    <dgm:fillClrLst meth="repeat">
+      <a:schemeClr val="accent1"/>
+    </dgm:fillClrLst>
+    <dgm:linClrLst meth="repeat">
+      <a:schemeClr val="accent1"/>
+    </dgm:linClrLst>
+    <dgm:effectClrLst/>
+    <dgm:txLinClrLst/>
+    <dgm:txFillClrLst meth="repeat">
+      <a:schemeClr val="lt1"/>
+    </dgm:txFillClrLst>
+    <dgm:txEffectClrLst/>
+  </dgm:styleLbl>
+  <dgm:styleLbl name="parChTrans1D1">
+    <dgm:fillClrLst meth="repeat">
+      <a:schemeClr val="accent1"/>
+    </dgm:fillClrLst>
+    <dgm:linClrLst meth="repeat">
+      <a:schemeClr val="accent1">
+        <a:shade val="60000"/>
+      </a:schemeClr>
+    </dgm:linClrLst>
+    <dgm:effectClrLst/>
+    <dgm:txLinClrLst/>
+    <dgm:txFillClrLst meth="repeat">
+      <a:schemeClr val="tx1"/>
+    </dgm:txFillClrLst>
+    <dgm:txEffectClrLst/>
+  </dgm:styleLbl>
+  <dgm:styleLbl name="parChTrans1D2">
+    <dgm:fillClrLst meth="repeat">
+      <a:schemeClr val="accent1"/>
+    </dgm:fillClrLst>
+    <dgm:linClrLst meth="repeat">
+      <a:schemeClr val="accent1">
+        <a:shade val="60000"/>
+      </a:schemeClr>
+    </dgm:linClrLst>
+    <dgm:effectClrLst/>
+    <dgm:txLinClrLst/>
+    <dgm:txFillClrLst meth="repeat">
+      <a:schemeClr val="tx1"/>
+    </dgm:txFillClrLst>
+    <dgm:txEffectClrLst/>
+  </dgm:styleLbl>
+  <dgm:styleLbl name="parChTrans1D3">
+    <dgm:fillClrLst meth="repeat">
+      <a:schemeClr val="accent1"/>
+    </dgm:fillClrLst>
+    <dgm:linClrLst meth="repeat">
+      <a:schemeClr val="accent1">
+        <a:shade val="80000"/>
+      </a:schemeClr>
+    </dgm:linClrLst>
+    <dgm:effectClrLst/>
+    <dgm:txLinClrLst/>
+    <dgm:txFillClrLst meth="repeat">
+      <a:schemeClr val="tx1"/>
+    </dgm:txFillClrLst>
+    <dgm:txEffectClrLst/>
+  </dgm:styleLbl>
+  <dgm:styleLbl name="parChTrans1D4">
+    <dgm:fillClrLst meth="repeat">
+      <a:schemeClr val="accent1"/>
+    </dgm:fillClrLst>
+    <dgm:linClrLst meth="repeat">
+      <a:schemeClr val="accent1">
+        <a:shade val="80000"/>
+      </a:schemeClr>
+    </dgm:linClrLst>
+    <dgm:effectClrLst/>
+    <dgm:txLinClrLst/>
+    <dgm:txFillClrLst meth="repeat">
+      <a:schemeClr val="tx1"/>
+    </dgm:txFillClrLst>
+    <dgm:txEffectClrLst/>
+  </dgm:styleLbl>
+  <dgm:styleLbl name="fgAcc1">
+    <dgm:fillClrLst meth="repeat">
+      <a:schemeClr val="lt1">
+        <a:alpha val="90000"/>
+      </a:schemeClr>
+    </dgm:fillClrLst>
+    <dgm:linClrLst meth="repeat">
+      <a:schemeClr val="accent1"/>
+    </dgm:linClrLst>
+    <dgm:effectClrLst/>
+    <dgm:txLinClrLst/>
+    <dgm:txFillClrLst meth="repeat">
+      <a:schemeClr val="dk1"/>
+    </dgm:txFillClrLst>
+    <dgm:txEffectClrLst/>
+  </dgm:styleLbl>
+  <dgm:styleLbl name="conFgAcc1">
+    <dgm:fillClrLst meth="repeat">
+      <a:schemeClr val="lt1">
+        <a:alpha val="90000"/>
+      </a:schemeClr>
+    </dgm:fillClrLst>
+    <dgm:linClrLst meth="repeat">
+      <a:schemeClr val="accent1"/>
+    </dgm:linClrLst>
+    <dgm:effectClrLst/>
+    <dgm:txLinClrLst/>
+    <dgm:txFillClrLst meth="repeat">
+      <a:schemeClr val="dk1"/>
+    </dgm:txFillClrLst>
+    <dgm:txEffectClrLst/>
+  </dgm:styleLbl>
+  <dgm:styleLbl name="alignAcc1">
+    <dgm:fillClrLst meth="repeat">
+      <a:schemeClr val="lt1">
+        <a:alpha val="90000"/>
+      </a:schemeClr>
+    </dgm:fillClrLst>
+    <dgm:linClrLst meth="repeat">
+      <a:schemeClr val="accent1"/>
+    </dgm:linClrLst>
+    <dgm:effectClrLst/>
+    <dgm:txLinClrLst/>
+    <dgm:txFillClrLst meth="repeat">
+      <a:schemeClr val="dk1"/>
+    </dgm:txFillClrLst>
+    <dgm:txEffectClrLst/>
+  </dgm:styleLbl>
+  <dgm:styleLbl name="trAlignAcc1">
+    <dgm:fillClrLst meth="repeat">
+      <a:schemeClr val="lt1">
+        <a:alpha val="40000"/>
+      </a:schemeClr>
+    </dgm:fillClrLst>
+    <dgm:linClrLst meth="repeat">
+      <a:schemeClr val="accent1"/>
+    </dgm:linClrLst>
+    <dgm:effectClrLst/>
+    <dgm:txLinClrLst/>
+    <dgm:txFillClrLst meth="repeat">
+      <a:schemeClr val="dk1"/>
+    </dgm:txFillClrLst>
+    <dgm:txEffectClrLst/>
+  </dgm:styleLbl>
+  <dgm:styleLbl name="bgAcc1">
+    <dgm:fillClrLst meth="repeat">
+      <a:schemeClr val="lt1">
+        <a:alpha val="90000"/>
+      </a:schemeClr>
+    </dgm:fillClrLst>
+    <dgm:linClrLst meth="repeat">
+      <a:schemeClr val="accent1"/>
+    </dgm:linClrLst>
+    <dgm:effectClrLst/>
+    <dgm:txLinClrLst/>
+    <dgm:txFillClrLst meth="repeat">
+      <a:schemeClr val="dk1"/>
+    </dgm:txFillClrLst>
+    <dgm:txEffectClrLst/>
+  </dgm:styleLbl>
+  <dgm:styleLbl name="solidFgAcc1">
+    <dgm:fillClrLst meth="repeat">
+      <a:schemeClr val="lt1"/>
+    </dgm:fillClrLst>
+    <dgm:linClrLst meth="repeat">
+      <a:schemeClr val="accent1"/>
+    </dgm:linClrLst>
+    <dgm:effectClrLst/>
+    <dgm:txLinClrLst/>
+    <dgm:txFillClrLst meth="repeat">
+      <a:schemeClr val="dk1"/>
+    </dgm:txFillClrLst>
+    <dgm:txEffectClrLst/>
+  </dgm:styleLbl>
+  <dgm:styleLbl name="solidAlignAcc1">
+    <dgm:fillClrLst meth="repeat">
+      <a:schemeClr val="lt1"/>
+    </dgm:fillClrLst>
+    <dgm:linClrLst meth="repeat">
+      <a:schemeClr val="accent1"/>
+    </dgm:linClrLst>
+    <dgm:effectClrLst/>
+    <dgm:txLinClrLst/>
+    <dgm:txFillClrLst meth="repeat">
+      <a:schemeClr val="dk1"/>
+    </dgm:txFillClrLst>
+    <dgm:txEffectClrLst/>
+  </dgm:styleLbl>
+  <dgm:styleLbl name="solidBgAcc1">
+    <dgm:fillClrLst meth="repeat">
+      <a:schemeClr val="lt1"/>
+    </dgm:fillClrLst>
+    <dgm:linClrLst meth="repeat">
+      <a:schemeClr val="accent1"/>
+    </dgm:linClrLst>
+    <dgm:effectClrLst/>
+    <dgm:txLinClrLst/>
+    <dgm:txFillClrLst meth="repeat">
+      <a:schemeClr val="dk1"/>
+    </dgm:txFillClrLst>
+    <dgm:txEffectClrLst/>
+  </dgm:styleLbl>
+  <dgm:styleLbl name="fgAccFollowNode1">
+    <dgm:fillClrLst meth="repeat">
+      <a:schemeClr val="accent1">
+        <a:alpha val="90000"/>
+        <a:tint val="40000"/>
+      </a:schemeClr>
+    </dgm:fillClrLst>
+    <dgm:linClrLst meth="repeat">
+      <a:schemeClr val="accent1">
+        <a:alpha val="90000"/>
+        <a:tint val="40000"/>
+      </a:schemeClr>
+    </dgm:linClrLst>
+    <dgm:effectClrLst/>
+    <dgm:txLinClrLst/>
+    <dgm:txFillClrLst meth="repeat">
+      <a:schemeClr val="dk1"/>
+    </dgm:txFillClrLst>
+    <dgm:txEffectClrLst/>
+  </dgm:styleLbl>
+  <dgm:styleLbl name="alignAccFollowNode1">
+    <dgm:fillClrLst meth="repeat">
+      <a:schemeClr val="accent1">
+        <a:alpha val="90000"/>
+        <a:tint val="40000"/>
+      </a:schemeClr>
+    </dgm:fillClrLst>
+    <dgm:linClrLst meth="repeat">
+      <a:schemeClr val="accent1">
+        <a:alpha val="90000"/>
+        <a:tint val="40000"/>
+      </a:schemeClr>
+    </dgm:linClrLst>
+    <dgm:effectClrLst/>
+    <dgm:txLinClrLst/>
+    <dgm:txFillClrLst meth="repeat">
+      <a:schemeClr val="dk1"/>
+    </dgm:txFillClrLst>
+    <dgm:txEffectClrLst/>
+  </dgm:styleLbl>
+  <dgm:styleLbl name="bgAccFollowNode1">
+    <dgm:fillClrLst meth="repeat">
+      <a:schemeClr val="accent1">
+        <a:alpha val="90000"/>
+        <a:tint val="40000"/>
+      </a:schemeClr>
+    </dgm:fillClrLst>
+    <dgm:linClrLst meth="repeat">
+      <a:schemeClr val="accent1">
+        <a:alpha val="90000"/>
+        <a:tint val="40000"/>
+      </a:schemeClr>
+    </dgm:linClrLst>
+    <dgm:effectClrLst/>
+    <dgm:txLinClrLst/>
+    <dgm:txFillClrLst meth="repeat">
+      <a:schemeClr val="dk1"/>
+    </dgm:txFillClrLst>
+    <dgm:txEffectClrLst/>
+  </dgm:styleLbl>
+  <dgm:styleLbl name="fgAcc0">
+    <dgm:fillClrLst meth="repeat">
+      <a:schemeClr val="lt1">
+        <a:alpha val="90000"/>
+      </a:schemeClr>
+    </dgm:fillClrLst>
+    <dgm:linClrLst meth="repeat">
+      <a:schemeClr val="accent1"/>
+    </dgm:linClrLst>
+    <dgm:effectClrLst/>
+    <dgm:txLinClrLst/>
+    <dgm:txFillClrLst meth="repeat">
+      <a:schemeClr val="dk1"/>
+    </dgm:txFillClrLst>
+    <dgm:txEffectClrLst/>
+  </dgm:styleLbl>
+  <dgm:styleLbl name="fgAcc2">
+    <dgm:fillClrLst meth="repeat">
+      <a:schemeClr val="lt1">
+        <a:alpha val="90000"/>
+      </a:schemeClr>
+    </dgm:fillClrLst>
+    <dgm:linClrLst meth="repeat">
+      <a:schemeClr val="accent1"/>
+    </dgm:linClrLst>
+    <dgm:effectClrLst/>
+    <dgm:txLinClrLst/>
+    <dgm:txFillClrLst meth="repeat">
+      <a:schemeClr val="dk1"/>
+    </dgm:txFillClrLst>
+    <dgm:txEffectClrLst/>
+  </dgm:styleLbl>
+  <dgm:styleLbl name="fgAcc3">
+    <dgm:fillClrLst meth="repeat">
+      <a:schemeClr val="lt1">
+        <a:alpha val="90000"/>
+      </a:schemeClr>
+    </dgm:fillClrLst>
+    <dgm:linClrLst meth="repeat">
+      <a:schemeClr val="accent1"/>
+    </dgm:linClrLst>
+    <dgm:effectClrLst/>
+    <dgm:txLinClrLst/>
+    <dgm:txFillClrLst meth="repeat">
+      <a:schemeClr val="dk1"/>
+    </dgm:txFillClrLst>
+    <dgm:txEffectClrLst/>
+  </dgm:styleLbl>
+  <dgm:styleLbl name="fgAcc4">
+    <dgm:fillClrLst meth="repeat">
+      <a:schemeClr val="lt1">
+        <a:alpha val="90000"/>
+      </a:schemeClr>
+    </dgm:fillClrLst>
+    <dgm:linClrLst meth="repeat">
+      <a:schemeClr val="accent1"/>
+    </dgm:linClrLst>
+    <dgm:effectClrLst/>
+    <dgm:txLinClrLst/>
+    <dgm:txFillClrLst meth="repeat">
+      <a:schemeClr val="dk1"/>
+    </dgm:txFillClrLst>
+    <dgm:txEffectClrLst/>
+  </dgm:styleLbl>
+  <dgm:styleLbl name="bgShp">
+    <dgm:fillClrLst meth="repeat">
+      <a:schemeClr val="accent1">
+        <a:tint val="40000"/>
+      </a:schemeClr>
+    </dgm:fillClrLst>
+    <dgm:linClrLst meth="repeat">
+      <a:schemeClr val="accent1"/>
+    </dgm:linClrLst>
+    <dgm:effectClrLst/>
+    <dgm:txLinClrLst/>
+    <dgm:txFillClrLst meth="repeat">
+      <a:schemeClr val="dk1"/>
+    </dgm:txFillClrLst>
+    <dgm:txEffectClrLst/>
+  </dgm:styleLbl>
+  <dgm:styleLbl name="dkBgShp">
+    <dgm:fillClrLst meth="repeat">
+      <a:schemeClr val="accent1">
+        <a:shade val="80000"/>
+      </a:schemeClr>
+    </dgm:fillClrLst>
+    <dgm:linClrLst meth="repeat">
+      <a:schemeClr val="accent1"/>
+    </dgm:linClrLst>
+    <dgm:effectClrLst/>
+    <dgm:txLinClrLst/>
+    <dgm:txFillClrLst meth="repeat">
+      <a:schemeClr val="lt1"/>
+    </dgm:txFillClrLst>
+    <dgm:txEffectClrLst/>
+  </dgm:styleLbl>
+  <dgm:styleLbl name="trBgShp">
+    <dgm:fillClrLst meth="repeat">
+      <a:schemeClr val="accent1">
+        <a:tint val="50000"/>
+        <a:alpha val="40000"/>
+      </a:schemeClr>
+    </dgm:fillClrLst>
+    <dgm:linClrLst meth="repeat">
+      <a:schemeClr val="accent1"/>
+    </dgm:linClrLst>
+    <dgm:effectClrLst/>
+    <dgm:txLinClrLst/>
+    <dgm:txFillClrLst meth="repeat">
+      <a:schemeClr val="lt1"/>
+    </dgm:txFillClrLst>
+    <dgm:txEffectClrLst/>
+  </dgm:styleLbl>
+  <dgm:styleLbl name="fgShp">
+    <dgm:fillClrLst meth="repeat">
+      <a:schemeClr val="accent1">
+        <a:tint val="60000"/>
+      </a:schemeClr>
+    </dgm:fillClrLst>
+    <dgm:linClrLst meth="repeat">
+      <a:schemeClr val="lt1"/>
+    </dgm:linClrLst>
+    <dgm:effectClrLst/>
+    <dgm:txLinClrLst/>
+    <dgm:txFillClrLst meth="repeat">
+      <a:schemeClr val="dk1"/>
+    </dgm:txFillClrLst>
+    <dgm:txEffectClrLst/>
+  </dgm:styleLbl>
+  <dgm:styleLbl name="revTx">
+    <dgm:fillClrLst meth="repeat">
+      <a:schemeClr val="lt1">
+        <a:alpha val="0"/>
+      </a:schemeClr>
+    </dgm:fillClrLst>
+    <dgm:linClrLst meth="repeat">
+      <a:schemeClr val="dk1">
+        <a:alpha val="0"/>
+      </a:schemeClr>
+    </dgm:linClrLst>
+    <dgm:effectClrLst/>
+    <dgm:txLinClrLst/>
+    <dgm:txFillClrLst meth="repeat">
+      <a:schemeClr val="tx1"/>
+    </dgm:txFillClrLst>
+    <dgm:txEffectClrLst/>
+  </dgm:styleLbl>
+</dgm:colorsDef>
+</file>
+
+<file path=ppt/diagrams/data1.xml><?xml version="1.0" encoding="utf-8"?>
+<dgm:dataModel xmlns:dgm="http://schemas.openxmlformats.org/drawingml/2006/diagram" xmlns:a="http://schemas.openxmlformats.org/drawingml/2006/main">
+  <dgm:ptLst>
+    <dgm:pt modelId="{2C8CEAFA-6EDE-4CEE-AD96-9CCA396B543E}" type="doc">
+      <dgm:prSet loTypeId="urn:microsoft.com/office/officeart/2005/8/layout/radial1" loCatId="relationship" qsTypeId="urn:microsoft.com/office/officeart/2005/8/quickstyle/simple1" qsCatId="simple" csTypeId="urn:microsoft.com/office/officeart/2005/8/colors/accent1_2" csCatId="accent1" phldr="1"/>
+      <dgm:spPr/>
+      <dgm:t>
+        <a:bodyPr/>
+        <a:lstStyle/>
+        <a:p>
+          <a:endParaRPr lang="en-IN"/>
+        </a:p>
+      </dgm:t>
+    </dgm:pt>
+    <dgm:pt modelId="{AFCA28FE-8865-4267-BA3F-C08208326948}">
+      <dgm:prSet phldrT="[Text]"/>
+      <dgm:spPr/>
+      <dgm:t>
+        <a:bodyPr/>
+        <a:lstStyle/>
+        <a:p>
+          <a:r>
+            <a:rPr lang="en-IN" dirty="0" smtClean="0"/>
+            <a:t>ADVANTAGES</a:t>
+          </a:r>
+          <a:endParaRPr lang="en-IN" dirty="0"/>
+        </a:p>
+      </dgm:t>
+    </dgm:pt>
+    <dgm:pt modelId="{15BECEDA-8CCE-42CF-A25F-9131CD63BBBC}" type="parTrans" cxnId="{471F4DB3-DF8C-4C5C-A5B8-28FBEA46857E}">
+      <dgm:prSet/>
+      <dgm:spPr/>
+      <dgm:t>
+        <a:bodyPr/>
+        <a:lstStyle/>
+        <a:p>
+          <a:endParaRPr lang="en-IN"/>
+        </a:p>
+      </dgm:t>
+    </dgm:pt>
+    <dgm:pt modelId="{83D61A94-BC05-4162-A96C-F57ECBD3E911}" type="sibTrans" cxnId="{471F4DB3-DF8C-4C5C-A5B8-28FBEA46857E}">
+      <dgm:prSet/>
+      <dgm:spPr/>
+      <dgm:t>
+        <a:bodyPr/>
+        <a:lstStyle/>
+        <a:p>
+          <a:endParaRPr lang="en-IN"/>
+        </a:p>
+      </dgm:t>
+    </dgm:pt>
+    <dgm:pt modelId="{3971EDF3-5E9E-4703-A6BA-E34CAC03BAE7}">
+      <dgm:prSet phldrT="[Text]"/>
+      <dgm:spPr/>
+      <dgm:t>
+        <a:bodyPr/>
+        <a:lstStyle/>
+        <a:p>
+          <a:r>
+            <a:rPr lang="en-IN" dirty="0" smtClean="0"/>
+            <a:t>Fewer documentation required </a:t>
+          </a:r>
+          <a:endParaRPr lang="en-IN" dirty="0"/>
+        </a:p>
+      </dgm:t>
+    </dgm:pt>
+    <dgm:pt modelId="{30495CE7-FEE3-4F5C-A61E-76230EDD136B}" type="parTrans" cxnId="{9C1671E6-5BB4-4115-B6A1-8D101C23A31F}">
+      <dgm:prSet/>
+      <dgm:spPr/>
+      <dgm:t>
+        <a:bodyPr/>
+        <a:lstStyle/>
+        <a:p>
+          <a:endParaRPr lang="en-IN"/>
+        </a:p>
+      </dgm:t>
+    </dgm:pt>
+    <dgm:pt modelId="{50E33090-435B-4F67-80BA-0C092CCEB04E}" type="sibTrans" cxnId="{9C1671E6-5BB4-4115-B6A1-8D101C23A31F}">
+      <dgm:prSet/>
+      <dgm:spPr/>
+      <dgm:t>
+        <a:bodyPr/>
+        <a:lstStyle/>
+        <a:p>
+          <a:endParaRPr lang="en-IN"/>
+        </a:p>
+      </dgm:t>
+    </dgm:pt>
+    <dgm:pt modelId="{2F463147-07E8-4964-916E-9A15CC951ABF}">
+      <dgm:prSet phldrT="[Text]"/>
+      <dgm:spPr/>
+      <dgm:t>
+        <a:bodyPr/>
+        <a:lstStyle/>
+        <a:p>
+          <a:r>
+            <a:rPr lang="en-IN" dirty="0" smtClean="0"/>
+            <a:t>Fast delivery</a:t>
+          </a:r>
+          <a:endParaRPr lang="en-IN" dirty="0"/>
+        </a:p>
+      </dgm:t>
+    </dgm:pt>
+    <dgm:pt modelId="{3098B158-E4CA-46D2-ADB3-2FD1AF69437E}" type="parTrans" cxnId="{B4D4E68E-B03C-42D8-8C7E-CE102C4D82DE}">
+      <dgm:prSet/>
+      <dgm:spPr/>
+      <dgm:t>
+        <a:bodyPr/>
+        <a:lstStyle/>
+        <a:p>
+          <a:endParaRPr lang="en-IN"/>
+        </a:p>
+      </dgm:t>
+    </dgm:pt>
+    <dgm:pt modelId="{5700B56D-55A0-4EB2-AA08-9FC7A3DE77F3}" type="sibTrans" cxnId="{B4D4E68E-B03C-42D8-8C7E-CE102C4D82DE}">
+      <dgm:prSet/>
+      <dgm:spPr/>
+      <dgm:t>
+        <a:bodyPr/>
+        <a:lstStyle/>
+        <a:p>
+          <a:endParaRPr lang="en-IN"/>
+        </a:p>
+      </dgm:t>
+    </dgm:pt>
+    <dgm:pt modelId="{A6C5C48A-CD14-44D9-83EA-8B96B97E2223}">
+      <dgm:prSet phldrT="[Text]"/>
+      <dgm:spPr/>
+      <dgm:t>
+        <a:bodyPr/>
+        <a:lstStyle/>
+        <a:p>
+          <a:r>
+            <a:rPr lang="en-IN" dirty="0" smtClean="0"/>
+            <a:t>Higher-quality code</a:t>
+          </a:r>
+          <a:endParaRPr lang="en-IN" dirty="0"/>
+        </a:p>
+      </dgm:t>
+    </dgm:pt>
+    <dgm:pt modelId="{B94CBC8E-B388-4F10-A51E-C7A896696E62}" type="parTrans" cxnId="{1580D59C-8BD8-475A-BEA7-3F778D17EA7E}">
+      <dgm:prSet/>
+      <dgm:spPr/>
+      <dgm:t>
+        <a:bodyPr/>
+        <a:lstStyle/>
+        <a:p>
+          <a:endParaRPr lang="en-IN"/>
+        </a:p>
+      </dgm:t>
+    </dgm:pt>
+    <dgm:pt modelId="{750278A5-5AD1-4DC8-BB82-2A1C900EE924}" type="sibTrans" cxnId="{1580D59C-8BD8-475A-BEA7-3F778D17EA7E}">
+      <dgm:prSet/>
+      <dgm:spPr/>
+      <dgm:t>
+        <a:bodyPr/>
+        <a:lstStyle/>
+        <a:p>
+          <a:endParaRPr lang="en-IN"/>
+        </a:p>
+      </dgm:t>
+    </dgm:pt>
+    <dgm:pt modelId="{14CBB5D9-64A8-4345-8BBE-AC5A75C41DF7}">
+      <dgm:prSet phldrT="[Text]"/>
+      <dgm:spPr/>
+      <dgm:t>
+        <a:bodyPr/>
+        <a:lstStyle/>
+        <a:p>
+          <a:r>
+            <a:rPr lang="en-IN" dirty="0" smtClean="0"/>
+            <a:t>Easy to manage</a:t>
+          </a:r>
+          <a:endParaRPr lang="en-IN" dirty="0"/>
+        </a:p>
+      </dgm:t>
+    </dgm:pt>
+    <dgm:pt modelId="{7E20CC88-1F0A-438E-916D-0AF2098D81CF}" type="parTrans" cxnId="{C14B38EE-6279-4E9E-AA3C-B3021F927A85}">
+      <dgm:prSet/>
+      <dgm:spPr/>
+      <dgm:t>
+        <a:bodyPr/>
+        <a:lstStyle/>
+        <a:p>
+          <a:endParaRPr lang="en-IN"/>
+        </a:p>
+      </dgm:t>
+    </dgm:pt>
+    <dgm:pt modelId="{1010AF5D-02A0-43D3-AFFD-CB3728F105E4}" type="sibTrans" cxnId="{C14B38EE-6279-4E9E-AA3C-B3021F927A85}">
+      <dgm:prSet/>
+      <dgm:spPr/>
+      <dgm:t>
+        <a:bodyPr/>
+        <a:lstStyle/>
+        <a:p>
+          <a:endParaRPr lang="en-IN"/>
+        </a:p>
+      </dgm:t>
+    </dgm:pt>
+    <dgm:pt modelId="{FAE17267-1157-44AB-868F-771324119380}">
+      <dgm:prSet/>
+      <dgm:spPr/>
+      <dgm:t>
+        <a:bodyPr/>
+        <a:lstStyle/>
+        <a:p>
+          <a:r>
+            <a:rPr lang="en-IN" dirty="0" smtClean="0"/>
+            <a:t>Collaboration with customer</a:t>
+          </a:r>
+          <a:endParaRPr lang="en-IN" dirty="0"/>
+        </a:p>
+      </dgm:t>
+    </dgm:pt>
+    <dgm:pt modelId="{FB07CB8F-312F-4EA0-8F08-200DA7D944EB}" type="sibTrans" cxnId="{1DDB9DCD-020B-4D73-B935-BFAAFC8BB99B}">
+      <dgm:prSet/>
+      <dgm:spPr/>
+      <dgm:t>
+        <a:bodyPr/>
+        <a:lstStyle/>
+        <a:p>
+          <a:endParaRPr lang="en-IN"/>
+        </a:p>
+      </dgm:t>
+    </dgm:pt>
+    <dgm:pt modelId="{6DC68754-8A65-4033-BF6B-33AE20080845}" type="parTrans" cxnId="{1DDB9DCD-020B-4D73-B935-BFAAFC8BB99B}">
+      <dgm:prSet/>
+      <dgm:spPr/>
+      <dgm:t>
+        <a:bodyPr/>
+        <a:lstStyle/>
+        <a:p>
+          <a:endParaRPr lang="en-IN"/>
+        </a:p>
+      </dgm:t>
+    </dgm:pt>
+    <dgm:pt modelId="{4C588477-F4FD-4377-91E3-E0CBA21E4E35}" type="pres">
+      <dgm:prSet presAssocID="{2C8CEAFA-6EDE-4CEE-AD96-9CCA396B543E}" presName="cycle" presStyleCnt="0">
+        <dgm:presLayoutVars>
+          <dgm:chMax val="1"/>
+          <dgm:dir/>
+          <dgm:animLvl val="ctr"/>
+          <dgm:resizeHandles val="exact"/>
+        </dgm:presLayoutVars>
+      </dgm:prSet>
+      <dgm:spPr/>
+    </dgm:pt>
+    <dgm:pt modelId="{4D38731E-B89C-4F2E-86F2-3DD458E53F29}" type="pres">
+      <dgm:prSet presAssocID="{AFCA28FE-8865-4267-BA3F-C08208326948}" presName="centerShape" presStyleLbl="node0" presStyleIdx="0" presStyleCnt="1"/>
+      <dgm:spPr/>
+    </dgm:pt>
+    <dgm:pt modelId="{EBA34540-0A86-4554-A2B1-8F434CB9F934}" type="pres">
+      <dgm:prSet presAssocID="{30495CE7-FEE3-4F5C-A61E-76230EDD136B}" presName="Name9" presStyleLbl="parChTrans1D2" presStyleIdx="0" presStyleCnt="5"/>
+      <dgm:spPr/>
+    </dgm:pt>
+    <dgm:pt modelId="{814A8E07-048C-471A-BBA7-D41505E9B98A}" type="pres">
+      <dgm:prSet presAssocID="{30495CE7-FEE3-4F5C-A61E-76230EDD136B}" presName="connTx" presStyleLbl="parChTrans1D2" presStyleIdx="0" presStyleCnt="5"/>
+      <dgm:spPr/>
+    </dgm:pt>
+    <dgm:pt modelId="{D3ABC979-A187-493D-AD82-9C3961828BC0}" type="pres">
+      <dgm:prSet presAssocID="{3971EDF3-5E9E-4703-A6BA-E34CAC03BAE7}" presName="node" presStyleLbl="node1" presStyleIdx="0" presStyleCnt="5">
+        <dgm:presLayoutVars>
+          <dgm:bulletEnabled val="1"/>
+        </dgm:presLayoutVars>
+      </dgm:prSet>
+      <dgm:spPr/>
+    </dgm:pt>
+    <dgm:pt modelId="{C0C516CD-91B4-4ED5-9418-78AF4EE14940}" type="pres">
+      <dgm:prSet presAssocID="{3098B158-E4CA-46D2-ADB3-2FD1AF69437E}" presName="Name9" presStyleLbl="parChTrans1D2" presStyleIdx="1" presStyleCnt="5"/>
+      <dgm:spPr/>
+    </dgm:pt>
+    <dgm:pt modelId="{9246690B-84CC-4322-90C3-6933A0DB24FF}" type="pres">
+      <dgm:prSet presAssocID="{3098B158-E4CA-46D2-ADB3-2FD1AF69437E}" presName="connTx" presStyleLbl="parChTrans1D2" presStyleIdx="1" presStyleCnt="5"/>
+      <dgm:spPr/>
+    </dgm:pt>
+    <dgm:pt modelId="{4D7594C6-3EA5-4BEE-B14E-A61C91AB5A56}" type="pres">
+      <dgm:prSet presAssocID="{2F463147-07E8-4964-916E-9A15CC951ABF}" presName="node" presStyleLbl="node1" presStyleIdx="1" presStyleCnt="5" custRadScaleRad="133067" custRadScaleInc="7149">
+        <dgm:presLayoutVars>
+          <dgm:bulletEnabled val="1"/>
+        </dgm:presLayoutVars>
+      </dgm:prSet>
+      <dgm:spPr/>
+    </dgm:pt>
+    <dgm:pt modelId="{32A6C963-02E6-4E04-AD11-13C61D252FE5}" type="pres">
+      <dgm:prSet presAssocID="{B94CBC8E-B388-4F10-A51E-C7A896696E62}" presName="Name9" presStyleLbl="parChTrans1D2" presStyleIdx="2" presStyleCnt="5"/>
+      <dgm:spPr/>
+    </dgm:pt>
+    <dgm:pt modelId="{BEEF1F93-D000-4123-9621-D36ABF846AEA}" type="pres">
+      <dgm:prSet presAssocID="{B94CBC8E-B388-4F10-A51E-C7A896696E62}" presName="connTx" presStyleLbl="parChTrans1D2" presStyleIdx="2" presStyleCnt="5"/>
+      <dgm:spPr/>
+    </dgm:pt>
+    <dgm:pt modelId="{13480AE2-D0CC-43D9-95CF-5CEF4899DAC4}" type="pres">
+      <dgm:prSet presAssocID="{A6C5C48A-CD14-44D9-83EA-8B96B97E2223}" presName="node" presStyleLbl="node1" presStyleIdx="2" presStyleCnt="5">
+        <dgm:presLayoutVars>
+          <dgm:bulletEnabled val="1"/>
+        </dgm:presLayoutVars>
+      </dgm:prSet>
+      <dgm:spPr/>
+      <dgm:t>
+        <a:bodyPr/>
+        <a:lstStyle/>
+        <a:p>
+          <a:endParaRPr lang="en-IN"/>
+        </a:p>
+      </dgm:t>
+    </dgm:pt>
+    <dgm:pt modelId="{AC7D0357-7189-4320-BF33-DE16EF0D7FC6}" type="pres">
+      <dgm:prSet presAssocID="{7E20CC88-1F0A-438E-916D-0AF2098D81CF}" presName="Name9" presStyleLbl="parChTrans1D2" presStyleIdx="3" presStyleCnt="5"/>
+      <dgm:spPr/>
+    </dgm:pt>
+    <dgm:pt modelId="{8FAA735F-735B-415A-AD6E-617940076933}" type="pres">
+      <dgm:prSet presAssocID="{7E20CC88-1F0A-438E-916D-0AF2098D81CF}" presName="connTx" presStyleLbl="parChTrans1D2" presStyleIdx="3" presStyleCnt="5"/>
+      <dgm:spPr/>
+    </dgm:pt>
+    <dgm:pt modelId="{B91882FC-8DB4-4777-82C8-E0126D59D040}" type="pres">
+      <dgm:prSet presAssocID="{14CBB5D9-64A8-4345-8BBE-AC5A75C41DF7}" presName="node" presStyleLbl="node1" presStyleIdx="3" presStyleCnt="5" custRadScaleRad="153135" custRadScaleInc="-4969">
+        <dgm:presLayoutVars>
+          <dgm:bulletEnabled val="1"/>
+        </dgm:presLayoutVars>
+      </dgm:prSet>
+      <dgm:spPr/>
+      <dgm:t>
+        <a:bodyPr/>
+        <a:lstStyle/>
+        <a:p>
+          <a:endParaRPr lang="en-IN"/>
+        </a:p>
+      </dgm:t>
+    </dgm:pt>
+    <dgm:pt modelId="{2DB5939B-B49D-4DE8-A2A0-5856286845E5}" type="pres">
+      <dgm:prSet presAssocID="{6DC68754-8A65-4033-BF6B-33AE20080845}" presName="Name9" presStyleLbl="parChTrans1D2" presStyleIdx="4" presStyleCnt="5"/>
+      <dgm:spPr/>
+    </dgm:pt>
+    <dgm:pt modelId="{93F5DBB4-03A9-45BE-9C32-9E73CB60793A}" type="pres">
+      <dgm:prSet presAssocID="{6DC68754-8A65-4033-BF6B-33AE20080845}" presName="connTx" presStyleLbl="parChTrans1D2" presStyleIdx="4" presStyleCnt="5"/>
+      <dgm:spPr/>
+    </dgm:pt>
+    <dgm:pt modelId="{B45025AF-8C8A-4EFD-9E78-0A9E4C884438}" type="pres">
+      <dgm:prSet presAssocID="{FAE17267-1157-44AB-868F-771324119380}" presName="node" presStyleLbl="node1" presStyleIdx="4" presStyleCnt="5">
+        <dgm:presLayoutVars>
+          <dgm:bulletEnabled val="1"/>
+        </dgm:presLayoutVars>
+      </dgm:prSet>
+      <dgm:spPr/>
+      <dgm:t>
+        <a:bodyPr/>
+        <a:lstStyle/>
+        <a:p>
+          <a:endParaRPr lang="en-IN"/>
+        </a:p>
+      </dgm:t>
+    </dgm:pt>
+  </dgm:ptLst>
+  <dgm:cxnLst>
+    <dgm:cxn modelId="{1DF33BBD-1BB3-4875-B28D-8718445A213E}" type="presOf" srcId="{6DC68754-8A65-4033-BF6B-33AE20080845}" destId="{2DB5939B-B49D-4DE8-A2A0-5856286845E5}" srcOrd="0" destOrd="0" presId="urn:microsoft.com/office/officeart/2005/8/layout/radial1"/>
+    <dgm:cxn modelId="{4532F8BF-A9E2-45AA-B8D6-376413C26B90}" type="presOf" srcId="{6DC68754-8A65-4033-BF6B-33AE20080845}" destId="{93F5DBB4-03A9-45BE-9C32-9E73CB60793A}" srcOrd="1" destOrd="0" presId="urn:microsoft.com/office/officeart/2005/8/layout/radial1"/>
+    <dgm:cxn modelId="{A24636A2-DD41-4DD5-A2FF-ECBE03DEEC12}" type="presOf" srcId="{30495CE7-FEE3-4F5C-A61E-76230EDD136B}" destId="{EBA34540-0A86-4554-A2B1-8F434CB9F934}" srcOrd="0" destOrd="0" presId="urn:microsoft.com/office/officeart/2005/8/layout/radial1"/>
+    <dgm:cxn modelId="{D9DF52E3-B900-4CA2-AC3C-9ADF6003EDDF}" type="presOf" srcId="{B94CBC8E-B388-4F10-A51E-C7A896696E62}" destId="{BEEF1F93-D000-4123-9621-D36ABF846AEA}" srcOrd="1" destOrd="0" presId="urn:microsoft.com/office/officeart/2005/8/layout/radial1"/>
+    <dgm:cxn modelId="{1580D59C-8BD8-475A-BEA7-3F778D17EA7E}" srcId="{AFCA28FE-8865-4267-BA3F-C08208326948}" destId="{A6C5C48A-CD14-44D9-83EA-8B96B97E2223}" srcOrd="2" destOrd="0" parTransId="{B94CBC8E-B388-4F10-A51E-C7A896696E62}" sibTransId="{750278A5-5AD1-4DC8-BB82-2A1C900EE924}"/>
+    <dgm:cxn modelId="{1B1AC71D-404F-4DB0-AF24-736C5B00F8C5}" type="presOf" srcId="{B94CBC8E-B388-4F10-A51E-C7A896696E62}" destId="{32A6C963-02E6-4E04-AD11-13C61D252FE5}" srcOrd="0" destOrd="0" presId="urn:microsoft.com/office/officeart/2005/8/layout/radial1"/>
+    <dgm:cxn modelId="{E35B0233-070E-4CE6-B29D-F27D9414874B}" type="presOf" srcId="{AFCA28FE-8865-4267-BA3F-C08208326948}" destId="{4D38731E-B89C-4F2E-86F2-3DD458E53F29}" srcOrd="0" destOrd="0" presId="urn:microsoft.com/office/officeart/2005/8/layout/radial1"/>
+    <dgm:cxn modelId="{321FD252-E7D9-4C32-A1B6-930F9E12DBE9}" type="presOf" srcId="{2C8CEAFA-6EDE-4CEE-AD96-9CCA396B543E}" destId="{4C588477-F4FD-4377-91E3-E0CBA21E4E35}" srcOrd="0" destOrd="0" presId="urn:microsoft.com/office/officeart/2005/8/layout/radial1"/>
+    <dgm:cxn modelId="{E8B57F11-0A04-40C6-9A3E-399FD016281F}" type="presOf" srcId="{7E20CC88-1F0A-438E-916D-0AF2098D81CF}" destId="{8FAA735F-735B-415A-AD6E-617940076933}" srcOrd="1" destOrd="0" presId="urn:microsoft.com/office/officeart/2005/8/layout/radial1"/>
+    <dgm:cxn modelId="{471F4DB3-DF8C-4C5C-A5B8-28FBEA46857E}" srcId="{2C8CEAFA-6EDE-4CEE-AD96-9CCA396B543E}" destId="{AFCA28FE-8865-4267-BA3F-C08208326948}" srcOrd="0" destOrd="0" parTransId="{15BECEDA-8CCE-42CF-A25F-9131CD63BBBC}" sibTransId="{83D61A94-BC05-4162-A96C-F57ECBD3E911}"/>
+    <dgm:cxn modelId="{72FF1928-D79D-42EC-AC79-90A9E68D1364}" type="presOf" srcId="{7E20CC88-1F0A-438E-916D-0AF2098D81CF}" destId="{AC7D0357-7189-4320-BF33-DE16EF0D7FC6}" srcOrd="0" destOrd="0" presId="urn:microsoft.com/office/officeart/2005/8/layout/radial1"/>
+    <dgm:cxn modelId="{C679252F-B9AF-443E-AFD3-AC57139245F7}" type="presOf" srcId="{3971EDF3-5E9E-4703-A6BA-E34CAC03BAE7}" destId="{D3ABC979-A187-493D-AD82-9C3961828BC0}" srcOrd="0" destOrd="0" presId="urn:microsoft.com/office/officeart/2005/8/layout/radial1"/>
+    <dgm:cxn modelId="{086FD548-C3B3-4497-B7D3-BAA87855B603}" type="presOf" srcId="{14CBB5D9-64A8-4345-8BBE-AC5A75C41DF7}" destId="{B91882FC-8DB4-4777-82C8-E0126D59D040}" srcOrd="0" destOrd="0" presId="urn:microsoft.com/office/officeart/2005/8/layout/radial1"/>
+    <dgm:cxn modelId="{8CEE6A46-CFA4-4D81-B1D0-D2CB62310FDA}" type="presOf" srcId="{FAE17267-1157-44AB-868F-771324119380}" destId="{B45025AF-8C8A-4EFD-9E78-0A9E4C884438}" srcOrd="0" destOrd="0" presId="urn:microsoft.com/office/officeart/2005/8/layout/radial1"/>
+    <dgm:cxn modelId="{9C1671E6-5BB4-4115-B6A1-8D101C23A31F}" srcId="{AFCA28FE-8865-4267-BA3F-C08208326948}" destId="{3971EDF3-5E9E-4703-A6BA-E34CAC03BAE7}" srcOrd="0" destOrd="0" parTransId="{30495CE7-FEE3-4F5C-A61E-76230EDD136B}" sibTransId="{50E33090-435B-4F67-80BA-0C092CCEB04E}"/>
+    <dgm:cxn modelId="{C14B38EE-6279-4E9E-AA3C-B3021F927A85}" srcId="{AFCA28FE-8865-4267-BA3F-C08208326948}" destId="{14CBB5D9-64A8-4345-8BBE-AC5A75C41DF7}" srcOrd="3" destOrd="0" parTransId="{7E20CC88-1F0A-438E-916D-0AF2098D81CF}" sibTransId="{1010AF5D-02A0-43D3-AFFD-CB3728F105E4}"/>
+    <dgm:cxn modelId="{CF8ECA37-E160-4E8D-9725-833EC9D3057F}" type="presOf" srcId="{A6C5C48A-CD14-44D9-83EA-8B96B97E2223}" destId="{13480AE2-D0CC-43D9-95CF-5CEF4899DAC4}" srcOrd="0" destOrd="0" presId="urn:microsoft.com/office/officeart/2005/8/layout/radial1"/>
+    <dgm:cxn modelId="{1AE085C5-6F51-420A-9FE7-F3E82256E9B9}" type="presOf" srcId="{30495CE7-FEE3-4F5C-A61E-76230EDD136B}" destId="{814A8E07-048C-471A-BBA7-D41505E9B98A}" srcOrd="1" destOrd="0" presId="urn:microsoft.com/office/officeart/2005/8/layout/radial1"/>
+    <dgm:cxn modelId="{1DDB9DCD-020B-4D73-B935-BFAAFC8BB99B}" srcId="{AFCA28FE-8865-4267-BA3F-C08208326948}" destId="{FAE17267-1157-44AB-868F-771324119380}" srcOrd="4" destOrd="0" parTransId="{6DC68754-8A65-4033-BF6B-33AE20080845}" sibTransId="{FB07CB8F-312F-4EA0-8F08-200DA7D944EB}"/>
+    <dgm:cxn modelId="{B4D4E68E-B03C-42D8-8C7E-CE102C4D82DE}" srcId="{AFCA28FE-8865-4267-BA3F-C08208326948}" destId="{2F463147-07E8-4964-916E-9A15CC951ABF}" srcOrd="1" destOrd="0" parTransId="{3098B158-E4CA-46D2-ADB3-2FD1AF69437E}" sibTransId="{5700B56D-55A0-4EB2-AA08-9FC7A3DE77F3}"/>
+    <dgm:cxn modelId="{790BC292-91EC-419E-A983-E5D43E5BB38F}" type="presOf" srcId="{3098B158-E4CA-46D2-ADB3-2FD1AF69437E}" destId="{9246690B-84CC-4322-90C3-6933A0DB24FF}" srcOrd="1" destOrd="0" presId="urn:microsoft.com/office/officeart/2005/8/layout/radial1"/>
+    <dgm:cxn modelId="{AC4DF629-993F-4249-8A5E-B58723F3905F}" type="presOf" srcId="{3098B158-E4CA-46D2-ADB3-2FD1AF69437E}" destId="{C0C516CD-91B4-4ED5-9418-78AF4EE14940}" srcOrd="0" destOrd="0" presId="urn:microsoft.com/office/officeart/2005/8/layout/radial1"/>
+    <dgm:cxn modelId="{9CF6BC32-738B-4011-A0BB-E48F53C119BE}" type="presOf" srcId="{2F463147-07E8-4964-916E-9A15CC951ABF}" destId="{4D7594C6-3EA5-4BEE-B14E-A61C91AB5A56}" srcOrd="0" destOrd="0" presId="urn:microsoft.com/office/officeart/2005/8/layout/radial1"/>
+    <dgm:cxn modelId="{CF1DBA65-D443-41AF-A263-BCC08A6398FC}" type="presParOf" srcId="{4C588477-F4FD-4377-91E3-E0CBA21E4E35}" destId="{4D38731E-B89C-4F2E-86F2-3DD458E53F29}" srcOrd="0" destOrd="0" presId="urn:microsoft.com/office/officeart/2005/8/layout/radial1"/>
+    <dgm:cxn modelId="{729A0B41-B15E-4450-9F84-0DB53625C4E6}" type="presParOf" srcId="{4C588477-F4FD-4377-91E3-E0CBA21E4E35}" destId="{EBA34540-0A86-4554-A2B1-8F434CB9F934}" srcOrd="1" destOrd="0" presId="urn:microsoft.com/office/officeart/2005/8/layout/radial1"/>
+    <dgm:cxn modelId="{8CD39598-A9C4-45A4-9C25-4BAFCAA0B0AA}" type="presParOf" srcId="{EBA34540-0A86-4554-A2B1-8F434CB9F934}" destId="{814A8E07-048C-471A-BBA7-D41505E9B98A}" srcOrd="0" destOrd="0" presId="urn:microsoft.com/office/officeart/2005/8/layout/radial1"/>
+    <dgm:cxn modelId="{68AA57FE-B42C-4C33-B5F7-42B5F43798EC}" type="presParOf" srcId="{4C588477-F4FD-4377-91E3-E0CBA21E4E35}" destId="{D3ABC979-A187-493D-AD82-9C3961828BC0}" srcOrd="2" destOrd="0" presId="urn:microsoft.com/office/officeart/2005/8/layout/radial1"/>
+    <dgm:cxn modelId="{8C99DF6C-D16F-45AD-817C-A7DEDB905F97}" type="presParOf" srcId="{4C588477-F4FD-4377-91E3-E0CBA21E4E35}" destId="{C0C516CD-91B4-4ED5-9418-78AF4EE14940}" srcOrd="3" destOrd="0" presId="urn:microsoft.com/office/officeart/2005/8/layout/radial1"/>
+    <dgm:cxn modelId="{23A18D61-4D6D-4E1B-9B0E-980AE1D85AA8}" type="presParOf" srcId="{C0C516CD-91B4-4ED5-9418-78AF4EE14940}" destId="{9246690B-84CC-4322-90C3-6933A0DB24FF}" srcOrd="0" destOrd="0" presId="urn:microsoft.com/office/officeart/2005/8/layout/radial1"/>
+    <dgm:cxn modelId="{07BD8896-1030-4D75-951A-1BE074B7DD23}" type="presParOf" srcId="{4C588477-F4FD-4377-91E3-E0CBA21E4E35}" destId="{4D7594C6-3EA5-4BEE-B14E-A61C91AB5A56}" srcOrd="4" destOrd="0" presId="urn:microsoft.com/office/officeart/2005/8/layout/radial1"/>
+    <dgm:cxn modelId="{6779FEEF-6CFE-4C2F-92BF-7E40C001DFE0}" type="presParOf" srcId="{4C588477-F4FD-4377-91E3-E0CBA21E4E35}" destId="{32A6C963-02E6-4E04-AD11-13C61D252FE5}" srcOrd="5" destOrd="0" presId="urn:microsoft.com/office/officeart/2005/8/layout/radial1"/>
+    <dgm:cxn modelId="{5C70A081-F8AD-4F26-B63A-C49BD5A826B5}" type="presParOf" srcId="{32A6C963-02E6-4E04-AD11-13C61D252FE5}" destId="{BEEF1F93-D000-4123-9621-D36ABF846AEA}" srcOrd="0" destOrd="0" presId="urn:microsoft.com/office/officeart/2005/8/layout/radial1"/>
+    <dgm:cxn modelId="{7B801417-0F66-4126-A825-7F1D6AF5D8F3}" type="presParOf" srcId="{4C588477-F4FD-4377-91E3-E0CBA21E4E35}" destId="{13480AE2-D0CC-43D9-95CF-5CEF4899DAC4}" srcOrd="6" destOrd="0" presId="urn:microsoft.com/office/officeart/2005/8/layout/radial1"/>
+    <dgm:cxn modelId="{172D46C2-C907-4FE8-9794-12065A52811A}" type="presParOf" srcId="{4C588477-F4FD-4377-91E3-E0CBA21E4E35}" destId="{AC7D0357-7189-4320-BF33-DE16EF0D7FC6}" srcOrd="7" destOrd="0" presId="urn:microsoft.com/office/officeart/2005/8/layout/radial1"/>
+    <dgm:cxn modelId="{B10EC737-EFF5-477D-937C-01A54AA6BABD}" type="presParOf" srcId="{AC7D0357-7189-4320-BF33-DE16EF0D7FC6}" destId="{8FAA735F-735B-415A-AD6E-617940076933}" srcOrd="0" destOrd="0" presId="urn:microsoft.com/office/officeart/2005/8/layout/radial1"/>
+    <dgm:cxn modelId="{5C6A5779-D6A9-44FD-A8DD-3C92C9470A4E}" type="presParOf" srcId="{4C588477-F4FD-4377-91E3-E0CBA21E4E35}" destId="{B91882FC-8DB4-4777-82C8-E0126D59D040}" srcOrd="8" destOrd="0" presId="urn:microsoft.com/office/officeart/2005/8/layout/radial1"/>
+    <dgm:cxn modelId="{FDF1E567-C178-43BE-8EA7-99B9932324C1}" type="presParOf" srcId="{4C588477-F4FD-4377-91E3-E0CBA21E4E35}" destId="{2DB5939B-B49D-4DE8-A2A0-5856286845E5}" srcOrd="9" destOrd="0" presId="urn:microsoft.com/office/officeart/2005/8/layout/radial1"/>
+    <dgm:cxn modelId="{FFE2CE85-BFA4-4C23-9082-8A2101B3BEF8}" type="presParOf" srcId="{2DB5939B-B49D-4DE8-A2A0-5856286845E5}" destId="{93F5DBB4-03A9-45BE-9C32-9E73CB60793A}" srcOrd="0" destOrd="0" presId="urn:microsoft.com/office/officeart/2005/8/layout/radial1"/>
+    <dgm:cxn modelId="{40FDAD6D-FB31-4920-ABD3-D40417C70B97}" type="presParOf" srcId="{4C588477-F4FD-4377-91E3-E0CBA21E4E35}" destId="{B45025AF-8C8A-4EFD-9E78-0A9E4C884438}" srcOrd="10" destOrd="0" presId="urn:microsoft.com/office/officeart/2005/8/layout/radial1"/>
+  </dgm:cxnLst>
+  <dgm:bg/>
+  <dgm:whole/>
+  <dgm:extLst>
+    <a:ext uri="http://schemas.microsoft.com/office/drawing/2008/diagram">
+      <dsp:dataModelExt xmlns:dsp="http://schemas.microsoft.com/office/drawing/2008/diagram" relId="rId6" minVer="http://schemas.openxmlformats.org/drawingml/2006/diagram"/>
+    </a:ext>
+  </dgm:extLst>
+</dgm:dataModel>
+</file>
+
+<file path=ppt/diagrams/data2.xml><?xml version="1.0" encoding="utf-8"?>
+<dgm:dataModel xmlns:dgm="http://schemas.openxmlformats.org/drawingml/2006/diagram" xmlns:a="http://schemas.openxmlformats.org/drawingml/2006/main">
+  <dgm:ptLst>
+    <dgm:pt modelId="{32D63EAD-0BC6-428B-B512-907BB8322067}" type="doc">
+      <dgm:prSet loTypeId="urn:microsoft.com/office/officeart/2005/8/layout/radial4" loCatId="relationship" qsTypeId="urn:microsoft.com/office/officeart/2005/8/quickstyle/simple1" qsCatId="simple" csTypeId="urn:microsoft.com/office/officeart/2005/8/colors/accent1_2" csCatId="accent1" phldr="1"/>
+      <dgm:spPr/>
+      <dgm:t>
+        <a:bodyPr/>
+        <a:lstStyle/>
+        <a:p>
+          <a:endParaRPr lang="en-IN"/>
+        </a:p>
+      </dgm:t>
+    </dgm:pt>
+    <dgm:pt modelId="{335D7FCE-C5CC-4485-8014-1DC83AF6B65D}">
+      <dgm:prSet phldrT="[Text]"/>
+      <dgm:spPr>
+        <a:solidFill>
+          <a:schemeClr val="accent6"/>
+        </a:solidFill>
+      </dgm:spPr>
+      <dgm:t>
+        <a:bodyPr/>
+        <a:lstStyle/>
+        <a:p>
+          <a:r>
+            <a:rPr lang="en-IN" dirty="0" smtClean="0"/>
+            <a:t>DISADVANTAGES</a:t>
+          </a:r>
+          <a:endParaRPr lang="en-IN" dirty="0"/>
+        </a:p>
+      </dgm:t>
+    </dgm:pt>
+    <dgm:pt modelId="{F473F967-9B97-47E3-9891-603DC9D6E0CE}" type="parTrans" cxnId="{E8D8EC14-627E-43F7-95E6-CC15F3E74F88}">
+      <dgm:prSet/>
+      <dgm:spPr/>
+      <dgm:t>
+        <a:bodyPr/>
+        <a:lstStyle/>
+        <a:p>
+          <a:endParaRPr lang="en-IN"/>
+        </a:p>
+      </dgm:t>
+    </dgm:pt>
+    <dgm:pt modelId="{DBEE77B3-5EE7-46EA-9776-98B2BABF479C}" type="sibTrans" cxnId="{E8D8EC14-627E-43F7-95E6-CC15F3E74F88}">
+      <dgm:prSet/>
+      <dgm:spPr/>
+      <dgm:t>
+        <a:bodyPr/>
+        <a:lstStyle/>
+        <a:p>
+          <a:endParaRPr lang="en-IN"/>
+        </a:p>
+      </dgm:t>
+    </dgm:pt>
+    <dgm:pt modelId="{5E46EE5B-5D58-4D11-9AAD-82AB538FF9BB}">
+      <dgm:prSet phldrT="[Text]"/>
+      <dgm:spPr>
+        <a:solidFill>
+          <a:schemeClr val="accent6"/>
+        </a:solidFill>
+      </dgm:spPr>
+      <dgm:t>
+        <a:bodyPr/>
+        <a:lstStyle/>
+        <a:p>
+          <a:r>
+            <a:rPr lang="en-IN" dirty="0" smtClean="0"/>
+            <a:t>Focused only on code</a:t>
+          </a:r>
+          <a:endParaRPr lang="en-IN" dirty="0"/>
+        </a:p>
+      </dgm:t>
+    </dgm:pt>
+    <dgm:pt modelId="{A488CE8B-2D4F-4236-B391-9426DAE90E59}" type="parTrans" cxnId="{2644A437-6AC0-4C81-BFA6-693EFD903765}">
+      <dgm:prSet/>
+      <dgm:spPr>
+        <a:solidFill>
+          <a:schemeClr val="accent6"/>
+        </a:solidFill>
+      </dgm:spPr>
+      <dgm:t>
+        <a:bodyPr/>
+        <a:lstStyle/>
+        <a:p>
+          <a:endParaRPr lang="en-IN"/>
+        </a:p>
+      </dgm:t>
+    </dgm:pt>
+    <dgm:pt modelId="{E36A251D-B497-416F-843E-8388746E6DEF}" type="sibTrans" cxnId="{2644A437-6AC0-4C81-BFA6-693EFD903765}">
+      <dgm:prSet/>
+      <dgm:spPr/>
+      <dgm:t>
+        <a:bodyPr/>
+        <a:lstStyle/>
+        <a:p>
+          <a:endParaRPr lang="en-IN"/>
+        </a:p>
+      </dgm:t>
+    </dgm:pt>
+    <dgm:pt modelId="{BEFF04DC-EC10-405E-B75D-5631286FB7FA}">
+      <dgm:prSet phldrT="[Text]"/>
+      <dgm:spPr>
+        <a:solidFill>
+          <a:schemeClr val="accent6"/>
+        </a:solidFill>
+      </dgm:spPr>
+      <dgm:t>
+        <a:bodyPr/>
+        <a:lstStyle/>
+        <a:p>
+          <a:r>
+            <a:rPr lang="en-IN" dirty="0" smtClean="0"/>
+            <a:t>Requires much user input</a:t>
+          </a:r>
+          <a:endParaRPr lang="en-IN" dirty="0"/>
+        </a:p>
+      </dgm:t>
+    </dgm:pt>
+    <dgm:pt modelId="{46E5F319-9DEB-4E3B-8126-7CFE0FCBE95C}" type="parTrans" cxnId="{09F00B39-FFA9-4945-BA78-663100FA40AE}">
+      <dgm:prSet/>
+      <dgm:spPr>
+        <a:solidFill>
+          <a:schemeClr val="accent6"/>
+        </a:solidFill>
+      </dgm:spPr>
+      <dgm:t>
+        <a:bodyPr/>
+        <a:lstStyle/>
+        <a:p>
+          <a:endParaRPr lang="en-IN"/>
+        </a:p>
+      </dgm:t>
+    </dgm:pt>
+    <dgm:pt modelId="{4CDF51E5-192D-472B-9855-851871FEE059}" type="sibTrans" cxnId="{09F00B39-FFA9-4945-BA78-663100FA40AE}">
+      <dgm:prSet/>
+      <dgm:spPr/>
+      <dgm:t>
+        <a:bodyPr/>
+        <a:lstStyle/>
+        <a:p>
+          <a:endParaRPr lang="en-IN"/>
+        </a:p>
+      </dgm:t>
+    </dgm:pt>
+    <dgm:pt modelId="{63667477-3C80-477B-A23B-DDFD24E7F7E5}">
+      <dgm:prSet phldrT="[Text]"/>
+      <dgm:spPr>
+        <a:solidFill>
+          <a:schemeClr val="accent6"/>
+        </a:solidFill>
+      </dgm:spPr>
+      <dgm:t>
+        <a:bodyPr/>
+        <a:lstStyle/>
+        <a:p>
+          <a:r>
+            <a:rPr lang="en-IN" dirty="0" smtClean="0"/>
+            <a:t>Depends on customer interaction</a:t>
+          </a:r>
+          <a:endParaRPr lang="en-IN" dirty="0"/>
+        </a:p>
+      </dgm:t>
+    </dgm:pt>
+    <dgm:pt modelId="{FE5AD777-9A99-47DA-B677-B08888FB9931}" type="parTrans" cxnId="{C1C07998-76E7-418E-B297-0AD5631D4152}">
+      <dgm:prSet/>
+      <dgm:spPr>
+        <a:solidFill>
+          <a:schemeClr val="accent6"/>
+        </a:solidFill>
+      </dgm:spPr>
+      <dgm:t>
+        <a:bodyPr/>
+        <a:lstStyle/>
+        <a:p>
+          <a:endParaRPr lang="en-IN"/>
+        </a:p>
+      </dgm:t>
+    </dgm:pt>
+    <dgm:pt modelId="{5BA67F56-6516-466B-9AAE-A52839547F9C}" type="sibTrans" cxnId="{C1C07998-76E7-418E-B297-0AD5631D4152}">
+      <dgm:prSet/>
+      <dgm:spPr/>
+      <dgm:t>
+        <a:bodyPr/>
+        <a:lstStyle/>
+        <a:p>
+          <a:endParaRPr lang="en-IN"/>
+        </a:p>
+      </dgm:t>
+    </dgm:pt>
+    <dgm:pt modelId="{196FD367-E9D2-437A-94C7-5C8AE4769D3D}">
+      <dgm:prSet phldrT="[Text]"/>
+      <dgm:spPr>
+        <a:solidFill>
+          <a:schemeClr val="accent6"/>
+        </a:solidFill>
+      </dgm:spPr>
+      <dgm:t>
+        <a:bodyPr/>
+        <a:lstStyle/>
+        <a:p>
+          <a:r>
+            <a:rPr lang="en-IN" dirty="0" smtClean="0"/>
+            <a:t>Works only in smaller project</a:t>
+          </a:r>
+          <a:endParaRPr lang="en-IN" dirty="0"/>
+        </a:p>
+      </dgm:t>
+    </dgm:pt>
+    <dgm:pt modelId="{7D93AB13-8A47-4139-A3E1-9FAD9665CEC6}" type="parTrans" cxnId="{548C5D74-6486-41BE-B8AD-B22D43170017}">
+      <dgm:prSet/>
+      <dgm:spPr>
+        <a:solidFill>
+          <a:schemeClr val="accent6"/>
+        </a:solidFill>
+      </dgm:spPr>
+      <dgm:t>
+        <a:bodyPr/>
+        <a:lstStyle/>
+        <a:p>
+          <a:endParaRPr lang="en-IN"/>
+        </a:p>
+      </dgm:t>
+    </dgm:pt>
+    <dgm:pt modelId="{BE8C0FB2-F9E3-4647-8121-5B7E06A1B3D2}" type="sibTrans" cxnId="{548C5D74-6486-41BE-B8AD-B22D43170017}">
+      <dgm:prSet/>
+      <dgm:spPr/>
+      <dgm:t>
+        <a:bodyPr/>
+        <a:lstStyle/>
+        <a:p>
+          <a:endParaRPr lang="en-IN"/>
+        </a:p>
+      </dgm:t>
+    </dgm:pt>
+    <dgm:pt modelId="{F3C64790-09A4-4E09-981B-41398053329B}" type="pres">
+      <dgm:prSet presAssocID="{32D63EAD-0BC6-428B-B512-907BB8322067}" presName="cycle" presStyleCnt="0">
+        <dgm:presLayoutVars>
+          <dgm:chMax val="1"/>
+          <dgm:dir/>
+          <dgm:animLvl val="ctr"/>
+          <dgm:resizeHandles val="exact"/>
+        </dgm:presLayoutVars>
+      </dgm:prSet>
+      <dgm:spPr/>
+    </dgm:pt>
+    <dgm:pt modelId="{F8540F95-C1AA-4263-9902-20FB07087AFE}" type="pres">
+      <dgm:prSet presAssocID="{335D7FCE-C5CC-4485-8014-1DC83AF6B65D}" presName="centerShape" presStyleLbl="node0" presStyleIdx="0" presStyleCnt="1"/>
+      <dgm:spPr/>
+    </dgm:pt>
+    <dgm:pt modelId="{9D93F777-CF80-4789-A7D8-A2D2E164F77F}" type="pres">
+      <dgm:prSet presAssocID="{A488CE8B-2D4F-4236-B391-9426DAE90E59}" presName="parTrans" presStyleLbl="bgSibTrans2D1" presStyleIdx="0" presStyleCnt="4"/>
+      <dgm:spPr/>
+    </dgm:pt>
+    <dgm:pt modelId="{237C685F-C42D-4BEE-BD44-CAA1A95196DD}" type="pres">
+      <dgm:prSet presAssocID="{5E46EE5B-5D58-4D11-9AAD-82AB538FF9BB}" presName="node" presStyleLbl="node1" presStyleIdx="0" presStyleCnt="4">
+        <dgm:presLayoutVars>
+          <dgm:bulletEnabled val="1"/>
+        </dgm:presLayoutVars>
+      </dgm:prSet>
+      <dgm:spPr/>
+      <dgm:t>
+        <a:bodyPr/>
+        <a:lstStyle/>
+        <a:p>
+          <a:endParaRPr lang="en-IN"/>
+        </a:p>
+      </dgm:t>
+    </dgm:pt>
+    <dgm:pt modelId="{2474F4BD-7704-4CED-9202-628A0642F8DD}" type="pres">
+      <dgm:prSet presAssocID="{46E5F319-9DEB-4E3B-8126-7CFE0FCBE95C}" presName="parTrans" presStyleLbl="bgSibTrans2D1" presStyleIdx="1" presStyleCnt="4"/>
+      <dgm:spPr/>
+    </dgm:pt>
+    <dgm:pt modelId="{A1B78FFA-47C8-4439-B9BB-24C7FB713AF4}" type="pres">
+      <dgm:prSet presAssocID="{BEFF04DC-EC10-405E-B75D-5631286FB7FA}" presName="node" presStyleLbl="node1" presStyleIdx="1" presStyleCnt="4">
+        <dgm:presLayoutVars>
+          <dgm:bulletEnabled val="1"/>
+        </dgm:presLayoutVars>
+      </dgm:prSet>
+      <dgm:spPr/>
+    </dgm:pt>
+    <dgm:pt modelId="{EAE5356A-A62D-4269-A806-BBD7EF53EC84}" type="pres">
+      <dgm:prSet presAssocID="{FE5AD777-9A99-47DA-B677-B08888FB9931}" presName="parTrans" presStyleLbl="bgSibTrans2D1" presStyleIdx="2" presStyleCnt="4"/>
+      <dgm:spPr/>
+    </dgm:pt>
+    <dgm:pt modelId="{DCFC9909-2BEE-4462-9F24-8D399F079A9E}" type="pres">
+      <dgm:prSet presAssocID="{63667477-3C80-477B-A23B-DDFD24E7F7E5}" presName="node" presStyleLbl="node1" presStyleIdx="2" presStyleCnt="4">
+        <dgm:presLayoutVars>
+          <dgm:bulletEnabled val="1"/>
+        </dgm:presLayoutVars>
+      </dgm:prSet>
+      <dgm:spPr/>
+      <dgm:t>
+        <a:bodyPr/>
+        <a:lstStyle/>
+        <a:p>
+          <a:endParaRPr lang="en-IN"/>
+        </a:p>
+      </dgm:t>
+    </dgm:pt>
+    <dgm:pt modelId="{9C267DA5-5434-45A3-8FA9-BE4720976465}" type="pres">
+      <dgm:prSet presAssocID="{7D93AB13-8A47-4139-A3E1-9FAD9665CEC6}" presName="parTrans" presStyleLbl="bgSibTrans2D1" presStyleIdx="3" presStyleCnt="4"/>
+      <dgm:spPr/>
+    </dgm:pt>
+    <dgm:pt modelId="{A5A85BA2-D2EF-4197-B6D1-5F2928F8ABAD}" type="pres">
+      <dgm:prSet presAssocID="{196FD367-E9D2-437A-94C7-5C8AE4769D3D}" presName="node" presStyleLbl="node1" presStyleIdx="3" presStyleCnt="4">
+        <dgm:presLayoutVars>
+          <dgm:bulletEnabled val="1"/>
+        </dgm:presLayoutVars>
+      </dgm:prSet>
+      <dgm:spPr/>
+      <dgm:t>
+        <a:bodyPr/>
+        <a:lstStyle/>
+        <a:p>
+          <a:endParaRPr lang="en-IN"/>
+        </a:p>
+      </dgm:t>
+    </dgm:pt>
+  </dgm:ptLst>
+  <dgm:cxnLst>
+    <dgm:cxn modelId="{C1C07998-76E7-418E-B297-0AD5631D4152}" srcId="{335D7FCE-C5CC-4485-8014-1DC83AF6B65D}" destId="{63667477-3C80-477B-A23B-DDFD24E7F7E5}" srcOrd="2" destOrd="0" parTransId="{FE5AD777-9A99-47DA-B677-B08888FB9931}" sibTransId="{5BA67F56-6516-466B-9AAE-A52839547F9C}"/>
+    <dgm:cxn modelId="{8D43A49E-5896-4162-BC2F-661A92C3589A}" type="presOf" srcId="{BEFF04DC-EC10-405E-B75D-5631286FB7FA}" destId="{A1B78FFA-47C8-4439-B9BB-24C7FB713AF4}" srcOrd="0" destOrd="0" presId="urn:microsoft.com/office/officeart/2005/8/layout/radial4"/>
+    <dgm:cxn modelId="{09F00B39-FFA9-4945-BA78-663100FA40AE}" srcId="{335D7FCE-C5CC-4485-8014-1DC83AF6B65D}" destId="{BEFF04DC-EC10-405E-B75D-5631286FB7FA}" srcOrd="1" destOrd="0" parTransId="{46E5F319-9DEB-4E3B-8126-7CFE0FCBE95C}" sibTransId="{4CDF51E5-192D-472B-9855-851871FEE059}"/>
+    <dgm:cxn modelId="{E8D8EC14-627E-43F7-95E6-CC15F3E74F88}" srcId="{32D63EAD-0BC6-428B-B512-907BB8322067}" destId="{335D7FCE-C5CC-4485-8014-1DC83AF6B65D}" srcOrd="0" destOrd="0" parTransId="{F473F967-9B97-47E3-9891-603DC9D6E0CE}" sibTransId="{DBEE77B3-5EE7-46EA-9776-98B2BABF479C}"/>
+    <dgm:cxn modelId="{9FD9DFE8-D4EA-4827-9218-AB630EEF23F2}" type="presOf" srcId="{335D7FCE-C5CC-4485-8014-1DC83AF6B65D}" destId="{F8540F95-C1AA-4263-9902-20FB07087AFE}" srcOrd="0" destOrd="0" presId="urn:microsoft.com/office/officeart/2005/8/layout/radial4"/>
+    <dgm:cxn modelId="{98EB89FA-D583-4E7F-B5CB-3FC0827F8FDF}" type="presOf" srcId="{A488CE8B-2D4F-4236-B391-9426DAE90E59}" destId="{9D93F777-CF80-4789-A7D8-A2D2E164F77F}" srcOrd="0" destOrd="0" presId="urn:microsoft.com/office/officeart/2005/8/layout/radial4"/>
+    <dgm:cxn modelId="{2644A437-6AC0-4C81-BFA6-693EFD903765}" srcId="{335D7FCE-C5CC-4485-8014-1DC83AF6B65D}" destId="{5E46EE5B-5D58-4D11-9AAD-82AB538FF9BB}" srcOrd="0" destOrd="0" parTransId="{A488CE8B-2D4F-4236-B391-9426DAE90E59}" sibTransId="{E36A251D-B497-416F-843E-8388746E6DEF}"/>
+    <dgm:cxn modelId="{81EB01CD-167C-4423-9F62-F787E07EE79A}" type="presOf" srcId="{196FD367-E9D2-437A-94C7-5C8AE4769D3D}" destId="{A5A85BA2-D2EF-4197-B6D1-5F2928F8ABAD}" srcOrd="0" destOrd="0" presId="urn:microsoft.com/office/officeart/2005/8/layout/radial4"/>
+    <dgm:cxn modelId="{1777F4CE-9850-4F4A-89DB-06A90383617A}" type="presOf" srcId="{5E46EE5B-5D58-4D11-9AAD-82AB538FF9BB}" destId="{237C685F-C42D-4BEE-BD44-CAA1A95196DD}" srcOrd="0" destOrd="0" presId="urn:microsoft.com/office/officeart/2005/8/layout/radial4"/>
+    <dgm:cxn modelId="{548C5D74-6486-41BE-B8AD-B22D43170017}" srcId="{335D7FCE-C5CC-4485-8014-1DC83AF6B65D}" destId="{196FD367-E9D2-437A-94C7-5C8AE4769D3D}" srcOrd="3" destOrd="0" parTransId="{7D93AB13-8A47-4139-A3E1-9FAD9665CEC6}" sibTransId="{BE8C0FB2-F9E3-4647-8121-5B7E06A1B3D2}"/>
+    <dgm:cxn modelId="{B855FD06-261B-446F-BE6B-222CBA7AC5FE}" type="presOf" srcId="{32D63EAD-0BC6-428B-B512-907BB8322067}" destId="{F3C64790-09A4-4E09-981B-41398053329B}" srcOrd="0" destOrd="0" presId="urn:microsoft.com/office/officeart/2005/8/layout/radial4"/>
+    <dgm:cxn modelId="{84B6693A-0C1F-40AD-867A-DEA0D33E14CC}" type="presOf" srcId="{FE5AD777-9A99-47DA-B677-B08888FB9931}" destId="{EAE5356A-A62D-4269-A806-BBD7EF53EC84}" srcOrd="0" destOrd="0" presId="urn:microsoft.com/office/officeart/2005/8/layout/radial4"/>
+    <dgm:cxn modelId="{BC454617-7AD9-45DD-BCAB-A4F5E2DA078B}" type="presOf" srcId="{63667477-3C80-477B-A23B-DDFD24E7F7E5}" destId="{DCFC9909-2BEE-4462-9F24-8D399F079A9E}" srcOrd="0" destOrd="0" presId="urn:microsoft.com/office/officeart/2005/8/layout/radial4"/>
+    <dgm:cxn modelId="{AC8F98EE-5B98-4660-BE17-0849D23CFE97}" type="presOf" srcId="{46E5F319-9DEB-4E3B-8126-7CFE0FCBE95C}" destId="{2474F4BD-7704-4CED-9202-628A0642F8DD}" srcOrd="0" destOrd="0" presId="urn:microsoft.com/office/officeart/2005/8/layout/radial4"/>
+    <dgm:cxn modelId="{8E96A4C9-BDD0-4D0E-A105-79A4D2709E98}" type="presOf" srcId="{7D93AB13-8A47-4139-A3E1-9FAD9665CEC6}" destId="{9C267DA5-5434-45A3-8FA9-BE4720976465}" srcOrd="0" destOrd="0" presId="urn:microsoft.com/office/officeart/2005/8/layout/radial4"/>
+    <dgm:cxn modelId="{043D5622-CE2A-4055-824F-5953E64ADBE8}" type="presParOf" srcId="{F3C64790-09A4-4E09-981B-41398053329B}" destId="{F8540F95-C1AA-4263-9902-20FB07087AFE}" srcOrd="0" destOrd="0" presId="urn:microsoft.com/office/officeart/2005/8/layout/radial4"/>
+    <dgm:cxn modelId="{C012E011-DB79-428A-BC56-F8B8019138A5}" type="presParOf" srcId="{F3C64790-09A4-4E09-981B-41398053329B}" destId="{9D93F777-CF80-4789-A7D8-A2D2E164F77F}" srcOrd="1" destOrd="0" presId="urn:microsoft.com/office/officeart/2005/8/layout/radial4"/>
+    <dgm:cxn modelId="{72A8441E-8789-43FE-B31A-797219CC423C}" type="presParOf" srcId="{F3C64790-09A4-4E09-981B-41398053329B}" destId="{237C685F-C42D-4BEE-BD44-CAA1A95196DD}" srcOrd="2" destOrd="0" presId="urn:microsoft.com/office/officeart/2005/8/layout/radial4"/>
+    <dgm:cxn modelId="{2326443E-18DA-43F9-9C26-36C66C31E97B}" type="presParOf" srcId="{F3C64790-09A4-4E09-981B-41398053329B}" destId="{2474F4BD-7704-4CED-9202-628A0642F8DD}" srcOrd="3" destOrd="0" presId="urn:microsoft.com/office/officeart/2005/8/layout/radial4"/>
+    <dgm:cxn modelId="{4CB8A742-E0D0-48EB-A88F-6014599A3442}" type="presParOf" srcId="{F3C64790-09A4-4E09-981B-41398053329B}" destId="{A1B78FFA-47C8-4439-B9BB-24C7FB713AF4}" srcOrd="4" destOrd="0" presId="urn:microsoft.com/office/officeart/2005/8/layout/radial4"/>
+    <dgm:cxn modelId="{69B8C650-2D85-4464-967A-760ADDE2E110}" type="presParOf" srcId="{F3C64790-09A4-4E09-981B-41398053329B}" destId="{EAE5356A-A62D-4269-A806-BBD7EF53EC84}" srcOrd="5" destOrd="0" presId="urn:microsoft.com/office/officeart/2005/8/layout/radial4"/>
+    <dgm:cxn modelId="{7BB6E3C0-8E21-4569-BCD3-4D4999770355}" type="presParOf" srcId="{F3C64790-09A4-4E09-981B-41398053329B}" destId="{DCFC9909-2BEE-4462-9F24-8D399F079A9E}" srcOrd="6" destOrd="0" presId="urn:microsoft.com/office/officeart/2005/8/layout/radial4"/>
+    <dgm:cxn modelId="{62B4B94C-AE0E-45FB-9257-786561BE0299}" type="presParOf" srcId="{F3C64790-09A4-4E09-981B-41398053329B}" destId="{9C267DA5-5434-45A3-8FA9-BE4720976465}" srcOrd="7" destOrd="0" presId="urn:microsoft.com/office/officeart/2005/8/layout/radial4"/>
+    <dgm:cxn modelId="{FE7D5061-AD4C-4AC6-B119-8B91AF258DC3}" type="presParOf" srcId="{F3C64790-09A4-4E09-981B-41398053329B}" destId="{A5A85BA2-D2EF-4197-B6D1-5F2928F8ABAD}" srcOrd="8" destOrd="0" presId="urn:microsoft.com/office/officeart/2005/8/layout/radial4"/>
+  </dgm:cxnLst>
+  <dgm:bg>
+    <a:noFill/>
+  </dgm:bg>
+  <dgm:whole/>
+  <dgm:extLst>
+    <a:ext uri="http://schemas.microsoft.com/office/drawing/2008/diagram">
+      <dsp:dataModelExt xmlns:dsp="http://schemas.microsoft.com/office/drawing/2008/diagram" relId="rId6" minVer="http://schemas.openxmlformats.org/drawingml/2006/diagram"/>
+    </a:ext>
+  </dgm:extLst>
+</dgm:dataModel>
+</file>
+
+<file path=ppt/diagrams/drawing1.xml><?xml version="1.0" encoding="utf-8"?>
+<dsp:drawing xmlns:dgm="http://schemas.openxmlformats.org/drawingml/2006/diagram" xmlns:dsp="http://schemas.microsoft.com/office/drawing/2008/diagram" xmlns:a="http://schemas.openxmlformats.org/drawingml/2006/main">
+  <dsp:spTree>
+    <dsp:nvGrpSpPr>
+      <dsp:cNvPr id="0" name=""/>
+      <dsp:cNvGrpSpPr/>
+    </dsp:nvGrpSpPr>
+    <dsp:grpSpPr/>
+    <dsp:sp modelId="{4D38731E-B89C-4F2E-86F2-3DD458E53F29}">
+      <dsp:nvSpPr>
+        <dsp:cNvPr id="0" name=""/>
+        <dsp:cNvSpPr/>
+      </dsp:nvSpPr>
+      <dsp:spPr>
+        <a:xfrm>
+          <a:off x="3262669" y="2107281"/>
+          <a:ext cx="1602661" cy="1602661"/>
+        </a:xfrm>
+        <a:prstGeom prst="ellipse">
+          <a:avLst/>
+        </a:prstGeom>
+        <a:solidFill>
+          <a:schemeClr val="accent1">
+            <a:hueOff val="0"/>
+            <a:satOff val="0"/>
+            <a:lumOff val="0"/>
+            <a:alphaOff val="0"/>
+          </a:schemeClr>
+        </a:solidFill>
+        <a:ln w="12700" cap="flat" cmpd="sng" algn="ctr">
+          <a:solidFill>
+            <a:schemeClr val="lt1">
+              <a:hueOff val="0"/>
+              <a:satOff val="0"/>
+              <a:lumOff val="0"/>
+              <a:alphaOff val="0"/>
+            </a:schemeClr>
+          </a:solidFill>
+          <a:prstDash val="solid"/>
+          <a:miter lim="800000"/>
+        </a:ln>
+        <a:effectLst/>
+      </dsp:spPr>
+      <dsp:style>
+        <a:lnRef idx="2">
+          <a:scrgbClr r="0" g="0" b="0"/>
+        </a:lnRef>
+        <a:fillRef idx="1">
+          <a:scrgbClr r="0" g="0" b="0"/>
+        </a:fillRef>
+        <a:effectRef idx="0">
+          <a:scrgbClr r="0" g="0" b="0"/>
+        </a:effectRef>
+        <a:fontRef idx="minor">
+          <a:schemeClr val="lt1"/>
+        </a:fontRef>
+      </dsp:style>
+      <dsp:txBody>
+        <a:bodyPr spcFirstLastPara="0" vert="horz" wrap="square" lIns="8255" tIns="8255" rIns="8255" bIns="8255" numCol="1" spcCol="1270" anchor="ctr" anchorCtr="0">
+          <a:noAutofit/>
+        </a:bodyPr>
+        <a:lstStyle/>
+        <a:p>
+          <a:pPr lvl="0" algn="ctr" defTabSz="577850">
+            <a:lnSpc>
+              <a:spcPct val="90000"/>
+            </a:lnSpc>
+            <a:spcBef>
+              <a:spcPct val="0"/>
+            </a:spcBef>
+            <a:spcAft>
+              <a:spcPct val="35000"/>
+            </a:spcAft>
+          </a:pPr>
+          <a:r>
+            <a:rPr lang="en-IN" sz="1300" kern="1200" dirty="0" smtClean="0"/>
+            <a:t>ADVANTAGES</a:t>
+          </a:r>
+          <a:endParaRPr lang="en-IN" sz="1300" kern="1200" dirty="0"/>
+        </a:p>
+      </dsp:txBody>
+      <dsp:txXfrm>
+        <a:off x="3497373" y="2341985"/>
+        <a:ext cx="1133253" cy="1133253"/>
+      </dsp:txXfrm>
+    </dsp:sp>
+    <dsp:sp modelId="{EBA34540-0A86-4554-A2B1-8F434CB9F934}">
+      <dsp:nvSpPr>
+        <dsp:cNvPr id="0" name=""/>
+        <dsp:cNvSpPr/>
+      </dsp:nvSpPr>
+      <dsp:spPr>
+        <a:xfrm rot="16200000">
+          <a:off x="3821891" y="1847426"/>
+          <a:ext cx="484217" cy="35492"/>
+        </a:xfrm>
+        <a:custGeom>
+          <a:avLst/>
+          <a:gdLst/>
+          <a:ahLst/>
+          <a:cxnLst/>
+          <a:rect l="0" t="0" r="0" b="0"/>
+          <a:pathLst>
+            <a:path>
+              <a:moveTo>
+                <a:pt x="0" y="17746"/>
+              </a:moveTo>
+              <a:lnTo>
+                <a:pt x="484217" y="17746"/>
+              </a:lnTo>
+            </a:path>
+          </a:pathLst>
+        </a:custGeom>
+        <a:noFill/>
+        <a:ln w="12700" cap="flat" cmpd="sng" algn="ctr">
+          <a:solidFill>
+            <a:schemeClr val="accent1">
+              <a:shade val="60000"/>
+              <a:hueOff val="0"/>
+              <a:satOff val="0"/>
+              <a:lumOff val="0"/>
+              <a:alphaOff val="0"/>
+            </a:schemeClr>
+          </a:solidFill>
+          <a:prstDash val="solid"/>
+          <a:miter lim="800000"/>
+        </a:ln>
+        <a:effectLst/>
+      </dsp:spPr>
+      <dsp:style>
+        <a:lnRef idx="2">
+          <a:scrgbClr r="0" g="0" b="0"/>
+        </a:lnRef>
+        <a:fillRef idx="0">
+          <a:scrgbClr r="0" g="0" b="0"/>
+        </a:fillRef>
+        <a:effectRef idx="0">
+          <a:scrgbClr r="0" g="0" b="0"/>
+        </a:effectRef>
+        <a:fontRef idx="minor"/>
+      </dsp:style>
+      <dsp:txBody>
+        <a:bodyPr spcFirstLastPara="0" vert="horz" wrap="square" lIns="12700" tIns="0" rIns="12700" bIns="0" numCol="1" spcCol="1270" anchor="ctr" anchorCtr="0">
+          <a:noAutofit/>
+        </a:bodyPr>
+        <a:lstStyle/>
+        <a:p>
+          <a:pPr lvl="0" algn="ctr" defTabSz="222250">
+            <a:lnSpc>
+              <a:spcPct val="90000"/>
+            </a:lnSpc>
+            <a:spcBef>
+              <a:spcPct val="0"/>
+            </a:spcBef>
+            <a:spcAft>
+              <a:spcPct val="35000"/>
+            </a:spcAft>
+          </a:pPr>
+          <a:endParaRPr lang="en-IN" sz="500" kern="1200"/>
+        </a:p>
+      </dsp:txBody>
+      <dsp:txXfrm>
+        <a:off x="4051894" y="1853067"/>
+        <a:ext cx="24210" cy="24210"/>
+      </dsp:txXfrm>
+    </dsp:sp>
+    <dsp:sp modelId="{D3ABC979-A187-493D-AD82-9C3961828BC0}">
+      <dsp:nvSpPr>
+        <dsp:cNvPr id="0" name=""/>
+        <dsp:cNvSpPr/>
+      </dsp:nvSpPr>
+      <dsp:spPr>
+        <a:xfrm>
+          <a:off x="3262669" y="20402"/>
+          <a:ext cx="1602661" cy="1602661"/>
+        </a:xfrm>
+        <a:prstGeom prst="ellipse">
+          <a:avLst/>
+        </a:prstGeom>
+        <a:solidFill>
+          <a:schemeClr val="accent1">
+            <a:hueOff val="0"/>
+            <a:satOff val="0"/>
+            <a:lumOff val="0"/>
+            <a:alphaOff val="0"/>
+          </a:schemeClr>
+        </a:solidFill>
+        <a:ln w="12700" cap="flat" cmpd="sng" algn="ctr">
+          <a:solidFill>
+            <a:schemeClr val="lt1">
+              <a:hueOff val="0"/>
+              <a:satOff val="0"/>
+              <a:lumOff val="0"/>
+              <a:alphaOff val="0"/>
+            </a:schemeClr>
+          </a:solidFill>
+          <a:prstDash val="solid"/>
+          <a:miter lim="800000"/>
+        </a:ln>
+        <a:effectLst/>
+      </dsp:spPr>
+      <dsp:style>
+        <a:lnRef idx="2">
+          <a:scrgbClr r="0" g="0" b="0"/>
+        </a:lnRef>
+        <a:fillRef idx="1">
+          <a:scrgbClr r="0" g="0" b="0"/>
+        </a:fillRef>
+        <a:effectRef idx="0">
+          <a:scrgbClr r="0" g="0" b="0"/>
+        </a:effectRef>
+        <a:fontRef idx="minor">
+          <a:schemeClr val="lt1"/>
+        </a:fontRef>
+      </dsp:style>
+      <dsp:txBody>
+        <a:bodyPr spcFirstLastPara="0" vert="horz" wrap="square" lIns="6985" tIns="6985" rIns="6985" bIns="6985" numCol="1" spcCol="1270" anchor="ctr" anchorCtr="0">
+          <a:noAutofit/>
+        </a:bodyPr>
+        <a:lstStyle/>
+        <a:p>
+          <a:pPr lvl="0" algn="ctr" defTabSz="488950">
+            <a:lnSpc>
+              <a:spcPct val="90000"/>
+            </a:lnSpc>
+            <a:spcBef>
+              <a:spcPct val="0"/>
+            </a:spcBef>
+            <a:spcAft>
+              <a:spcPct val="35000"/>
+            </a:spcAft>
+          </a:pPr>
+          <a:r>
+            <a:rPr lang="en-IN" sz="1100" kern="1200" dirty="0" smtClean="0"/>
+            <a:t>Fewer documentation required </a:t>
+          </a:r>
+          <a:endParaRPr lang="en-IN" sz="1100" kern="1200" dirty="0"/>
+        </a:p>
+      </dsp:txBody>
+      <dsp:txXfrm>
+        <a:off x="3497373" y="255106"/>
+        <a:ext cx="1133253" cy="1133253"/>
+      </dsp:txXfrm>
+    </dsp:sp>
+    <dsp:sp modelId="{C0C516CD-91B4-4ED5-9418-78AF4EE14940}">
+      <dsp:nvSpPr>
+        <dsp:cNvPr id="0" name=""/>
+        <dsp:cNvSpPr/>
+      </dsp:nvSpPr>
+      <dsp:spPr>
+        <a:xfrm rot="20674418">
+          <a:off x="4815308" y="2521533"/>
+          <a:ext cx="1174286" cy="35492"/>
+        </a:xfrm>
+        <a:custGeom>
+          <a:avLst/>
+          <a:gdLst/>
+          <a:ahLst/>
+          <a:cxnLst/>
+          <a:rect l="0" t="0" r="0" b="0"/>
+          <a:pathLst>
+            <a:path>
+              <a:moveTo>
+                <a:pt x="0" y="17746"/>
+              </a:moveTo>
+              <a:lnTo>
+                <a:pt x="1174286" y="17746"/>
+              </a:lnTo>
+            </a:path>
+          </a:pathLst>
+        </a:custGeom>
+        <a:noFill/>
+        <a:ln w="12700" cap="flat" cmpd="sng" algn="ctr">
+          <a:solidFill>
+            <a:schemeClr val="accent1">
+              <a:shade val="60000"/>
+              <a:hueOff val="0"/>
+              <a:satOff val="0"/>
+              <a:lumOff val="0"/>
+              <a:alphaOff val="0"/>
+            </a:schemeClr>
+          </a:solidFill>
+          <a:prstDash val="solid"/>
+          <a:miter lim="800000"/>
+        </a:ln>
+        <a:effectLst/>
+      </dsp:spPr>
+      <dsp:style>
+        <a:lnRef idx="2">
+          <a:scrgbClr r="0" g="0" b="0"/>
+        </a:lnRef>
+        <a:fillRef idx="0">
+          <a:scrgbClr r="0" g="0" b="0"/>
+        </a:fillRef>
+        <a:effectRef idx="0">
+          <a:scrgbClr r="0" g="0" b="0"/>
+        </a:effectRef>
+        <a:fontRef idx="minor"/>
+      </dsp:style>
+      <dsp:txBody>
+        <a:bodyPr spcFirstLastPara="0" vert="horz" wrap="square" lIns="12700" tIns="0" rIns="12700" bIns="0" numCol="1" spcCol="1270" anchor="ctr" anchorCtr="0">
+          <a:noAutofit/>
+        </a:bodyPr>
+        <a:lstStyle/>
+        <a:p>
+          <a:pPr lvl="0" algn="ctr" defTabSz="222250">
+            <a:lnSpc>
+              <a:spcPct val="90000"/>
+            </a:lnSpc>
+            <a:spcBef>
+              <a:spcPct val="0"/>
+            </a:spcBef>
+            <a:spcAft>
+              <a:spcPct val="35000"/>
+            </a:spcAft>
+          </a:pPr>
+          <a:endParaRPr lang="en-IN" sz="500" kern="1200"/>
+        </a:p>
+      </dsp:txBody>
+      <dsp:txXfrm>
+        <a:off x="5373094" y="2509922"/>
+        <a:ext cx="58714" cy="58714"/>
+      </dsp:txXfrm>
+    </dsp:sp>
+    <dsp:sp modelId="{4D7594C6-3EA5-4BEE-B14E-A61C91AB5A56}">
+      <dsp:nvSpPr>
+        <dsp:cNvPr id="0" name=""/>
+        <dsp:cNvSpPr/>
+      </dsp:nvSpPr>
+      <dsp:spPr>
+        <a:xfrm>
+          <a:off x="5939572" y="1368614"/>
+          <a:ext cx="1602661" cy="1602661"/>
+        </a:xfrm>
+        <a:prstGeom prst="ellipse">
+          <a:avLst/>
+        </a:prstGeom>
+        <a:solidFill>
+          <a:schemeClr val="accent1">
+            <a:hueOff val="0"/>
+            <a:satOff val="0"/>
+            <a:lumOff val="0"/>
+            <a:alphaOff val="0"/>
+          </a:schemeClr>
+        </a:solidFill>
+        <a:ln w="12700" cap="flat" cmpd="sng" algn="ctr">
+          <a:solidFill>
+            <a:schemeClr val="lt1">
+              <a:hueOff val="0"/>
+              <a:satOff val="0"/>
+              <a:lumOff val="0"/>
+              <a:alphaOff val="0"/>
+            </a:schemeClr>
+          </a:solidFill>
+          <a:prstDash val="solid"/>
+          <a:miter lim="800000"/>
+        </a:ln>
+        <a:effectLst/>
+      </dsp:spPr>
+      <dsp:style>
+        <a:lnRef idx="2">
+          <a:scrgbClr r="0" g="0" b="0"/>
+        </a:lnRef>
+        <a:fillRef idx="1">
+          <a:scrgbClr r="0" g="0" b="0"/>
+        </a:fillRef>
+        <a:effectRef idx="0">
+          <a:scrgbClr r="0" g="0" b="0"/>
+        </a:effectRef>
+        <a:fontRef idx="minor">
+          <a:schemeClr val="lt1"/>
+        </a:fontRef>
+      </dsp:style>
+      <dsp:txBody>
+        <a:bodyPr spcFirstLastPara="0" vert="horz" wrap="square" lIns="6985" tIns="6985" rIns="6985" bIns="6985" numCol="1" spcCol="1270" anchor="ctr" anchorCtr="0">
+          <a:noAutofit/>
+        </a:bodyPr>
+        <a:lstStyle/>
+        <a:p>
+          <a:pPr lvl="0" algn="ctr" defTabSz="488950">
+            <a:lnSpc>
+              <a:spcPct val="90000"/>
+            </a:lnSpc>
+            <a:spcBef>
+              <a:spcPct val="0"/>
+            </a:spcBef>
+            <a:spcAft>
+              <a:spcPct val="35000"/>
+            </a:spcAft>
+          </a:pPr>
+          <a:r>
+            <a:rPr lang="en-IN" sz="1100" kern="1200" dirty="0" smtClean="0"/>
+            <a:t>Fast delivery</a:t>
+          </a:r>
+          <a:endParaRPr lang="en-IN" sz="1100" kern="1200" dirty="0"/>
+        </a:p>
+      </dsp:txBody>
+      <dsp:txXfrm>
+        <a:off x="6174276" y="1603318"/>
+        <a:ext cx="1133253" cy="1133253"/>
+      </dsp:txXfrm>
+    </dsp:sp>
+    <dsp:sp modelId="{32A6C963-02E6-4E04-AD11-13C61D252FE5}">
+      <dsp:nvSpPr>
+        <dsp:cNvPr id="0" name=""/>
+        <dsp:cNvSpPr/>
+      </dsp:nvSpPr>
+      <dsp:spPr>
+        <a:xfrm rot="3240000">
+          <a:off x="4435209" y="3735027"/>
+          <a:ext cx="484217" cy="35492"/>
+        </a:xfrm>
+        <a:custGeom>
+          <a:avLst/>
+          <a:gdLst/>
+          <a:ahLst/>
+          <a:cxnLst/>
+          <a:rect l="0" t="0" r="0" b="0"/>
+          <a:pathLst>
+            <a:path>
+              <a:moveTo>
+                <a:pt x="0" y="17746"/>
+              </a:moveTo>
+              <a:lnTo>
+                <a:pt x="484217" y="17746"/>
+              </a:lnTo>
+            </a:path>
+          </a:pathLst>
+        </a:custGeom>
+        <a:noFill/>
+        <a:ln w="12700" cap="flat" cmpd="sng" algn="ctr">
+          <a:solidFill>
+            <a:schemeClr val="accent1">
+              <a:shade val="60000"/>
+              <a:hueOff val="0"/>
+              <a:satOff val="0"/>
+              <a:lumOff val="0"/>
+              <a:alphaOff val="0"/>
+            </a:schemeClr>
+          </a:solidFill>
+          <a:prstDash val="solid"/>
+          <a:miter lim="800000"/>
+        </a:ln>
+        <a:effectLst/>
+      </dsp:spPr>
+      <dsp:style>
+        <a:lnRef idx="2">
+          <a:scrgbClr r="0" g="0" b="0"/>
+        </a:lnRef>
+        <a:fillRef idx="0">
+          <a:scrgbClr r="0" g="0" b="0"/>
+        </a:fillRef>
+        <a:effectRef idx="0">
+          <a:scrgbClr r="0" g="0" b="0"/>
+        </a:effectRef>
+        <a:fontRef idx="minor"/>
+      </dsp:style>
+      <dsp:txBody>
+        <a:bodyPr spcFirstLastPara="0" vert="horz" wrap="square" lIns="12700" tIns="0" rIns="12700" bIns="0" numCol="1" spcCol="1270" anchor="ctr" anchorCtr="0">
+          <a:noAutofit/>
+        </a:bodyPr>
+        <a:lstStyle/>
+        <a:p>
+          <a:pPr lvl="0" algn="ctr" defTabSz="222250">
+            <a:lnSpc>
+              <a:spcPct val="90000"/>
+            </a:lnSpc>
+            <a:spcBef>
+              <a:spcPct val="0"/>
+            </a:spcBef>
+            <a:spcAft>
+              <a:spcPct val="35000"/>
+            </a:spcAft>
+          </a:pPr>
+          <a:endParaRPr lang="en-IN" sz="500" kern="1200"/>
+        </a:p>
+      </dsp:txBody>
+      <dsp:txXfrm>
+        <a:off x="4665213" y="3740667"/>
+        <a:ext cx="24210" cy="24210"/>
+      </dsp:txXfrm>
+    </dsp:sp>
+    <dsp:sp modelId="{13480AE2-D0CC-43D9-95CF-5CEF4899DAC4}">
+      <dsp:nvSpPr>
+        <dsp:cNvPr id="0" name=""/>
+        <dsp:cNvSpPr/>
+      </dsp:nvSpPr>
+      <dsp:spPr>
+        <a:xfrm>
+          <a:off x="4489306" y="3795603"/>
+          <a:ext cx="1602661" cy="1602661"/>
+        </a:xfrm>
+        <a:prstGeom prst="ellipse">
+          <a:avLst/>
+        </a:prstGeom>
+        <a:solidFill>
+          <a:schemeClr val="accent1">
+            <a:hueOff val="0"/>
+            <a:satOff val="0"/>
+            <a:lumOff val="0"/>
+            <a:alphaOff val="0"/>
+          </a:schemeClr>
+        </a:solidFill>
+        <a:ln w="12700" cap="flat" cmpd="sng" algn="ctr">
+          <a:solidFill>
+            <a:schemeClr val="lt1">
+              <a:hueOff val="0"/>
+              <a:satOff val="0"/>
+              <a:lumOff val="0"/>
+              <a:alphaOff val="0"/>
+            </a:schemeClr>
+          </a:solidFill>
+          <a:prstDash val="solid"/>
+          <a:miter lim="800000"/>
+        </a:ln>
+        <a:effectLst/>
+      </dsp:spPr>
+      <dsp:style>
+        <a:lnRef idx="2">
+          <a:scrgbClr r="0" g="0" b="0"/>
+        </a:lnRef>
+        <a:fillRef idx="1">
+          <a:scrgbClr r="0" g="0" b="0"/>
+        </a:fillRef>
+        <a:effectRef idx="0">
+          <a:scrgbClr r="0" g="0" b="0"/>
+        </a:effectRef>
+        <a:fontRef idx="minor">
+          <a:schemeClr val="lt1"/>
+        </a:fontRef>
+      </dsp:style>
+      <dsp:txBody>
+        <a:bodyPr spcFirstLastPara="0" vert="horz" wrap="square" lIns="6985" tIns="6985" rIns="6985" bIns="6985" numCol="1" spcCol="1270" anchor="ctr" anchorCtr="0">
+          <a:noAutofit/>
+        </a:bodyPr>
+        <a:lstStyle/>
+        <a:p>
+          <a:pPr lvl="0" algn="ctr" defTabSz="488950">
+            <a:lnSpc>
+              <a:spcPct val="90000"/>
+            </a:lnSpc>
+            <a:spcBef>
+              <a:spcPct val="0"/>
+            </a:spcBef>
+            <a:spcAft>
+              <a:spcPct val="35000"/>
+            </a:spcAft>
+          </a:pPr>
+          <a:r>
+            <a:rPr lang="en-IN" sz="1100" kern="1200" dirty="0" smtClean="0"/>
+            <a:t>Higher-quality code</a:t>
+          </a:r>
+          <a:endParaRPr lang="en-IN" sz="1100" kern="1200" dirty="0"/>
+        </a:p>
+      </dsp:txBody>
+      <dsp:txXfrm>
+        <a:off x="4724010" y="4030307"/>
+        <a:ext cx="1133253" cy="1133253"/>
+      </dsp:txXfrm>
+    </dsp:sp>
+    <dsp:sp modelId="{AC7D0357-7189-4320-BF33-DE16EF0D7FC6}">
+      <dsp:nvSpPr>
+        <dsp:cNvPr id="0" name=""/>
+        <dsp:cNvSpPr/>
+      </dsp:nvSpPr>
+      <dsp:spPr>
+        <a:xfrm rot="8186345">
+          <a:off x="2727159" y="3745228"/>
+          <a:ext cx="876891" cy="35492"/>
+        </a:xfrm>
+        <a:custGeom>
+          <a:avLst/>
+          <a:gdLst/>
+          <a:ahLst/>
+          <a:cxnLst/>
+          <a:rect l="0" t="0" r="0" b="0"/>
+          <a:pathLst>
+            <a:path>
+              <a:moveTo>
+                <a:pt x="0" y="17746"/>
+              </a:moveTo>
+              <a:lnTo>
+                <a:pt x="876891" y="17746"/>
+              </a:lnTo>
+            </a:path>
+          </a:pathLst>
+        </a:custGeom>
+        <a:noFill/>
+        <a:ln w="12700" cap="flat" cmpd="sng" algn="ctr">
+          <a:solidFill>
+            <a:schemeClr val="accent1">
+              <a:shade val="60000"/>
+              <a:hueOff val="0"/>
+              <a:satOff val="0"/>
+              <a:lumOff val="0"/>
+              <a:alphaOff val="0"/>
+            </a:schemeClr>
+          </a:solidFill>
+          <a:prstDash val="solid"/>
+          <a:miter lim="800000"/>
+        </a:ln>
+        <a:effectLst/>
+      </dsp:spPr>
+      <dsp:style>
+        <a:lnRef idx="2">
+          <a:scrgbClr r="0" g="0" b="0"/>
+        </a:lnRef>
+        <a:fillRef idx="0">
+          <a:scrgbClr r="0" g="0" b="0"/>
+        </a:fillRef>
+        <a:effectRef idx="0">
+          <a:scrgbClr r="0" g="0" b="0"/>
+        </a:effectRef>
+        <a:fontRef idx="minor"/>
+      </dsp:style>
+      <dsp:txBody>
+        <a:bodyPr spcFirstLastPara="0" vert="horz" wrap="square" lIns="12700" tIns="0" rIns="12700" bIns="0" numCol="1" spcCol="1270" anchor="ctr" anchorCtr="0">
+          <a:noAutofit/>
+        </a:bodyPr>
+        <a:lstStyle/>
+        <a:p>
+          <a:pPr lvl="0" algn="ctr" defTabSz="222250">
+            <a:lnSpc>
+              <a:spcPct val="90000"/>
+            </a:lnSpc>
+            <a:spcBef>
+              <a:spcPct val="0"/>
+            </a:spcBef>
+            <a:spcAft>
+              <a:spcPct val="35000"/>
+            </a:spcAft>
+          </a:pPr>
+          <a:endParaRPr lang="en-IN" sz="500" kern="1200"/>
+        </a:p>
+      </dsp:txBody>
+      <dsp:txXfrm rot="10800000">
+        <a:off x="3143683" y="3741052"/>
+        <a:ext cx="43844" cy="43844"/>
+      </dsp:txXfrm>
+    </dsp:sp>
+    <dsp:sp modelId="{B91882FC-8DB4-4777-82C8-E0126D59D040}">
+      <dsp:nvSpPr>
+        <dsp:cNvPr id="0" name=""/>
+        <dsp:cNvSpPr/>
+      </dsp:nvSpPr>
+      <dsp:spPr>
+        <a:xfrm>
+          <a:off x="1465880" y="3816005"/>
+          <a:ext cx="1602661" cy="1602661"/>
+        </a:xfrm>
+        <a:prstGeom prst="ellipse">
+          <a:avLst/>
+        </a:prstGeom>
+        <a:solidFill>
+          <a:schemeClr val="accent1">
+            <a:hueOff val="0"/>
+            <a:satOff val="0"/>
+            <a:lumOff val="0"/>
+            <a:alphaOff val="0"/>
+          </a:schemeClr>
+        </a:solidFill>
+        <a:ln w="12700" cap="flat" cmpd="sng" algn="ctr">
+          <a:solidFill>
+            <a:schemeClr val="lt1">
+              <a:hueOff val="0"/>
+              <a:satOff val="0"/>
+              <a:lumOff val="0"/>
+              <a:alphaOff val="0"/>
+            </a:schemeClr>
+          </a:solidFill>
+          <a:prstDash val="solid"/>
+          <a:miter lim="800000"/>
+        </a:ln>
+        <a:effectLst/>
+      </dsp:spPr>
+      <dsp:style>
+        <a:lnRef idx="2">
+          <a:scrgbClr r="0" g="0" b="0"/>
+        </a:lnRef>
+        <a:fillRef idx="1">
+          <a:scrgbClr r="0" g="0" b="0"/>
+        </a:fillRef>
+        <a:effectRef idx="0">
+          <a:scrgbClr r="0" g="0" b="0"/>
+        </a:effectRef>
+        <a:fontRef idx="minor">
+          <a:schemeClr val="lt1"/>
+        </a:fontRef>
+      </dsp:style>
+      <dsp:txBody>
+        <a:bodyPr spcFirstLastPara="0" vert="horz" wrap="square" lIns="6985" tIns="6985" rIns="6985" bIns="6985" numCol="1" spcCol="1270" anchor="ctr" anchorCtr="0">
+          <a:noAutofit/>
+        </a:bodyPr>
+        <a:lstStyle/>
+        <a:p>
+          <a:pPr lvl="0" algn="ctr" defTabSz="488950">
+            <a:lnSpc>
+              <a:spcPct val="90000"/>
+            </a:lnSpc>
+            <a:spcBef>
+              <a:spcPct val="0"/>
+            </a:spcBef>
+            <a:spcAft>
+              <a:spcPct val="35000"/>
+            </a:spcAft>
+          </a:pPr>
+          <a:r>
+            <a:rPr lang="en-IN" sz="1100" kern="1200" dirty="0" smtClean="0"/>
+            <a:t>Easy to manage</a:t>
+          </a:r>
+          <a:endParaRPr lang="en-IN" sz="1100" kern="1200" dirty="0"/>
+        </a:p>
+      </dsp:txBody>
+      <dsp:txXfrm>
+        <a:off x="1700584" y="4050709"/>
+        <a:ext cx="1133253" cy="1133253"/>
+      </dsp:txXfrm>
+    </dsp:sp>
+    <dsp:sp modelId="{2DB5939B-B49D-4DE8-A2A0-5856286845E5}">
+      <dsp:nvSpPr>
+        <dsp:cNvPr id="0" name=""/>
+        <dsp:cNvSpPr/>
+      </dsp:nvSpPr>
+      <dsp:spPr>
+        <a:xfrm rot="11880000">
+          <a:off x="2829520" y="2568426"/>
+          <a:ext cx="484217" cy="35492"/>
+        </a:xfrm>
+        <a:custGeom>
+          <a:avLst/>
+          <a:gdLst/>
+          <a:ahLst/>
+          <a:cxnLst/>
+          <a:rect l="0" t="0" r="0" b="0"/>
+          <a:pathLst>
+            <a:path>
+              <a:moveTo>
+                <a:pt x="0" y="17746"/>
+              </a:moveTo>
+              <a:lnTo>
+                <a:pt x="484217" y="17746"/>
+              </a:lnTo>
+            </a:path>
+          </a:pathLst>
+        </a:custGeom>
+        <a:noFill/>
+        <a:ln w="12700" cap="flat" cmpd="sng" algn="ctr">
+          <a:solidFill>
+            <a:schemeClr val="accent1">
+              <a:shade val="60000"/>
+              <a:hueOff val="0"/>
+              <a:satOff val="0"/>
+              <a:lumOff val="0"/>
+              <a:alphaOff val="0"/>
+            </a:schemeClr>
+          </a:solidFill>
+          <a:prstDash val="solid"/>
+          <a:miter lim="800000"/>
+        </a:ln>
+        <a:effectLst/>
+      </dsp:spPr>
+      <dsp:style>
+        <a:lnRef idx="2">
+          <a:scrgbClr r="0" g="0" b="0"/>
+        </a:lnRef>
+        <a:fillRef idx="0">
+          <a:scrgbClr r="0" g="0" b="0"/>
+        </a:fillRef>
+        <a:effectRef idx="0">
+          <a:scrgbClr r="0" g="0" b="0"/>
+        </a:effectRef>
+        <a:fontRef idx="minor"/>
+      </dsp:style>
+      <dsp:txBody>
+        <a:bodyPr spcFirstLastPara="0" vert="horz" wrap="square" lIns="12700" tIns="0" rIns="12700" bIns="0" numCol="1" spcCol="1270" anchor="ctr" anchorCtr="0">
+          <a:noAutofit/>
+        </a:bodyPr>
+        <a:lstStyle/>
+        <a:p>
+          <a:pPr lvl="0" algn="ctr" defTabSz="222250">
+            <a:lnSpc>
+              <a:spcPct val="90000"/>
+            </a:lnSpc>
+            <a:spcBef>
+              <a:spcPct val="0"/>
+            </a:spcBef>
+            <a:spcAft>
+              <a:spcPct val="35000"/>
+            </a:spcAft>
+          </a:pPr>
+          <a:endParaRPr lang="en-IN" sz="500" kern="1200"/>
+        </a:p>
+      </dsp:txBody>
+      <dsp:txXfrm rot="10800000">
+        <a:off x="3059524" y="2574066"/>
+        <a:ext cx="24210" cy="24210"/>
+      </dsp:txXfrm>
+    </dsp:sp>
+    <dsp:sp modelId="{B45025AF-8C8A-4EFD-9E78-0A9E4C884438}">
+      <dsp:nvSpPr>
+        <dsp:cNvPr id="0" name=""/>
+        <dsp:cNvSpPr/>
+      </dsp:nvSpPr>
+      <dsp:spPr>
+        <a:xfrm>
+          <a:off x="1277928" y="1462400"/>
+          <a:ext cx="1602661" cy="1602661"/>
+        </a:xfrm>
+        <a:prstGeom prst="ellipse">
+          <a:avLst/>
+        </a:prstGeom>
+        <a:solidFill>
+          <a:schemeClr val="accent1">
+            <a:hueOff val="0"/>
+            <a:satOff val="0"/>
+            <a:lumOff val="0"/>
+            <a:alphaOff val="0"/>
+          </a:schemeClr>
+        </a:solidFill>
+        <a:ln w="12700" cap="flat" cmpd="sng" algn="ctr">
+          <a:solidFill>
+            <a:schemeClr val="lt1">
+              <a:hueOff val="0"/>
+              <a:satOff val="0"/>
+              <a:lumOff val="0"/>
+              <a:alphaOff val="0"/>
+            </a:schemeClr>
+          </a:solidFill>
+          <a:prstDash val="solid"/>
+          <a:miter lim="800000"/>
+        </a:ln>
+        <a:effectLst/>
+      </dsp:spPr>
+      <dsp:style>
+        <a:lnRef idx="2">
+          <a:scrgbClr r="0" g="0" b="0"/>
+        </a:lnRef>
+        <a:fillRef idx="1">
+          <a:scrgbClr r="0" g="0" b="0"/>
+        </a:fillRef>
+        <a:effectRef idx="0">
+          <a:scrgbClr r="0" g="0" b="0"/>
+        </a:effectRef>
+        <a:fontRef idx="minor">
+          <a:schemeClr val="lt1"/>
+        </a:fontRef>
+      </dsp:style>
+      <dsp:txBody>
+        <a:bodyPr spcFirstLastPara="0" vert="horz" wrap="square" lIns="6985" tIns="6985" rIns="6985" bIns="6985" numCol="1" spcCol="1270" anchor="ctr" anchorCtr="0">
+          <a:noAutofit/>
+        </a:bodyPr>
+        <a:lstStyle/>
+        <a:p>
+          <a:pPr lvl="0" algn="ctr" defTabSz="488950">
+            <a:lnSpc>
+              <a:spcPct val="90000"/>
+            </a:lnSpc>
+            <a:spcBef>
+              <a:spcPct val="0"/>
+            </a:spcBef>
+            <a:spcAft>
+              <a:spcPct val="35000"/>
+            </a:spcAft>
+          </a:pPr>
+          <a:r>
+            <a:rPr lang="en-IN" sz="1100" kern="1200" dirty="0" smtClean="0"/>
+            <a:t>Collaboration with customer</a:t>
+          </a:r>
+          <a:endParaRPr lang="en-IN" sz="1100" kern="1200" dirty="0"/>
+        </a:p>
+      </dsp:txBody>
+      <dsp:txXfrm>
+        <a:off x="1512632" y="1697104"/>
+        <a:ext cx="1133253" cy="1133253"/>
+      </dsp:txXfrm>
+    </dsp:sp>
+  </dsp:spTree>
+</dsp:drawing>
+</file>
+
+<file path=ppt/diagrams/drawing2.xml><?xml version="1.0" encoding="utf-8"?>
+<dsp:drawing xmlns:dgm="http://schemas.openxmlformats.org/drawingml/2006/diagram" xmlns:dsp="http://schemas.microsoft.com/office/drawing/2008/diagram" xmlns:a="http://schemas.openxmlformats.org/drawingml/2006/main">
+  <dsp:spTree>
+    <dsp:nvGrpSpPr>
+      <dsp:cNvPr id="0" name=""/>
+      <dsp:cNvGrpSpPr/>
+    </dsp:nvGrpSpPr>
+    <dsp:grpSpPr/>
+    <dsp:sp modelId="{F8540F95-C1AA-4263-9902-20FB07087AFE}">
+      <dsp:nvSpPr>
+        <dsp:cNvPr id="0" name=""/>
+        <dsp:cNvSpPr/>
+      </dsp:nvSpPr>
+      <dsp:spPr>
+        <a:xfrm>
+          <a:off x="2754811" y="2565149"/>
+          <a:ext cx="2037805" cy="2037805"/>
+        </a:xfrm>
+        <a:prstGeom prst="ellipse">
+          <a:avLst/>
+        </a:prstGeom>
+        <a:solidFill>
+          <a:schemeClr val="accent6"/>
+        </a:solidFill>
+        <a:ln w="12700" cap="flat" cmpd="sng" algn="ctr">
+          <a:solidFill>
+            <a:schemeClr val="lt1">
+              <a:hueOff val="0"/>
+              <a:satOff val="0"/>
+              <a:lumOff val="0"/>
+              <a:alphaOff val="0"/>
+            </a:schemeClr>
+          </a:solidFill>
+          <a:prstDash val="solid"/>
+          <a:miter lim="800000"/>
+        </a:ln>
+        <a:effectLst/>
+      </dsp:spPr>
+      <dsp:style>
+        <a:lnRef idx="2">
+          <a:scrgbClr r="0" g="0" b="0"/>
+        </a:lnRef>
+        <a:fillRef idx="1">
+          <a:scrgbClr r="0" g="0" b="0"/>
+        </a:fillRef>
+        <a:effectRef idx="0">
+          <a:scrgbClr r="0" g="0" b="0"/>
+        </a:effectRef>
+        <a:fontRef idx="minor">
+          <a:schemeClr val="lt1"/>
+        </a:fontRef>
+      </dsp:style>
+      <dsp:txBody>
+        <a:bodyPr spcFirstLastPara="0" vert="horz" wrap="square" lIns="8255" tIns="8255" rIns="8255" bIns="8255" numCol="1" spcCol="1270" anchor="ctr" anchorCtr="0">
+          <a:noAutofit/>
+        </a:bodyPr>
+        <a:lstStyle/>
+        <a:p>
+          <a:pPr lvl="0" algn="ctr" defTabSz="577850">
+            <a:lnSpc>
+              <a:spcPct val="90000"/>
+            </a:lnSpc>
+            <a:spcBef>
+              <a:spcPct val="0"/>
+            </a:spcBef>
+            <a:spcAft>
+              <a:spcPct val="35000"/>
+            </a:spcAft>
+          </a:pPr>
+          <a:r>
+            <a:rPr lang="en-IN" sz="1300" kern="1200" dirty="0" smtClean="0"/>
+            <a:t>DISADVANTAGES</a:t>
+          </a:r>
+          <a:endParaRPr lang="en-IN" sz="1300" kern="1200" dirty="0"/>
+        </a:p>
+      </dsp:txBody>
+      <dsp:txXfrm>
+        <a:off x="3053241" y="2863579"/>
+        <a:ext cx="1440945" cy="1440945"/>
+      </dsp:txXfrm>
+    </dsp:sp>
+    <dsp:sp modelId="{9D93F777-CF80-4789-A7D8-A2D2E164F77F}">
+      <dsp:nvSpPr>
+        <dsp:cNvPr id="0" name=""/>
+        <dsp:cNvSpPr/>
+      </dsp:nvSpPr>
+      <dsp:spPr>
+        <a:xfrm rot="11700000">
+          <a:off x="938884" y="2772665"/>
+          <a:ext cx="1780869" cy="580774"/>
+        </a:xfrm>
+        <a:prstGeom prst="leftArrow">
+          <a:avLst>
+            <a:gd name="adj1" fmla="val 60000"/>
+            <a:gd name="adj2" fmla="val 50000"/>
+          </a:avLst>
+        </a:prstGeom>
+        <a:solidFill>
+          <a:schemeClr val="accent6"/>
+        </a:solidFill>
+        <a:ln>
+          <a:noFill/>
+        </a:ln>
+        <a:effectLst/>
+      </dsp:spPr>
+      <dsp:style>
+        <a:lnRef idx="0">
+          <a:scrgbClr r="0" g="0" b="0"/>
+        </a:lnRef>
+        <a:fillRef idx="1">
+          <a:scrgbClr r="0" g="0" b="0"/>
+        </a:fillRef>
+        <a:effectRef idx="0">
+          <a:scrgbClr r="0" g="0" b="0"/>
+        </a:effectRef>
+        <a:fontRef idx="minor">
+          <a:schemeClr val="lt1"/>
+        </a:fontRef>
+      </dsp:style>
+    </dsp:sp>
+    <dsp:sp modelId="{237C685F-C42D-4BEE-BD44-CAA1A95196DD}">
+      <dsp:nvSpPr>
+        <dsp:cNvPr id="0" name=""/>
+        <dsp:cNvSpPr/>
+      </dsp:nvSpPr>
+      <dsp:spPr>
+        <a:xfrm>
+          <a:off x="1267" y="2058225"/>
+          <a:ext cx="1935915" cy="1548732"/>
+        </a:xfrm>
+        <a:prstGeom prst="roundRect">
+          <a:avLst>
+            <a:gd name="adj" fmla="val 10000"/>
+          </a:avLst>
+        </a:prstGeom>
+        <a:solidFill>
+          <a:schemeClr val="accent6"/>
+        </a:solidFill>
+        <a:ln w="12700" cap="flat" cmpd="sng" algn="ctr">
+          <a:solidFill>
+            <a:schemeClr val="lt1">
+              <a:hueOff val="0"/>
+              <a:satOff val="0"/>
+              <a:lumOff val="0"/>
+              <a:alphaOff val="0"/>
+            </a:schemeClr>
+          </a:solidFill>
+          <a:prstDash val="solid"/>
+          <a:miter lim="800000"/>
+        </a:ln>
+        <a:effectLst/>
+      </dsp:spPr>
+      <dsp:style>
+        <a:lnRef idx="2">
+          <a:scrgbClr r="0" g="0" b="0"/>
+        </a:lnRef>
+        <a:fillRef idx="1">
+          <a:scrgbClr r="0" g="0" b="0"/>
+        </a:fillRef>
+        <a:effectRef idx="0">
+          <a:scrgbClr r="0" g="0" b="0"/>
+        </a:effectRef>
+        <a:fontRef idx="minor">
+          <a:schemeClr val="lt1"/>
+        </a:fontRef>
+      </dsp:style>
+      <dsp:txBody>
+        <a:bodyPr spcFirstLastPara="0" vert="horz" wrap="square" lIns="45720" tIns="45720" rIns="45720" bIns="45720" numCol="1" spcCol="1270" anchor="ctr" anchorCtr="0">
+          <a:noAutofit/>
+        </a:bodyPr>
+        <a:lstStyle/>
+        <a:p>
+          <a:pPr lvl="0" algn="ctr" defTabSz="1066800">
+            <a:lnSpc>
+              <a:spcPct val="90000"/>
+            </a:lnSpc>
+            <a:spcBef>
+              <a:spcPct val="0"/>
+            </a:spcBef>
+            <a:spcAft>
+              <a:spcPct val="35000"/>
+            </a:spcAft>
+          </a:pPr>
+          <a:r>
+            <a:rPr lang="en-IN" sz="2400" kern="1200" dirty="0" smtClean="0"/>
+            <a:t>Focused only on code</a:t>
+          </a:r>
+          <a:endParaRPr lang="en-IN" sz="2400" kern="1200" dirty="0"/>
+        </a:p>
+      </dsp:txBody>
+      <dsp:txXfrm>
+        <a:off x="46628" y="2103586"/>
+        <a:ext cx="1845193" cy="1458010"/>
+      </dsp:txXfrm>
+    </dsp:sp>
+    <dsp:sp modelId="{2474F4BD-7704-4CED-9202-628A0642F8DD}">
+      <dsp:nvSpPr>
+        <dsp:cNvPr id="0" name=""/>
+        <dsp:cNvSpPr/>
+      </dsp:nvSpPr>
+      <dsp:spPr>
+        <a:xfrm rot="14700000">
+          <a:off x="2032555" y="1469279"/>
+          <a:ext cx="1780869" cy="580774"/>
+        </a:xfrm>
+        <a:prstGeom prst="leftArrow">
+          <a:avLst>
+            <a:gd name="adj1" fmla="val 60000"/>
+            <a:gd name="adj2" fmla="val 50000"/>
+          </a:avLst>
+        </a:prstGeom>
+        <a:solidFill>
+          <a:schemeClr val="accent6"/>
+        </a:solidFill>
+        <a:ln>
+          <a:noFill/>
+        </a:ln>
+        <a:effectLst/>
+      </dsp:spPr>
+      <dsp:style>
+        <a:lnRef idx="0">
+          <a:scrgbClr r="0" g="0" b="0"/>
+        </a:lnRef>
+        <a:fillRef idx="1">
+          <a:scrgbClr r="0" g="0" b="0"/>
+        </a:fillRef>
+        <a:effectRef idx="0">
+          <a:scrgbClr r="0" g="0" b="0"/>
+        </a:effectRef>
+        <a:fontRef idx="minor">
+          <a:schemeClr val="lt1"/>
+        </a:fontRef>
+      </dsp:style>
+    </dsp:sp>
+    <dsp:sp modelId="{A1B78FFA-47C8-4439-B9BB-24C7FB713AF4}">
+      <dsp:nvSpPr>
+        <dsp:cNvPr id="0" name=""/>
+        <dsp:cNvSpPr/>
+      </dsp:nvSpPr>
+      <dsp:spPr>
+        <a:xfrm>
+          <a:off x="1578718" y="178293"/>
+          <a:ext cx="1935915" cy="1548732"/>
+        </a:xfrm>
+        <a:prstGeom prst="roundRect">
+          <a:avLst>
+            <a:gd name="adj" fmla="val 10000"/>
+          </a:avLst>
+        </a:prstGeom>
+        <a:solidFill>
+          <a:schemeClr val="accent6"/>
+        </a:solidFill>
+        <a:ln w="12700" cap="flat" cmpd="sng" algn="ctr">
+          <a:solidFill>
+            <a:schemeClr val="lt1">
+              <a:hueOff val="0"/>
+              <a:satOff val="0"/>
+              <a:lumOff val="0"/>
+              <a:alphaOff val="0"/>
+            </a:schemeClr>
+          </a:solidFill>
+          <a:prstDash val="solid"/>
+          <a:miter lim="800000"/>
+        </a:ln>
+        <a:effectLst/>
+      </dsp:spPr>
+      <dsp:style>
+        <a:lnRef idx="2">
+          <a:scrgbClr r="0" g="0" b="0"/>
+        </a:lnRef>
+        <a:fillRef idx="1">
+          <a:scrgbClr r="0" g="0" b="0"/>
+        </a:fillRef>
+        <a:effectRef idx="0">
+          <a:scrgbClr r="0" g="0" b="0"/>
+        </a:effectRef>
+        <a:fontRef idx="minor">
+          <a:schemeClr val="lt1"/>
+        </a:fontRef>
+      </dsp:style>
+      <dsp:txBody>
+        <a:bodyPr spcFirstLastPara="0" vert="horz" wrap="square" lIns="45720" tIns="45720" rIns="45720" bIns="45720" numCol="1" spcCol="1270" anchor="ctr" anchorCtr="0">
+          <a:noAutofit/>
+        </a:bodyPr>
+        <a:lstStyle/>
+        <a:p>
+          <a:pPr lvl="0" algn="ctr" defTabSz="1066800">
+            <a:lnSpc>
+              <a:spcPct val="90000"/>
+            </a:lnSpc>
+            <a:spcBef>
+              <a:spcPct val="0"/>
+            </a:spcBef>
+            <a:spcAft>
+              <a:spcPct val="35000"/>
+            </a:spcAft>
+          </a:pPr>
+          <a:r>
+            <a:rPr lang="en-IN" sz="2400" kern="1200" dirty="0" smtClean="0"/>
+            <a:t>Requires much user input</a:t>
+          </a:r>
+          <a:endParaRPr lang="en-IN" sz="2400" kern="1200" dirty="0"/>
+        </a:p>
+      </dsp:txBody>
+      <dsp:txXfrm>
+        <a:off x="1624079" y="223654"/>
+        <a:ext cx="1845193" cy="1458010"/>
+      </dsp:txXfrm>
+    </dsp:sp>
+    <dsp:sp modelId="{EAE5356A-A62D-4269-A806-BBD7EF53EC84}">
+      <dsp:nvSpPr>
+        <dsp:cNvPr id="0" name=""/>
+        <dsp:cNvSpPr/>
+      </dsp:nvSpPr>
+      <dsp:spPr>
+        <a:xfrm rot="17700000">
+          <a:off x="3734004" y="1469279"/>
+          <a:ext cx="1780869" cy="580774"/>
+        </a:xfrm>
+        <a:prstGeom prst="leftArrow">
+          <a:avLst>
+            <a:gd name="adj1" fmla="val 60000"/>
+            <a:gd name="adj2" fmla="val 50000"/>
+          </a:avLst>
+        </a:prstGeom>
+        <a:solidFill>
+          <a:schemeClr val="accent6"/>
+        </a:solidFill>
+        <a:ln>
+          <a:noFill/>
+        </a:ln>
+        <a:effectLst/>
+      </dsp:spPr>
+      <dsp:style>
+        <a:lnRef idx="0">
+          <a:scrgbClr r="0" g="0" b="0"/>
+        </a:lnRef>
+        <a:fillRef idx="1">
+          <a:scrgbClr r="0" g="0" b="0"/>
+        </a:fillRef>
+        <a:effectRef idx="0">
+          <a:scrgbClr r="0" g="0" b="0"/>
+        </a:effectRef>
+        <a:fontRef idx="minor">
+          <a:schemeClr val="lt1"/>
+        </a:fontRef>
+      </dsp:style>
+    </dsp:sp>
+    <dsp:sp modelId="{DCFC9909-2BEE-4462-9F24-8D399F079A9E}">
+      <dsp:nvSpPr>
+        <dsp:cNvPr id="0" name=""/>
+        <dsp:cNvSpPr/>
+      </dsp:nvSpPr>
+      <dsp:spPr>
+        <a:xfrm>
+          <a:off x="4032795" y="178293"/>
+          <a:ext cx="1935915" cy="1548732"/>
+        </a:xfrm>
+        <a:prstGeom prst="roundRect">
+          <a:avLst>
+            <a:gd name="adj" fmla="val 10000"/>
+          </a:avLst>
+        </a:prstGeom>
+        <a:solidFill>
+          <a:schemeClr val="accent6"/>
+        </a:solidFill>
+        <a:ln w="12700" cap="flat" cmpd="sng" algn="ctr">
+          <a:solidFill>
+            <a:schemeClr val="lt1">
+              <a:hueOff val="0"/>
+              <a:satOff val="0"/>
+              <a:lumOff val="0"/>
+              <a:alphaOff val="0"/>
+            </a:schemeClr>
+          </a:solidFill>
+          <a:prstDash val="solid"/>
+          <a:miter lim="800000"/>
+        </a:ln>
+        <a:effectLst/>
+      </dsp:spPr>
+      <dsp:style>
+        <a:lnRef idx="2">
+          <a:scrgbClr r="0" g="0" b="0"/>
+        </a:lnRef>
+        <a:fillRef idx="1">
+          <a:scrgbClr r="0" g="0" b="0"/>
+        </a:fillRef>
+        <a:effectRef idx="0">
+          <a:scrgbClr r="0" g="0" b="0"/>
+        </a:effectRef>
+        <a:fontRef idx="minor">
+          <a:schemeClr val="lt1"/>
+        </a:fontRef>
+      </dsp:style>
+      <dsp:txBody>
+        <a:bodyPr spcFirstLastPara="0" vert="horz" wrap="square" lIns="45720" tIns="45720" rIns="45720" bIns="45720" numCol="1" spcCol="1270" anchor="ctr" anchorCtr="0">
+          <a:noAutofit/>
+        </a:bodyPr>
+        <a:lstStyle/>
+        <a:p>
+          <a:pPr lvl="0" algn="ctr" defTabSz="1066800">
+            <a:lnSpc>
+              <a:spcPct val="90000"/>
+            </a:lnSpc>
+            <a:spcBef>
+              <a:spcPct val="0"/>
+            </a:spcBef>
+            <a:spcAft>
+              <a:spcPct val="35000"/>
+            </a:spcAft>
+          </a:pPr>
+          <a:r>
+            <a:rPr lang="en-IN" sz="2400" kern="1200" dirty="0" smtClean="0"/>
+            <a:t>Depends on customer interaction</a:t>
+          </a:r>
+          <a:endParaRPr lang="en-IN" sz="2400" kern="1200" dirty="0"/>
+        </a:p>
+      </dsp:txBody>
+      <dsp:txXfrm>
+        <a:off x="4078156" y="223654"/>
+        <a:ext cx="1845193" cy="1458010"/>
+      </dsp:txXfrm>
+    </dsp:sp>
+    <dsp:sp modelId="{9C267DA5-5434-45A3-8FA9-BE4720976465}">
+      <dsp:nvSpPr>
+        <dsp:cNvPr id="0" name=""/>
+        <dsp:cNvSpPr/>
+      </dsp:nvSpPr>
+      <dsp:spPr>
+        <a:xfrm rot="20700000">
+          <a:off x="4827675" y="2772665"/>
+          <a:ext cx="1780869" cy="580774"/>
+        </a:xfrm>
+        <a:prstGeom prst="leftArrow">
+          <a:avLst>
+            <a:gd name="adj1" fmla="val 60000"/>
+            <a:gd name="adj2" fmla="val 50000"/>
+          </a:avLst>
+        </a:prstGeom>
+        <a:solidFill>
+          <a:schemeClr val="accent6"/>
+        </a:solidFill>
+        <a:ln>
+          <a:noFill/>
+        </a:ln>
+        <a:effectLst/>
+      </dsp:spPr>
+      <dsp:style>
+        <a:lnRef idx="0">
+          <a:scrgbClr r="0" g="0" b="0"/>
+        </a:lnRef>
+        <a:fillRef idx="1">
+          <a:scrgbClr r="0" g="0" b="0"/>
+        </a:fillRef>
+        <a:effectRef idx="0">
+          <a:scrgbClr r="0" g="0" b="0"/>
+        </a:effectRef>
+        <a:fontRef idx="minor">
+          <a:schemeClr val="lt1"/>
+        </a:fontRef>
+      </dsp:style>
+    </dsp:sp>
+    <dsp:sp modelId="{A5A85BA2-D2EF-4197-B6D1-5F2928F8ABAD}">
+      <dsp:nvSpPr>
+        <dsp:cNvPr id="0" name=""/>
+        <dsp:cNvSpPr/>
+      </dsp:nvSpPr>
+      <dsp:spPr>
+        <a:xfrm>
+          <a:off x="5610245" y="2058225"/>
+          <a:ext cx="1935915" cy="1548732"/>
+        </a:xfrm>
+        <a:prstGeom prst="roundRect">
+          <a:avLst>
+            <a:gd name="adj" fmla="val 10000"/>
+          </a:avLst>
+        </a:prstGeom>
+        <a:solidFill>
+          <a:schemeClr val="accent6"/>
+        </a:solidFill>
+        <a:ln w="12700" cap="flat" cmpd="sng" algn="ctr">
+          <a:solidFill>
+            <a:schemeClr val="lt1">
+              <a:hueOff val="0"/>
+              <a:satOff val="0"/>
+              <a:lumOff val="0"/>
+              <a:alphaOff val="0"/>
+            </a:schemeClr>
+          </a:solidFill>
+          <a:prstDash val="solid"/>
+          <a:miter lim="800000"/>
+        </a:ln>
+        <a:effectLst/>
+      </dsp:spPr>
+      <dsp:style>
+        <a:lnRef idx="2">
+          <a:scrgbClr r="0" g="0" b="0"/>
+        </a:lnRef>
+        <a:fillRef idx="1">
+          <a:scrgbClr r="0" g="0" b="0"/>
+        </a:fillRef>
+        <a:effectRef idx="0">
+          <a:scrgbClr r="0" g="0" b="0"/>
+        </a:effectRef>
+        <a:fontRef idx="minor">
+          <a:schemeClr val="lt1"/>
+        </a:fontRef>
+      </dsp:style>
+      <dsp:txBody>
+        <a:bodyPr spcFirstLastPara="0" vert="horz" wrap="square" lIns="45720" tIns="45720" rIns="45720" bIns="45720" numCol="1" spcCol="1270" anchor="ctr" anchorCtr="0">
+          <a:noAutofit/>
+        </a:bodyPr>
+        <a:lstStyle/>
+        <a:p>
+          <a:pPr lvl="0" algn="ctr" defTabSz="1066800">
+            <a:lnSpc>
+              <a:spcPct val="90000"/>
+            </a:lnSpc>
+            <a:spcBef>
+              <a:spcPct val="0"/>
+            </a:spcBef>
+            <a:spcAft>
+              <a:spcPct val="35000"/>
+            </a:spcAft>
+          </a:pPr>
+          <a:r>
+            <a:rPr lang="en-IN" sz="2400" kern="1200" dirty="0" smtClean="0"/>
+            <a:t>Works only in smaller project</a:t>
+          </a:r>
+          <a:endParaRPr lang="en-IN" sz="2400" kern="1200" dirty="0"/>
+        </a:p>
+      </dsp:txBody>
+      <dsp:txXfrm>
+        <a:off x="5655606" y="2103586"/>
+        <a:ext cx="1845193" cy="1458010"/>
+      </dsp:txXfrm>
+    </dsp:sp>
+  </dsp:spTree>
+</dsp:drawing>
+</file>
+
+<file path=ppt/diagrams/layout1.xml><?xml version="1.0" encoding="utf-8"?>
+<dgm:layoutDef xmlns:dgm="http://schemas.openxmlformats.org/drawingml/2006/diagram" xmlns:a="http://schemas.openxmlformats.org/drawingml/2006/main" uniqueId="urn:microsoft.com/office/officeart/2005/8/layout/radial1">
+  <dgm:title val=""/>
+  <dgm:desc val=""/>
+  <dgm:catLst>
+    <dgm:cat type="relationship" pri="22000"/>
+    <dgm:cat type="cycle" pri="10000"/>
+  </dgm:catLst>
+  <dgm:sampData>
+    <dgm:dataModel>
+      <dgm:ptLst>
+        <dgm:pt modelId="0" type="doc"/>
+        <dgm:pt modelId="1">
+          <dgm:prSet phldr="1"/>
+        </dgm:pt>
+        <dgm:pt modelId="11">
+          <dgm:prSet phldr="1"/>
+        </dgm:pt>
+        <dgm:pt modelId="12">
+          <dgm:prSet phldr="1"/>
+        </dgm:pt>
+        <dgm:pt modelId="13">
+          <dgm:prSet phldr="1"/>
+        </dgm:pt>
+        <dgm:pt modelId="14">
+          <dgm:prSet phldr="1"/>
+        </dgm:pt>
+      </dgm:ptLst>
+      <dgm:cxnLst>
+        <dgm:cxn modelId="2" srcId="0" destId="1" srcOrd="0" destOrd="0"/>
+        <dgm:cxn modelId="3" srcId="1" destId="11" srcOrd="0" destOrd="0"/>
+        <dgm:cxn modelId="4" srcId="1" destId="12" srcOrd="1" destOrd="0"/>
+        <dgm:cxn modelId="5" srcId="1" destId="13" srcOrd="2" destOrd="0"/>
+        <dgm:cxn modelId="6" srcId="1" destId="14" srcOrd="3" destOrd="0"/>
+      </dgm:cxnLst>
+      <dgm:bg/>
+      <dgm:whole/>
+    </dgm:dataModel>
+  </dgm:sampData>
+  <dgm:styleData>
+    <dgm:dataModel>
+      <dgm:ptLst>
+        <dgm:pt modelId="0" type="doc"/>
+        <dgm:pt modelId="1"/>
+        <dgm:pt modelId="11"/>
+        <dgm:pt modelId="12"/>
+        <dgm:pt modelId="13"/>
+      </dgm:ptLst>
+      <dgm:cxnLst>
+        <dgm:cxn modelId="2" srcId="0" destId="1" srcOrd="0" destOrd="0"/>
+        <dgm:cxn modelId="15" srcId="1" destId="11" srcOrd="0" destOrd="0"/>
+        <dgm:cxn modelId="16" srcId="1" destId="12" srcOrd="1" destOrd="0"/>
+        <dgm:cxn modelId="17" srcId="1" destId="13" srcOrd="2" destOrd="0"/>
+      </dgm:cxnLst>
+      <dgm:bg/>
+      <dgm:whole/>
+    </dgm:dataModel>
+  </dgm:styleData>
+  <dgm:clrData>
+    <dgm:dataModel>
+      <dgm:ptLst>
+        <dgm:pt modelId="0" type="doc"/>
+        <dgm:pt modelId="1"/>
+        <dgm:pt modelId="11"/>
+        <dgm:pt modelId="12"/>
+        <dgm:pt modelId="13"/>
+        <dgm:pt modelId="14"/>
+        <dgm:pt modelId="15"/>
+        <dgm:pt modelId="16"/>
+      </dgm:ptLst>
+      <dgm:cxnLst>
+        <dgm:cxn modelId="2" srcId="0" destId="1" srcOrd="0" destOrd="0"/>
+        <dgm:cxn modelId="16" srcId="1" destId="11" srcOrd="0" destOrd="0"/>
+        <dgm:cxn modelId="17" srcId="1" destId="12" srcOrd="1" destOrd="0"/>
+        <dgm:cxn modelId="18" srcId="1" destId="13" srcOrd="2" destOrd="0"/>
+        <dgm:cxn modelId="19" srcId="1" destId="14" srcOrd="3" destOrd="0"/>
+        <dgm:cxn modelId="20" srcId="1" destId="15" srcOrd="4" destOrd="0"/>
+        <dgm:cxn modelId="21" srcId="1" destId="16" srcOrd="5" destOrd="0"/>
+      </dgm:cxnLst>
+      <dgm:bg/>
+      <dgm:whole/>
+    </dgm:dataModel>
+  </dgm:clrData>
+  <dgm:layoutNode name="cycle">
+    <dgm:varLst>
+      <dgm:chMax val="1"/>
+      <dgm:dir/>
+      <dgm:animLvl val="ctr"/>
+      <dgm:resizeHandles val="exact"/>
+    </dgm:varLst>
+    <dgm:choose name="Name0">
+      <dgm:if name="Name1" func="var" arg="dir" op="equ" val="norm">
+        <dgm:choose name="Name2">
+          <dgm:if name="Name3" axis="ch ch" ptType="node node" st="1 1" cnt="1 0" func="cnt" op="lte" val="1">
+            <dgm:alg type="cycle">
+              <dgm:param type="stAng" val="90"/>
+              <dgm:param type="spanAng" val="360"/>
+              <dgm:param type="ctrShpMap" val="fNode"/>
+            </dgm:alg>
+          </dgm:if>
+          <dgm:else name="Name4">
+            <dgm:alg type="cycle">
+              <dgm:param type="stAng" val="0"/>
+              <dgm:param type="spanAng" val="360"/>
+              <dgm:param type="ctrShpMap" val="fNode"/>
+            </dgm:alg>
+          </dgm:else>
+        </dgm:choose>
+      </dgm:if>
+      <dgm:else name="Name5">
+        <dgm:alg type="cycle">
+          <dgm:param type="stAng" val="0"/>
+          <dgm:param type="spanAng" val="-360"/>
+          <dgm:param type="ctrShpMap" val="fNode"/>
+        </dgm:alg>
+      </dgm:else>
+    </dgm:choose>
+    <dgm:shape xmlns:r="http://schemas.openxmlformats.org/officeDocument/2006/relationships" r:blip="">
+      <dgm:adjLst/>
+    </dgm:shape>
+    <dgm:presOf/>
+    <dgm:constrLst>
+      <dgm:constr type="w" for="ch" forName="centerShape" refType="w"/>
+      <dgm:constr type="w" for="ch" forName="node" refType="w" refFor="ch" refForName="centerShape" op="equ"/>
+      <dgm:constr type="sp" refType="w" refFor="ch" refForName="node" fact="0.3"/>
+      <dgm:constr type="sibSp" refType="w" refFor="ch" refForName="node" fact="0.3"/>
+      <dgm:constr type="primFontSz" for="ch" forName="centerShape" val="65"/>
+      <dgm:constr type="primFontSz" for="des" forName="node" op="equ" val="65"/>
+      <dgm:constr type="primFontSz" for="des" forName="connTx" val="55"/>
+      <dgm:constr type="primFontSz" for="des" forName="connTx" refType="primFontSz" refFor="ch" refForName="centerShape" op="lte" fact="0.8"/>
+    </dgm:constrLst>
+    <dgm:ruleLst/>
+    <dgm:forEach name="Name6" axis="ch" ptType="node" cnt="1">
+      <dgm:layoutNode name="centerShape" styleLbl="node0">
+        <dgm:alg type="tx"/>
+        <dgm:shape xmlns:r="http://schemas.openxmlformats.org/officeDocument/2006/relationships" type="ellipse" r:blip="">
+          <dgm:adjLst/>
+        </dgm:shape>
+        <dgm:presOf axis="self"/>
+        <dgm:constrLst>
+          <dgm:constr type="h" refType="w"/>
+          <dgm:constr type="tMarg" refType="primFontSz" fact="0.05"/>
+          <dgm:constr type="bMarg" refType="primFontSz" fact="0.05"/>
+          <dgm:constr type="lMarg" refType="primFontSz" fact="0.05"/>
+          <dgm:constr type="rMarg" refType="primFontSz" fact="0.05"/>
+        </dgm:constrLst>
+        <dgm:ruleLst>
+          <dgm:rule type="primFontSz" val="5" fact="NaN" max="NaN"/>
+        </dgm:ruleLst>
+      </dgm:layoutNode>
+      <dgm:forEach name="Name7" axis="ch">
+        <dgm:forEach name="Name8" axis="self" ptType="parTrans">
+          <dgm:layoutNode name="Name9">
+            <dgm:alg type="conn">
+              <dgm:param type="dim" val="1D"/>
+              <dgm:param type="begPts" val="auto"/>
+              <dgm:param type="endPts" val="auto"/>
+              <dgm:param type="begSty" val="noArr"/>
+              <dgm:param type="endSty" val="noArr"/>
+            </dgm:alg>
+            <dgm:shape xmlns:r="http://schemas.openxmlformats.org/officeDocument/2006/relationships" type="conn" r:blip="">
+              <dgm:adjLst/>
+            </dgm:shape>
+            <dgm:presOf axis="self"/>
+            <dgm:constrLst>
+              <dgm:constr type="connDist"/>
+              <dgm:constr type="userA" for="ch" refType="connDist"/>
+              <dgm:constr type="w" val="1"/>
+              <dgm:constr type="h" val="5"/>
+              <dgm:constr type="begPad"/>
+              <dgm:constr type="endPad"/>
+            </dgm:constrLst>
+            <dgm:ruleLst/>
+            <dgm:layoutNode name="connTx">
+              <dgm:alg type="tx">
+                <dgm:param type="autoTxRot" val="grav"/>
+              </dgm:alg>
+              <dgm:shape xmlns:r="http://schemas.openxmlformats.org/officeDocument/2006/relationships" type="rect" r:blip="" hideGeom="1">
+                <dgm:adjLst/>
+              </dgm:shape>
+              <dgm:presOf axis="self"/>
+              <dgm:constrLst>
+                <dgm:constr type="userA"/>
+                <dgm:constr type="w" refType="userA" fact="0.05"/>
+                <dgm:constr type="h" refType="userA" fact="0.05"/>
+                <dgm:constr type="lMarg" val="1"/>
+                <dgm:constr type="rMarg" val="1"/>
+                <dgm:constr type="tMarg"/>
+                <dgm:constr type="bMarg"/>
+              </dgm:constrLst>
+              <dgm:ruleLst>
+                <dgm:rule type="w" val="NaN" fact="0.8" max="NaN"/>
+                <dgm:rule type="h" val="NaN" fact="1" max="NaN"/>
+                <dgm:rule type="primFontSz" val="5" fact="NaN" max="NaN"/>
+              </dgm:ruleLst>
+            </dgm:layoutNode>
+          </dgm:layoutNode>
+        </dgm:forEach>
+        <dgm:forEach name="Name10" axis="self" ptType="node">
+          <dgm:layoutNode name="node" styleLbl="node1">
+            <dgm:varLst>
+              <dgm:bulletEnabled val="1"/>
+            </dgm:varLst>
+            <dgm:alg type="tx">
+              <dgm:param type="txAnchorVertCh" val="mid"/>
+            </dgm:alg>
+            <dgm:shape xmlns:r="http://schemas.openxmlformats.org/officeDocument/2006/relationships" type="ellipse" r:blip="">
+              <dgm:adjLst/>
+            </dgm:shape>
+            <dgm:presOf axis="desOrSelf" ptType="node"/>
+            <dgm:constrLst>
+              <dgm:constr type="h" refType="w"/>
+              <dgm:constr type="tMarg" refType="primFontSz" fact="0.05"/>
+              <dgm:constr type="bMarg" refType="primFontSz" fact="0.05"/>
+              <dgm:constr type="lMarg" refType="primFontSz" fact="0.05"/>
+              <dgm:constr type="rMarg" refType="primFontSz" fact="0.05"/>
+            </dgm:constrLst>
+            <dgm:ruleLst>
+              <dgm:rule type="primFontSz" val="5" fact="NaN" max="NaN"/>
+            </dgm:ruleLst>
+          </dgm:layoutNode>
+        </dgm:forEach>
+      </dgm:forEach>
+    </dgm:forEach>
+  </dgm:layoutNode>
+</dgm:layoutDef>
+</file>
+
+<file path=ppt/diagrams/layout2.xml><?xml version="1.0" encoding="utf-8"?>
+<dgm:layoutDef xmlns:dgm="http://schemas.openxmlformats.org/drawingml/2006/diagram" xmlns:a="http://schemas.openxmlformats.org/drawingml/2006/main" uniqueId="urn:microsoft.com/office/officeart/2005/8/layout/radial4">
+  <dgm:title val=""/>
+  <dgm:desc val=""/>
+  <dgm:catLst>
+    <dgm:cat type="relationship" pri="19000"/>
+  </dgm:catLst>
+  <dgm:sampData>
+    <dgm:dataModel>
+      <dgm:ptLst>
+        <dgm:pt modelId="0" type="doc"/>
+        <dgm:pt modelId="1">
+          <dgm:prSet phldr="1"/>
+        </dgm:pt>
+        <dgm:pt modelId="11">
+          <dgm:prSet phldr="1"/>
+        </dgm:pt>
+        <dgm:pt modelId="12">
+          <dgm:prSet phldr="1"/>
+        </dgm:pt>
+        <dgm:pt modelId="13">
+          <dgm:prSet phldr="1"/>
+        </dgm:pt>
+      </dgm:ptLst>
+      <dgm:cxnLst>
+        <dgm:cxn modelId="2" srcId="0" destId="1" srcOrd="0" destOrd="0"/>
+        <dgm:cxn modelId="3" srcId="1" destId="11" srcOrd="0" destOrd="0"/>
+        <dgm:cxn modelId="4" srcId="1" destId="12" srcOrd="1" destOrd="0"/>
+        <dgm:cxn modelId="5" srcId="1" destId="13" srcOrd="2" destOrd="0"/>
+      </dgm:cxnLst>
+      <dgm:bg/>
+      <dgm:whole/>
+    </dgm:dataModel>
+  </dgm:sampData>
+  <dgm:styleData>
+    <dgm:dataModel>
+      <dgm:ptLst>
+        <dgm:pt modelId="0" type="doc"/>
+        <dgm:pt modelId="1"/>
+        <dgm:pt modelId="11"/>
+        <dgm:pt modelId="12"/>
+      </dgm:ptLst>
+      <dgm:cxnLst>
+        <dgm:cxn modelId="2" srcId="0" destId="1" srcOrd="0" destOrd="0"/>
+        <dgm:cxn modelId="15" srcId="1" destId="11" srcOrd="0" destOrd="0"/>
+        <dgm:cxn modelId="16" srcId="1" destId="12" srcOrd="1" destOrd="0"/>
+      </dgm:cxnLst>
+      <dgm:bg/>
+      <dgm:whole/>
+    </dgm:dataModel>
+  </dgm:styleData>
+  <dgm:clrData>
+    <dgm:dataModel>
+      <dgm:ptLst>
+        <dgm:pt modelId="0" type="doc"/>
+        <dgm:pt modelId="1"/>
+        <dgm:pt modelId="11"/>
+        <dgm:pt modelId="12"/>
+        <dgm:pt modelId="13"/>
+        <dgm:pt modelId="14"/>
+        <dgm:pt modelId="15"/>
+        <dgm:pt modelId="16"/>
+      </dgm:ptLst>
+      <dgm:cxnLst>
+        <dgm:cxn modelId="2" srcId="0" destId="1" srcOrd="0" destOrd="0"/>
+        <dgm:cxn modelId="16" srcId="1" destId="11" srcOrd="0" destOrd="0"/>
+        <dgm:cxn modelId="17" srcId="1" destId="12" srcOrd="1" destOrd="0"/>
+        <dgm:cxn modelId="18" srcId="1" destId="13" srcOrd="2" destOrd="0"/>
+        <dgm:cxn modelId="19" srcId="1" destId="14" srcOrd="3" destOrd="0"/>
+        <dgm:cxn modelId="20" srcId="1" destId="15" srcOrd="4" destOrd="0"/>
+        <dgm:cxn modelId="21" srcId="1" destId="16" srcOrd="5" destOrd="0"/>
+      </dgm:cxnLst>
+      <dgm:bg/>
+      <dgm:whole/>
+    </dgm:dataModel>
+  </dgm:clrData>
+  <dgm:layoutNode name="cycle">
+    <dgm:varLst>
+      <dgm:chMax val="1"/>
+      <dgm:dir/>
+      <dgm:animLvl val="ctr"/>
+      <dgm:resizeHandles val="exact"/>
+    </dgm:varLst>
+    <dgm:choose name="Name0">
+      <dgm:if name="Name1" func="var" arg="dir" op="equ" val="norm">
+        <dgm:choose name="Name2">
+          <dgm:if name="Name3" axis="ch ch" ptType="node node" st="1 1" cnt="1 0" func="cnt" op="lte" val="1">
+            <dgm:alg type="cycle">
+              <dgm:param type="stAng" val="0"/>
+              <dgm:param type="spanAng" val="360"/>
+              <dgm:param type="ctrShpMap" val="fNode"/>
+            </dgm:alg>
+          </dgm:if>
+          <dgm:else name="Name4">
+            <dgm:choose name="Name5">
+              <dgm:if name="Name6" axis="ch ch" ptType="node node" st="1 1" cnt="1 0" func="cnt" op="lte" val="3">
+                <dgm:alg type="cycle">
+                  <dgm:param type="stAng" val="-55"/>
+                  <dgm:param type="spanAng" val="110"/>
+                  <dgm:param type="ctrShpMap" val="fNode"/>
+                </dgm:alg>
+              </dgm:if>
+              <dgm:else name="Name7">
+                <dgm:choose name="Name8">
+                  <dgm:if name="Name9" axis="ch ch" ptType="node node" st="1 1" cnt="1 0" func="cnt" op="equ" val="4">
+                    <dgm:alg type="cycle">
+                      <dgm:param type="stAng" val="-75"/>
+                      <dgm:param type="spanAng" val="150"/>
+                      <dgm:param type="ctrShpMap" val="fNode"/>
+                    </dgm:alg>
+                  </dgm:if>
+                  <dgm:else name="Name10">
+                    <dgm:alg type="cycle">
+                      <dgm:param type="stAng" val="-90"/>
+                      <dgm:param type="spanAng" val="180"/>
+                      <dgm:param type="ctrShpMap" val="fNode"/>
+                    </dgm:alg>
+                  </dgm:else>
+                </dgm:choose>
+              </dgm:else>
+            </dgm:choose>
+          </dgm:else>
+        </dgm:choose>
+      </dgm:if>
+      <dgm:else name="Name11">
+        <dgm:choose name="Name12">
+          <dgm:if name="Name13" axis="ch ch" ptType="node node" st="1 1" cnt="1 0" func="cnt" op="lte" val="1">
+            <dgm:alg type="cycle">
+              <dgm:param type="stAng" val="0"/>
+              <dgm:param type="spanAng" val="-360"/>
+              <dgm:param type="ctrShpMap" val="fNode"/>
+            </dgm:alg>
+          </dgm:if>
+          <dgm:else name="Name14">
+            <dgm:choose name="Name15">
+              <dgm:if name="Name16" axis="ch ch" ptType="node node" st="1 1" cnt="1 0" func="cnt" op="lte" val="3">
+                <dgm:alg type="cycle">
+                  <dgm:param type="stAng" val="55"/>
+                  <dgm:param type="spanAng" val="-110"/>
+                  <dgm:param type="ctrShpMap" val="fNode"/>
+                </dgm:alg>
+              </dgm:if>
+              <dgm:else name="Name17">
+                <dgm:choose name="Name18">
+                  <dgm:if name="Name19" axis="ch ch" ptType="node node" st="1 1" cnt="1 0" func="cnt" op="equ" val="4">
+                    <dgm:alg type="cycle">
+                      <dgm:param type="stAng" val="75"/>
+                      <dgm:param type="spanAng" val="-150"/>
+                      <dgm:param type="ctrShpMap" val="fNode"/>
+                    </dgm:alg>
+                  </dgm:if>
+                  <dgm:else name="Name20">
+                    <dgm:alg type="cycle">
+                      <dgm:param type="stAng" val="90"/>
+                      <dgm:param type="spanAng" val="-180"/>
+                      <dgm:param type="ctrShpMap" val="fNode"/>
+                    </dgm:alg>
+                  </dgm:else>
+                </dgm:choose>
+              </dgm:else>
+            </dgm:choose>
+          </dgm:else>
+        </dgm:choose>
+      </dgm:else>
+    </dgm:choose>
+    <dgm:shape xmlns:r="http://schemas.openxmlformats.org/officeDocument/2006/relationships" r:blip="">
+      <dgm:adjLst/>
+    </dgm:shape>
+    <dgm:presOf/>
+    <dgm:constrLst>
+      <dgm:constr type="w" for="ch" forName="centerShape" refType="w"/>
+      <dgm:constr type="w" for="ch" forName="node" refType="w" refFor="ch" refForName="centerShape" fact="0.95"/>
+      <dgm:constr type="h" for="ch" forName="parTrans" refType="w" refFor="ch" refForName="centerShape" fact="0.285"/>
+      <dgm:constr type="sp" refType="w" refFor="ch" refForName="centerShape" op="equ" fact="0.23"/>
+      <dgm:constr type="sibSp" refType="w" refFor="ch" refForName="node" fact="0.1"/>
+      <dgm:constr type="primFontSz" for="ch" forName="node" op="equ"/>
+    </dgm:constrLst>
+    <dgm:choose name="Name21">
+      <dgm:if name="Name22" axis="ch ch" ptType="node node" st="1 1" cnt="1 0" func="cnt" op="lte" val="5">
+        <dgm:ruleLst>
+          <dgm:rule type="w" for="ch" forName="centerShape" val="NaN" fact="0.27" max="NaN"/>
+        </dgm:ruleLst>
+      </dgm:if>
+      <dgm:else name="Name23">
+        <dgm:ruleLst>
+          <dgm:rule type="w" for="ch" forName="centerShape" val="NaN" fact="0.27" max="NaN"/>
+          <dgm:rule type="w" for="ch" forName="node" val="NaN" fact="0.7" max="NaN"/>
+        </dgm:ruleLst>
+      </dgm:else>
+    </dgm:choose>
+    <dgm:forEach name="Name24" axis="ch" ptType="node" cnt="1">
+      <dgm:layoutNode name="centerShape" styleLbl="node0">
+        <dgm:alg type="tx"/>
+        <dgm:shape xmlns:r="http://schemas.openxmlformats.org/officeDocument/2006/relationships" type="ellipse" r:blip="">
+          <dgm:adjLst/>
+        </dgm:shape>
+        <dgm:presOf axis="self"/>
+        <dgm:constrLst>
+          <dgm:constr type="tMarg" refType="primFontSz" fact="0.05"/>
+          <dgm:constr type="bMarg" refType="primFontSz" fact="0.05"/>
+          <dgm:constr type="lMarg" refType="primFontSz" fact="0.05"/>
+          <dgm:constr type="rMarg" refType="primFontSz" fact="0.05"/>
+          <dgm:constr type="primFontSz" val="65"/>
+          <dgm:constr type="h" refType="w"/>
+        </dgm:constrLst>
+        <dgm:ruleLst>
+          <dgm:rule type="primFontSz" val="5" fact="NaN" max="NaN"/>
+        </dgm:ruleLst>
+      </dgm:layoutNode>
+      <dgm:forEach name="Name25" axis="ch">
+        <dgm:forEach name="Name26" axis="self" ptType="parTrans">
+          <dgm:layoutNode name="parTrans" styleLbl="bgSibTrans2D1">
+            <dgm:alg type="conn">
+              <dgm:param type="begPts" val="auto"/>
+              <dgm:param type="endPts" val="ctr"/>
+              <dgm:param type="endSty" val="noArr"/>
+              <dgm:param type="begSty" val="arr"/>
+            </dgm:alg>
+            <dgm:shape xmlns:r="http://schemas.openxmlformats.org/officeDocument/2006/relationships" type="conn" r:blip="">
+              <dgm:adjLst/>
+            </dgm:shape>
+            <dgm:presOf axis="self"/>
+            <dgm:constrLst>
+              <dgm:constr type="begPad" refType="connDist" fact="0.055"/>
+              <dgm:constr type="endPad"/>
+            </dgm:constrLst>
+            <dgm:ruleLst/>
+          </dgm:layoutNode>
+        </dgm:forEach>
+        <dgm:forEach name="Name27" axis="self" ptType="node">
+          <dgm:layoutNode name="node" styleLbl="node1">
+            <dgm:varLst>
+              <dgm:bulletEnabled val="1"/>
+            </dgm:varLst>
+            <dgm:alg type="tx"/>
+            <dgm:shape xmlns:r="http://schemas.openxmlformats.org/officeDocument/2006/relationships" type="roundRect" r:blip="">
+              <dgm:adjLst>
+                <dgm:adj idx="1" val="0.1"/>
+              </dgm:adjLst>
+            </dgm:shape>
+            <dgm:presOf axis="desOrSelf" ptType="node"/>
+            <dgm:constrLst>
+              <dgm:constr type="primFontSz" val="65"/>
+              <dgm:constr type="h" refType="w" fact="0.8"/>
+              <dgm:constr type="tMarg" refType="primFontSz" fact="0.15"/>
+              <dgm:constr type="bMarg" refType="primFontSz" fact="0.15"/>
+              <dgm:constr type="lMarg" refType="primFontSz" fact="0.15"/>
+              <dgm:constr type="rMarg" refType="primFontSz" fact="0.15"/>
+            </dgm:constrLst>
+            <dgm:ruleLst>
+              <dgm:rule type="primFontSz" val="5" fact="NaN" max="NaN"/>
+            </dgm:ruleLst>
+          </dgm:layoutNode>
+        </dgm:forEach>
+      </dgm:forEach>
+    </dgm:forEach>
+  </dgm:layoutNode>
+</dgm:layoutDef>
+</file>
+
+<file path=ppt/diagrams/quickStyle1.xml><?xml version="1.0" encoding="utf-8"?>
+<dgm:styleDef xmlns:dgm="http://schemas.openxmlformats.org/drawingml/2006/diagram" xmlns:a="http://schemas.openxmlformats.org/drawingml/2006/main" uniqueId="urn:microsoft.com/office/officeart/2005/8/quickstyle/simple1">
+  <dgm:title val=""/>
+  <dgm:desc val=""/>
+  <dgm:catLst>
+    <dgm:cat type="simple" pri="10100"/>
+  </dgm:catLst>
+  <dgm:scene3d>
+    <a:camera prst="orthographicFront"/>
+    <a:lightRig rig="threePt" dir="t"/>
+  </dgm:scene3d>
+  <dgm:styleLbl name="node0">
+    <dgm:scene3d>
+      <a:camera prst="orthographicFront"/>
+      <a:lightRig rig="threePt" dir="t"/>
+    </dgm:scene3d>
+    <dgm:sp3d/>
+    <dgm:txPr/>
+    <dgm:style>
+      <a:lnRef idx="2">
+        <a:scrgbClr r="0" g="0" b="0"/>
+      </a:lnRef>
+      <a:fillRef idx="1">
+        <a:scrgbClr r="0" g="0" b="0"/>
+      </a:fillRef>
+      <a:effectRef idx="0">
+        <a:scrgbClr r="0" g="0" b="0"/>
+      </a:effectRef>
+      <a:fontRef idx="minor">
+        <a:schemeClr val="lt1"/>
+      </a:fontRef>
+    </dgm:style>
+  </dgm:styleLbl>
+  <dgm:styleLbl name="lnNode1">
+    <dgm:scene3d>
+      <a:camera prst="orthographicFront"/>
+      <a:lightRig rig="threePt" dir="t"/>
+    </dgm:scene3d>
+    <dgm:sp3d/>
+    <dgm:txPr/>
+    <dgm:style>
+      <a:lnRef idx="2">
+        <a:scrgbClr r="0" g="0" b="0"/>
+      </a:lnRef>
+      <a:fillRef idx="1">
+        <a:scrgbClr r="0" g="0" b="0"/>
+      </a:fillRef>
+      <a:effectRef idx="0">
+        <a:scrgbClr r="0" g="0" b="0"/>
+      </a:effectRef>
+      <a:fontRef idx="minor">
+        <a:schemeClr val="lt1"/>
+      </a:fontRef>
+    </dgm:style>
+  </dgm:styleLbl>
+  <dgm:styleLbl name="vennNode1">
+    <dgm:scene3d>
+      <a:camera prst="orthographicFront"/>
+      <a:lightRig rig="threePt" dir="t"/>
+    </dgm:scene3d>
+    <dgm:sp3d/>
+    <dgm:txPr/>
+    <dgm:style>
+      <a:lnRef idx="2">
+        <a:scrgbClr r="0" g="0" b="0"/>
+      </a:lnRef>
+      <a:fillRef idx="1">
+        <a:scrgbClr r="0" g="0" b="0"/>
+      </a:fillRef>
+      <a:effectRef idx="0">
+        <a:scrgbClr r="0" g="0" b="0"/>
+      </a:effectRef>
+      <a:fontRef idx="minor">
+        <a:schemeClr val="tx1"/>
+      </a:fontRef>
+    </dgm:style>
+  </dgm:styleLbl>
+  <dgm:styleLbl name="alignNode1">
+    <dgm:scene3d>
+      <a:camera prst="orthographicFront"/>
+      <a:lightRig rig="threePt" dir="t"/>
+    </dgm:scene3d>
+    <dgm:sp3d/>
+    <dgm:txPr/>
+    <dgm:style>
+      <a:lnRef idx="2">
+        <a:scrgbClr r="0" g="0" b="0"/>
+      </a:lnRef>
+      <a:fillRef idx="1">
+        <a:scrgbClr r="0" g="0" b="0"/>
+      </a:fillRef>
+      <a:effectRef idx="0">
+        <a:scrgbClr r="0" g="0" b="0"/>
+      </a:effectRef>
+      <a:fontRef idx="minor">
+        <a:schemeClr val="lt1"/>
+      </a:fontRef>
+    </dgm:style>
+  </dgm:styleLbl>
+  <dgm:styleLbl name="node1">
+    <dgm:scene3d>
+      <a:camera prst="orthographicFront"/>
+      <a:lightRig rig="threePt" dir="t"/>
+    </dgm:scene3d>
+    <dgm:sp3d/>
+    <dgm:txPr/>
+    <dgm:style>
+      <a:lnRef idx="2">
+        <a:scrgbClr r="0" g="0" b="0"/>
+      </a:lnRef>
+      <a:fillRef idx="1">
+        <a:scrgbClr r="0" g="0" b="0"/>
+      </a:fillRef>
+      <a:effectRef idx="0">
+        <a:scrgbClr r="0" g="0" b="0"/>
+      </a:effectRef>
+      <a:fontRef idx="minor">
+        <a:schemeClr val="lt1"/>
+      </a:fontRef>
+    </dgm:style>
+  </dgm:styleLbl>
+  <dgm:styleLbl name="node2">
+    <dgm:scene3d>
+      <a:camera prst="orthographicFront"/>
+      <a:lightRig rig="threePt" dir="t"/>
+    </dgm:scene3d>
+    <dgm:sp3d/>
+    <dgm:txPr/>
+    <dgm:style>
+      <a:lnRef idx="2">
+        <a:scrgbClr r="0" g="0" b="0"/>
+      </a:lnRef>
+      <a:fillRef idx="1">
+        <a:scrgbClr r="0" g="0" b="0"/>
+      </a:fillRef>
+      <a:effectRef idx="0">
+        <a:scrgbClr r="0" g="0" b="0"/>
+      </a:effectRef>
+      <a:fontRef idx="minor">
+        <a:schemeClr val="lt1"/>
+      </a:fontRef>
+    </dgm:style>
+  </dgm:styleLbl>
+  <dgm:styleLbl name="node3">
+    <dgm:scene3d>
+      <a:camera prst="orthographicFront"/>
+      <a:lightRig rig="threePt" dir="t"/>
+    </dgm:scene3d>
+    <dgm:sp3d/>
+    <dgm:txPr/>
+    <dgm:style>
+      <a:lnRef idx="2">
+        <a:scrgbClr r="0" g="0" b="0"/>
+      </a:lnRef>
+      <a:fillRef idx="1">
+        <a:scrgbClr r="0" g="0" b="0"/>
+      </a:fillRef>
+      <a:effectRef idx="0">
+        <a:scrgbClr r="0" g="0" b="0"/>
+      </a:effectRef>
+      <a:fontRef idx="minor">
+        <a:schemeClr val="lt1"/>
+      </a:fontRef>
+    </dgm:style>
+  </dgm:styleLbl>
+  <dgm:styleLbl name="node4">
+    <dgm:scene3d>
+      <a:camera prst="orthographicFront"/>
+      <a:lightRig rig="threePt" dir="t"/>
+    </dgm:scene3d>
+    <dgm:sp3d/>
+    <dgm:txPr/>
+    <dgm:style>
+      <a:lnRef idx="2">
+        <a:scrgbClr r="0" g="0" b="0"/>
+      </a:lnRef>
+      <a:fillRef idx="1">
+        <a:scrgbClr r="0" g="0" b="0"/>
+      </a:fillRef>
+      <a:effectRef idx="0">
+        <a:scrgbClr r="0" g="0" b="0"/>
+      </a:effectRef>
+      <a:fontRef idx="minor">
+        <a:schemeClr val="lt1"/>
+      </a:fontRef>
+    </dgm:style>
+  </dgm:styleLbl>
+  <dgm:styleLbl name="fgImgPlace1">
+    <dgm:scene3d>
+      <a:camera prst="orthographicFront"/>
+      <a:lightRig rig="threePt" dir="t"/>
+    </dgm:scene3d>
+    <dgm:sp3d/>
+    <dgm:txPr/>
+    <dgm:style>
+      <a:lnRef idx="2">
+        <a:scrgbClr r="0" g="0" b="0"/>
+      </a:lnRef>
+      <a:fillRef idx="1">
+        <a:scrgbClr r="0" g="0" b="0"/>
+      </a:fillRef>
+      <a:effectRef idx="0">
+        <a:scrgbClr r="0" g="0" b="0"/>
+      </a:effectRef>
+      <a:fontRef idx="minor"/>
+    </dgm:style>
+  </dgm:styleLbl>
+  <dgm:styleLbl name="alignImgPlace1">
+    <dgm:scene3d>
+      <a:camera prst="orthographicFront"/>
+      <a:lightRig rig="threePt" dir="t"/>
+    </dgm:scene3d>
+    <dgm:sp3d/>
+    <dgm:txPr/>
+    <dgm:style>
+      <a:lnRef idx="2">
+        <a:scrgbClr r="0" g="0" b="0"/>
+      </a:lnRef>
+      <a:fillRef idx="1">
+        <a:scrgbClr r="0" g="0" b="0"/>
+      </a:fillRef>
+      <a:effectRef idx="0">
+        <a:scrgbClr r="0" g="0" b="0"/>
+      </a:effectRef>
+      <a:fontRef idx="minor"/>
+    </dgm:style>
+  </dgm:styleLbl>
+  <dgm:styleLbl name="bgImgPlace1">
+    <dgm:scene3d>
+      <a:camera prst="orthographicFront"/>
+      <a:lightRig rig="threePt" dir="t"/>
+    </dgm:scene3d>
+    <dgm:sp3d/>
+    <dgm:txPr/>
+    <dgm:style>
+      <a:lnRef idx="2">
+        <a:scrgbClr r="0" g="0" b="0"/>
+      </a:lnRef>
+      <a:fillRef idx="1">
+        <a:scrgbClr r="0" g="0" b="0"/>
+      </a:fillRef>
+      <a:effectRef idx="0">
+        <a:scrgbClr r="0" g="0" b="0"/>
+      </a:effectRef>
+      <a:fontRef idx="minor"/>
+    </dgm:style>
+  </dgm:styleLbl>
+  <dgm:styleLbl name="sibTrans2D1">
+    <dgm:scene3d>
+      <a:camera prst="orthographicFront"/>
+      <a:lightRig rig="threePt" dir="t"/>
+    </dgm:scene3d>
+    <dgm:sp3d/>
+    <dgm:txPr/>
+    <dgm:style>
+      <a:lnRef idx="0">
+        <a:scrgbClr r="0" g="0" b="0"/>
+      </a:lnRef>
+      <a:fillRef idx="1">
+        <a:scrgbClr r="0" g="0" b="0"/>
+      </a:fillRef>
+      <a:effectRef idx="0">
+        <a:scrgbClr r="0" g="0" b="0"/>
+      </a:effectRef>
+      <a:fontRef idx="minor">
+        <a:schemeClr val="lt1"/>
+      </a:fontRef>
+    </dgm:style>
+  </dgm:styleLbl>
+  <dgm:styleLbl name="fgSibTrans2D1">
+    <dgm:scene3d>
+      <a:camera prst="orthographicFront"/>
+      <a:lightRig rig="threePt" dir="t"/>
+    </dgm:scene3d>
+    <dgm:sp3d/>
+    <dgm:txPr/>
+    <dgm:style>
+      <a:lnRef idx="0">
+        <a:scrgbClr r="0" g="0" b="0"/>
+      </a:lnRef>
+      <a:fillRef idx="1">
+        <a:scrgbClr r="0" g="0" b="0"/>
+      </a:fillRef>
+      <a:effectRef idx="0">
+        <a:scrgbClr r="0" g="0" b="0"/>
+      </a:effectRef>
+      <a:fontRef idx="minor">
+        <a:schemeClr val="lt1"/>
+      </a:fontRef>
+    </dgm:style>
+  </dgm:styleLbl>
+  <dgm:styleLbl name="bgSibTrans2D1">
+    <dgm:scene3d>
+      <a:camera prst="orthographicFront"/>
+      <a:lightRig rig="threePt" dir="t"/>
+    </dgm:scene3d>
+    <dgm:sp3d/>
+    <dgm:txPr/>
+    <dgm:style>
+      <a:lnRef idx="0">
+        <a:scrgbClr r="0" g="0" b="0"/>
+      </a:lnRef>
+      <a:fillRef idx="1">
+        <a:scrgbClr r="0" g="0" b="0"/>
+      </a:fillRef>
+      <a:effectRef idx="0">
+        <a:scrgbClr r="0" g="0" b="0"/>
+      </a:effectRef>
+      <a:fontRef idx="minor">
+        <a:schemeClr val="lt1"/>
+      </a:fontRef>
+    </dgm:style>
+  </dgm:styleLbl>
+  <dgm:styleLbl name="sibTrans1D1">
+    <dgm:scene3d>
+      <a:camera prst="orthographicFront"/>
+      <a:lightRig rig="threePt" dir="t"/>
+    </dgm:scene3d>
+    <dgm:sp3d/>
+    <dgm:txPr/>
+    <dgm:style>
+      <a:lnRef idx="1">
+        <a:scrgbClr r="0" g="0" b="0"/>
+      </a:lnRef>
+      <a:fillRef idx="0">
+        <a:scrgbClr r="0" g="0" b="0"/>
+      </a:fillRef>
+      <a:effectRef idx="0">
+        <a:scrgbClr r="0" g="0" b="0"/>
+      </a:effectRef>
+      <a:fontRef idx="minor"/>
+    </dgm:style>
+  </dgm:styleLbl>
+  <dgm:styleLbl name="callout">
+    <dgm:scene3d>
+      <a:camera prst="orthographicFront"/>
+      <a:lightRig rig="threePt" dir="t"/>
+    </dgm:scene3d>
+    <dgm:sp3d/>
+    <dgm:txPr/>
+    <dgm:style>
+      <a:lnRef idx="2">
+        <a:scrgbClr r="0" g="0" b="0"/>
+      </a:lnRef>
+      <a:fillRef idx="1">
+        <a:scrgbClr r="0" g="0" b="0"/>
+      </a:fillRef>
+      <a:effectRef idx="0">
+        <a:scrgbClr r="0" g="0" b="0"/>
+      </a:effectRef>
+      <a:fontRef idx="minor"/>
+    </dgm:style>
+  </dgm:styleLbl>
+  <dgm:styleLbl name="asst0">
+    <dgm:scene3d>
+      <a:camera prst="orthographicFront"/>
+      <a:lightRig rig="threePt" dir="t"/>
+    </dgm:scene3d>
+    <dgm:sp3d/>
+    <dgm:txPr/>
+    <dgm:style>
+      <a:lnRef idx="2">
+        <a:scrgbClr r="0" g="0" b="0"/>
+      </a:lnRef>
+      <a:fillRef idx="1">
+        <a:scrgbClr r="0" g="0" b="0"/>
+      </a:fillRef>
+      <a:effectRef idx="0">
+        <a:scrgbClr r="0" g="0" b="0"/>
+      </a:effectRef>
+      <a:fontRef idx="minor">
+        <a:schemeClr val="lt1"/>
+      </a:fontRef>
+    </dgm:style>
+  </dgm:styleLbl>
+  <dgm:styleLbl name="asst1">
+    <dgm:scene3d>
+      <a:camera prst="orthographicFront"/>
+      <a:lightRig rig="threePt" dir="t"/>
+    </dgm:scene3d>
+    <dgm:sp3d/>
+    <dgm:txPr/>
+    <dgm:style>
+      <a:lnRef idx="2">
+        <a:scrgbClr r="0" g="0" b="0"/>
+      </a:lnRef>
+      <a:fillRef idx="1">
+        <a:scrgbClr r="0" g="0" b="0"/>
+      </a:fillRef>
+      <a:effectRef idx="0">
+        <a:scrgbClr r="0" g="0" b="0"/>
+      </a:effectRef>
+      <a:fontRef idx="minor">
+        <a:schemeClr val="lt1"/>
+      </a:fontRef>
+    </dgm:style>
+  </dgm:styleLbl>
+  <dgm:styleLbl name="asst2">
+    <dgm:scene3d>
+      <a:camera prst="orthographicFront"/>
+      <a:lightRig rig="threePt" dir="t"/>
+    </dgm:scene3d>
+    <dgm:sp3d/>
+    <dgm:txPr/>
+    <dgm:style>
+      <a:lnRef idx="2">
+        <a:scrgbClr r="0" g="0" b="0"/>
+      </a:lnRef>
+      <a:fillRef idx="1">
+        <a:scrgbClr r="0" g="0" b="0"/>
+      </a:fillRef>
+      <a:effectRef idx="0">
+        <a:scrgbClr r="0" g="0" b="0"/>
+      </a:effectRef>
+      <a:fontRef idx="minor">
+        <a:schemeClr val="lt1"/>
+      </a:fontRef>
+    </dgm:style>
+  </dgm:styleLbl>
+  <dgm:styleLbl name="asst3">
+    <dgm:scene3d>
+      <a:camera prst="orthographicFront"/>
+      <a:lightRig rig="threePt" dir="t"/>
+    </dgm:scene3d>
+    <dgm:sp3d/>
+    <dgm:txPr/>
+    <dgm:style>
+      <a:lnRef idx="2">
+        <a:scrgbClr r="0" g="0" b="0"/>
+      </a:lnRef>
+      <a:fillRef idx="1">
+        <a:scrgbClr r="0" g="0" b="0"/>
+      </a:fillRef>
+      <a:effectRef idx="0">
+        <a:scrgbClr r="0" g="0" b="0"/>
+      </a:effectRef>
+      <a:fontRef idx="minor">
+        <a:schemeClr val="lt1"/>
+      </a:fontRef>
+    </dgm:style>
+  </dgm:styleLbl>
+  <dgm:styleLbl name="asst4">
+    <dgm:scene3d>
+      <a:camera prst="orthographicFront"/>
+      <a:lightRig rig="threePt" dir="t"/>
+    </dgm:scene3d>
+    <dgm:sp3d/>
+    <dgm:txPr/>
+    <dgm:style>
+      <a:lnRef idx="2">
+        <a:scrgbClr r="0" g="0" b="0"/>
+      </a:lnRef>
+      <a:fillRef idx="1">
+        <a:scrgbClr r="0" g="0" b="0"/>
+      </a:fillRef>
+      <a:effectRef idx="0">
+        <a:scrgbClr r="0" g="0" b="0"/>
+      </a:effectRef>
+      <a:fontRef idx="minor">
+        <a:schemeClr val="lt1"/>
+      </a:fontRef>
+    </dgm:style>
+  </dgm:styleLbl>
+  <dgm:styleLbl name="parChTrans2D1">
+    <dgm:scene3d>
+      <a:camera prst="orthographicFront"/>
+      <a:lightRig rig="threePt" dir="t"/>
+    </dgm:scene3d>
+    <dgm:sp3d/>
+    <dgm:txPr/>
+    <dgm:style>
+      <a:lnRef idx="2">
+        <a:scrgbClr r="0" g="0" b="0"/>
+      </a:lnRef>
+      <a:fillRef idx="1">
+        <a:scrgbClr r="0" g="0" b="0"/>
+      </a:fillRef>
+      <a:effectRef idx="0">
+        <a:scrgbClr r="0" g="0" b="0"/>
+      </a:effectRef>
+      <a:fontRef idx="minor">
+        <a:schemeClr val="lt1"/>
+      </a:fontRef>
+    </dgm:style>
+  </dgm:styleLbl>
+  <dgm:styleLbl name="parChTrans2D2">
+    <dgm:scene3d>
+      <a:camera prst="orthographicFront"/>
+      <a:lightRig rig="threePt" dir="t"/>
+    </dgm:scene3d>
+    <dgm:sp3d/>
+    <dgm:txPr/>
+    <dgm:style>
+      <a:lnRef idx="2">
+        <a:scrgbClr r="0" g="0" b="0"/>
+      </a:lnRef>
+      <a:fillRef idx="1">
+        <a:scrgbClr r="0" g="0" b="0"/>
+      </a:fillRef>
+      <a:effectRef idx="0">
+        <a:scrgbClr r="0" g="0" b="0"/>
+      </a:effectRef>
+      <a:fontRef idx="minor">
+        <a:schemeClr val="lt1"/>
+      </a:fontRef>
+    </dgm:style>
+  </dgm:styleLbl>
+  <dgm:styleLbl name="parChTrans2D3">
+    <dgm:scene3d>
+      <a:camera prst="orthographicFront"/>
+      <a:lightRig rig="threePt" dir="t"/>
+    </dgm:scene3d>
+    <dgm:sp3d/>
+    <dgm:txPr/>
+    <dgm:style>
+      <a:lnRef idx="2">
+        <a:scrgbClr r="0" g="0" b="0"/>
+      </a:lnRef>
+      <a:fillRef idx="1">
+        <a:scrgbClr r="0" g="0" b="0"/>
+      </a:fillRef>
+      <a:effectRef idx="0">
+        <a:scrgbClr r="0" g="0" b="0"/>
+      </a:effectRef>
+      <a:fontRef idx="minor">
+        <a:schemeClr val="lt1"/>
+      </a:fontRef>
+    </dgm:style>
+  </dgm:styleLbl>
+  <dgm:styleLbl name="parChTrans2D4">
+    <dgm:scene3d>
+      <a:camera prst="orthographicFront"/>
+      <a:lightRig rig="threePt" dir="t"/>
+    </dgm:scene3d>
+    <dgm:sp3d/>
+    <dgm:txPr/>
+    <dgm:style>
+      <a:lnRef idx="2">
+        <a:scrgbClr r="0" g="0" b="0"/>
+      </a:lnRef>
+      <a:fillRef idx="1">
+        <a:scrgbClr r="0" g="0" b="0"/>
+      </a:fillRef>
+      <a:effectRef idx="0">
+        <a:scrgbClr r="0" g="0" b="0"/>
+      </a:effectRef>
+      <a:fontRef idx="minor">
+        <a:schemeClr val="lt1"/>
+      </a:fontRef>
+    </dgm:style>
+  </dgm:styleLbl>
+  <dgm:styleLbl name="parChTrans1D1">
+    <dgm:scene3d>
+      <a:camera prst="orthographicFront"/>
+      <a:lightRig rig="threePt" dir="t"/>
+    </dgm:scene3d>
+    <dgm:sp3d/>
+    <dgm:txPr/>
+    <dgm:style>
+      <a:lnRef idx="2">
+        <a:scrgbClr r="0" g="0" b="0"/>
+      </a:lnRef>
+      <a:fillRef idx="0">
+        <a:scrgbClr r="0" g="0" b="0"/>
+      </a:fillRef>
+      <a:effectRef idx="0">
+        <a:scrgbClr r="0" g="0" b="0"/>
+      </a:effectRef>
+      <a:fontRef idx="minor"/>
+    </dgm:style>
+  </dgm:styleLbl>
+  <dgm:styleLbl name="parChTrans1D2">
+    <dgm:scene3d>
+      <a:camera prst="orthographicFront"/>
+      <a:lightRig rig="threePt" dir="t"/>
+    </dgm:scene3d>
+    <dgm:sp3d/>
+    <dgm:txPr/>
+    <dgm:style>
+      <a:lnRef idx="2">
+        <a:scrgbClr r="0" g="0" b="0"/>
+      </a:lnRef>
+      <a:fillRef idx="0">
+        <a:scrgbClr r="0" g="0" b="0"/>
+      </a:fillRef>
+      <a:effectRef idx="0">
+        <a:scrgbClr r="0" g="0" b="0"/>
+      </a:effectRef>
+      <a:fontRef idx="minor"/>
+    </dgm:style>
+  </dgm:styleLbl>
+  <dgm:styleLbl name="parChTrans1D3">
+    <dgm:scene3d>
+      <a:camera prst="orthographicFront"/>
+      <a:lightRig rig="threePt" dir="t"/>
+    </dgm:scene3d>
+    <dgm:sp3d/>
+    <dgm:txPr/>
+    <dgm:style>
+      <a:lnRef idx="2">
+        <a:scrgbClr r="0" g="0" b="0"/>
+      </a:lnRef>
+      <a:fillRef idx="0">
+        <a:scrgbClr r="0" g="0" b="0"/>
+      </a:fillRef>
+      <a:effectRef idx="0">
+        <a:scrgbClr r="0" g="0" b="0"/>
+      </a:effectRef>
+      <a:fontRef idx="minor"/>
+    </dgm:style>
+  </dgm:styleLbl>
+  <dgm:styleLbl name="parChTrans1D4">
+    <dgm:scene3d>
+      <a:camera prst="orthographicFront"/>
+      <a:lightRig rig="threePt" dir="t"/>
+    </dgm:scene3d>
+    <dgm:sp3d/>
+    <dgm:txPr/>
+    <dgm:style>
+      <a:lnRef idx="2">
+        <a:scrgbClr r="0" g="0" b="0"/>
+      </a:lnRef>
+      <a:fillRef idx="0">
+        <a:scrgbClr r="0" g="0" b="0"/>
+      </a:fillRef>
+      <a:effectRef idx="0">
+        <a:scrgbClr r="0" g="0" b="0"/>
+      </a:effectRef>
+      <a:fontRef idx="minor"/>
+    </dgm:style>
+  </dgm:styleLbl>
+  <dgm:styleLbl name="fgAcc1">
+    <dgm:scene3d>
+      <a:camera prst="orthographicFront"/>
+      <a:lightRig rig="threePt" dir="t"/>
+    </dgm:scene3d>
+    <dgm:sp3d/>
+    <dgm:txPr/>
+    <dgm:style>
+      <a:lnRef idx="2">
+        <a:scrgbClr r="0" g="0" b="0"/>
+      </a:lnRef>
+      <a:fillRef idx="1">
+        <a:scrgbClr r="0" g="0" b="0"/>
+      </a:fillRef>
+      <a:effectRef idx="0">
+        <a:scrgbClr r="0" g="0" b="0"/>
+      </a:effectRef>
+      <a:fontRef idx="minor"/>
+    </dgm:style>
+  </dgm:styleLbl>
+  <dgm:styleLbl name="conFgAcc1">
+    <dgm:scene3d>
+      <a:camera prst="orthographicFront"/>
+      <a:lightRig rig="threePt" dir="t"/>
+    </dgm:scene3d>
+    <dgm:sp3d/>
+    <dgm:txPr/>
+    <dgm:style>
+      <a:lnRef idx="2">
+        <a:scrgbClr r="0" g="0" b="0"/>
+      </a:lnRef>
+      <a:fillRef idx="1">
+        <a:scrgbClr r="0" g="0" b="0"/>
+      </a:fillRef>
+      <a:effectRef idx="0">
+        <a:scrgbClr r="0" g="0" b="0"/>
+      </a:effectRef>
+      <a:fontRef idx="minor"/>
+    </dgm:style>
+  </dgm:styleLbl>
+  <dgm:styleLbl name="alignAcc1">
+    <dgm:scene3d>
+      <a:camera prst="orthographicFront"/>
+      <a:lightRig rig="threePt" dir="t"/>
+    </dgm:scene3d>
+    <dgm:sp3d/>
+    <dgm:txPr/>
+    <dgm:style>
+      <a:lnRef idx="2">
+        <a:scrgbClr r="0" g="0" b="0"/>
+      </a:lnRef>
+      <a:fillRef idx="1">
+        <a:scrgbClr r="0" g="0" b="0"/>
+      </a:fillRef>
+      <a:effectRef idx="0">
+        <a:scrgbClr r="0" g="0" b="0"/>
+      </a:effectRef>
+      <a:fontRef idx="minor"/>
+    </dgm:style>
+  </dgm:styleLbl>
+  <dgm:styleLbl name="trAlignAcc1">
+    <dgm:scene3d>
+      <a:camera prst="orthographicFront"/>
+      <a:lightRig rig="threePt" dir="t"/>
+    </dgm:scene3d>
+    <dgm:sp3d/>
+    <dgm:txPr/>
+    <dgm:style>
+      <a:lnRef idx="1">
+        <a:scrgbClr r="0" g="0" b="0"/>
+      </a:lnRef>
+      <a:fillRef idx="1">
+        <a:scrgbClr r="0" g="0" b="0"/>
+      </a:fillRef>
+      <a:effectRef idx="0">
+        <a:scrgbClr r="0" g="0" b="0"/>
+      </a:effectRef>
+      <a:fontRef idx="minor"/>
+    </dgm:style>
+  </dgm:styleLbl>
+  <dgm:styleLbl name="bgAcc1">
+    <dgm:scene3d>
+      <a:camera prst="orthographicFront"/>
+      <a:lightRig rig="threePt" dir="t"/>
+    </dgm:scene3d>
+    <dgm:sp3d/>
+    <dgm:txPr/>
+    <dgm:style>
+      <a:lnRef idx="2">
+        <a:scrgbClr r="0" g="0" b="0"/>
+      </a:lnRef>
+      <a:fillRef idx="1">
+        <a:scrgbClr r="0" g="0" b="0"/>
+      </a:fillRef>
+      <a:effectRef idx="0">
+        <a:scrgbClr r="0" g="0" b="0"/>
+      </a:effectRef>
+      <a:fontRef idx="minor"/>
+    </dgm:style>
+  </dgm:styleLbl>
+  <dgm:styleLbl name="solidFgAcc1">
+    <dgm:scene3d>
+      <a:camera prst="orthographicFront"/>
+      <a:lightRig rig="threePt" dir="t"/>
+    </dgm:scene3d>
+    <dgm:sp3d/>
+    <dgm:txPr/>
+    <dgm:style>
+      <a:lnRef idx="2">
+        <a:scrgbClr r="0" g="0" b="0"/>
+      </a:lnRef>
+      <a:fillRef idx="1">
+        <a:scrgbClr r="0" g="0" b="0"/>
+      </a:fillRef>
+      <a:effectRef idx="0">
+        <a:scrgbClr r="0" g="0" b="0"/>
+      </a:effectRef>
+      <a:fontRef idx="minor"/>
+    </dgm:style>
+  </dgm:styleLbl>
+  <dgm:styleLbl name="solidAlignAcc1">
+    <dgm:scene3d>
+      <a:camera prst="orthographicFront"/>
+      <a:lightRig rig="threePt" dir="t"/>
+    </dgm:scene3d>
+    <dgm:sp3d/>
+    <dgm:txPr/>
+    <dgm:style>
+      <a:lnRef idx="2">
+        <a:scrgbClr r="0" g="0" b="0"/>
+      </a:lnRef>
+      <a:fillRef idx="1">
+        <a:scrgbClr r="0" g="0" b="0"/>
+      </a:fillRef>
+      <a:effectRef idx="0">
+        <a:scrgbClr r="0" g="0" b="0"/>
+      </a:effectRef>
+      <a:fontRef idx="minor"/>
+    </dgm:style>
+  </dgm:styleLbl>
+  <dgm:styleLbl name="solidBgAcc1">
+    <dgm:scene3d>
+      <a:camera prst="orthographicFront"/>
+      <a:lightRig rig="threePt" dir="t"/>
+    </dgm:scene3d>
+    <dgm:sp3d/>
+    <dgm:txPr/>
+    <dgm:style>
+      <a:lnRef idx="2">
+        <a:scrgbClr r="0" g="0" b="0"/>
+      </a:lnRef>
+      <a:fillRef idx="1">
+        <a:scrgbClr r="0" g="0" b="0"/>
+      </a:fillRef>
+      <a:effectRef idx="0">
+        <a:scrgbClr r="0" g="0" b="0"/>
+      </a:effectRef>
+      <a:fontRef idx="minor"/>
+    </dgm:style>
+  </dgm:styleLbl>
+  <dgm:styleLbl name="fgAccFollowNode1">
+    <dgm:scene3d>
+      <a:camera prst="orthographicFront"/>
+      <a:lightRig rig="threePt" dir="t"/>
+    </dgm:scene3d>
+    <dgm:sp3d/>
+    <dgm:txPr/>
+    <dgm:style>
+      <a:lnRef idx="2">
+        <a:scrgbClr r="0" g="0" b="0"/>
+      </a:lnRef>
+      <a:fillRef idx="1">
+        <a:scrgbClr r="0" g="0" b="0"/>
+      </a:fillRef>
+      <a:effectRef idx="0">
+        <a:scrgbClr r="0" g="0" b="0"/>
+      </a:effectRef>
+      <a:fontRef idx="minor"/>
+    </dgm:style>
+  </dgm:styleLbl>
+  <dgm:styleLbl name="alignAccFollowNode1">
+    <dgm:scene3d>
+      <a:camera prst="orthographicFront"/>
+      <a:lightRig rig="threePt" dir="t"/>
+    </dgm:scene3d>
+    <dgm:sp3d/>
+    <dgm:txPr/>
+    <dgm:style>
+      <a:lnRef idx="2">
+        <a:scrgbClr r="0" g="0" b="0"/>
+      </a:lnRef>
+      <a:fillRef idx="1">
+        <a:scrgbClr r="0" g="0" b="0"/>
+      </a:fillRef>
+      <a:effectRef idx="0">
+        <a:scrgbClr r="0" g="0" b="0"/>
+      </a:effectRef>
+      <a:fontRef idx="minor"/>
+    </dgm:style>
+  </dgm:styleLbl>
+  <dgm:styleLbl name="bgAccFollowNode1">
+    <dgm:scene3d>
+      <a:camera prst="orthographicFront"/>
+      <a:lightRig rig="threePt" dir="t"/>
+    </dgm:scene3d>
+    <dgm:sp3d/>
+    <dgm:txPr/>
+    <dgm:style>
+      <a:lnRef idx="2">
+        <a:scrgbClr r="0" g="0" b="0"/>
+      </a:lnRef>
+      <a:fillRef idx="1">
+        <a:scrgbClr r="0" g="0" b="0"/>
+      </a:fillRef>
+      <a:effectRef idx="0">
+        <a:scrgbClr r="0" g="0" b="0"/>
+      </a:effectRef>
+      <a:fontRef idx="minor"/>
+    </dgm:style>
+  </dgm:styleLbl>
+  <dgm:styleLbl name="fgAcc0">
+    <dgm:scene3d>
+      <a:camera prst="orthographicFront"/>
+      <a:lightRig rig="threePt" dir="t"/>
+    </dgm:scene3d>
+    <dgm:sp3d/>
+    <dgm:txPr/>
+    <dgm:style>
+      <a:lnRef idx="2">
+        <a:scrgbClr r="0" g="0" b="0"/>
+      </a:lnRef>
+      <a:fillRef idx="1">
+        <a:scrgbClr r="0" g="0" b="0"/>
+      </a:fillRef>
+      <a:effectRef idx="0">
+        <a:scrgbClr r="0" g="0" b="0"/>
+      </a:effectRef>
+      <a:fontRef idx="minor"/>
+    </dgm:style>
+  </dgm:styleLbl>
+  <dgm:styleLbl name="fgAcc2">
+    <dgm:scene3d>
+      <a:camera prst="orthographicFront"/>
+      <a:lightRig rig="threePt" dir="t"/>
+    </dgm:scene3d>
+    <dgm:sp3d/>
+    <dgm:txPr/>
+    <dgm:style>
+      <a:lnRef idx="2">
+        <a:scrgbClr r="0" g="0" b="0"/>
+      </a:lnRef>
+      <a:fillRef idx="1">
+        <a:scrgbClr r="0" g="0" b="0"/>
+      </a:fillRef>
+      <a:effectRef idx="0">
+        <a:scrgbClr r="0" g="0" b="0"/>
+      </a:effectRef>
+      <a:fontRef idx="minor"/>
+    </dgm:style>
+  </dgm:styleLbl>
+  <dgm:styleLbl name="fgAcc3">
+    <dgm:scene3d>
+      <a:camera prst="orthographicFront"/>
+      <a:lightRig rig="threePt" dir="t"/>
+    </dgm:scene3d>
+    <dgm:sp3d/>
+    <dgm:txPr/>
+    <dgm:style>
+      <a:lnRef idx="2">
+        <a:scrgbClr r="0" g="0" b="0"/>
+      </a:lnRef>
+      <a:fillRef idx="1">
+        <a:scrgbClr r="0" g="0" b="0"/>
+      </a:fillRef>
+      <a:effectRef idx="0">
+        <a:scrgbClr r="0" g="0" b="0"/>
+      </a:effectRef>
+      <a:fontRef idx="minor"/>
+    </dgm:style>
+  </dgm:styleLbl>
+  <dgm:styleLbl name="fgAcc4">
+    <dgm:scene3d>
+      <a:camera prst="orthographicFront"/>
+      <a:lightRig rig="threePt" dir="t"/>
+    </dgm:scene3d>
+    <dgm:sp3d/>
+    <dgm:txPr/>
+    <dgm:style>
+      <a:lnRef idx="2">
+        <a:scrgbClr r="0" g="0" b="0"/>
+      </a:lnRef>
+      <a:fillRef idx="1">
+        <a:scrgbClr r="0" g="0" b="0"/>
+      </a:fillRef>
+      <a:effectRef idx="0">
+        <a:scrgbClr r="0" g="0" b="0"/>
+      </a:effectRef>
+      <a:fontRef idx="minor"/>
+    </dgm:style>
+  </dgm:styleLbl>
+  <dgm:styleLbl name="bgShp">
+    <dgm:scene3d>
+      <a:camera prst="orthographicFront"/>
+      <a:lightRig rig="threePt" dir="t"/>
+    </dgm:scene3d>
+    <dgm:sp3d/>
+    <dgm:txPr/>
+    <dgm:style>
+      <a:lnRef idx="0">
+        <a:scrgbClr r="0" g="0" b="0"/>
+      </a:lnRef>
+      <a:fillRef idx="1">
+        <a:scrgbClr r="0" g="0" b="0"/>
+      </a:fillRef>
+      <a:effectRef idx="0">
+        <a:scrgbClr r="0" g="0" b="0"/>
+      </a:effectRef>
+      <a:fontRef idx="minor"/>
+    </dgm:style>
+  </dgm:styleLbl>
+  <dgm:styleLbl name="dkBgShp">
+    <dgm:scene3d>
+      <a:camera prst="orthographicFront"/>
+      <a:lightRig rig="threePt" dir="t"/>
+    </dgm:scene3d>
+    <dgm:sp3d/>
+    <dgm:txPr/>
+    <dgm:style>
+      <a:lnRef idx="0">
+        <a:scrgbClr r="0" g="0" b="0"/>
+      </a:lnRef>
+      <a:fillRef idx="1">
+        <a:scrgbClr r="0" g="0" b="0"/>
+      </a:fillRef>
+      <a:effectRef idx="0">
+        <a:scrgbClr r="0" g="0" b="0"/>
+      </a:effectRef>
+      <a:fontRef idx="minor"/>
+    </dgm:style>
+  </dgm:styleLbl>
+  <dgm:styleLbl name="trBgShp">
+    <dgm:scene3d>
+      <a:camera prst="orthographicFront"/>
+      <a:lightRig rig="threePt" dir="t"/>
+    </dgm:scene3d>
+    <dgm:sp3d/>
+    <dgm:txPr/>
+    <dgm:style>
+      <a:lnRef idx="0">
+        <a:scrgbClr r="0" g="0" b="0"/>
+      </a:lnRef>
+      <a:fillRef idx="1">
+        <a:scrgbClr r="0" g="0" b="0"/>
+      </a:fillRef>
+      <a:effectRef idx="0">
+        <a:scrgbClr r="0" g="0" b="0"/>
+      </a:effectRef>
+      <a:fontRef idx="minor"/>
+    </dgm:style>
+  </dgm:styleLbl>
+  <dgm:styleLbl name="fgShp">
+    <dgm:scene3d>
+      <a:camera prst="orthographicFront"/>
+      <a:lightRig rig="threePt" dir="t"/>
+    </dgm:scene3d>
+    <dgm:sp3d/>
+    <dgm:txPr/>
+    <dgm:style>
+      <a:lnRef idx="2">
+        <a:scrgbClr r="0" g="0" b="0"/>
+      </a:lnRef>
+      <a:fillRef idx="1">
+        <a:scrgbClr r="0" g="0" b="0"/>
+      </a:fillRef>
+      <a:effectRef idx="0">
+        <a:scrgbClr r="0" g="0" b="0"/>
+      </a:effectRef>
+      <a:fontRef idx="minor"/>
+    </dgm:style>
+  </dgm:styleLbl>
+  <dgm:styleLbl name="revTx">
+    <dgm:scene3d>
+      <a:camera prst="orthographicFront"/>
+      <a:lightRig rig="threePt" dir="t"/>
+    </dgm:scene3d>
+    <dgm:sp3d/>
+    <dgm:txPr/>
+    <dgm:style>
+      <a:lnRef idx="0">
+        <a:scrgbClr r="0" g="0" b="0"/>
+      </a:lnRef>
+      <a:fillRef idx="0">
+        <a:scrgbClr r="0" g="0" b="0"/>
+      </a:fillRef>
+      <a:effectRef idx="0">
+        <a:scrgbClr r="0" g="0" b="0"/>
+      </a:effectRef>
+      <a:fontRef idx="minor"/>
+    </dgm:style>
+  </dgm:styleLbl>
+</dgm:styleDef>
+</file>
+
+<file path=ppt/diagrams/quickStyle2.xml><?xml version="1.0" encoding="utf-8"?>
+<dgm:styleDef xmlns:dgm="http://schemas.openxmlformats.org/drawingml/2006/diagram" xmlns:a="http://schemas.openxmlformats.org/drawingml/2006/main" uniqueId="urn:microsoft.com/office/officeart/2005/8/quickstyle/simple1">
+  <dgm:title val=""/>
+  <dgm:desc val=""/>
+  <dgm:catLst>
+    <dgm:cat type="simple" pri="10100"/>
+  </dgm:catLst>
+  <dgm:scene3d>
+    <a:camera prst="orthographicFront"/>
+    <a:lightRig rig="threePt" dir="t"/>
+  </dgm:scene3d>
+  <dgm:styleLbl name="node0">
+    <dgm:scene3d>
+      <a:camera prst="orthographicFront"/>
+      <a:lightRig rig="threePt" dir="t"/>
+    </dgm:scene3d>
+    <dgm:sp3d/>
+    <dgm:txPr/>
+    <dgm:style>
+      <a:lnRef idx="2">
+        <a:scrgbClr r="0" g="0" b="0"/>
+      </a:lnRef>
+      <a:fillRef idx="1">
+        <a:scrgbClr r="0" g="0" b="0"/>
+      </a:fillRef>
+      <a:effectRef idx="0">
+        <a:scrgbClr r="0" g="0" b="0"/>
+      </a:effectRef>
+      <a:fontRef idx="minor">
+        <a:schemeClr val="lt1"/>
+      </a:fontRef>
+    </dgm:style>
+  </dgm:styleLbl>
+  <dgm:styleLbl name="lnNode1">
+    <dgm:scene3d>
+      <a:camera prst="orthographicFront"/>
+      <a:lightRig rig="threePt" dir="t"/>
+    </dgm:scene3d>
+    <dgm:sp3d/>
+    <dgm:txPr/>
+    <dgm:style>
+      <a:lnRef idx="2">
+        <a:scrgbClr r="0" g="0" b="0"/>
+      </a:lnRef>
+      <a:fillRef idx="1">
+        <a:scrgbClr r="0" g="0" b="0"/>
+      </a:fillRef>
+      <a:effectRef idx="0">
+        <a:scrgbClr r="0" g="0" b="0"/>
+      </a:effectRef>
+      <a:fontRef idx="minor">
+        <a:schemeClr val="lt1"/>
+      </a:fontRef>
+    </dgm:style>
+  </dgm:styleLbl>
+  <dgm:styleLbl name="vennNode1">
+    <dgm:scene3d>
+      <a:camera prst="orthographicFront"/>
+      <a:lightRig rig="threePt" dir="t"/>
+    </dgm:scene3d>
+    <dgm:sp3d/>
+    <dgm:txPr/>
+    <dgm:style>
+      <a:lnRef idx="2">
+        <a:scrgbClr r="0" g="0" b="0"/>
+      </a:lnRef>
+      <a:fillRef idx="1">
+        <a:scrgbClr r="0" g="0" b="0"/>
+      </a:fillRef>
+      <a:effectRef idx="0">
+        <a:scrgbClr r="0" g="0" b="0"/>
+      </a:effectRef>
+      <a:fontRef idx="minor">
+        <a:schemeClr val="tx1"/>
+      </a:fontRef>
+    </dgm:style>
+  </dgm:styleLbl>
+  <dgm:styleLbl name="alignNode1">
+    <dgm:scene3d>
+      <a:camera prst="orthographicFront"/>
+      <a:lightRig rig="threePt" dir="t"/>
+    </dgm:scene3d>
+    <dgm:sp3d/>
+    <dgm:txPr/>
+    <dgm:style>
+      <a:lnRef idx="2">
+        <a:scrgbClr r="0" g="0" b="0"/>
+      </a:lnRef>
+      <a:fillRef idx="1">
+        <a:scrgbClr r="0" g="0" b="0"/>
+      </a:fillRef>
+      <a:effectRef idx="0">
+        <a:scrgbClr r="0" g="0" b="0"/>
+      </a:effectRef>
+      <a:fontRef idx="minor">
+        <a:schemeClr val="lt1"/>
+      </a:fontRef>
+    </dgm:style>
+  </dgm:styleLbl>
+  <dgm:styleLbl name="node1">
+    <dgm:scene3d>
+      <a:camera prst="orthographicFront"/>
+      <a:lightRig rig="threePt" dir="t"/>
+    </dgm:scene3d>
+    <dgm:sp3d/>
+    <dgm:txPr/>
+    <dgm:style>
+      <a:lnRef idx="2">
+        <a:scrgbClr r="0" g="0" b="0"/>
+      </a:lnRef>
+      <a:fillRef idx="1">
+        <a:scrgbClr r="0" g="0" b="0"/>
+      </a:fillRef>
+      <a:effectRef idx="0">
+        <a:scrgbClr r="0" g="0" b="0"/>
+      </a:effectRef>
+      <a:fontRef idx="minor">
+        <a:schemeClr val="lt1"/>
+      </a:fontRef>
+    </dgm:style>
+  </dgm:styleLbl>
+  <dgm:styleLbl name="node2">
+    <dgm:scene3d>
+      <a:camera prst="orthographicFront"/>
+      <a:lightRig rig="threePt" dir="t"/>
+    </dgm:scene3d>
+    <dgm:sp3d/>
+    <dgm:txPr/>
+    <dgm:style>
+      <a:lnRef idx="2">
+        <a:scrgbClr r="0" g="0" b="0"/>
+      </a:lnRef>
+      <a:fillRef idx="1">
+        <a:scrgbClr r="0" g="0" b="0"/>
+      </a:fillRef>
+      <a:effectRef idx="0">
+        <a:scrgbClr r="0" g="0" b="0"/>
+      </a:effectRef>
+      <a:fontRef idx="minor">
+        <a:schemeClr val="lt1"/>
+      </a:fontRef>
+    </dgm:style>
+  </dgm:styleLbl>
+  <dgm:styleLbl name="node3">
+    <dgm:scene3d>
+      <a:camera prst="orthographicFront"/>
+      <a:lightRig rig="threePt" dir="t"/>
+    </dgm:scene3d>
+    <dgm:sp3d/>
+    <dgm:txPr/>
+    <dgm:style>
+      <a:lnRef idx="2">
+        <a:scrgbClr r="0" g="0" b="0"/>
+      </a:lnRef>
+      <a:fillRef idx="1">
+        <a:scrgbClr r="0" g="0" b="0"/>
+      </a:fillRef>
+      <a:effectRef idx="0">
+        <a:scrgbClr r="0" g="0" b="0"/>
+      </a:effectRef>
+      <a:fontRef idx="minor">
+        <a:schemeClr val="lt1"/>
+      </a:fontRef>
+    </dgm:style>
+  </dgm:styleLbl>
+  <dgm:styleLbl name="node4">
+    <dgm:scene3d>
+      <a:camera prst="orthographicFront"/>
+      <a:lightRig rig="threePt" dir="t"/>
+    </dgm:scene3d>
+    <dgm:sp3d/>
+    <dgm:txPr/>
+    <dgm:style>
+      <a:lnRef idx="2">
+        <a:scrgbClr r="0" g="0" b="0"/>
+      </a:lnRef>
+      <a:fillRef idx="1">
+        <a:scrgbClr r="0" g="0" b="0"/>
+      </a:fillRef>
+      <a:effectRef idx="0">
+        <a:scrgbClr r="0" g="0" b="0"/>
+      </a:effectRef>
+      <a:fontRef idx="minor">
+        <a:schemeClr val="lt1"/>
+      </a:fontRef>
+    </dgm:style>
+  </dgm:styleLbl>
+  <dgm:styleLbl name="fgImgPlace1">
+    <dgm:scene3d>
+      <a:camera prst="orthographicFront"/>
+      <a:lightRig rig="threePt" dir="t"/>
+    </dgm:scene3d>
+    <dgm:sp3d/>
+    <dgm:txPr/>
+    <dgm:style>
+      <a:lnRef idx="2">
+        <a:scrgbClr r="0" g="0" b="0"/>
+      </a:lnRef>
+      <a:fillRef idx="1">
+        <a:scrgbClr r="0" g="0" b="0"/>
+      </a:fillRef>
+      <a:effectRef idx="0">
+        <a:scrgbClr r="0" g="0" b="0"/>
+      </a:effectRef>
+      <a:fontRef idx="minor"/>
+    </dgm:style>
+  </dgm:styleLbl>
+  <dgm:styleLbl name="alignImgPlace1">
+    <dgm:scene3d>
+      <a:camera prst="orthographicFront"/>
+      <a:lightRig rig="threePt" dir="t"/>
+    </dgm:scene3d>
+    <dgm:sp3d/>
+    <dgm:txPr/>
+    <dgm:style>
+      <a:lnRef idx="2">
+        <a:scrgbClr r="0" g="0" b="0"/>
+      </a:lnRef>
+      <a:fillRef idx="1">
+        <a:scrgbClr r="0" g="0" b="0"/>
+      </a:fillRef>
+      <a:effectRef idx="0">
+        <a:scrgbClr r="0" g="0" b="0"/>
+      </a:effectRef>
+      <a:fontRef idx="minor"/>
+    </dgm:style>
+  </dgm:styleLbl>
+  <dgm:styleLbl name="bgImgPlace1">
+    <dgm:scene3d>
+      <a:camera prst="orthographicFront"/>
+      <a:lightRig rig="threePt" dir="t"/>
+    </dgm:scene3d>
+    <dgm:sp3d/>
+    <dgm:txPr/>
+    <dgm:style>
+      <a:lnRef idx="2">
+        <a:scrgbClr r="0" g="0" b="0"/>
+      </a:lnRef>
+      <a:fillRef idx="1">
+        <a:scrgbClr r="0" g="0" b="0"/>
+      </a:fillRef>
+      <a:effectRef idx="0">
+        <a:scrgbClr r="0" g="0" b="0"/>
+      </a:effectRef>
+      <a:fontRef idx="minor"/>
+    </dgm:style>
+  </dgm:styleLbl>
+  <dgm:styleLbl name="sibTrans2D1">
+    <dgm:scene3d>
+      <a:camera prst="orthographicFront"/>
+      <a:lightRig rig="threePt" dir="t"/>
+    </dgm:scene3d>
+    <dgm:sp3d/>
+    <dgm:txPr/>
+    <dgm:style>
+      <a:lnRef idx="0">
+        <a:scrgbClr r="0" g="0" b="0"/>
+      </a:lnRef>
+      <a:fillRef idx="1">
+        <a:scrgbClr r="0" g="0" b="0"/>
+      </a:fillRef>
+      <a:effectRef idx="0">
+        <a:scrgbClr r="0" g="0" b="0"/>
+      </a:effectRef>
+      <a:fontRef idx="minor">
+        <a:schemeClr val="lt1"/>
+      </a:fontRef>
+    </dgm:style>
+  </dgm:styleLbl>
+  <dgm:styleLbl name="fgSibTrans2D1">
+    <dgm:scene3d>
+      <a:camera prst="orthographicFront"/>
+      <a:lightRig rig="threePt" dir="t"/>
+    </dgm:scene3d>
+    <dgm:sp3d/>
+    <dgm:txPr/>
+    <dgm:style>
+      <a:lnRef idx="0">
+        <a:scrgbClr r="0" g="0" b="0"/>
+      </a:lnRef>
+      <a:fillRef idx="1">
+        <a:scrgbClr r="0" g="0" b="0"/>
+      </a:fillRef>
+      <a:effectRef idx="0">
+        <a:scrgbClr r="0" g="0" b="0"/>
+      </a:effectRef>
+      <a:fontRef idx="minor">
+        <a:schemeClr val="lt1"/>
+      </a:fontRef>
+    </dgm:style>
+  </dgm:styleLbl>
+  <dgm:styleLbl name="bgSibTrans2D1">
+    <dgm:scene3d>
+      <a:camera prst="orthographicFront"/>
+      <a:lightRig rig="threePt" dir="t"/>
+    </dgm:scene3d>
+    <dgm:sp3d/>
+    <dgm:txPr/>
+    <dgm:style>
+      <a:lnRef idx="0">
+        <a:scrgbClr r="0" g="0" b="0"/>
+      </a:lnRef>
+      <a:fillRef idx="1">
+        <a:scrgbClr r="0" g="0" b="0"/>
+      </a:fillRef>
+      <a:effectRef idx="0">
+        <a:scrgbClr r="0" g="0" b="0"/>
+      </a:effectRef>
+      <a:fontRef idx="minor">
+        <a:schemeClr val="lt1"/>
+      </a:fontRef>
+    </dgm:style>
+  </dgm:styleLbl>
+  <dgm:styleLbl name="sibTrans1D1">
+    <dgm:scene3d>
+      <a:camera prst="orthographicFront"/>
+      <a:lightRig rig="threePt" dir="t"/>
+    </dgm:scene3d>
+    <dgm:sp3d/>
+    <dgm:txPr/>
+    <dgm:style>
+      <a:lnRef idx="1">
+        <a:scrgbClr r="0" g="0" b="0"/>
+      </a:lnRef>
+      <a:fillRef idx="0">
+        <a:scrgbClr r="0" g="0" b="0"/>
+      </a:fillRef>
+      <a:effectRef idx="0">
+        <a:scrgbClr r="0" g="0" b="0"/>
+      </a:effectRef>
+      <a:fontRef idx="minor"/>
+    </dgm:style>
+  </dgm:styleLbl>
+  <dgm:styleLbl name="callout">
+    <dgm:scene3d>
+      <a:camera prst="orthographicFront"/>
+      <a:lightRig rig="threePt" dir="t"/>
+    </dgm:scene3d>
+    <dgm:sp3d/>
+    <dgm:txPr/>
+    <dgm:style>
+      <a:lnRef idx="2">
+        <a:scrgbClr r="0" g="0" b="0"/>
+      </a:lnRef>
+      <a:fillRef idx="1">
+        <a:scrgbClr r="0" g="0" b="0"/>
+      </a:fillRef>
+      <a:effectRef idx="0">
+        <a:scrgbClr r="0" g="0" b="0"/>
+      </a:effectRef>
+      <a:fontRef idx="minor"/>
+    </dgm:style>
+  </dgm:styleLbl>
+  <dgm:styleLbl name="asst0">
+    <dgm:scene3d>
+      <a:camera prst="orthographicFront"/>
+      <a:lightRig rig="threePt" dir="t"/>
+    </dgm:scene3d>
+    <dgm:sp3d/>
+    <dgm:txPr/>
+    <dgm:style>
+      <a:lnRef idx="2">
+        <a:scrgbClr r="0" g="0" b="0"/>
+      </a:lnRef>
+      <a:fillRef idx="1">
+        <a:scrgbClr r="0" g="0" b="0"/>
+      </a:fillRef>
+      <a:effectRef idx="0">
+        <a:scrgbClr r="0" g="0" b="0"/>
+      </a:effectRef>
+      <a:fontRef idx="minor">
+        <a:schemeClr val="lt1"/>
+      </a:fontRef>
+    </dgm:style>
+  </dgm:styleLbl>
+  <dgm:styleLbl name="asst1">
+    <dgm:scene3d>
+      <a:camera prst="orthographicFront"/>
+      <a:lightRig rig="threePt" dir="t"/>
+    </dgm:scene3d>
+    <dgm:sp3d/>
+    <dgm:txPr/>
+    <dgm:style>
+      <a:lnRef idx="2">
+        <a:scrgbClr r="0" g="0" b="0"/>
+      </a:lnRef>
+      <a:fillRef idx="1">
+        <a:scrgbClr r="0" g="0" b="0"/>
+      </a:fillRef>
+      <a:effectRef idx="0">
+        <a:scrgbClr r="0" g="0" b="0"/>
+      </a:effectRef>
+      <a:fontRef idx="minor">
+        <a:schemeClr val="lt1"/>
+      </a:fontRef>
+    </dgm:style>
+  </dgm:styleLbl>
+  <dgm:styleLbl name="asst2">
+    <dgm:scene3d>
+      <a:camera prst="orthographicFront"/>
+      <a:lightRig rig="threePt" dir="t"/>
+    </dgm:scene3d>
+    <dgm:sp3d/>
+    <dgm:txPr/>
+    <dgm:style>
+      <a:lnRef idx="2">
+        <a:scrgbClr r="0" g="0" b="0"/>
+      </a:lnRef>
+      <a:fillRef idx="1">
+        <a:scrgbClr r="0" g="0" b="0"/>
+      </a:fillRef>
+      <a:effectRef idx="0">
+        <a:scrgbClr r="0" g="0" b="0"/>
+      </a:effectRef>
+      <a:fontRef idx="minor">
+        <a:schemeClr val="lt1"/>
+      </a:fontRef>
+    </dgm:style>
+  </dgm:styleLbl>
+  <dgm:styleLbl name="asst3">
+    <dgm:scene3d>
+      <a:camera prst="orthographicFront"/>
+      <a:lightRig rig="threePt" dir="t"/>
+    </dgm:scene3d>
+    <dgm:sp3d/>
+    <dgm:txPr/>
+    <dgm:style>
+      <a:lnRef idx="2">
+        <a:scrgbClr r="0" g="0" b="0"/>
+      </a:lnRef>
+      <a:fillRef idx="1">
+        <a:scrgbClr r="0" g="0" b="0"/>
+      </a:fillRef>
+      <a:effectRef idx="0">
+        <a:scrgbClr r="0" g="0" b="0"/>
+      </a:effectRef>
+      <a:fontRef idx="minor">
+        <a:schemeClr val="lt1"/>
+      </a:fontRef>
+    </dgm:style>
+  </dgm:styleLbl>
+  <dgm:styleLbl name="asst4">
+    <dgm:scene3d>
+      <a:camera prst="orthographicFront"/>
+      <a:lightRig rig="threePt" dir="t"/>
+    </dgm:scene3d>
+    <dgm:sp3d/>
+    <dgm:txPr/>
+    <dgm:style>
+      <a:lnRef idx="2">
+        <a:scrgbClr r="0" g="0" b="0"/>
+      </a:lnRef>
+      <a:fillRef idx="1">
+        <a:scrgbClr r="0" g="0" b="0"/>
+      </a:fillRef>
+      <a:effectRef idx="0">
+        <a:scrgbClr r="0" g="0" b="0"/>
+      </a:effectRef>
+      <a:fontRef idx="minor">
+        <a:schemeClr val="lt1"/>
+      </a:fontRef>
+    </dgm:style>
+  </dgm:styleLbl>
+  <dgm:styleLbl name="parChTrans2D1">
+    <dgm:scene3d>
+      <a:camera prst="orthographicFront"/>
+      <a:lightRig rig="threePt" dir="t"/>
+    </dgm:scene3d>
+    <dgm:sp3d/>
+    <dgm:txPr/>
+    <dgm:style>
+      <a:lnRef idx="2">
+        <a:scrgbClr r="0" g="0" b="0"/>
+      </a:lnRef>
+      <a:fillRef idx="1">
+        <a:scrgbClr r="0" g="0" b="0"/>
+      </a:fillRef>
+      <a:effectRef idx="0">
+        <a:scrgbClr r="0" g="0" b="0"/>
+      </a:effectRef>
+      <a:fontRef idx="minor">
+        <a:schemeClr val="lt1"/>
+      </a:fontRef>
+    </dgm:style>
+  </dgm:styleLbl>
+  <dgm:styleLbl name="parChTrans2D2">
+    <dgm:scene3d>
+      <a:camera prst="orthographicFront"/>
+      <a:lightRig rig="threePt" dir="t"/>
+    </dgm:scene3d>
+    <dgm:sp3d/>
+    <dgm:txPr/>
+    <dgm:style>
+      <a:lnRef idx="2">
+        <a:scrgbClr r="0" g="0" b="0"/>
+      </a:lnRef>
+      <a:fillRef idx="1">
+        <a:scrgbClr r="0" g="0" b="0"/>
+      </a:fillRef>
+      <a:effectRef idx="0">
+        <a:scrgbClr r="0" g="0" b="0"/>
+      </a:effectRef>
+      <a:fontRef idx="minor">
+        <a:schemeClr val="lt1"/>
+      </a:fontRef>
+    </dgm:style>
+  </dgm:styleLbl>
+  <dgm:styleLbl name="parChTrans2D3">
+    <dgm:scene3d>
+      <a:camera prst="orthographicFront"/>
+      <a:lightRig rig="threePt" dir="t"/>
+    </dgm:scene3d>
+    <dgm:sp3d/>
+    <dgm:txPr/>
+    <dgm:style>
+      <a:lnRef idx="2">
+        <a:scrgbClr r="0" g="0" b="0"/>
+      </a:lnRef>
+      <a:fillRef idx="1">
+        <a:scrgbClr r="0" g="0" b="0"/>
+      </a:fillRef>
+      <a:effectRef idx="0">
+        <a:scrgbClr r="0" g="0" b="0"/>
+      </a:effectRef>
+      <a:fontRef idx="minor">
+        <a:schemeClr val="lt1"/>
+      </a:fontRef>
+    </dgm:style>
+  </dgm:styleLbl>
+  <dgm:styleLbl name="parChTrans2D4">
+    <dgm:scene3d>
+      <a:camera prst="orthographicFront"/>
+      <a:lightRig rig="threePt" dir="t"/>
+    </dgm:scene3d>
+    <dgm:sp3d/>
+    <dgm:txPr/>
+    <dgm:style>
+      <a:lnRef idx="2">
+        <a:scrgbClr r="0" g="0" b="0"/>
+      </a:lnRef>
+      <a:fillRef idx="1">
+        <a:scrgbClr r="0" g="0" b="0"/>
+      </a:fillRef>
+      <a:effectRef idx="0">
+        <a:scrgbClr r="0" g="0" b="0"/>
+      </a:effectRef>
+      <a:fontRef idx="minor">
+        <a:schemeClr val="lt1"/>
+      </a:fontRef>
+    </dgm:style>
+  </dgm:styleLbl>
+  <dgm:styleLbl name="parChTrans1D1">
+    <dgm:scene3d>
+      <a:camera prst="orthographicFront"/>
+      <a:lightRig rig="threePt" dir="t"/>
+    </dgm:scene3d>
+    <dgm:sp3d/>
+    <dgm:txPr/>
+    <dgm:style>
+      <a:lnRef idx="2">
+        <a:scrgbClr r="0" g="0" b="0"/>
+      </a:lnRef>
+      <a:fillRef idx="0">
+        <a:scrgbClr r="0" g="0" b="0"/>
+      </a:fillRef>
+      <a:effectRef idx="0">
+        <a:scrgbClr r="0" g="0" b="0"/>
+      </a:effectRef>
+      <a:fontRef idx="minor"/>
+    </dgm:style>
+  </dgm:styleLbl>
+  <dgm:styleLbl name="parChTrans1D2">
+    <dgm:scene3d>
+      <a:camera prst="orthographicFront"/>
+      <a:lightRig rig="threePt" dir="t"/>
+    </dgm:scene3d>
+    <dgm:sp3d/>
+    <dgm:txPr/>
+    <dgm:style>
+      <a:lnRef idx="2">
+        <a:scrgbClr r="0" g="0" b="0"/>
+      </a:lnRef>
+      <a:fillRef idx="0">
+        <a:scrgbClr r="0" g="0" b="0"/>
+      </a:fillRef>
+      <a:effectRef idx="0">
+        <a:scrgbClr r="0" g="0" b="0"/>
+      </a:effectRef>
+      <a:fontRef idx="minor"/>
+    </dgm:style>
+  </dgm:styleLbl>
+  <dgm:styleLbl name="parChTrans1D3">
+    <dgm:scene3d>
+      <a:camera prst="orthographicFront"/>
+      <a:lightRig rig="threePt" dir="t"/>
+    </dgm:scene3d>
+    <dgm:sp3d/>
+    <dgm:txPr/>
+    <dgm:style>
+      <a:lnRef idx="2">
+        <a:scrgbClr r="0" g="0" b="0"/>
+      </a:lnRef>
+      <a:fillRef idx="0">
+        <a:scrgbClr r="0" g="0" b="0"/>
+      </a:fillRef>
+      <a:effectRef idx="0">
+        <a:scrgbClr r="0" g="0" b="0"/>
+      </a:effectRef>
+      <a:fontRef idx="minor"/>
+    </dgm:style>
+  </dgm:styleLbl>
+  <dgm:styleLbl name="parChTrans1D4">
+    <dgm:scene3d>
+      <a:camera prst="orthographicFront"/>
+      <a:lightRig rig="threePt" dir="t"/>
+    </dgm:scene3d>
+    <dgm:sp3d/>
+    <dgm:txPr/>
+    <dgm:style>
+      <a:lnRef idx="2">
+        <a:scrgbClr r="0" g="0" b="0"/>
+      </a:lnRef>
+      <a:fillRef idx="0">
+        <a:scrgbClr r="0" g="0" b="0"/>
+      </a:fillRef>
+      <a:effectRef idx="0">
+        <a:scrgbClr r="0" g="0" b="0"/>
+      </a:effectRef>
+      <a:fontRef idx="minor"/>
+    </dgm:style>
+  </dgm:styleLbl>
+  <dgm:styleLbl name="fgAcc1">
+    <dgm:scene3d>
+      <a:camera prst="orthographicFront"/>
+      <a:lightRig rig="threePt" dir="t"/>
+    </dgm:scene3d>
+    <dgm:sp3d/>
+    <dgm:txPr/>
+    <dgm:style>
+      <a:lnRef idx="2">
+        <a:scrgbClr r="0" g="0" b="0"/>
+      </a:lnRef>
+      <a:fillRef idx="1">
+        <a:scrgbClr r="0" g="0" b="0"/>
+      </a:fillRef>
+      <a:effectRef idx="0">
+        <a:scrgbClr r="0" g="0" b="0"/>
+      </a:effectRef>
+      <a:fontRef idx="minor"/>
+    </dgm:style>
+  </dgm:styleLbl>
+  <dgm:styleLbl name="conFgAcc1">
+    <dgm:scene3d>
+      <a:camera prst="orthographicFront"/>
+      <a:lightRig rig="threePt" dir="t"/>
+    </dgm:scene3d>
+    <dgm:sp3d/>
+    <dgm:txPr/>
+    <dgm:style>
+      <a:lnRef idx="2">
+        <a:scrgbClr r="0" g="0" b="0"/>
+      </a:lnRef>
+      <a:fillRef idx="1">
+        <a:scrgbClr r="0" g="0" b="0"/>
+      </a:fillRef>
+      <a:effectRef idx="0">
+        <a:scrgbClr r="0" g="0" b="0"/>
+      </a:effectRef>
+      <a:fontRef idx="minor"/>
+    </dgm:style>
+  </dgm:styleLbl>
+  <dgm:styleLbl name="alignAcc1">
+    <dgm:scene3d>
+      <a:camera prst="orthographicFront"/>
+      <a:lightRig rig="threePt" dir="t"/>
+    </dgm:scene3d>
+    <dgm:sp3d/>
+    <dgm:txPr/>
+    <dgm:style>
+      <a:lnRef idx="2">
+        <a:scrgbClr r="0" g="0" b="0"/>
+      </a:lnRef>
+      <a:fillRef idx="1">
+        <a:scrgbClr r="0" g="0" b="0"/>
+      </a:fillRef>
+      <a:effectRef idx="0">
+        <a:scrgbClr r="0" g="0" b="0"/>
+      </a:effectRef>
+      <a:fontRef idx="minor"/>
+    </dgm:style>
+  </dgm:styleLbl>
+  <dgm:styleLbl name="trAlignAcc1">
+    <dgm:scene3d>
+      <a:camera prst="orthographicFront"/>
+      <a:lightRig rig="threePt" dir="t"/>
+    </dgm:scene3d>
+    <dgm:sp3d/>
+    <dgm:txPr/>
+    <dgm:style>
+      <a:lnRef idx="1">
+        <a:scrgbClr r="0" g="0" b="0"/>
+      </a:lnRef>
+      <a:fillRef idx="1">
+        <a:scrgbClr r="0" g="0" b="0"/>
+      </a:fillRef>
+      <a:effectRef idx="0">
+        <a:scrgbClr r="0" g="0" b="0"/>
+      </a:effectRef>
+      <a:fontRef idx="minor"/>
+    </dgm:style>
+  </dgm:styleLbl>
+  <dgm:styleLbl name="bgAcc1">
+    <dgm:scene3d>
+      <a:camera prst="orthographicFront"/>
+      <a:lightRig rig="threePt" dir="t"/>
+    </dgm:scene3d>
+    <dgm:sp3d/>
+    <dgm:txPr/>
+    <dgm:style>
+      <a:lnRef idx="2">
+        <a:scrgbClr r="0" g="0" b="0"/>
+      </a:lnRef>
+      <a:fillRef idx="1">
+        <a:scrgbClr r="0" g="0" b="0"/>
+      </a:fillRef>
+      <a:effectRef idx="0">
+        <a:scrgbClr r="0" g="0" b="0"/>
+      </a:effectRef>
+      <a:fontRef idx="minor"/>
+    </dgm:style>
+  </dgm:styleLbl>
+  <dgm:styleLbl name="solidFgAcc1">
+    <dgm:scene3d>
+      <a:camera prst="orthographicFront"/>
+      <a:lightRig rig="threePt" dir="t"/>
+    </dgm:scene3d>
+    <dgm:sp3d/>
+    <dgm:txPr/>
+    <dgm:style>
+      <a:lnRef idx="2">
+        <a:scrgbClr r="0" g="0" b="0"/>
+      </a:lnRef>
+      <a:fillRef idx="1">
+        <a:scrgbClr r="0" g="0" b="0"/>
+      </a:fillRef>
+      <a:effectRef idx="0">
+        <a:scrgbClr r="0" g="0" b="0"/>
+      </a:effectRef>
+      <a:fontRef idx="minor"/>
+    </dgm:style>
+  </dgm:styleLbl>
+  <dgm:styleLbl name="solidAlignAcc1">
+    <dgm:scene3d>
+      <a:camera prst="orthographicFront"/>
+      <a:lightRig rig="threePt" dir="t"/>
+    </dgm:scene3d>
+    <dgm:sp3d/>
+    <dgm:txPr/>
+    <dgm:style>
+      <a:lnRef idx="2">
+        <a:scrgbClr r="0" g="0" b="0"/>
+      </a:lnRef>
+      <a:fillRef idx="1">
+        <a:scrgbClr r="0" g="0" b="0"/>
+      </a:fillRef>
+      <a:effectRef idx="0">
+        <a:scrgbClr r="0" g="0" b="0"/>
+      </a:effectRef>
+      <a:fontRef idx="minor"/>
+    </dgm:style>
+  </dgm:styleLbl>
+  <dgm:styleLbl name="solidBgAcc1">
+    <dgm:scene3d>
+      <a:camera prst="orthographicFront"/>
+      <a:lightRig rig="threePt" dir="t"/>
+    </dgm:scene3d>
+    <dgm:sp3d/>
+    <dgm:txPr/>
+    <dgm:style>
+      <a:lnRef idx="2">
+        <a:scrgbClr r="0" g="0" b="0"/>
+      </a:lnRef>
+      <a:fillRef idx="1">
+        <a:scrgbClr r="0" g="0" b="0"/>
+      </a:fillRef>
+      <a:effectRef idx="0">
+        <a:scrgbClr r="0" g="0" b="0"/>
+      </a:effectRef>
+      <a:fontRef idx="minor"/>
+    </dgm:style>
+  </dgm:styleLbl>
+  <dgm:styleLbl name="fgAccFollowNode1">
+    <dgm:scene3d>
+      <a:camera prst="orthographicFront"/>
+      <a:lightRig rig="threePt" dir="t"/>
+    </dgm:scene3d>
+    <dgm:sp3d/>
+    <dgm:txPr/>
+    <dgm:style>
+      <a:lnRef idx="2">
+        <a:scrgbClr r="0" g="0" b="0"/>
+      </a:lnRef>
+      <a:fillRef idx="1">
+        <a:scrgbClr r="0" g="0" b="0"/>
+      </a:fillRef>
+      <a:effectRef idx="0">
+        <a:scrgbClr r="0" g="0" b="0"/>
+      </a:effectRef>
+      <a:fontRef idx="minor"/>
+    </dgm:style>
+  </dgm:styleLbl>
+  <dgm:styleLbl name="alignAccFollowNode1">
+    <dgm:scene3d>
+      <a:camera prst="orthographicFront"/>
+      <a:lightRig rig="threePt" dir="t"/>
+    </dgm:scene3d>
+    <dgm:sp3d/>
+    <dgm:txPr/>
+    <dgm:style>
+      <a:lnRef idx="2">
+        <a:scrgbClr r="0" g="0" b="0"/>
+      </a:lnRef>
+      <a:fillRef idx="1">
+        <a:scrgbClr r="0" g="0" b="0"/>
+      </a:fillRef>
+      <a:effectRef idx="0">
+        <a:scrgbClr r="0" g="0" b="0"/>
+      </a:effectRef>
+      <a:fontRef idx="minor"/>
+    </dgm:style>
+  </dgm:styleLbl>
+  <dgm:styleLbl name="bgAccFollowNode1">
+    <dgm:scene3d>
+      <a:camera prst="orthographicFront"/>
+      <a:lightRig rig="threePt" dir="t"/>
+    </dgm:scene3d>
+    <dgm:sp3d/>
+    <dgm:txPr/>
+    <dgm:style>
+      <a:lnRef idx="2">
+        <a:scrgbClr r="0" g="0" b="0"/>
+      </a:lnRef>
+      <a:fillRef idx="1">
+        <a:scrgbClr r="0" g="0" b="0"/>
+      </a:fillRef>
+      <a:effectRef idx="0">
+        <a:scrgbClr r="0" g="0" b="0"/>
+      </a:effectRef>
+      <a:fontRef idx="minor"/>
+    </dgm:style>
+  </dgm:styleLbl>
+  <dgm:styleLbl name="fgAcc0">
+    <dgm:scene3d>
+      <a:camera prst="orthographicFront"/>
+      <a:lightRig rig="threePt" dir="t"/>
+    </dgm:scene3d>
+    <dgm:sp3d/>
+    <dgm:txPr/>
+    <dgm:style>
+      <a:lnRef idx="2">
+        <a:scrgbClr r="0" g="0" b="0"/>
+      </a:lnRef>
+      <a:fillRef idx="1">
+        <a:scrgbClr r="0" g="0" b="0"/>
+      </a:fillRef>
+      <a:effectRef idx="0">
+        <a:scrgbClr r="0" g="0" b="0"/>
+      </a:effectRef>
+      <a:fontRef idx="minor"/>
+    </dgm:style>
+  </dgm:styleLbl>
+  <dgm:styleLbl name="fgAcc2">
+    <dgm:scene3d>
+      <a:camera prst="orthographicFront"/>
+      <a:lightRig rig="threePt" dir="t"/>
+    </dgm:scene3d>
+    <dgm:sp3d/>
+    <dgm:txPr/>
+    <dgm:style>
+      <a:lnRef idx="2">
+        <a:scrgbClr r="0" g="0" b="0"/>
+      </a:lnRef>
+      <a:fillRef idx="1">
+        <a:scrgbClr r="0" g="0" b="0"/>
+      </a:fillRef>
+      <a:effectRef idx="0">
+        <a:scrgbClr r="0" g="0" b="0"/>
+      </a:effectRef>
+      <a:fontRef idx="minor"/>
+    </dgm:style>
+  </dgm:styleLbl>
+  <dgm:styleLbl name="fgAcc3">
+    <dgm:scene3d>
+      <a:camera prst="orthographicFront"/>
+      <a:lightRig rig="threePt" dir="t"/>
+    </dgm:scene3d>
+    <dgm:sp3d/>
+    <dgm:txPr/>
+    <dgm:style>
+      <a:lnRef idx="2">
+        <a:scrgbClr r="0" g="0" b="0"/>
+      </a:lnRef>
+      <a:fillRef idx="1">
+        <a:scrgbClr r="0" g="0" b="0"/>
+      </a:fillRef>
+      <a:effectRef idx="0">
+        <a:scrgbClr r="0" g="0" b="0"/>
+      </a:effectRef>
+      <a:fontRef idx="minor"/>
+    </dgm:style>
+  </dgm:styleLbl>
+  <dgm:styleLbl name="fgAcc4">
+    <dgm:scene3d>
+      <a:camera prst="orthographicFront"/>
+      <a:lightRig rig="threePt" dir="t"/>
+    </dgm:scene3d>
+    <dgm:sp3d/>
+    <dgm:txPr/>
+    <dgm:style>
+      <a:lnRef idx="2">
+        <a:scrgbClr r="0" g="0" b="0"/>
+      </a:lnRef>
+      <a:fillRef idx="1">
+        <a:scrgbClr r="0" g="0" b="0"/>
+      </a:fillRef>
+      <a:effectRef idx="0">
+        <a:scrgbClr r="0" g="0" b="0"/>
+      </a:effectRef>
+      <a:fontRef idx="minor"/>
+    </dgm:style>
+  </dgm:styleLbl>
+  <dgm:styleLbl name="bgShp">
+    <dgm:scene3d>
+      <a:camera prst="orthographicFront"/>
+      <a:lightRig rig="threePt" dir="t"/>
+    </dgm:scene3d>
+    <dgm:sp3d/>
+    <dgm:txPr/>
+    <dgm:style>
+      <a:lnRef idx="0">
+        <a:scrgbClr r="0" g="0" b="0"/>
+      </a:lnRef>
+      <a:fillRef idx="1">
+        <a:scrgbClr r="0" g="0" b="0"/>
+      </a:fillRef>
+      <a:effectRef idx="0">
+        <a:scrgbClr r="0" g="0" b="0"/>
+      </a:effectRef>
+      <a:fontRef idx="minor"/>
+    </dgm:style>
+  </dgm:styleLbl>
+  <dgm:styleLbl name="dkBgShp">
+    <dgm:scene3d>
+      <a:camera prst="orthographicFront"/>
+      <a:lightRig rig="threePt" dir="t"/>
+    </dgm:scene3d>
+    <dgm:sp3d/>
+    <dgm:txPr/>
+    <dgm:style>
+      <a:lnRef idx="0">
+        <a:scrgbClr r="0" g="0" b="0"/>
+      </a:lnRef>
+      <a:fillRef idx="1">
+        <a:scrgbClr r="0" g="0" b="0"/>
+      </a:fillRef>
+      <a:effectRef idx="0">
+        <a:scrgbClr r="0" g="0" b="0"/>
+      </a:effectRef>
+      <a:fontRef idx="minor"/>
+    </dgm:style>
+  </dgm:styleLbl>
+  <dgm:styleLbl name="trBgShp">
+    <dgm:scene3d>
+      <a:camera prst="orthographicFront"/>
+      <a:lightRig rig="threePt" dir="t"/>
+    </dgm:scene3d>
+    <dgm:sp3d/>
+    <dgm:txPr/>
+    <dgm:style>
+      <a:lnRef idx="0">
+        <a:scrgbClr r="0" g="0" b="0"/>
+      </a:lnRef>
+      <a:fillRef idx="1">
+        <a:scrgbClr r="0" g="0" b="0"/>
+      </a:fillRef>
+      <a:effectRef idx="0">
+        <a:scrgbClr r="0" g="0" b="0"/>
+      </a:effectRef>
+      <a:fontRef idx="minor"/>
+    </dgm:style>
+  </dgm:styleLbl>
+  <dgm:styleLbl name="fgShp">
+    <dgm:scene3d>
+      <a:camera prst="orthographicFront"/>
+      <a:lightRig rig="threePt" dir="t"/>
+    </dgm:scene3d>
+    <dgm:sp3d/>
+    <dgm:txPr/>
+    <dgm:style>
+      <a:lnRef idx="2">
+        <a:scrgbClr r="0" g="0" b="0"/>
+      </a:lnRef>
+      <a:fillRef idx="1">
+        <a:scrgbClr r="0" g="0" b="0"/>
+      </a:fillRef>
+      <a:effectRef idx="0">
+        <a:scrgbClr r="0" g="0" b="0"/>
+      </a:effectRef>
+      <a:fontRef idx="minor"/>
+    </dgm:style>
+  </dgm:styleLbl>
+  <dgm:styleLbl name="revTx">
+    <dgm:scene3d>
+      <a:camera prst="orthographicFront"/>
+      <a:lightRig rig="threePt" dir="t"/>
+    </dgm:scene3d>
+    <dgm:sp3d/>
+    <dgm:txPr/>
+    <dgm:style>
+      <a:lnRef idx="0">
+        <a:scrgbClr r="0" g="0" b="0"/>
+      </a:lnRef>
+      <a:fillRef idx="0">
+        <a:scrgbClr r="0" g="0" b="0"/>
+      </a:fillRef>
+      <a:effectRef idx="0">
+        <a:scrgbClr r="0" g="0" b="0"/>
+      </a:effectRef>
+      <a:fontRef idx="minor"/>
+    </dgm:style>
+  </dgm:styleLbl>
+</dgm:styleDef>
 </file>
 
 <file path=ppt/notesMasters/notesMaster1.xml><?xml version="1.0" encoding="utf-8"?>
@@ -3300,80 +9542,45 @@
           <a:chExt cx="0" cy="0"/>
         </a:xfrm>
       </p:grpSpPr>
-      <p:sp>
-        <p:nvSpPr>
-          <p:cNvPr id="5" name="Title 4">
-            <a:extLst>
-              <a:ext uri="{FF2B5EF4-FFF2-40B4-BE49-F238E27FC236}">
-                <a16:creationId xmlns:a16="http://schemas.microsoft.com/office/drawing/2014/main" xmlns="" id="{8A492997-6AAB-4EA7-BBCE-D8247129B538}"/>
-              </a:ext>
-            </a:extLst>
-          </p:cNvPr>
-          <p:cNvSpPr>
-            <a:spLocks noGrp="1"/>
-          </p:cNvSpPr>
+      <p:graphicFrame>
+        <p:nvGraphicFramePr>
+          <p:cNvPr id="7" name="Diagram 6"/>
+          <p:cNvGraphicFramePr/>
           <p:nvPr>
-            <p:ph type="title"/>
+            <p:extLst>
+              <p:ext uri="{D42A27DB-BD31-4B8C-83A1-F6EECF244321}">
+                <p14:modId xmlns:p14="http://schemas.microsoft.com/office/powerpoint/2010/main" val="955349033"/>
+              </p:ext>
+            </p:extLst>
           </p:nvPr>
-        </p:nvSpPr>
-        <p:spPr/>
-        <p:txBody>
-          <a:bodyPr/>
-          <a:lstStyle/>
-          <a:p>
-            <a:pPr algn="ctr"/>
-            <a:r>
-              <a:rPr lang="en-IN" dirty="0"/>
-              <a:t>Extreme Programming working process</a:t>
-            </a:r>
-          </a:p>
-        </p:txBody>
-      </p:sp>
-      <p:pic>
-        <p:nvPicPr>
-          <p:cNvPr id="8" name="Content Placeholder 7">
-            <a:extLst>
-              <a:ext uri="{FF2B5EF4-FFF2-40B4-BE49-F238E27FC236}">
-                <a16:creationId xmlns:a16="http://schemas.microsoft.com/office/drawing/2014/main" xmlns="" id="{0A58F57A-67FF-4788-93F3-B1BC75A93263}"/>
-              </a:ext>
-            </a:extLst>
-          </p:cNvPr>
-          <p:cNvPicPr>
-            <a:picLocks noGrp="1" noChangeAspect="1"/>
-          </p:cNvPicPr>
-          <p:nvPr>
-            <p:ph idx="1"/>
-          </p:nvPr>
-        </p:nvPicPr>
-        <p:blipFill>
-          <a:blip r:embed="rId2">
-            <a:extLst>
-              <a:ext uri="{28A0092B-C50C-407E-A947-70E740481C1C}">
-                <a14:useLocalDpi xmlns:a14="http://schemas.microsoft.com/office/drawing/2010/main" val="0"/>
-              </a:ext>
-            </a:extLst>
-          </a:blip>
-          <a:stretch>
-            <a:fillRect/>
-          </a:stretch>
-        </p:blipFill>
-        <p:spPr>
-          <a:xfrm>
-            <a:off x="1849876" y="1690688"/>
-            <a:ext cx="8492248" cy="4776890"/>
-          </a:xfrm>
-        </p:spPr>
-      </p:pic>
+        </p:nvGraphicFramePr>
+        <p:xfrm>
+          <a:off x="2032000" y="719666"/>
+          <a:ext cx="8128000" cy="5418667"/>
+        </p:xfrm>
+        <a:graphic>
+          <a:graphicData uri="http://schemas.openxmlformats.org/drawingml/2006/diagram">
+            <dgm:relIds xmlns:dgm="http://schemas.openxmlformats.org/drawingml/2006/diagram" xmlns:r="http://schemas.openxmlformats.org/officeDocument/2006/relationships" r:dm="rId2" r:lo="rId3" r:qs="rId4" r:cs="rId5"/>
+          </a:graphicData>
+        </a:graphic>
+      </p:graphicFrame>
     </p:spTree>
     <p:extLst>
       <p:ext uri="{BB962C8B-B14F-4D97-AF65-F5344CB8AC3E}">
-        <p14:creationId xmlns:p14="http://schemas.microsoft.com/office/powerpoint/2010/main" val="3405945081"/>
+        <p14:creationId xmlns:p14="http://schemas.microsoft.com/office/powerpoint/2010/main" val="1632548610"/>
       </p:ext>
     </p:extLst>
   </p:cSld>
   <p:clrMapOvr>
     <a:masterClrMapping/>
   </p:clrMapOvr>
+  <p:timing>
+    <p:tnLst>
+      <p:par>
+        <p:cTn id="1" dur="indefinite" restart="never" nodeType="tmRoot"/>
+      </p:par>
+    </p:tnLst>
+  </p:timing>
 </p:sld>
 </file>
 
@@ -3394,692 +9601,52 @@
           <a:chExt cx="0" cy="0"/>
         </a:xfrm>
       </p:grpSpPr>
-      <p:sp>
-        <p:nvSpPr>
-          <p:cNvPr id="2" name="Title 1">
-            <a:extLst>
-              <a:ext uri="{FF2B5EF4-FFF2-40B4-BE49-F238E27FC236}">
-                <a16:creationId xmlns:a16="http://schemas.microsoft.com/office/drawing/2014/main" xmlns="" id="{AE7C9536-D37F-4028-8BBD-13FDEE471655}"/>
-              </a:ext>
-            </a:extLst>
-          </p:cNvPr>
-          <p:cNvSpPr>
-            <a:spLocks noGrp="1"/>
-          </p:cNvSpPr>
+      <p:graphicFrame>
+        <p:nvGraphicFramePr>
+          <p:cNvPr id="2" name="Diagram 1"/>
+          <p:cNvGraphicFramePr/>
           <p:nvPr>
-            <p:ph type="title"/>
+            <p:extLst>
+              <p:ext uri="{D42A27DB-BD31-4B8C-83A1-F6EECF244321}">
+                <p14:modId xmlns:p14="http://schemas.microsoft.com/office/powerpoint/2010/main" val="3826178170"/>
+              </p:ext>
+            </p:extLst>
           </p:nvPr>
-        </p:nvSpPr>
-        <p:spPr>
-          <a:xfrm>
-            <a:off x="679174" y="226323"/>
-            <a:ext cx="10515600" cy="1325563"/>
-          </a:xfrm>
-        </p:spPr>
-        <p:txBody>
-          <a:bodyPr/>
-          <a:lstStyle/>
-          <a:p>
-            <a:r>
-              <a:rPr lang="en-IN" dirty="0"/>
-              <a:t>1. </a:t>
-            </a:r>
-            <a:r>
-              <a:rPr lang="en-IN" b="1" dirty="0"/>
-              <a:t>Planning</a:t>
-            </a:r>
-            <a:r>
-              <a:rPr lang="en-IN" dirty="0"/>
-              <a:t/>
-            </a:r>
-            <a:br>
-              <a:rPr lang="en-IN" dirty="0"/>
-            </a:br>
-            <a:r>
-              <a:rPr lang="en-IN" dirty="0"/>
-              <a:t>     </a:t>
-            </a:r>
-            <a:r>
-              <a:rPr lang="en-IN" sz="3200" dirty="0"/>
-              <a:t>Works in three phases:</a:t>
-            </a:r>
-            <a:endParaRPr lang="en-IN" dirty="0"/>
-          </a:p>
-        </p:txBody>
-      </p:sp>
-      <p:sp>
-        <p:nvSpPr>
-          <p:cNvPr id="3" name="Content Placeholder 2">
-            <a:extLst>
-              <a:ext uri="{FF2B5EF4-FFF2-40B4-BE49-F238E27FC236}">
-                <a16:creationId xmlns:a16="http://schemas.microsoft.com/office/drawing/2014/main" xmlns="" id="{FB7412B5-D951-4223-8D0A-55C2D3074B76}"/>
-              </a:ext>
-            </a:extLst>
-          </p:cNvPr>
-          <p:cNvSpPr>
-            <a:spLocks noGrp="1"/>
-          </p:cNvSpPr>
-          <p:nvPr>
-            <p:ph idx="1"/>
-          </p:nvPr>
-        </p:nvSpPr>
-        <p:spPr>
-          <a:xfrm>
-            <a:off x="838200" y="1825625"/>
-            <a:ext cx="10515600" cy="4840218"/>
-          </a:xfrm>
-        </p:spPr>
-        <p:txBody>
-          <a:bodyPr>
-            <a:normAutofit lnSpcReduction="10000"/>
-          </a:bodyPr>
-          <a:lstStyle/>
-          <a:p>
-            <a:r>
-              <a:rPr lang="en-IN" dirty="0"/>
-              <a:t>On-site customers</a:t>
-            </a:r>
-          </a:p>
-          <a:p>
-            <a:r>
-              <a:rPr lang="en-IN" dirty="0"/>
-              <a:t>The Planning Game</a:t>
-            </a:r>
-          </a:p>
-          <a:p>
-            <a:r>
-              <a:rPr lang="en-IN" dirty="0"/>
-              <a:t>Small Release</a:t>
-            </a:r>
-          </a:p>
-          <a:p>
-            <a:pPr marL="0" indent="0">
-              <a:buNone/>
-            </a:pPr>
-            <a:endParaRPr lang="en-IN" dirty="0"/>
-          </a:p>
-          <a:p>
-            <a:pPr marL="0" indent="0">
-              <a:buNone/>
-            </a:pPr>
-            <a:r>
-              <a:rPr lang="en-IN" sz="4400" dirty="0"/>
-              <a:t>2. Designing</a:t>
-            </a:r>
-          </a:p>
-          <a:p>
-            <a:pPr marL="0" indent="0">
-              <a:buNone/>
-            </a:pPr>
-            <a:r>
-              <a:rPr lang="en-IN" sz="3200" dirty="0"/>
-              <a:t>      Works in three phases:</a:t>
-            </a:r>
-          </a:p>
-          <a:p>
-            <a:r>
-              <a:rPr lang="en-IN" sz="3200" dirty="0"/>
-              <a:t>Simple Design</a:t>
-            </a:r>
-          </a:p>
-          <a:p>
-            <a:r>
-              <a:rPr lang="en-IN" sz="3200" dirty="0"/>
-              <a:t>System Metaphor</a:t>
-            </a:r>
-          </a:p>
-          <a:p>
-            <a:r>
-              <a:rPr lang="en-IN" sz="3200" dirty="0"/>
-              <a:t>Refactoring</a:t>
-            </a:r>
-          </a:p>
-          <a:p>
-            <a:pPr marL="0" indent="0">
-              <a:buNone/>
-            </a:pPr>
-            <a:endParaRPr lang="en-IN" sz="4400" dirty="0"/>
-          </a:p>
-          <a:p>
-            <a:pPr marL="0" indent="0">
-              <a:buNone/>
-            </a:pPr>
-            <a:endParaRPr lang="en-IN" dirty="0"/>
-          </a:p>
-        </p:txBody>
-      </p:sp>
+        </p:nvGraphicFramePr>
+        <p:xfrm>
+          <a:off x="2032000" y="719667"/>
+          <a:ext cx="7547429" cy="4781248"/>
+        </p:xfrm>
+        <a:graphic>
+          <a:graphicData uri="http://schemas.openxmlformats.org/drawingml/2006/diagram">
+            <dgm:relIds xmlns:dgm="http://schemas.openxmlformats.org/drawingml/2006/diagram" xmlns:r="http://schemas.openxmlformats.org/officeDocument/2006/relationships" r:dm="rId2" r:lo="rId3" r:qs="rId4" r:cs="rId5"/>
+          </a:graphicData>
+        </a:graphic>
+      </p:graphicFrame>
     </p:spTree>
     <p:extLst>
       <p:ext uri="{BB962C8B-B14F-4D97-AF65-F5344CB8AC3E}">
-        <p14:creationId xmlns:p14="http://schemas.microsoft.com/office/powerpoint/2010/main" val="751276164"/>
+        <p14:creationId xmlns:p14="http://schemas.microsoft.com/office/powerpoint/2010/main" val="3578203508"/>
       </p:ext>
     </p:extLst>
   </p:cSld>
   <p:clrMapOvr>
     <a:masterClrMapping/>
   </p:clrMapOvr>
-</p:sld>
-</file>
-
-<file path=ppt/slides/slide3.xml><?xml version="1.0" encoding="utf-8"?>
-<p:sld xmlns:a="http://schemas.openxmlformats.org/drawingml/2006/main" xmlns:r="http://schemas.openxmlformats.org/officeDocument/2006/relationships" xmlns:p="http://schemas.openxmlformats.org/presentationml/2006/main">
-  <p:cSld>
-    <p:spTree>
-      <p:nvGrpSpPr>
-        <p:cNvPr id="1" name=""/>
-        <p:cNvGrpSpPr/>
-        <p:nvPr/>
-      </p:nvGrpSpPr>
-      <p:grpSpPr>
-        <a:xfrm>
-          <a:off x="0" y="0"/>
-          <a:ext cx="0" cy="0"/>
-          <a:chOff x="0" y="0"/>
-          <a:chExt cx="0" cy="0"/>
-        </a:xfrm>
-      </p:grpSpPr>
-      <p:sp>
-        <p:nvSpPr>
-          <p:cNvPr id="2" name="Title 1">
-            <a:extLst>
-              <a:ext uri="{FF2B5EF4-FFF2-40B4-BE49-F238E27FC236}">
-                <a16:creationId xmlns:a16="http://schemas.microsoft.com/office/drawing/2014/main" xmlns="" id="{C280C99C-0CBA-4CEC-97D6-EE19EB5E2225}"/>
-              </a:ext>
-            </a:extLst>
-          </p:cNvPr>
-          <p:cNvSpPr>
-            <a:spLocks noGrp="1"/>
-          </p:cNvSpPr>
-          <p:nvPr>
-            <p:ph type="title"/>
-          </p:nvPr>
-        </p:nvSpPr>
-        <p:spPr/>
-        <p:txBody>
-          <a:bodyPr/>
-          <a:lstStyle/>
-          <a:p>
-            <a:r>
-              <a:rPr lang="en-IN" b="1" dirty="0"/>
-              <a:t>3. Coding</a:t>
-            </a:r>
-          </a:p>
-        </p:txBody>
-      </p:sp>
-      <p:sp>
-        <p:nvSpPr>
-          <p:cNvPr id="3" name="Content Placeholder 2">
-            <a:extLst>
-              <a:ext uri="{FF2B5EF4-FFF2-40B4-BE49-F238E27FC236}">
-                <a16:creationId xmlns:a16="http://schemas.microsoft.com/office/drawing/2014/main" xmlns="" id="{DFE5400B-6778-4D2E-9666-A77A9E934DCB}"/>
-              </a:ext>
-            </a:extLst>
-          </p:cNvPr>
-          <p:cNvSpPr>
-            <a:spLocks noGrp="1"/>
-          </p:cNvSpPr>
-          <p:nvPr>
-            <p:ph idx="1"/>
-          </p:nvPr>
-        </p:nvSpPr>
-        <p:spPr/>
-        <p:txBody>
-          <a:bodyPr/>
-          <a:lstStyle/>
-          <a:p>
-            <a:r>
-              <a:rPr lang="en-IN" dirty="0"/>
-              <a:t>Coding Standard</a:t>
-            </a:r>
-          </a:p>
-          <a:p>
-            <a:r>
-              <a:rPr lang="en-IN" dirty="0"/>
-              <a:t>Pair Programming</a:t>
-            </a:r>
-          </a:p>
-          <a:p>
-            <a:r>
-              <a:rPr lang="en-IN" dirty="0"/>
-              <a:t>40-hour work-week</a:t>
-            </a:r>
-          </a:p>
-          <a:p>
-            <a:r>
-              <a:rPr lang="en-IN" dirty="0"/>
-              <a:t>Continuous Integration</a:t>
-            </a:r>
-          </a:p>
-          <a:p>
-            <a:pPr marL="0" indent="0">
-              <a:buNone/>
-            </a:pPr>
-            <a:endParaRPr lang="en-IN" dirty="0"/>
-          </a:p>
-          <a:p>
-            <a:endParaRPr lang="en-IN" dirty="0"/>
-          </a:p>
-          <a:p>
-            <a:pPr marL="0" indent="0">
-              <a:buNone/>
-            </a:pPr>
-            <a:endParaRPr lang="en-IN" b="1" dirty="0"/>
-          </a:p>
-          <a:p>
-            <a:pPr marL="0" indent="0">
-              <a:buNone/>
-            </a:pPr>
-            <a:endParaRPr lang="en-IN" sz="4400" b="1" dirty="0"/>
-          </a:p>
-        </p:txBody>
-      </p:sp>
-      <p:pic>
-        <p:nvPicPr>
-          <p:cNvPr id="4" name="Picture 3">
-            <a:extLst>
-              <a:ext uri="{FF2B5EF4-FFF2-40B4-BE49-F238E27FC236}">
-                <a16:creationId xmlns:a16="http://schemas.microsoft.com/office/drawing/2014/main" xmlns="" id="{CCF003CF-55B3-48FC-8076-4A8FD5A1A83F}"/>
-              </a:ext>
-            </a:extLst>
-          </p:cNvPr>
-          <p:cNvPicPr>
-            <a:picLocks noChangeAspect="1"/>
-          </p:cNvPicPr>
-          <p:nvPr/>
-        </p:nvPicPr>
-        <p:blipFill>
-          <a:blip r:embed="rId2"/>
-          <a:stretch>
-            <a:fillRect/>
-          </a:stretch>
-        </p:blipFill>
-        <p:spPr>
-          <a:xfrm>
-            <a:off x="6586330" y="681037"/>
-            <a:ext cx="4767470" cy="3909391"/>
-          </a:xfrm>
-          <a:prstGeom prst="rect">
-            <a:avLst/>
-          </a:prstGeom>
-        </p:spPr>
-      </p:pic>
-    </p:spTree>
-    <p:extLst>
-      <p:ext uri="{BB962C8B-B14F-4D97-AF65-F5344CB8AC3E}">
-        <p14:creationId xmlns:p14="http://schemas.microsoft.com/office/powerpoint/2010/main" val="602018564"/>
-      </p:ext>
-    </p:extLst>
-  </p:cSld>
-  <p:clrMapOvr>
-    <a:masterClrMapping/>
-  </p:clrMapOvr>
-</p:sld>
-</file>
-
-<file path=ppt/slides/slide4.xml><?xml version="1.0" encoding="utf-8"?>
-<p:sld xmlns:a="http://schemas.openxmlformats.org/drawingml/2006/main" xmlns:r="http://schemas.openxmlformats.org/officeDocument/2006/relationships" xmlns:p="http://schemas.openxmlformats.org/presentationml/2006/main">
-  <p:cSld>
-    <p:spTree>
-      <p:nvGrpSpPr>
-        <p:cNvPr id="1" name=""/>
-        <p:cNvGrpSpPr/>
-        <p:nvPr/>
-      </p:nvGrpSpPr>
-      <p:grpSpPr>
-        <a:xfrm>
-          <a:off x="0" y="0"/>
-          <a:ext cx="0" cy="0"/>
-          <a:chOff x="0" y="0"/>
-          <a:chExt cx="0" cy="0"/>
-        </a:xfrm>
-      </p:grpSpPr>
-      <p:sp>
-        <p:nvSpPr>
-          <p:cNvPr id="2" name="Title 1">
-            <a:extLst>
-              <a:ext uri="{FF2B5EF4-FFF2-40B4-BE49-F238E27FC236}">
-                <a16:creationId xmlns:a16="http://schemas.microsoft.com/office/drawing/2014/main" xmlns="" id="{D70BB49F-60E1-49AD-A727-0532618AD582}"/>
-              </a:ext>
-            </a:extLst>
-          </p:cNvPr>
-          <p:cNvSpPr>
-            <a:spLocks noGrp="1"/>
-          </p:cNvSpPr>
-          <p:nvPr>
-            <p:ph type="title"/>
-          </p:nvPr>
-        </p:nvSpPr>
-        <p:spPr/>
-        <p:txBody>
-          <a:bodyPr/>
-          <a:lstStyle/>
-          <a:p>
-            <a:endParaRPr lang="en-IN" b="1" dirty="0"/>
-          </a:p>
-        </p:txBody>
-      </p:sp>
-      <p:sp>
-        <p:nvSpPr>
-          <p:cNvPr id="3" name="Content Placeholder 2">
-            <a:extLst>
-              <a:ext uri="{FF2B5EF4-FFF2-40B4-BE49-F238E27FC236}">
-                <a16:creationId xmlns:a16="http://schemas.microsoft.com/office/drawing/2014/main" xmlns="" id="{4547645C-86BB-46D4-8E52-921A79EC49E4}"/>
-              </a:ext>
-            </a:extLst>
-          </p:cNvPr>
-          <p:cNvSpPr>
-            <a:spLocks noGrp="1"/>
-          </p:cNvSpPr>
-          <p:nvPr>
-            <p:ph idx="1"/>
-          </p:nvPr>
-        </p:nvSpPr>
-        <p:spPr>
-          <a:xfrm>
-            <a:off x="838200" y="365125"/>
-            <a:ext cx="10515600" cy="5811838"/>
-          </a:xfrm>
-        </p:spPr>
-        <p:txBody>
-          <a:bodyPr/>
-          <a:lstStyle/>
-          <a:p>
-            <a:pPr marL="0" indent="0">
-              <a:buNone/>
-            </a:pPr>
-            <a:r>
-              <a:rPr lang="en-IN" sz="4400" b="1" dirty="0"/>
-              <a:t>4. Testing</a:t>
-            </a:r>
-          </a:p>
-          <a:p>
-            <a:r>
-              <a:rPr lang="en-IN" dirty="0"/>
-              <a:t>Unit testing</a:t>
-            </a:r>
-          </a:p>
-          <a:p>
-            <a:r>
-              <a:rPr lang="en-IN" dirty="0"/>
-              <a:t>Acceptance Test</a:t>
-            </a:r>
-          </a:p>
-          <a:p>
-            <a:endParaRPr lang="en-IN" dirty="0"/>
-          </a:p>
-          <a:p>
-            <a:pPr marL="0" indent="0">
-              <a:buNone/>
-            </a:pPr>
-            <a:r>
-              <a:rPr lang="en-IN" sz="4400" b="1" dirty="0"/>
-              <a:t>5.Listening (Release)</a:t>
-            </a:r>
-            <a:endParaRPr lang="en-IN" sz="4400" dirty="0"/>
-          </a:p>
-          <a:p>
-            <a:endParaRPr lang="en-IN" dirty="0"/>
-          </a:p>
-          <a:p>
-            <a:endParaRPr lang="en-IN" dirty="0"/>
-          </a:p>
-        </p:txBody>
-      </p:sp>
-    </p:spTree>
-    <p:extLst>
-      <p:ext uri="{BB962C8B-B14F-4D97-AF65-F5344CB8AC3E}">
-        <p14:creationId xmlns:p14="http://schemas.microsoft.com/office/powerpoint/2010/main" val="286613982"/>
-      </p:ext>
-    </p:extLst>
-  </p:cSld>
-  <p:clrMapOvr>
-    <a:masterClrMapping/>
-  </p:clrMapOvr>
-</p:sld>
-</file>
-
-<file path=ppt/slides/slide5.xml><?xml version="1.0" encoding="utf-8"?>
-<p:sld xmlns:a="http://schemas.openxmlformats.org/drawingml/2006/main" xmlns:r="http://schemas.openxmlformats.org/officeDocument/2006/relationships" xmlns:p="http://schemas.openxmlformats.org/presentationml/2006/main">
-  <p:cSld>
-    <p:spTree>
-      <p:nvGrpSpPr>
-        <p:cNvPr id="1" name=""/>
-        <p:cNvGrpSpPr/>
-        <p:nvPr/>
-      </p:nvGrpSpPr>
-      <p:grpSpPr>
-        <a:xfrm>
-          <a:off x="0" y="0"/>
-          <a:ext cx="0" cy="0"/>
-          <a:chOff x="0" y="0"/>
-          <a:chExt cx="0" cy="0"/>
-        </a:xfrm>
-      </p:grpSpPr>
-      <p:sp>
-        <p:nvSpPr>
-          <p:cNvPr id="2" name="Title 1">
-            <a:extLst>
-              <a:ext uri="{FF2B5EF4-FFF2-40B4-BE49-F238E27FC236}">
-                <a16:creationId xmlns:a16="http://schemas.microsoft.com/office/drawing/2014/main" xmlns="" id="{D375AB3C-ABB9-40F4-81C8-1424421C8CBD}"/>
-              </a:ext>
-            </a:extLst>
-          </p:cNvPr>
-          <p:cNvSpPr>
-            <a:spLocks noGrp="1"/>
-          </p:cNvSpPr>
-          <p:nvPr>
-            <p:ph type="title"/>
-          </p:nvPr>
-        </p:nvSpPr>
-        <p:spPr>
-          <a:xfrm>
-            <a:off x="839788" y="365125"/>
-            <a:ext cx="11352212" cy="1325563"/>
-          </a:xfrm>
-        </p:spPr>
-        <p:txBody>
-          <a:bodyPr/>
-          <a:lstStyle/>
-          <a:p>
-            <a:endParaRPr lang="en-IN" b="1" dirty="0"/>
-          </a:p>
-        </p:txBody>
-      </p:sp>
-      <p:sp>
-        <p:nvSpPr>
-          <p:cNvPr id="4" name="Text Placeholder 3">
-            <a:extLst>
-              <a:ext uri="{FF2B5EF4-FFF2-40B4-BE49-F238E27FC236}">
-                <a16:creationId xmlns:a16="http://schemas.microsoft.com/office/drawing/2014/main" xmlns="" id="{AD4C4987-E367-4333-9689-C0D3C0BDFC3B}"/>
-              </a:ext>
-            </a:extLst>
-          </p:cNvPr>
-          <p:cNvSpPr>
-            <a:spLocks noGrp="1"/>
-          </p:cNvSpPr>
-          <p:nvPr>
-            <p:ph type="body" idx="1"/>
-          </p:nvPr>
-        </p:nvSpPr>
-        <p:spPr>
-          <a:xfrm>
-            <a:off x="418304" y="124862"/>
-            <a:ext cx="5994399" cy="1438895"/>
-          </a:xfrm>
-        </p:spPr>
-        <p:txBody>
-          <a:bodyPr>
-            <a:normAutofit fontScale="92500"/>
-          </a:bodyPr>
-          <a:lstStyle/>
-          <a:p>
-            <a:r>
-              <a:rPr lang="en-IN" sz="4400" dirty="0"/>
-              <a:t>Advantages of Extreme Programming</a:t>
-            </a:r>
-          </a:p>
-        </p:txBody>
-      </p:sp>
-      <p:sp>
-        <p:nvSpPr>
-          <p:cNvPr id="3" name="Content Placeholder 2">
-            <a:extLst>
-              <a:ext uri="{FF2B5EF4-FFF2-40B4-BE49-F238E27FC236}">
-                <a16:creationId xmlns:a16="http://schemas.microsoft.com/office/drawing/2014/main" xmlns="" id="{98D9275F-41B1-45F4-A654-89AC3345B552}"/>
-              </a:ext>
-            </a:extLst>
-          </p:cNvPr>
-          <p:cNvSpPr>
-            <a:spLocks noGrp="1"/>
-          </p:cNvSpPr>
-          <p:nvPr>
-            <p:ph sz="half" idx="2"/>
-          </p:nvPr>
-        </p:nvSpPr>
-        <p:spPr>
-          <a:xfrm>
-            <a:off x="836611" y="2292626"/>
-            <a:ext cx="5157787" cy="4811437"/>
-          </a:xfrm>
-        </p:spPr>
-        <p:txBody>
-          <a:bodyPr/>
-          <a:lstStyle/>
-          <a:p>
-            <a:r>
-              <a:rPr lang="en-IN" dirty="0"/>
-              <a:t>Fewer documentation required</a:t>
-            </a:r>
-          </a:p>
-          <a:p>
-            <a:r>
-              <a:rPr lang="en-IN" dirty="0"/>
-              <a:t>Collaboration with customers</a:t>
-            </a:r>
-          </a:p>
-          <a:p>
-            <a:r>
-              <a:rPr lang="en-IN" dirty="0"/>
-              <a:t>Easy to manage</a:t>
-            </a:r>
-          </a:p>
-          <a:p>
-            <a:r>
-              <a:rPr lang="en-IN" dirty="0"/>
-              <a:t>Higher-quality code</a:t>
-            </a:r>
-          </a:p>
-          <a:p>
-            <a:r>
-              <a:rPr lang="en-IN" dirty="0"/>
-              <a:t> Fast delivery of result</a:t>
-            </a:r>
-          </a:p>
-        </p:txBody>
-      </p:sp>
-      <p:sp>
-        <p:nvSpPr>
-          <p:cNvPr id="5" name="Text Placeholder 4">
-            <a:extLst>
-              <a:ext uri="{FF2B5EF4-FFF2-40B4-BE49-F238E27FC236}">
-                <a16:creationId xmlns:a16="http://schemas.microsoft.com/office/drawing/2014/main" xmlns="" id="{67A8C907-0153-4EEF-9480-B213F2FAAAA4}"/>
-              </a:ext>
-            </a:extLst>
-          </p:cNvPr>
-          <p:cNvSpPr>
-            <a:spLocks noGrp="1"/>
-          </p:cNvSpPr>
-          <p:nvPr>
-            <p:ph type="body" sz="quarter" idx="3"/>
-          </p:nvPr>
-        </p:nvSpPr>
-        <p:spPr>
-          <a:xfrm>
-            <a:off x="6172200" y="394529"/>
-            <a:ext cx="5396948" cy="1169228"/>
-          </a:xfrm>
-        </p:spPr>
-        <p:txBody>
-          <a:bodyPr>
-            <a:noAutofit/>
-          </a:bodyPr>
-          <a:lstStyle/>
-          <a:p>
-            <a:r>
-              <a:rPr lang="en-IN" sz="4400" dirty="0"/>
-              <a:t>Disadvantages of Extreme Programming</a:t>
-            </a:r>
-          </a:p>
-        </p:txBody>
-      </p:sp>
-      <p:sp>
-        <p:nvSpPr>
-          <p:cNvPr id="6" name="Content Placeholder 5">
-            <a:extLst>
-              <a:ext uri="{FF2B5EF4-FFF2-40B4-BE49-F238E27FC236}">
-                <a16:creationId xmlns:a16="http://schemas.microsoft.com/office/drawing/2014/main" xmlns="" id="{ED33988A-8455-4BD1-87C1-DEF885412B68}"/>
-              </a:ext>
-            </a:extLst>
-          </p:cNvPr>
-          <p:cNvSpPr>
-            <a:spLocks noGrp="1"/>
-          </p:cNvSpPr>
-          <p:nvPr>
-            <p:ph sz="quarter" idx="4"/>
-          </p:nvPr>
-        </p:nvSpPr>
-        <p:spPr>
-          <a:xfrm>
-            <a:off x="6796778" y="2292625"/>
-            <a:ext cx="5183188" cy="4811437"/>
-          </a:xfrm>
-        </p:spPr>
-        <p:txBody>
-          <a:bodyPr/>
-          <a:lstStyle/>
-          <a:p>
-            <a:r>
-              <a:rPr lang="en-IN" dirty="0"/>
-              <a:t>Is focused only on code rather than design</a:t>
-            </a:r>
-          </a:p>
-          <a:p>
-            <a:r>
-              <a:rPr lang="en-IN" dirty="0"/>
-              <a:t>Does not work best in bigger project</a:t>
-            </a:r>
-          </a:p>
-          <a:p>
-            <a:r>
-              <a:rPr lang="en-IN" dirty="0"/>
-              <a:t>Depends heavily on customer interaction</a:t>
-            </a:r>
-          </a:p>
-          <a:p>
-            <a:r>
-              <a:rPr lang="en-IN" dirty="0"/>
-              <a:t>Requires much user input</a:t>
-            </a:r>
-          </a:p>
-        </p:txBody>
-      </p:sp>
-    </p:spTree>
-    <p:extLst>
-      <p:ext uri="{BB962C8B-B14F-4D97-AF65-F5344CB8AC3E}">
-        <p14:creationId xmlns:p14="http://schemas.microsoft.com/office/powerpoint/2010/main" val="1967298637"/>
-      </p:ext>
-    </p:extLst>
-  </p:cSld>
-  <p:clrMapOvr>
-    <a:masterClrMapping/>
-  </p:clrMapOvr>
+  <p:timing>
+    <p:tnLst>
+      <p:par>
+        <p:cTn id="1" dur="indefinite" restart="never" nodeType="tmRoot"/>
+      </p:par>
+    </p:tnLst>
+  </p:timing>
 </p:sld>
 </file>
 
 <file path=ppt/theme/theme1.xml><?xml version="1.0" encoding="utf-8"?>
 <a:theme xmlns:a="http://schemas.openxmlformats.org/drawingml/2006/main" name="Office Theme">
   <a:themeElements>
-    <a:clrScheme name="Aspect">
+    <a:clrScheme name="Office">
       <a:dk1>
         <a:sysClr val="windowText" lastClr="000000"/>
       </a:dk1>
@@ -4087,34 +9654,34 @@
         <a:sysClr val="window" lastClr="FFFFFF"/>
       </a:lt1>
       <a:dk2>
-        <a:srgbClr val="323232"/>
+        <a:srgbClr val="1F497D"/>
       </a:dk2>
       <a:lt2>
-        <a:srgbClr val="E3DED1"/>
+        <a:srgbClr val="EEECE1"/>
       </a:lt2>
       <a:accent1>
-        <a:srgbClr val="F07F09"/>
+        <a:srgbClr val="4F81BD"/>
       </a:accent1>
       <a:accent2>
-        <a:srgbClr val="9F2936"/>
+        <a:srgbClr val="C0504D"/>
       </a:accent2>
       <a:accent3>
-        <a:srgbClr val="1B587C"/>
+        <a:srgbClr val="9BBB59"/>
       </a:accent3>
       <a:accent4>
-        <a:srgbClr val="4E8542"/>
+        <a:srgbClr val="8064A2"/>
       </a:accent4>
       <a:accent5>
-        <a:srgbClr val="604878"/>
+        <a:srgbClr val="4BACC6"/>
       </a:accent5>
       <a:accent6>
-        <a:srgbClr val="C19859"/>
+        <a:srgbClr val="F79646"/>
       </a:accent6>
       <a:hlink>
-        <a:srgbClr val="6B9F25"/>
+        <a:srgbClr val="0000FF"/>
       </a:hlink>
       <a:folHlink>
-        <a:srgbClr val="B26B02"/>
+        <a:srgbClr val="800080"/>
       </a:folHlink>
     </a:clrScheme>
     <a:fontScheme name="Century Gothic">
@@ -4331,7 +9898,7 @@
   <a:extraClrSchemeLst/>
   <a:extLst>
     <a:ext uri="{05A4C25C-085E-4340-85A3-A5531E510DB2}">
-      <thm15:themeFamily xmlns:thm15="http://schemas.microsoft.com/office/thememl/2012/main" xmlns="" name="Office Theme" id="{62F939B6-93AF-4DB8-9C6B-D6C7DFDC589F}" vid="{4A3C46E8-61CC-4603-A589-7422A47A8E4A}"/>
+      <thm15:themeFamily xmlns="" xmlns:thm15="http://schemas.microsoft.com/office/thememl/2012/main" name="Office Theme" id="{62F939B6-93AF-4DB8-9C6B-D6C7DFDC589F}" vid="{4A3C46E8-61CC-4603-A589-7422A47A8E4A}"/>
     </a:ext>
   </a:extLst>
 </a:theme>
@@ -4592,7 +10159,7 @@
   <a:extraClrSchemeLst/>
   <a:extLst>
     <a:ext uri="{05A4C25C-085E-4340-85A3-A5531E510DB2}">
-      <thm15:themeFamily xmlns:thm15="http://schemas.microsoft.com/office/thememl/2012/main" xmlns="" name="Office Theme" id="{62F939B6-93AF-4DB8-9C6B-D6C7DFDC589F}" vid="{4A3C46E8-61CC-4603-A589-7422A47A8E4A}"/>
+      <thm15:themeFamily xmlns="" xmlns:thm15="http://schemas.microsoft.com/office/thememl/2012/main" name="Office Theme" id="{62F939B6-93AF-4DB8-9C6B-D6C7DFDC589F}" vid="{4A3C46E8-61CC-4603-A589-7422A47A8E4A}"/>
     </a:ext>
   </a:extLst>
 </a:theme>

--- a/s_extreme_programming.pptx
+++ b/s_extreme_programming.pptx
@@ -5,11 +5,12 @@
     <p:sldMasterId id="2147483660" r:id="rId1"/>
   </p:sldMasterIdLst>
   <p:notesMasterIdLst>
-    <p:notesMasterId r:id="rId4"/>
+    <p:notesMasterId r:id="rId5"/>
   </p:notesMasterIdLst>
   <p:sldIdLst>
     <p:sldId id="263" r:id="rId2"/>
     <p:sldId id="264" r:id="rId3"/>
+    <p:sldId id="265" r:id="rId4"/>
   </p:sldIdLst>
   <p:sldSz cx="12192000" cy="6858000"/>
   <p:notesSz cx="6858000" cy="9144000"/>
@@ -115,6 +116,7 @@
           <p14:sldIdLst>
             <p14:sldId id="263"/>
             <p14:sldId id="264"/>
+            <p14:sldId id="265"/>
           </p14:sldIdLst>
         </p14:section>
       </p14:sectionLst>
@@ -1863,18 +1865,46 @@
         </dgm:presLayoutVars>
       </dgm:prSet>
       <dgm:spPr/>
+      <dgm:t>
+        <a:bodyPr/>
+        <a:lstStyle/>
+        <a:p>
+          <a:endParaRPr lang="en-IN"/>
+        </a:p>
+      </dgm:t>
     </dgm:pt>
     <dgm:pt modelId="{4D38731E-B89C-4F2E-86F2-3DD458E53F29}" type="pres">
       <dgm:prSet presAssocID="{AFCA28FE-8865-4267-BA3F-C08208326948}" presName="centerShape" presStyleLbl="node0" presStyleIdx="0" presStyleCnt="1"/>
       <dgm:spPr/>
+      <dgm:t>
+        <a:bodyPr/>
+        <a:lstStyle/>
+        <a:p>
+          <a:endParaRPr lang="en-IN"/>
+        </a:p>
+      </dgm:t>
     </dgm:pt>
     <dgm:pt modelId="{EBA34540-0A86-4554-A2B1-8F434CB9F934}" type="pres">
       <dgm:prSet presAssocID="{30495CE7-FEE3-4F5C-A61E-76230EDD136B}" presName="Name9" presStyleLbl="parChTrans1D2" presStyleIdx="0" presStyleCnt="5"/>
       <dgm:spPr/>
+      <dgm:t>
+        <a:bodyPr/>
+        <a:lstStyle/>
+        <a:p>
+          <a:endParaRPr lang="en-IN"/>
+        </a:p>
+      </dgm:t>
     </dgm:pt>
     <dgm:pt modelId="{814A8E07-048C-471A-BBA7-D41505E9B98A}" type="pres">
       <dgm:prSet presAssocID="{30495CE7-FEE3-4F5C-A61E-76230EDD136B}" presName="connTx" presStyleLbl="parChTrans1D2" presStyleIdx="0" presStyleCnt="5"/>
       <dgm:spPr/>
+      <dgm:t>
+        <a:bodyPr/>
+        <a:lstStyle/>
+        <a:p>
+          <a:endParaRPr lang="en-IN"/>
+        </a:p>
+      </dgm:t>
     </dgm:pt>
     <dgm:pt modelId="{D3ABC979-A187-493D-AD82-9C3961828BC0}" type="pres">
       <dgm:prSet presAssocID="{3971EDF3-5E9E-4703-A6BA-E34CAC03BAE7}" presName="node" presStyleLbl="node1" presStyleIdx="0" presStyleCnt="5">
@@ -1883,14 +1913,35 @@
         </dgm:presLayoutVars>
       </dgm:prSet>
       <dgm:spPr/>
+      <dgm:t>
+        <a:bodyPr/>
+        <a:lstStyle/>
+        <a:p>
+          <a:endParaRPr lang="en-IN"/>
+        </a:p>
+      </dgm:t>
     </dgm:pt>
     <dgm:pt modelId="{C0C516CD-91B4-4ED5-9418-78AF4EE14940}" type="pres">
       <dgm:prSet presAssocID="{3098B158-E4CA-46D2-ADB3-2FD1AF69437E}" presName="Name9" presStyleLbl="parChTrans1D2" presStyleIdx="1" presStyleCnt="5"/>
       <dgm:spPr/>
+      <dgm:t>
+        <a:bodyPr/>
+        <a:lstStyle/>
+        <a:p>
+          <a:endParaRPr lang="en-IN"/>
+        </a:p>
+      </dgm:t>
     </dgm:pt>
     <dgm:pt modelId="{9246690B-84CC-4322-90C3-6933A0DB24FF}" type="pres">
       <dgm:prSet presAssocID="{3098B158-E4CA-46D2-ADB3-2FD1AF69437E}" presName="connTx" presStyleLbl="parChTrans1D2" presStyleIdx="1" presStyleCnt="5"/>
       <dgm:spPr/>
+      <dgm:t>
+        <a:bodyPr/>
+        <a:lstStyle/>
+        <a:p>
+          <a:endParaRPr lang="en-IN"/>
+        </a:p>
+      </dgm:t>
     </dgm:pt>
     <dgm:pt modelId="{4D7594C6-3EA5-4BEE-B14E-A61C91AB5A56}" type="pres">
       <dgm:prSet presAssocID="{2F463147-07E8-4964-916E-9A15CC951ABF}" presName="node" presStyleLbl="node1" presStyleIdx="1" presStyleCnt="5" custRadScaleRad="133067" custRadScaleInc="7149">
@@ -1899,14 +1950,35 @@
         </dgm:presLayoutVars>
       </dgm:prSet>
       <dgm:spPr/>
+      <dgm:t>
+        <a:bodyPr/>
+        <a:lstStyle/>
+        <a:p>
+          <a:endParaRPr lang="en-IN"/>
+        </a:p>
+      </dgm:t>
     </dgm:pt>
     <dgm:pt modelId="{32A6C963-02E6-4E04-AD11-13C61D252FE5}" type="pres">
       <dgm:prSet presAssocID="{B94CBC8E-B388-4F10-A51E-C7A896696E62}" presName="Name9" presStyleLbl="parChTrans1D2" presStyleIdx="2" presStyleCnt="5"/>
       <dgm:spPr/>
+      <dgm:t>
+        <a:bodyPr/>
+        <a:lstStyle/>
+        <a:p>
+          <a:endParaRPr lang="en-IN"/>
+        </a:p>
+      </dgm:t>
     </dgm:pt>
     <dgm:pt modelId="{BEEF1F93-D000-4123-9621-D36ABF846AEA}" type="pres">
       <dgm:prSet presAssocID="{B94CBC8E-B388-4F10-A51E-C7A896696E62}" presName="connTx" presStyleLbl="parChTrans1D2" presStyleIdx="2" presStyleCnt="5"/>
       <dgm:spPr/>
+      <dgm:t>
+        <a:bodyPr/>
+        <a:lstStyle/>
+        <a:p>
+          <a:endParaRPr lang="en-IN"/>
+        </a:p>
+      </dgm:t>
     </dgm:pt>
     <dgm:pt modelId="{13480AE2-D0CC-43D9-95CF-5CEF4899DAC4}" type="pres">
       <dgm:prSet presAssocID="{A6C5C48A-CD14-44D9-83EA-8B96B97E2223}" presName="node" presStyleLbl="node1" presStyleIdx="2" presStyleCnt="5">
@@ -1926,10 +1998,24 @@
     <dgm:pt modelId="{AC7D0357-7189-4320-BF33-DE16EF0D7FC6}" type="pres">
       <dgm:prSet presAssocID="{7E20CC88-1F0A-438E-916D-0AF2098D81CF}" presName="Name9" presStyleLbl="parChTrans1D2" presStyleIdx="3" presStyleCnt="5"/>
       <dgm:spPr/>
+      <dgm:t>
+        <a:bodyPr/>
+        <a:lstStyle/>
+        <a:p>
+          <a:endParaRPr lang="en-IN"/>
+        </a:p>
+      </dgm:t>
     </dgm:pt>
     <dgm:pt modelId="{8FAA735F-735B-415A-AD6E-617940076933}" type="pres">
       <dgm:prSet presAssocID="{7E20CC88-1F0A-438E-916D-0AF2098D81CF}" presName="connTx" presStyleLbl="parChTrans1D2" presStyleIdx="3" presStyleCnt="5"/>
       <dgm:spPr/>
+      <dgm:t>
+        <a:bodyPr/>
+        <a:lstStyle/>
+        <a:p>
+          <a:endParaRPr lang="en-IN"/>
+        </a:p>
+      </dgm:t>
     </dgm:pt>
     <dgm:pt modelId="{B91882FC-8DB4-4777-82C8-E0126D59D040}" type="pres">
       <dgm:prSet presAssocID="{14CBB5D9-64A8-4345-8BBE-AC5A75C41DF7}" presName="node" presStyleLbl="node1" presStyleIdx="3" presStyleCnt="5" custRadScaleRad="153135" custRadScaleInc="-4969">
@@ -1949,10 +2035,24 @@
     <dgm:pt modelId="{2DB5939B-B49D-4DE8-A2A0-5856286845E5}" type="pres">
       <dgm:prSet presAssocID="{6DC68754-8A65-4033-BF6B-33AE20080845}" presName="Name9" presStyleLbl="parChTrans1D2" presStyleIdx="4" presStyleCnt="5"/>
       <dgm:spPr/>
+      <dgm:t>
+        <a:bodyPr/>
+        <a:lstStyle/>
+        <a:p>
+          <a:endParaRPr lang="en-IN"/>
+        </a:p>
+      </dgm:t>
     </dgm:pt>
     <dgm:pt modelId="{93F5DBB4-03A9-45BE-9C32-9E73CB60793A}" type="pres">
       <dgm:prSet presAssocID="{6DC68754-8A65-4033-BF6B-33AE20080845}" presName="connTx" presStyleLbl="parChTrans1D2" presStyleIdx="4" presStyleCnt="5"/>
       <dgm:spPr/>
+      <dgm:t>
+        <a:bodyPr/>
+        <a:lstStyle/>
+        <a:p>
+          <a:endParaRPr lang="en-IN"/>
+        </a:p>
+      </dgm:t>
     </dgm:pt>
     <dgm:pt modelId="{B45025AF-8C8A-4EFD-9E78-0A9E4C884438}" type="pres">
       <dgm:prSet presAssocID="{FAE17267-1157-44AB-868F-771324119380}" presName="node" presStyleLbl="node1" presStyleIdx="4" presStyleCnt="5">
@@ -1971,29 +2071,29 @@
     </dgm:pt>
   </dgm:ptLst>
   <dgm:cxnLst>
+    <dgm:cxn modelId="{1DDB9DCD-020B-4D73-B935-BFAAFC8BB99B}" srcId="{AFCA28FE-8865-4267-BA3F-C08208326948}" destId="{FAE17267-1157-44AB-868F-771324119380}" srcOrd="4" destOrd="0" parTransId="{6DC68754-8A65-4033-BF6B-33AE20080845}" sibTransId="{FB07CB8F-312F-4EA0-8F08-200DA7D944EB}"/>
+    <dgm:cxn modelId="{9C1671E6-5BB4-4115-B6A1-8D101C23A31F}" srcId="{AFCA28FE-8865-4267-BA3F-C08208326948}" destId="{3971EDF3-5E9E-4703-A6BA-E34CAC03BAE7}" srcOrd="0" destOrd="0" parTransId="{30495CE7-FEE3-4F5C-A61E-76230EDD136B}" sibTransId="{50E33090-435B-4F67-80BA-0C092CCEB04E}"/>
     <dgm:cxn modelId="{1DF33BBD-1BB3-4875-B28D-8718445A213E}" type="presOf" srcId="{6DC68754-8A65-4033-BF6B-33AE20080845}" destId="{2DB5939B-B49D-4DE8-A2A0-5856286845E5}" srcOrd="0" destOrd="0" presId="urn:microsoft.com/office/officeart/2005/8/layout/radial1"/>
+    <dgm:cxn modelId="{C679252F-B9AF-443E-AFD3-AC57139245F7}" type="presOf" srcId="{3971EDF3-5E9E-4703-A6BA-E34CAC03BAE7}" destId="{D3ABC979-A187-493D-AD82-9C3961828BC0}" srcOrd="0" destOrd="0" presId="urn:microsoft.com/office/officeart/2005/8/layout/radial1"/>
+    <dgm:cxn modelId="{471F4DB3-DF8C-4C5C-A5B8-28FBEA46857E}" srcId="{2C8CEAFA-6EDE-4CEE-AD96-9CCA396B543E}" destId="{AFCA28FE-8865-4267-BA3F-C08208326948}" srcOrd="0" destOrd="0" parTransId="{15BECEDA-8CCE-42CF-A25F-9131CD63BBBC}" sibTransId="{83D61A94-BC05-4162-A96C-F57ECBD3E911}"/>
+    <dgm:cxn modelId="{1B1AC71D-404F-4DB0-AF24-736C5B00F8C5}" type="presOf" srcId="{B94CBC8E-B388-4F10-A51E-C7A896696E62}" destId="{32A6C963-02E6-4E04-AD11-13C61D252FE5}" srcOrd="0" destOrd="0" presId="urn:microsoft.com/office/officeart/2005/8/layout/radial1"/>
+    <dgm:cxn modelId="{72FF1928-D79D-42EC-AC79-90A9E68D1364}" type="presOf" srcId="{7E20CC88-1F0A-438E-916D-0AF2098D81CF}" destId="{AC7D0357-7189-4320-BF33-DE16EF0D7FC6}" srcOrd="0" destOrd="0" presId="urn:microsoft.com/office/officeart/2005/8/layout/radial1"/>
+    <dgm:cxn modelId="{9CF6BC32-738B-4011-A0BB-E48F53C119BE}" type="presOf" srcId="{2F463147-07E8-4964-916E-9A15CC951ABF}" destId="{4D7594C6-3EA5-4BEE-B14E-A61C91AB5A56}" srcOrd="0" destOrd="0" presId="urn:microsoft.com/office/officeart/2005/8/layout/radial1"/>
+    <dgm:cxn modelId="{E8B57F11-0A04-40C6-9A3E-399FD016281F}" type="presOf" srcId="{7E20CC88-1F0A-438E-916D-0AF2098D81CF}" destId="{8FAA735F-735B-415A-AD6E-617940076933}" srcOrd="1" destOrd="0" presId="urn:microsoft.com/office/officeart/2005/8/layout/radial1"/>
+    <dgm:cxn modelId="{790BC292-91EC-419E-A983-E5D43E5BB38F}" type="presOf" srcId="{3098B158-E4CA-46D2-ADB3-2FD1AF69437E}" destId="{9246690B-84CC-4322-90C3-6933A0DB24FF}" srcOrd="1" destOrd="0" presId="urn:microsoft.com/office/officeart/2005/8/layout/radial1"/>
+    <dgm:cxn modelId="{E35B0233-070E-4CE6-B29D-F27D9414874B}" type="presOf" srcId="{AFCA28FE-8865-4267-BA3F-C08208326948}" destId="{4D38731E-B89C-4F2E-86F2-3DD458E53F29}" srcOrd="0" destOrd="0" presId="urn:microsoft.com/office/officeart/2005/8/layout/radial1"/>
+    <dgm:cxn modelId="{D9DF52E3-B900-4CA2-AC3C-9ADF6003EDDF}" type="presOf" srcId="{B94CBC8E-B388-4F10-A51E-C7A896696E62}" destId="{BEEF1F93-D000-4123-9621-D36ABF846AEA}" srcOrd="1" destOrd="0" presId="urn:microsoft.com/office/officeart/2005/8/layout/radial1"/>
+    <dgm:cxn modelId="{8CEE6A46-CFA4-4D81-B1D0-D2CB62310FDA}" type="presOf" srcId="{FAE17267-1157-44AB-868F-771324119380}" destId="{B45025AF-8C8A-4EFD-9E78-0A9E4C884438}" srcOrd="0" destOrd="0" presId="urn:microsoft.com/office/officeart/2005/8/layout/radial1"/>
+    <dgm:cxn modelId="{CF8ECA37-E160-4E8D-9725-833EC9D3057F}" type="presOf" srcId="{A6C5C48A-CD14-44D9-83EA-8B96B97E2223}" destId="{13480AE2-D0CC-43D9-95CF-5CEF4899DAC4}" srcOrd="0" destOrd="0" presId="urn:microsoft.com/office/officeart/2005/8/layout/radial1"/>
+    <dgm:cxn modelId="{321FD252-E7D9-4C32-A1B6-930F9E12DBE9}" type="presOf" srcId="{2C8CEAFA-6EDE-4CEE-AD96-9CCA396B543E}" destId="{4C588477-F4FD-4377-91E3-E0CBA21E4E35}" srcOrd="0" destOrd="0" presId="urn:microsoft.com/office/officeart/2005/8/layout/radial1"/>
+    <dgm:cxn modelId="{1580D59C-8BD8-475A-BEA7-3F778D17EA7E}" srcId="{AFCA28FE-8865-4267-BA3F-C08208326948}" destId="{A6C5C48A-CD14-44D9-83EA-8B96B97E2223}" srcOrd="2" destOrd="0" parTransId="{B94CBC8E-B388-4F10-A51E-C7A896696E62}" sibTransId="{750278A5-5AD1-4DC8-BB82-2A1C900EE924}"/>
+    <dgm:cxn modelId="{A24636A2-DD41-4DD5-A2FF-ECBE03DEEC12}" type="presOf" srcId="{30495CE7-FEE3-4F5C-A61E-76230EDD136B}" destId="{EBA34540-0A86-4554-A2B1-8F434CB9F934}" srcOrd="0" destOrd="0" presId="urn:microsoft.com/office/officeart/2005/8/layout/radial1"/>
+    <dgm:cxn modelId="{B4D4E68E-B03C-42D8-8C7E-CE102C4D82DE}" srcId="{AFCA28FE-8865-4267-BA3F-C08208326948}" destId="{2F463147-07E8-4964-916E-9A15CC951ABF}" srcOrd="1" destOrd="0" parTransId="{3098B158-E4CA-46D2-ADB3-2FD1AF69437E}" sibTransId="{5700B56D-55A0-4EB2-AA08-9FC7A3DE77F3}"/>
+    <dgm:cxn modelId="{086FD548-C3B3-4497-B7D3-BAA87855B603}" type="presOf" srcId="{14CBB5D9-64A8-4345-8BBE-AC5A75C41DF7}" destId="{B91882FC-8DB4-4777-82C8-E0126D59D040}" srcOrd="0" destOrd="0" presId="urn:microsoft.com/office/officeart/2005/8/layout/radial1"/>
     <dgm:cxn modelId="{4532F8BF-A9E2-45AA-B8D6-376413C26B90}" type="presOf" srcId="{6DC68754-8A65-4033-BF6B-33AE20080845}" destId="{93F5DBB4-03A9-45BE-9C32-9E73CB60793A}" srcOrd="1" destOrd="0" presId="urn:microsoft.com/office/officeart/2005/8/layout/radial1"/>
-    <dgm:cxn modelId="{A24636A2-DD41-4DD5-A2FF-ECBE03DEEC12}" type="presOf" srcId="{30495CE7-FEE3-4F5C-A61E-76230EDD136B}" destId="{EBA34540-0A86-4554-A2B1-8F434CB9F934}" srcOrd="0" destOrd="0" presId="urn:microsoft.com/office/officeart/2005/8/layout/radial1"/>
-    <dgm:cxn modelId="{D9DF52E3-B900-4CA2-AC3C-9ADF6003EDDF}" type="presOf" srcId="{B94CBC8E-B388-4F10-A51E-C7A896696E62}" destId="{BEEF1F93-D000-4123-9621-D36ABF846AEA}" srcOrd="1" destOrd="0" presId="urn:microsoft.com/office/officeart/2005/8/layout/radial1"/>
-    <dgm:cxn modelId="{1580D59C-8BD8-475A-BEA7-3F778D17EA7E}" srcId="{AFCA28FE-8865-4267-BA3F-C08208326948}" destId="{A6C5C48A-CD14-44D9-83EA-8B96B97E2223}" srcOrd="2" destOrd="0" parTransId="{B94CBC8E-B388-4F10-A51E-C7A896696E62}" sibTransId="{750278A5-5AD1-4DC8-BB82-2A1C900EE924}"/>
-    <dgm:cxn modelId="{1B1AC71D-404F-4DB0-AF24-736C5B00F8C5}" type="presOf" srcId="{B94CBC8E-B388-4F10-A51E-C7A896696E62}" destId="{32A6C963-02E6-4E04-AD11-13C61D252FE5}" srcOrd="0" destOrd="0" presId="urn:microsoft.com/office/officeart/2005/8/layout/radial1"/>
-    <dgm:cxn modelId="{E35B0233-070E-4CE6-B29D-F27D9414874B}" type="presOf" srcId="{AFCA28FE-8865-4267-BA3F-C08208326948}" destId="{4D38731E-B89C-4F2E-86F2-3DD458E53F29}" srcOrd="0" destOrd="0" presId="urn:microsoft.com/office/officeart/2005/8/layout/radial1"/>
-    <dgm:cxn modelId="{321FD252-E7D9-4C32-A1B6-930F9E12DBE9}" type="presOf" srcId="{2C8CEAFA-6EDE-4CEE-AD96-9CCA396B543E}" destId="{4C588477-F4FD-4377-91E3-E0CBA21E4E35}" srcOrd="0" destOrd="0" presId="urn:microsoft.com/office/officeart/2005/8/layout/radial1"/>
-    <dgm:cxn modelId="{E8B57F11-0A04-40C6-9A3E-399FD016281F}" type="presOf" srcId="{7E20CC88-1F0A-438E-916D-0AF2098D81CF}" destId="{8FAA735F-735B-415A-AD6E-617940076933}" srcOrd="1" destOrd="0" presId="urn:microsoft.com/office/officeart/2005/8/layout/radial1"/>
-    <dgm:cxn modelId="{471F4DB3-DF8C-4C5C-A5B8-28FBEA46857E}" srcId="{2C8CEAFA-6EDE-4CEE-AD96-9CCA396B543E}" destId="{AFCA28FE-8865-4267-BA3F-C08208326948}" srcOrd="0" destOrd="0" parTransId="{15BECEDA-8CCE-42CF-A25F-9131CD63BBBC}" sibTransId="{83D61A94-BC05-4162-A96C-F57ECBD3E911}"/>
-    <dgm:cxn modelId="{72FF1928-D79D-42EC-AC79-90A9E68D1364}" type="presOf" srcId="{7E20CC88-1F0A-438E-916D-0AF2098D81CF}" destId="{AC7D0357-7189-4320-BF33-DE16EF0D7FC6}" srcOrd="0" destOrd="0" presId="urn:microsoft.com/office/officeart/2005/8/layout/radial1"/>
-    <dgm:cxn modelId="{C679252F-B9AF-443E-AFD3-AC57139245F7}" type="presOf" srcId="{3971EDF3-5E9E-4703-A6BA-E34CAC03BAE7}" destId="{D3ABC979-A187-493D-AD82-9C3961828BC0}" srcOrd="0" destOrd="0" presId="urn:microsoft.com/office/officeart/2005/8/layout/radial1"/>
-    <dgm:cxn modelId="{086FD548-C3B3-4497-B7D3-BAA87855B603}" type="presOf" srcId="{14CBB5D9-64A8-4345-8BBE-AC5A75C41DF7}" destId="{B91882FC-8DB4-4777-82C8-E0126D59D040}" srcOrd="0" destOrd="0" presId="urn:microsoft.com/office/officeart/2005/8/layout/radial1"/>
-    <dgm:cxn modelId="{8CEE6A46-CFA4-4D81-B1D0-D2CB62310FDA}" type="presOf" srcId="{FAE17267-1157-44AB-868F-771324119380}" destId="{B45025AF-8C8A-4EFD-9E78-0A9E4C884438}" srcOrd="0" destOrd="0" presId="urn:microsoft.com/office/officeart/2005/8/layout/radial1"/>
-    <dgm:cxn modelId="{9C1671E6-5BB4-4115-B6A1-8D101C23A31F}" srcId="{AFCA28FE-8865-4267-BA3F-C08208326948}" destId="{3971EDF3-5E9E-4703-A6BA-E34CAC03BAE7}" srcOrd="0" destOrd="0" parTransId="{30495CE7-FEE3-4F5C-A61E-76230EDD136B}" sibTransId="{50E33090-435B-4F67-80BA-0C092CCEB04E}"/>
+    <dgm:cxn modelId="{1AE085C5-6F51-420A-9FE7-F3E82256E9B9}" type="presOf" srcId="{30495CE7-FEE3-4F5C-A61E-76230EDD136B}" destId="{814A8E07-048C-471A-BBA7-D41505E9B98A}" srcOrd="1" destOrd="0" presId="urn:microsoft.com/office/officeart/2005/8/layout/radial1"/>
+    <dgm:cxn modelId="{AC4DF629-993F-4249-8A5E-B58723F3905F}" type="presOf" srcId="{3098B158-E4CA-46D2-ADB3-2FD1AF69437E}" destId="{C0C516CD-91B4-4ED5-9418-78AF4EE14940}" srcOrd="0" destOrd="0" presId="urn:microsoft.com/office/officeart/2005/8/layout/radial1"/>
     <dgm:cxn modelId="{C14B38EE-6279-4E9E-AA3C-B3021F927A85}" srcId="{AFCA28FE-8865-4267-BA3F-C08208326948}" destId="{14CBB5D9-64A8-4345-8BBE-AC5A75C41DF7}" srcOrd="3" destOrd="0" parTransId="{7E20CC88-1F0A-438E-916D-0AF2098D81CF}" sibTransId="{1010AF5D-02A0-43D3-AFFD-CB3728F105E4}"/>
-    <dgm:cxn modelId="{CF8ECA37-E160-4E8D-9725-833EC9D3057F}" type="presOf" srcId="{A6C5C48A-CD14-44D9-83EA-8B96B97E2223}" destId="{13480AE2-D0CC-43D9-95CF-5CEF4899DAC4}" srcOrd="0" destOrd="0" presId="urn:microsoft.com/office/officeart/2005/8/layout/radial1"/>
-    <dgm:cxn modelId="{1AE085C5-6F51-420A-9FE7-F3E82256E9B9}" type="presOf" srcId="{30495CE7-FEE3-4F5C-A61E-76230EDD136B}" destId="{814A8E07-048C-471A-BBA7-D41505E9B98A}" srcOrd="1" destOrd="0" presId="urn:microsoft.com/office/officeart/2005/8/layout/radial1"/>
-    <dgm:cxn modelId="{1DDB9DCD-020B-4D73-B935-BFAAFC8BB99B}" srcId="{AFCA28FE-8865-4267-BA3F-C08208326948}" destId="{FAE17267-1157-44AB-868F-771324119380}" srcOrd="4" destOrd="0" parTransId="{6DC68754-8A65-4033-BF6B-33AE20080845}" sibTransId="{FB07CB8F-312F-4EA0-8F08-200DA7D944EB}"/>
-    <dgm:cxn modelId="{B4D4E68E-B03C-42D8-8C7E-CE102C4D82DE}" srcId="{AFCA28FE-8865-4267-BA3F-C08208326948}" destId="{2F463147-07E8-4964-916E-9A15CC951ABF}" srcOrd="1" destOrd="0" parTransId="{3098B158-E4CA-46D2-ADB3-2FD1AF69437E}" sibTransId="{5700B56D-55A0-4EB2-AA08-9FC7A3DE77F3}"/>
-    <dgm:cxn modelId="{790BC292-91EC-419E-A983-E5D43E5BB38F}" type="presOf" srcId="{3098B158-E4CA-46D2-ADB3-2FD1AF69437E}" destId="{9246690B-84CC-4322-90C3-6933A0DB24FF}" srcOrd="1" destOrd="0" presId="urn:microsoft.com/office/officeart/2005/8/layout/radial1"/>
-    <dgm:cxn modelId="{AC4DF629-993F-4249-8A5E-B58723F3905F}" type="presOf" srcId="{3098B158-E4CA-46D2-ADB3-2FD1AF69437E}" destId="{C0C516CD-91B4-4ED5-9418-78AF4EE14940}" srcOrd="0" destOrd="0" presId="urn:microsoft.com/office/officeart/2005/8/layout/radial1"/>
-    <dgm:cxn modelId="{9CF6BC32-738B-4011-A0BB-E48F53C119BE}" type="presOf" srcId="{2F463147-07E8-4964-916E-9A15CC951ABF}" destId="{4D7594C6-3EA5-4BEE-B14E-A61C91AB5A56}" srcOrd="0" destOrd="0" presId="urn:microsoft.com/office/officeart/2005/8/layout/radial1"/>
     <dgm:cxn modelId="{CF1DBA65-D443-41AF-A263-BCC08A6398FC}" type="presParOf" srcId="{4C588477-F4FD-4377-91E3-E0CBA21E4E35}" destId="{4D38731E-B89C-4F2E-86F2-3DD458E53F29}" srcOrd="0" destOrd="0" presId="urn:microsoft.com/office/officeart/2005/8/layout/radial1"/>
     <dgm:cxn modelId="{729A0B41-B15E-4450-9F84-0DB53625C4E6}" type="presParOf" srcId="{4C588477-F4FD-4377-91E3-E0CBA21E4E35}" destId="{EBA34540-0A86-4554-A2B1-8F434CB9F934}" srcOrd="1" destOrd="0" presId="urn:microsoft.com/office/officeart/2005/8/layout/radial1"/>
     <dgm:cxn modelId="{8CD39598-A9C4-45A4-9C25-4BAFCAA0B0AA}" type="presParOf" srcId="{EBA34540-0A86-4554-A2B1-8F434CB9F934}" destId="{814A8E07-048C-471A-BBA7-D41505E9B98A}" srcOrd="0" destOrd="0" presId="urn:microsoft.com/office/officeart/2005/8/layout/radial1"/>
@@ -2266,14 +2366,35 @@
         </dgm:presLayoutVars>
       </dgm:prSet>
       <dgm:spPr/>
+      <dgm:t>
+        <a:bodyPr/>
+        <a:lstStyle/>
+        <a:p>
+          <a:endParaRPr lang="en-IN"/>
+        </a:p>
+      </dgm:t>
     </dgm:pt>
     <dgm:pt modelId="{F8540F95-C1AA-4263-9902-20FB07087AFE}" type="pres">
       <dgm:prSet presAssocID="{335D7FCE-C5CC-4485-8014-1DC83AF6B65D}" presName="centerShape" presStyleLbl="node0" presStyleIdx="0" presStyleCnt="1"/>
       <dgm:spPr/>
+      <dgm:t>
+        <a:bodyPr/>
+        <a:lstStyle/>
+        <a:p>
+          <a:endParaRPr lang="en-IN"/>
+        </a:p>
+      </dgm:t>
     </dgm:pt>
     <dgm:pt modelId="{9D93F777-CF80-4789-A7D8-A2D2E164F77F}" type="pres">
       <dgm:prSet presAssocID="{A488CE8B-2D4F-4236-B391-9426DAE90E59}" presName="parTrans" presStyleLbl="bgSibTrans2D1" presStyleIdx="0" presStyleCnt="4"/>
       <dgm:spPr/>
+      <dgm:t>
+        <a:bodyPr/>
+        <a:lstStyle/>
+        <a:p>
+          <a:endParaRPr lang="en-IN"/>
+        </a:p>
+      </dgm:t>
     </dgm:pt>
     <dgm:pt modelId="{237C685F-C42D-4BEE-BD44-CAA1A95196DD}" type="pres">
       <dgm:prSet presAssocID="{5E46EE5B-5D58-4D11-9AAD-82AB538FF9BB}" presName="node" presStyleLbl="node1" presStyleIdx="0" presStyleCnt="4">
@@ -2293,6 +2414,13 @@
     <dgm:pt modelId="{2474F4BD-7704-4CED-9202-628A0642F8DD}" type="pres">
       <dgm:prSet presAssocID="{46E5F319-9DEB-4E3B-8126-7CFE0FCBE95C}" presName="parTrans" presStyleLbl="bgSibTrans2D1" presStyleIdx="1" presStyleCnt="4"/>
       <dgm:spPr/>
+      <dgm:t>
+        <a:bodyPr/>
+        <a:lstStyle/>
+        <a:p>
+          <a:endParaRPr lang="en-IN"/>
+        </a:p>
+      </dgm:t>
     </dgm:pt>
     <dgm:pt modelId="{A1B78FFA-47C8-4439-B9BB-24C7FB713AF4}" type="pres">
       <dgm:prSet presAssocID="{BEFF04DC-EC10-405E-B75D-5631286FB7FA}" presName="node" presStyleLbl="node1" presStyleIdx="1" presStyleCnt="4">
@@ -2301,10 +2429,24 @@
         </dgm:presLayoutVars>
       </dgm:prSet>
       <dgm:spPr/>
+      <dgm:t>
+        <a:bodyPr/>
+        <a:lstStyle/>
+        <a:p>
+          <a:endParaRPr lang="en-IN"/>
+        </a:p>
+      </dgm:t>
     </dgm:pt>
     <dgm:pt modelId="{EAE5356A-A62D-4269-A806-BBD7EF53EC84}" type="pres">
       <dgm:prSet presAssocID="{FE5AD777-9A99-47DA-B677-B08888FB9931}" presName="parTrans" presStyleLbl="bgSibTrans2D1" presStyleIdx="2" presStyleCnt="4"/>
       <dgm:spPr/>
+      <dgm:t>
+        <a:bodyPr/>
+        <a:lstStyle/>
+        <a:p>
+          <a:endParaRPr lang="en-IN"/>
+        </a:p>
+      </dgm:t>
     </dgm:pt>
     <dgm:pt modelId="{DCFC9909-2BEE-4462-9F24-8D399F079A9E}" type="pres">
       <dgm:prSet presAssocID="{63667477-3C80-477B-A23B-DDFD24E7F7E5}" presName="node" presStyleLbl="node1" presStyleIdx="2" presStyleCnt="4">
@@ -2324,6 +2466,13 @@
     <dgm:pt modelId="{9C267DA5-5434-45A3-8FA9-BE4720976465}" type="pres">
       <dgm:prSet presAssocID="{7D93AB13-8A47-4139-A3E1-9FAD9665CEC6}" presName="parTrans" presStyleLbl="bgSibTrans2D1" presStyleIdx="3" presStyleCnt="4"/>
       <dgm:spPr/>
+      <dgm:t>
+        <a:bodyPr/>
+        <a:lstStyle/>
+        <a:p>
+          <a:endParaRPr lang="en-IN"/>
+        </a:p>
+      </dgm:t>
     </dgm:pt>
     <dgm:pt modelId="{A5A85BA2-D2EF-4197-B6D1-5F2928F8ABAD}" type="pres">
       <dgm:prSet presAssocID="{196FD367-E9D2-437A-94C7-5C8AE4769D3D}" presName="node" presStyleLbl="node1" presStyleIdx="3" presStyleCnt="4">
@@ -2342,21 +2491,21 @@
     </dgm:pt>
   </dgm:ptLst>
   <dgm:cxnLst>
+    <dgm:cxn modelId="{98EB89FA-D583-4E7F-B5CB-3FC0827F8FDF}" type="presOf" srcId="{A488CE8B-2D4F-4236-B391-9426DAE90E59}" destId="{9D93F777-CF80-4789-A7D8-A2D2E164F77F}" srcOrd="0" destOrd="0" presId="urn:microsoft.com/office/officeart/2005/8/layout/radial4"/>
+    <dgm:cxn modelId="{8D43A49E-5896-4162-BC2F-661A92C3589A}" type="presOf" srcId="{BEFF04DC-EC10-405E-B75D-5631286FB7FA}" destId="{A1B78FFA-47C8-4439-B9BB-24C7FB713AF4}" srcOrd="0" destOrd="0" presId="urn:microsoft.com/office/officeart/2005/8/layout/radial4"/>
+    <dgm:cxn modelId="{B855FD06-261B-446F-BE6B-222CBA7AC5FE}" type="presOf" srcId="{32D63EAD-0BC6-428B-B512-907BB8322067}" destId="{F3C64790-09A4-4E09-981B-41398053329B}" srcOrd="0" destOrd="0" presId="urn:microsoft.com/office/officeart/2005/8/layout/radial4"/>
+    <dgm:cxn modelId="{1777F4CE-9850-4F4A-89DB-06A90383617A}" type="presOf" srcId="{5E46EE5B-5D58-4D11-9AAD-82AB538FF9BB}" destId="{237C685F-C42D-4BEE-BD44-CAA1A95196DD}" srcOrd="0" destOrd="0" presId="urn:microsoft.com/office/officeart/2005/8/layout/radial4"/>
+    <dgm:cxn modelId="{E8D8EC14-627E-43F7-95E6-CC15F3E74F88}" srcId="{32D63EAD-0BC6-428B-B512-907BB8322067}" destId="{335D7FCE-C5CC-4485-8014-1DC83AF6B65D}" srcOrd="0" destOrd="0" parTransId="{F473F967-9B97-47E3-9891-603DC9D6E0CE}" sibTransId="{DBEE77B3-5EE7-46EA-9776-98B2BABF479C}"/>
+    <dgm:cxn modelId="{09F00B39-FFA9-4945-BA78-663100FA40AE}" srcId="{335D7FCE-C5CC-4485-8014-1DC83AF6B65D}" destId="{BEFF04DC-EC10-405E-B75D-5631286FB7FA}" srcOrd="1" destOrd="0" parTransId="{46E5F319-9DEB-4E3B-8126-7CFE0FCBE95C}" sibTransId="{4CDF51E5-192D-472B-9855-851871FEE059}"/>
+    <dgm:cxn modelId="{81EB01CD-167C-4423-9F62-F787E07EE79A}" type="presOf" srcId="{196FD367-E9D2-437A-94C7-5C8AE4769D3D}" destId="{A5A85BA2-D2EF-4197-B6D1-5F2928F8ABAD}" srcOrd="0" destOrd="0" presId="urn:microsoft.com/office/officeart/2005/8/layout/radial4"/>
+    <dgm:cxn modelId="{8E96A4C9-BDD0-4D0E-A105-79A4D2709E98}" type="presOf" srcId="{7D93AB13-8A47-4139-A3E1-9FAD9665CEC6}" destId="{9C267DA5-5434-45A3-8FA9-BE4720976465}" srcOrd="0" destOrd="0" presId="urn:microsoft.com/office/officeart/2005/8/layout/radial4"/>
+    <dgm:cxn modelId="{9FD9DFE8-D4EA-4827-9218-AB630EEF23F2}" type="presOf" srcId="{335D7FCE-C5CC-4485-8014-1DC83AF6B65D}" destId="{F8540F95-C1AA-4263-9902-20FB07087AFE}" srcOrd="0" destOrd="0" presId="urn:microsoft.com/office/officeart/2005/8/layout/radial4"/>
+    <dgm:cxn modelId="{BC454617-7AD9-45DD-BCAB-A4F5E2DA078B}" type="presOf" srcId="{63667477-3C80-477B-A23B-DDFD24E7F7E5}" destId="{DCFC9909-2BEE-4462-9F24-8D399F079A9E}" srcOrd="0" destOrd="0" presId="urn:microsoft.com/office/officeart/2005/8/layout/radial4"/>
+    <dgm:cxn modelId="{548C5D74-6486-41BE-B8AD-B22D43170017}" srcId="{335D7FCE-C5CC-4485-8014-1DC83AF6B65D}" destId="{196FD367-E9D2-437A-94C7-5C8AE4769D3D}" srcOrd="3" destOrd="0" parTransId="{7D93AB13-8A47-4139-A3E1-9FAD9665CEC6}" sibTransId="{BE8C0FB2-F9E3-4647-8121-5B7E06A1B3D2}"/>
+    <dgm:cxn modelId="{AC8F98EE-5B98-4660-BE17-0849D23CFE97}" type="presOf" srcId="{46E5F319-9DEB-4E3B-8126-7CFE0FCBE95C}" destId="{2474F4BD-7704-4CED-9202-628A0642F8DD}" srcOrd="0" destOrd="0" presId="urn:microsoft.com/office/officeart/2005/8/layout/radial4"/>
+    <dgm:cxn modelId="{84B6693A-0C1F-40AD-867A-DEA0D33E14CC}" type="presOf" srcId="{FE5AD777-9A99-47DA-B677-B08888FB9931}" destId="{EAE5356A-A62D-4269-A806-BBD7EF53EC84}" srcOrd="0" destOrd="0" presId="urn:microsoft.com/office/officeart/2005/8/layout/radial4"/>
     <dgm:cxn modelId="{C1C07998-76E7-418E-B297-0AD5631D4152}" srcId="{335D7FCE-C5CC-4485-8014-1DC83AF6B65D}" destId="{63667477-3C80-477B-A23B-DDFD24E7F7E5}" srcOrd="2" destOrd="0" parTransId="{FE5AD777-9A99-47DA-B677-B08888FB9931}" sibTransId="{5BA67F56-6516-466B-9AAE-A52839547F9C}"/>
-    <dgm:cxn modelId="{8D43A49E-5896-4162-BC2F-661A92C3589A}" type="presOf" srcId="{BEFF04DC-EC10-405E-B75D-5631286FB7FA}" destId="{A1B78FFA-47C8-4439-B9BB-24C7FB713AF4}" srcOrd="0" destOrd="0" presId="urn:microsoft.com/office/officeart/2005/8/layout/radial4"/>
-    <dgm:cxn modelId="{09F00B39-FFA9-4945-BA78-663100FA40AE}" srcId="{335D7FCE-C5CC-4485-8014-1DC83AF6B65D}" destId="{BEFF04DC-EC10-405E-B75D-5631286FB7FA}" srcOrd="1" destOrd="0" parTransId="{46E5F319-9DEB-4E3B-8126-7CFE0FCBE95C}" sibTransId="{4CDF51E5-192D-472B-9855-851871FEE059}"/>
-    <dgm:cxn modelId="{E8D8EC14-627E-43F7-95E6-CC15F3E74F88}" srcId="{32D63EAD-0BC6-428B-B512-907BB8322067}" destId="{335D7FCE-C5CC-4485-8014-1DC83AF6B65D}" srcOrd="0" destOrd="0" parTransId="{F473F967-9B97-47E3-9891-603DC9D6E0CE}" sibTransId="{DBEE77B3-5EE7-46EA-9776-98B2BABF479C}"/>
-    <dgm:cxn modelId="{9FD9DFE8-D4EA-4827-9218-AB630EEF23F2}" type="presOf" srcId="{335D7FCE-C5CC-4485-8014-1DC83AF6B65D}" destId="{F8540F95-C1AA-4263-9902-20FB07087AFE}" srcOrd="0" destOrd="0" presId="urn:microsoft.com/office/officeart/2005/8/layout/radial4"/>
-    <dgm:cxn modelId="{98EB89FA-D583-4E7F-B5CB-3FC0827F8FDF}" type="presOf" srcId="{A488CE8B-2D4F-4236-B391-9426DAE90E59}" destId="{9D93F777-CF80-4789-A7D8-A2D2E164F77F}" srcOrd="0" destOrd="0" presId="urn:microsoft.com/office/officeart/2005/8/layout/radial4"/>
     <dgm:cxn modelId="{2644A437-6AC0-4C81-BFA6-693EFD903765}" srcId="{335D7FCE-C5CC-4485-8014-1DC83AF6B65D}" destId="{5E46EE5B-5D58-4D11-9AAD-82AB538FF9BB}" srcOrd="0" destOrd="0" parTransId="{A488CE8B-2D4F-4236-B391-9426DAE90E59}" sibTransId="{E36A251D-B497-416F-843E-8388746E6DEF}"/>
-    <dgm:cxn modelId="{81EB01CD-167C-4423-9F62-F787E07EE79A}" type="presOf" srcId="{196FD367-E9D2-437A-94C7-5C8AE4769D3D}" destId="{A5A85BA2-D2EF-4197-B6D1-5F2928F8ABAD}" srcOrd="0" destOrd="0" presId="urn:microsoft.com/office/officeart/2005/8/layout/radial4"/>
-    <dgm:cxn modelId="{1777F4CE-9850-4F4A-89DB-06A90383617A}" type="presOf" srcId="{5E46EE5B-5D58-4D11-9AAD-82AB538FF9BB}" destId="{237C685F-C42D-4BEE-BD44-CAA1A95196DD}" srcOrd="0" destOrd="0" presId="urn:microsoft.com/office/officeart/2005/8/layout/radial4"/>
-    <dgm:cxn modelId="{548C5D74-6486-41BE-B8AD-B22D43170017}" srcId="{335D7FCE-C5CC-4485-8014-1DC83AF6B65D}" destId="{196FD367-E9D2-437A-94C7-5C8AE4769D3D}" srcOrd="3" destOrd="0" parTransId="{7D93AB13-8A47-4139-A3E1-9FAD9665CEC6}" sibTransId="{BE8C0FB2-F9E3-4647-8121-5B7E06A1B3D2}"/>
-    <dgm:cxn modelId="{B855FD06-261B-446F-BE6B-222CBA7AC5FE}" type="presOf" srcId="{32D63EAD-0BC6-428B-B512-907BB8322067}" destId="{F3C64790-09A4-4E09-981B-41398053329B}" srcOrd="0" destOrd="0" presId="urn:microsoft.com/office/officeart/2005/8/layout/radial4"/>
-    <dgm:cxn modelId="{84B6693A-0C1F-40AD-867A-DEA0D33E14CC}" type="presOf" srcId="{FE5AD777-9A99-47DA-B677-B08888FB9931}" destId="{EAE5356A-A62D-4269-A806-BBD7EF53EC84}" srcOrd="0" destOrd="0" presId="urn:microsoft.com/office/officeart/2005/8/layout/radial4"/>
-    <dgm:cxn modelId="{BC454617-7AD9-45DD-BCAB-A4F5E2DA078B}" type="presOf" srcId="{63667477-3C80-477B-A23B-DDFD24E7F7E5}" destId="{DCFC9909-2BEE-4462-9F24-8D399F079A9E}" srcOrd="0" destOrd="0" presId="urn:microsoft.com/office/officeart/2005/8/layout/radial4"/>
-    <dgm:cxn modelId="{AC8F98EE-5B98-4660-BE17-0849D23CFE97}" type="presOf" srcId="{46E5F319-9DEB-4E3B-8126-7CFE0FCBE95C}" destId="{2474F4BD-7704-4CED-9202-628A0642F8DD}" srcOrd="0" destOrd="0" presId="urn:microsoft.com/office/officeart/2005/8/layout/radial4"/>
-    <dgm:cxn modelId="{8E96A4C9-BDD0-4D0E-A105-79A4D2709E98}" type="presOf" srcId="{7D93AB13-8A47-4139-A3E1-9FAD9665CEC6}" destId="{9C267DA5-5434-45A3-8FA9-BE4720976465}" srcOrd="0" destOrd="0" presId="urn:microsoft.com/office/officeart/2005/8/layout/radial4"/>
     <dgm:cxn modelId="{043D5622-CE2A-4055-824F-5953E64ADBE8}" type="presParOf" srcId="{F3C64790-09A4-4E09-981B-41398053329B}" destId="{F8540F95-C1AA-4263-9902-20FB07087AFE}" srcOrd="0" destOrd="0" presId="urn:microsoft.com/office/officeart/2005/8/layout/radial4"/>
     <dgm:cxn modelId="{C012E011-DB79-428A-BC56-F8B8019138A5}" type="presParOf" srcId="{F3C64790-09A4-4E09-981B-41398053329B}" destId="{9D93F777-CF80-4789-A7D8-A2D2E164F77F}" srcOrd="1" destOrd="0" presId="urn:microsoft.com/office/officeart/2005/8/layout/radial4"/>
     <dgm:cxn modelId="{72A8441E-8789-43FE-B31A-797219CC423C}" type="presParOf" srcId="{F3C64790-09A4-4E09-981B-41398053329B}" destId="{237C685F-C42D-4BEE-BD44-CAA1A95196DD}" srcOrd="2" destOrd="0" presId="urn:microsoft.com/office/officeart/2005/8/layout/radial4"/>
@@ -9643,6 +9792,36 @@
 </p:sld>
 </file>
 
+<file path=ppt/slides/slide3.xml><?xml version="1.0" encoding="utf-8"?>
+<p:sld xmlns:a="http://schemas.openxmlformats.org/drawingml/2006/main" xmlns:r="http://schemas.openxmlformats.org/officeDocument/2006/relationships" xmlns:p="http://schemas.openxmlformats.org/presentationml/2006/main">
+  <p:cSld>
+    <p:spTree>
+      <p:nvGrpSpPr>
+        <p:cNvPr id="1" name=""/>
+        <p:cNvGrpSpPr/>
+        <p:nvPr/>
+      </p:nvGrpSpPr>
+      <p:grpSpPr>
+        <a:xfrm>
+          <a:off x="0" y="0"/>
+          <a:ext cx="0" cy="0"/>
+          <a:chOff x="0" y="0"/>
+          <a:chExt cx="0" cy="0"/>
+        </a:xfrm>
+      </p:grpSpPr>
+    </p:spTree>
+    <p:extLst>
+      <p:ext uri="{BB962C8B-B14F-4D97-AF65-F5344CB8AC3E}">
+        <p14:creationId xmlns:p14="http://schemas.microsoft.com/office/powerpoint/2010/main" val="3417291369"/>
+      </p:ext>
+    </p:extLst>
+  </p:cSld>
+  <p:clrMapOvr>
+    <a:masterClrMapping/>
+  </p:clrMapOvr>
+</p:sld>
+</file>
+
 <file path=ppt/theme/theme1.xml><?xml version="1.0" encoding="utf-8"?>
 <a:theme xmlns:a="http://schemas.openxmlformats.org/drawingml/2006/main" name="Office Theme">
   <a:themeElements>
@@ -9898,7 +10077,7 @@
   <a:extraClrSchemeLst/>
   <a:extLst>
     <a:ext uri="{05A4C25C-085E-4340-85A3-A5531E510DB2}">
-      <thm15:themeFamily xmlns="" xmlns:thm15="http://schemas.microsoft.com/office/thememl/2012/main" name="Office Theme" id="{62F939B6-93AF-4DB8-9C6B-D6C7DFDC589F}" vid="{4A3C46E8-61CC-4603-A589-7422A47A8E4A}"/>
+      <thm15:themeFamily xmlns:thm15="http://schemas.microsoft.com/office/thememl/2012/main" xmlns="" name="Office Theme" id="{62F939B6-93AF-4DB8-9C6B-D6C7DFDC589F}" vid="{4A3C46E8-61CC-4603-A589-7422A47A8E4A}"/>
     </a:ext>
   </a:extLst>
 </a:theme>
@@ -10159,7 +10338,7 @@
   <a:extraClrSchemeLst/>
   <a:extLst>
     <a:ext uri="{05A4C25C-085E-4340-85A3-A5531E510DB2}">
-      <thm15:themeFamily xmlns="" xmlns:thm15="http://schemas.microsoft.com/office/thememl/2012/main" name="Office Theme" id="{62F939B6-93AF-4DB8-9C6B-D6C7DFDC589F}" vid="{4A3C46E8-61CC-4603-A589-7422A47A8E4A}"/>
+      <thm15:themeFamily xmlns:thm15="http://schemas.microsoft.com/office/thememl/2012/main" xmlns="" name="Office Theme" id="{62F939B6-93AF-4DB8-9C6B-D6C7DFDC589F}" vid="{4A3C46E8-61CC-4603-A589-7422A47A8E4A}"/>
     </a:ext>
   </a:extLst>
 </a:theme>

--- a/s_extreme_programming.pptx
+++ b/s_extreme_programming.pptx
@@ -5,12 +5,14 @@
     <p:sldMasterId id="2147483660" r:id="rId1"/>
   </p:sldMasterIdLst>
   <p:notesMasterIdLst>
-    <p:notesMasterId r:id="rId5"/>
+    <p:notesMasterId r:id="rId7"/>
   </p:notesMasterIdLst>
   <p:sldIdLst>
     <p:sldId id="263" r:id="rId2"/>
     <p:sldId id="264" r:id="rId3"/>
-    <p:sldId id="265" r:id="rId4"/>
+    <p:sldId id="266" r:id="rId4"/>
+    <p:sldId id="267" r:id="rId5"/>
+    <p:sldId id="268" r:id="rId6"/>
   </p:sldIdLst>
   <p:sldSz cx="12192000" cy="6858000"/>
   <p:notesSz cx="6858000" cy="9144000"/>
@@ -116,7 +118,9 @@
           <p14:sldIdLst>
             <p14:sldId id="263"/>
             <p14:sldId id="264"/>
-            <p14:sldId id="265"/>
+            <p14:sldId id="266"/>
+            <p14:sldId id="267"/>
+            <p14:sldId id="268"/>
           </p14:sldIdLst>
         </p14:section>
       </p14:sectionLst>
@@ -873,6 +877,753 @@
 </file>
 
 <file path=ppt/diagrams/colors2.xml><?xml version="1.0" encoding="utf-8"?>
+<dgm:colorsDef xmlns:dgm="http://schemas.openxmlformats.org/drawingml/2006/diagram" xmlns:a="http://schemas.openxmlformats.org/drawingml/2006/main" uniqueId="urn:microsoft.com/office/officeart/2005/8/colors/accent1_2">
+  <dgm:title val=""/>
+  <dgm:desc val=""/>
+  <dgm:catLst>
+    <dgm:cat type="accent1" pri="11200"/>
+  </dgm:catLst>
+  <dgm:styleLbl name="node0">
+    <dgm:fillClrLst meth="repeat">
+      <a:schemeClr val="accent1"/>
+    </dgm:fillClrLst>
+    <dgm:linClrLst meth="repeat">
+      <a:schemeClr val="lt1"/>
+    </dgm:linClrLst>
+    <dgm:effectClrLst/>
+    <dgm:txLinClrLst/>
+    <dgm:txFillClrLst/>
+    <dgm:txEffectClrLst/>
+  </dgm:styleLbl>
+  <dgm:styleLbl name="alignNode1">
+    <dgm:fillClrLst meth="repeat">
+      <a:schemeClr val="accent1"/>
+    </dgm:fillClrLst>
+    <dgm:linClrLst meth="repeat">
+      <a:schemeClr val="accent1"/>
+    </dgm:linClrLst>
+    <dgm:effectClrLst/>
+    <dgm:txLinClrLst/>
+    <dgm:txFillClrLst/>
+    <dgm:txEffectClrLst/>
+  </dgm:styleLbl>
+  <dgm:styleLbl name="node1">
+    <dgm:fillClrLst meth="repeat">
+      <a:schemeClr val="accent1"/>
+    </dgm:fillClrLst>
+    <dgm:linClrLst meth="repeat">
+      <a:schemeClr val="lt1"/>
+    </dgm:linClrLst>
+    <dgm:effectClrLst/>
+    <dgm:txLinClrLst/>
+    <dgm:txFillClrLst/>
+    <dgm:txEffectClrLst/>
+  </dgm:styleLbl>
+  <dgm:styleLbl name="lnNode1">
+    <dgm:fillClrLst meth="repeat">
+      <a:schemeClr val="accent1"/>
+    </dgm:fillClrLst>
+    <dgm:linClrLst meth="repeat">
+      <a:schemeClr val="lt1"/>
+    </dgm:linClrLst>
+    <dgm:effectClrLst/>
+    <dgm:txLinClrLst/>
+    <dgm:txFillClrLst/>
+    <dgm:txEffectClrLst/>
+  </dgm:styleLbl>
+  <dgm:styleLbl name="vennNode1">
+    <dgm:fillClrLst meth="repeat">
+      <a:schemeClr val="accent1">
+        <a:alpha val="50000"/>
+      </a:schemeClr>
+    </dgm:fillClrLst>
+    <dgm:linClrLst meth="repeat">
+      <a:schemeClr val="lt1"/>
+    </dgm:linClrLst>
+    <dgm:effectClrLst/>
+    <dgm:txLinClrLst/>
+    <dgm:txFillClrLst/>
+    <dgm:txEffectClrLst/>
+  </dgm:styleLbl>
+  <dgm:styleLbl name="node2">
+    <dgm:fillClrLst meth="repeat">
+      <a:schemeClr val="accent1"/>
+    </dgm:fillClrLst>
+    <dgm:linClrLst meth="repeat">
+      <a:schemeClr val="lt1"/>
+    </dgm:linClrLst>
+    <dgm:effectClrLst/>
+    <dgm:txLinClrLst/>
+    <dgm:txFillClrLst/>
+    <dgm:txEffectClrLst/>
+  </dgm:styleLbl>
+  <dgm:styleLbl name="node3">
+    <dgm:fillClrLst meth="repeat">
+      <a:schemeClr val="accent1"/>
+    </dgm:fillClrLst>
+    <dgm:linClrLst meth="repeat">
+      <a:schemeClr val="lt1"/>
+    </dgm:linClrLst>
+    <dgm:effectClrLst/>
+    <dgm:txLinClrLst/>
+    <dgm:txFillClrLst/>
+    <dgm:txEffectClrLst/>
+  </dgm:styleLbl>
+  <dgm:styleLbl name="node4">
+    <dgm:fillClrLst meth="repeat">
+      <a:schemeClr val="accent1"/>
+    </dgm:fillClrLst>
+    <dgm:linClrLst meth="repeat">
+      <a:schemeClr val="lt1"/>
+    </dgm:linClrLst>
+    <dgm:effectClrLst/>
+    <dgm:txLinClrLst/>
+    <dgm:txFillClrLst/>
+    <dgm:txEffectClrLst/>
+  </dgm:styleLbl>
+  <dgm:styleLbl name="fgImgPlace1">
+    <dgm:fillClrLst meth="repeat">
+      <a:schemeClr val="accent1">
+        <a:tint val="50000"/>
+      </a:schemeClr>
+    </dgm:fillClrLst>
+    <dgm:linClrLst meth="repeat">
+      <a:schemeClr val="lt1"/>
+    </dgm:linClrLst>
+    <dgm:effectClrLst/>
+    <dgm:txLinClrLst/>
+    <dgm:txFillClrLst meth="repeat">
+      <a:schemeClr val="lt1"/>
+    </dgm:txFillClrLst>
+    <dgm:txEffectClrLst/>
+  </dgm:styleLbl>
+  <dgm:styleLbl name="alignImgPlace1">
+    <dgm:fillClrLst meth="repeat">
+      <a:schemeClr val="accent1">
+        <a:tint val="50000"/>
+      </a:schemeClr>
+    </dgm:fillClrLst>
+    <dgm:linClrLst meth="repeat">
+      <a:schemeClr val="lt1"/>
+    </dgm:linClrLst>
+    <dgm:effectClrLst/>
+    <dgm:txLinClrLst/>
+    <dgm:txFillClrLst meth="repeat">
+      <a:schemeClr val="lt1"/>
+    </dgm:txFillClrLst>
+    <dgm:txEffectClrLst/>
+  </dgm:styleLbl>
+  <dgm:styleLbl name="bgImgPlace1">
+    <dgm:fillClrLst meth="repeat">
+      <a:schemeClr val="accent1">
+        <a:tint val="50000"/>
+      </a:schemeClr>
+    </dgm:fillClrLst>
+    <dgm:linClrLst meth="repeat">
+      <a:schemeClr val="lt1"/>
+    </dgm:linClrLst>
+    <dgm:effectClrLst/>
+    <dgm:txLinClrLst/>
+    <dgm:txFillClrLst meth="repeat">
+      <a:schemeClr val="lt1"/>
+    </dgm:txFillClrLst>
+    <dgm:txEffectClrLst/>
+  </dgm:styleLbl>
+  <dgm:styleLbl name="sibTrans2D1">
+    <dgm:fillClrLst meth="repeat">
+      <a:schemeClr val="accent1">
+        <a:tint val="60000"/>
+      </a:schemeClr>
+    </dgm:fillClrLst>
+    <dgm:linClrLst meth="repeat">
+      <a:schemeClr val="accent1">
+        <a:tint val="60000"/>
+      </a:schemeClr>
+    </dgm:linClrLst>
+    <dgm:effectClrLst/>
+    <dgm:txLinClrLst/>
+    <dgm:txFillClrLst/>
+    <dgm:txEffectClrLst/>
+  </dgm:styleLbl>
+  <dgm:styleLbl name="fgSibTrans2D1">
+    <dgm:fillClrLst meth="repeat">
+      <a:schemeClr val="accent1">
+        <a:tint val="60000"/>
+      </a:schemeClr>
+    </dgm:fillClrLst>
+    <dgm:linClrLst meth="repeat">
+      <a:schemeClr val="accent1">
+        <a:tint val="60000"/>
+      </a:schemeClr>
+    </dgm:linClrLst>
+    <dgm:effectClrLst/>
+    <dgm:txLinClrLst/>
+    <dgm:txFillClrLst/>
+    <dgm:txEffectClrLst/>
+  </dgm:styleLbl>
+  <dgm:styleLbl name="bgSibTrans2D1">
+    <dgm:fillClrLst meth="repeat">
+      <a:schemeClr val="accent1">
+        <a:tint val="60000"/>
+      </a:schemeClr>
+    </dgm:fillClrLst>
+    <dgm:linClrLst meth="repeat">
+      <a:schemeClr val="accent1">
+        <a:tint val="60000"/>
+      </a:schemeClr>
+    </dgm:linClrLst>
+    <dgm:effectClrLst/>
+    <dgm:txLinClrLst/>
+    <dgm:txFillClrLst/>
+    <dgm:txEffectClrLst/>
+  </dgm:styleLbl>
+  <dgm:styleLbl name="sibTrans1D1">
+    <dgm:fillClrLst meth="repeat">
+      <a:schemeClr val="accent1"/>
+    </dgm:fillClrLst>
+    <dgm:linClrLst meth="repeat">
+      <a:schemeClr val="accent1"/>
+    </dgm:linClrLst>
+    <dgm:effectClrLst/>
+    <dgm:txLinClrLst/>
+    <dgm:txFillClrLst meth="repeat">
+      <a:schemeClr val="tx1"/>
+    </dgm:txFillClrLst>
+    <dgm:txEffectClrLst/>
+  </dgm:styleLbl>
+  <dgm:styleLbl name="callout">
+    <dgm:fillClrLst meth="repeat">
+      <a:schemeClr val="accent1"/>
+    </dgm:fillClrLst>
+    <dgm:linClrLst meth="repeat">
+      <a:schemeClr val="accent1">
+        <a:tint val="50000"/>
+      </a:schemeClr>
+    </dgm:linClrLst>
+    <dgm:effectClrLst/>
+    <dgm:txLinClrLst/>
+    <dgm:txFillClrLst meth="repeat">
+      <a:schemeClr val="tx1"/>
+    </dgm:txFillClrLst>
+    <dgm:txEffectClrLst/>
+  </dgm:styleLbl>
+  <dgm:styleLbl name="asst0">
+    <dgm:fillClrLst meth="repeat">
+      <a:schemeClr val="accent1"/>
+    </dgm:fillClrLst>
+    <dgm:linClrLst meth="repeat">
+      <a:schemeClr val="lt1"/>
+    </dgm:linClrLst>
+    <dgm:effectClrLst/>
+    <dgm:txLinClrLst/>
+    <dgm:txFillClrLst/>
+    <dgm:txEffectClrLst/>
+  </dgm:styleLbl>
+  <dgm:styleLbl name="asst1">
+    <dgm:fillClrLst meth="repeat">
+      <a:schemeClr val="accent1"/>
+    </dgm:fillClrLst>
+    <dgm:linClrLst meth="repeat">
+      <a:schemeClr val="lt1"/>
+    </dgm:linClrLst>
+    <dgm:effectClrLst/>
+    <dgm:txLinClrLst/>
+    <dgm:txFillClrLst/>
+    <dgm:txEffectClrLst/>
+  </dgm:styleLbl>
+  <dgm:styleLbl name="asst2">
+    <dgm:fillClrLst meth="repeat">
+      <a:schemeClr val="accent1"/>
+    </dgm:fillClrLst>
+    <dgm:linClrLst meth="repeat">
+      <a:schemeClr val="lt1"/>
+    </dgm:linClrLst>
+    <dgm:effectClrLst/>
+    <dgm:txLinClrLst/>
+    <dgm:txFillClrLst/>
+    <dgm:txEffectClrLst/>
+  </dgm:styleLbl>
+  <dgm:styleLbl name="asst3">
+    <dgm:fillClrLst meth="repeat">
+      <a:schemeClr val="accent1"/>
+    </dgm:fillClrLst>
+    <dgm:linClrLst meth="repeat">
+      <a:schemeClr val="lt1"/>
+    </dgm:linClrLst>
+    <dgm:effectClrLst/>
+    <dgm:txLinClrLst/>
+    <dgm:txFillClrLst/>
+    <dgm:txEffectClrLst/>
+  </dgm:styleLbl>
+  <dgm:styleLbl name="asst4">
+    <dgm:fillClrLst meth="repeat">
+      <a:schemeClr val="accent1"/>
+    </dgm:fillClrLst>
+    <dgm:linClrLst meth="repeat">
+      <a:schemeClr val="lt1"/>
+    </dgm:linClrLst>
+    <dgm:effectClrLst/>
+    <dgm:txLinClrLst/>
+    <dgm:txFillClrLst/>
+    <dgm:txEffectClrLst/>
+  </dgm:styleLbl>
+  <dgm:styleLbl name="parChTrans2D1">
+    <dgm:fillClrLst meth="repeat">
+      <a:schemeClr val="accent1">
+        <a:tint val="60000"/>
+      </a:schemeClr>
+    </dgm:fillClrLst>
+    <dgm:linClrLst meth="repeat">
+      <a:schemeClr val="accent1">
+        <a:tint val="60000"/>
+      </a:schemeClr>
+    </dgm:linClrLst>
+    <dgm:effectClrLst/>
+    <dgm:txLinClrLst/>
+    <dgm:txFillClrLst meth="repeat">
+      <a:schemeClr val="lt1"/>
+    </dgm:txFillClrLst>
+    <dgm:txEffectClrLst/>
+  </dgm:styleLbl>
+  <dgm:styleLbl name="parChTrans2D2">
+    <dgm:fillClrLst meth="repeat">
+      <a:schemeClr val="accent1"/>
+    </dgm:fillClrLst>
+    <dgm:linClrLst meth="repeat">
+      <a:schemeClr val="accent1"/>
+    </dgm:linClrLst>
+    <dgm:effectClrLst/>
+    <dgm:txLinClrLst/>
+    <dgm:txFillClrLst meth="repeat">
+      <a:schemeClr val="lt1"/>
+    </dgm:txFillClrLst>
+    <dgm:txEffectClrLst/>
+  </dgm:styleLbl>
+  <dgm:styleLbl name="parChTrans2D3">
+    <dgm:fillClrLst meth="repeat">
+      <a:schemeClr val="accent1"/>
+    </dgm:fillClrLst>
+    <dgm:linClrLst meth="repeat">
+      <a:schemeClr val="accent1"/>
+    </dgm:linClrLst>
+    <dgm:effectClrLst/>
+    <dgm:txLinClrLst/>
+    <dgm:txFillClrLst meth="repeat">
+      <a:schemeClr val="lt1"/>
+    </dgm:txFillClrLst>
+    <dgm:txEffectClrLst/>
+  </dgm:styleLbl>
+  <dgm:styleLbl name="parChTrans2D4">
+    <dgm:fillClrLst meth="repeat">
+      <a:schemeClr val="accent1"/>
+    </dgm:fillClrLst>
+    <dgm:linClrLst meth="repeat">
+      <a:schemeClr val="accent1"/>
+    </dgm:linClrLst>
+    <dgm:effectClrLst/>
+    <dgm:txLinClrLst/>
+    <dgm:txFillClrLst meth="repeat">
+      <a:schemeClr val="lt1"/>
+    </dgm:txFillClrLst>
+    <dgm:txEffectClrLst/>
+  </dgm:styleLbl>
+  <dgm:styleLbl name="parChTrans1D1">
+    <dgm:fillClrLst meth="repeat">
+      <a:schemeClr val="accent1"/>
+    </dgm:fillClrLst>
+    <dgm:linClrLst meth="repeat">
+      <a:schemeClr val="accent1">
+        <a:shade val="60000"/>
+      </a:schemeClr>
+    </dgm:linClrLst>
+    <dgm:effectClrLst/>
+    <dgm:txLinClrLst/>
+    <dgm:txFillClrLst meth="repeat">
+      <a:schemeClr val="tx1"/>
+    </dgm:txFillClrLst>
+    <dgm:txEffectClrLst/>
+  </dgm:styleLbl>
+  <dgm:styleLbl name="parChTrans1D2">
+    <dgm:fillClrLst meth="repeat">
+      <a:schemeClr val="accent1"/>
+    </dgm:fillClrLst>
+    <dgm:linClrLst meth="repeat">
+      <a:schemeClr val="accent1">
+        <a:shade val="60000"/>
+      </a:schemeClr>
+    </dgm:linClrLst>
+    <dgm:effectClrLst/>
+    <dgm:txLinClrLst/>
+    <dgm:txFillClrLst meth="repeat">
+      <a:schemeClr val="tx1"/>
+    </dgm:txFillClrLst>
+    <dgm:txEffectClrLst/>
+  </dgm:styleLbl>
+  <dgm:styleLbl name="parChTrans1D3">
+    <dgm:fillClrLst meth="repeat">
+      <a:schemeClr val="accent1"/>
+    </dgm:fillClrLst>
+    <dgm:linClrLst meth="repeat">
+      <a:schemeClr val="accent1">
+        <a:shade val="80000"/>
+      </a:schemeClr>
+    </dgm:linClrLst>
+    <dgm:effectClrLst/>
+    <dgm:txLinClrLst/>
+    <dgm:txFillClrLst meth="repeat">
+      <a:schemeClr val="tx1"/>
+    </dgm:txFillClrLst>
+    <dgm:txEffectClrLst/>
+  </dgm:styleLbl>
+  <dgm:styleLbl name="parChTrans1D4">
+    <dgm:fillClrLst meth="repeat">
+      <a:schemeClr val="accent1"/>
+    </dgm:fillClrLst>
+    <dgm:linClrLst meth="repeat">
+      <a:schemeClr val="accent1">
+        <a:shade val="80000"/>
+      </a:schemeClr>
+    </dgm:linClrLst>
+    <dgm:effectClrLst/>
+    <dgm:txLinClrLst/>
+    <dgm:txFillClrLst meth="repeat">
+      <a:schemeClr val="tx1"/>
+    </dgm:txFillClrLst>
+    <dgm:txEffectClrLst/>
+  </dgm:styleLbl>
+  <dgm:styleLbl name="fgAcc1">
+    <dgm:fillClrLst meth="repeat">
+      <a:schemeClr val="lt1">
+        <a:alpha val="90000"/>
+      </a:schemeClr>
+    </dgm:fillClrLst>
+    <dgm:linClrLst meth="repeat">
+      <a:schemeClr val="accent1"/>
+    </dgm:linClrLst>
+    <dgm:effectClrLst/>
+    <dgm:txLinClrLst/>
+    <dgm:txFillClrLst meth="repeat">
+      <a:schemeClr val="dk1"/>
+    </dgm:txFillClrLst>
+    <dgm:txEffectClrLst/>
+  </dgm:styleLbl>
+  <dgm:styleLbl name="conFgAcc1">
+    <dgm:fillClrLst meth="repeat">
+      <a:schemeClr val="lt1">
+        <a:alpha val="90000"/>
+      </a:schemeClr>
+    </dgm:fillClrLst>
+    <dgm:linClrLst meth="repeat">
+      <a:schemeClr val="accent1"/>
+    </dgm:linClrLst>
+    <dgm:effectClrLst/>
+    <dgm:txLinClrLst/>
+    <dgm:txFillClrLst meth="repeat">
+      <a:schemeClr val="dk1"/>
+    </dgm:txFillClrLst>
+    <dgm:txEffectClrLst/>
+  </dgm:styleLbl>
+  <dgm:styleLbl name="alignAcc1">
+    <dgm:fillClrLst meth="repeat">
+      <a:schemeClr val="lt1">
+        <a:alpha val="90000"/>
+      </a:schemeClr>
+    </dgm:fillClrLst>
+    <dgm:linClrLst meth="repeat">
+      <a:schemeClr val="accent1"/>
+    </dgm:linClrLst>
+    <dgm:effectClrLst/>
+    <dgm:txLinClrLst/>
+    <dgm:txFillClrLst meth="repeat">
+      <a:schemeClr val="dk1"/>
+    </dgm:txFillClrLst>
+    <dgm:txEffectClrLst/>
+  </dgm:styleLbl>
+  <dgm:styleLbl name="trAlignAcc1">
+    <dgm:fillClrLst meth="repeat">
+      <a:schemeClr val="lt1">
+        <a:alpha val="40000"/>
+      </a:schemeClr>
+    </dgm:fillClrLst>
+    <dgm:linClrLst meth="repeat">
+      <a:schemeClr val="accent1"/>
+    </dgm:linClrLst>
+    <dgm:effectClrLst/>
+    <dgm:txLinClrLst/>
+    <dgm:txFillClrLst meth="repeat">
+      <a:schemeClr val="dk1"/>
+    </dgm:txFillClrLst>
+    <dgm:txEffectClrLst/>
+  </dgm:styleLbl>
+  <dgm:styleLbl name="bgAcc1">
+    <dgm:fillClrLst meth="repeat">
+      <a:schemeClr val="lt1">
+        <a:alpha val="90000"/>
+      </a:schemeClr>
+    </dgm:fillClrLst>
+    <dgm:linClrLst meth="repeat">
+      <a:schemeClr val="accent1"/>
+    </dgm:linClrLst>
+    <dgm:effectClrLst/>
+    <dgm:txLinClrLst/>
+    <dgm:txFillClrLst meth="repeat">
+      <a:schemeClr val="dk1"/>
+    </dgm:txFillClrLst>
+    <dgm:txEffectClrLst/>
+  </dgm:styleLbl>
+  <dgm:styleLbl name="solidFgAcc1">
+    <dgm:fillClrLst meth="repeat">
+      <a:schemeClr val="lt1"/>
+    </dgm:fillClrLst>
+    <dgm:linClrLst meth="repeat">
+      <a:schemeClr val="accent1"/>
+    </dgm:linClrLst>
+    <dgm:effectClrLst/>
+    <dgm:txLinClrLst/>
+    <dgm:txFillClrLst meth="repeat">
+      <a:schemeClr val="dk1"/>
+    </dgm:txFillClrLst>
+    <dgm:txEffectClrLst/>
+  </dgm:styleLbl>
+  <dgm:styleLbl name="solidAlignAcc1">
+    <dgm:fillClrLst meth="repeat">
+      <a:schemeClr val="lt1"/>
+    </dgm:fillClrLst>
+    <dgm:linClrLst meth="repeat">
+      <a:schemeClr val="accent1"/>
+    </dgm:linClrLst>
+    <dgm:effectClrLst/>
+    <dgm:txLinClrLst/>
+    <dgm:txFillClrLst meth="repeat">
+      <a:schemeClr val="dk1"/>
+    </dgm:txFillClrLst>
+    <dgm:txEffectClrLst/>
+  </dgm:styleLbl>
+  <dgm:styleLbl name="solidBgAcc1">
+    <dgm:fillClrLst meth="repeat">
+      <a:schemeClr val="lt1"/>
+    </dgm:fillClrLst>
+    <dgm:linClrLst meth="repeat">
+      <a:schemeClr val="accent1"/>
+    </dgm:linClrLst>
+    <dgm:effectClrLst/>
+    <dgm:txLinClrLst/>
+    <dgm:txFillClrLst meth="repeat">
+      <a:schemeClr val="dk1"/>
+    </dgm:txFillClrLst>
+    <dgm:txEffectClrLst/>
+  </dgm:styleLbl>
+  <dgm:styleLbl name="fgAccFollowNode1">
+    <dgm:fillClrLst meth="repeat">
+      <a:schemeClr val="accent1">
+        <a:alpha val="90000"/>
+        <a:tint val="40000"/>
+      </a:schemeClr>
+    </dgm:fillClrLst>
+    <dgm:linClrLst meth="repeat">
+      <a:schemeClr val="accent1">
+        <a:alpha val="90000"/>
+        <a:tint val="40000"/>
+      </a:schemeClr>
+    </dgm:linClrLst>
+    <dgm:effectClrLst/>
+    <dgm:txLinClrLst/>
+    <dgm:txFillClrLst meth="repeat">
+      <a:schemeClr val="dk1"/>
+    </dgm:txFillClrLst>
+    <dgm:txEffectClrLst/>
+  </dgm:styleLbl>
+  <dgm:styleLbl name="alignAccFollowNode1">
+    <dgm:fillClrLst meth="repeat">
+      <a:schemeClr val="accent1">
+        <a:alpha val="90000"/>
+        <a:tint val="40000"/>
+      </a:schemeClr>
+    </dgm:fillClrLst>
+    <dgm:linClrLst meth="repeat">
+      <a:schemeClr val="accent1">
+        <a:alpha val="90000"/>
+        <a:tint val="40000"/>
+      </a:schemeClr>
+    </dgm:linClrLst>
+    <dgm:effectClrLst/>
+    <dgm:txLinClrLst/>
+    <dgm:txFillClrLst meth="repeat">
+      <a:schemeClr val="dk1"/>
+    </dgm:txFillClrLst>
+    <dgm:txEffectClrLst/>
+  </dgm:styleLbl>
+  <dgm:styleLbl name="bgAccFollowNode1">
+    <dgm:fillClrLst meth="repeat">
+      <a:schemeClr val="accent1">
+        <a:alpha val="90000"/>
+        <a:tint val="40000"/>
+      </a:schemeClr>
+    </dgm:fillClrLst>
+    <dgm:linClrLst meth="repeat">
+      <a:schemeClr val="accent1">
+        <a:alpha val="90000"/>
+        <a:tint val="40000"/>
+      </a:schemeClr>
+    </dgm:linClrLst>
+    <dgm:effectClrLst/>
+    <dgm:txLinClrLst/>
+    <dgm:txFillClrLst meth="repeat">
+      <a:schemeClr val="dk1"/>
+    </dgm:txFillClrLst>
+    <dgm:txEffectClrLst/>
+  </dgm:styleLbl>
+  <dgm:styleLbl name="fgAcc0">
+    <dgm:fillClrLst meth="repeat">
+      <a:schemeClr val="lt1">
+        <a:alpha val="90000"/>
+      </a:schemeClr>
+    </dgm:fillClrLst>
+    <dgm:linClrLst meth="repeat">
+      <a:schemeClr val="accent1"/>
+    </dgm:linClrLst>
+    <dgm:effectClrLst/>
+    <dgm:txLinClrLst/>
+    <dgm:txFillClrLst meth="repeat">
+      <a:schemeClr val="dk1"/>
+    </dgm:txFillClrLst>
+    <dgm:txEffectClrLst/>
+  </dgm:styleLbl>
+  <dgm:styleLbl name="fgAcc2">
+    <dgm:fillClrLst meth="repeat">
+      <a:schemeClr val="lt1">
+        <a:alpha val="90000"/>
+      </a:schemeClr>
+    </dgm:fillClrLst>
+    <dgm:linClrLst meth="repeat">
+      <a:schemeClr val="accent1"/>
+    </dgm:linClrLst>
+    <dgm:effectClrLst/>
+    <dgm:txLinClrLst/>
+    <dgm:txFillClrLst meth="repeat">
+      <a:schemeClr val="dk1"/>
+    </dgm:txFillClrLst>
+    <dgm:txEffectClrLst/>
+  </dgm:styleLbl>
+  <dgm:styleLbl name="fgAcc3">
+    <dgm:fillClrLst meth="repeat">
+      <a:schemeClr val="lt1">
+        <a:alpha val="90000"/>
+      </a:schemeClr>
+    </dgm:fillClrLst>
+    <dgm:linClrLst meth="repeat">
+      <a:schemeClr val="accent1"/>
+    </dgm:linClrLst>
+    <dgm:effectClrLst/>
+    <dgm:txLinClrLst/>
+    <dgm:txFillClrLst meth="repeat">
+      <a:schemeClr val="dk1"/>
+    </dgm:txFillClrLst>
+    <dgm:txEffectClrLst/>
+  </dgm:styleLbl>
+  <dgm:styleLbl name="fgAcc4">
+    <dgm:fillClrLst meth="repeat">
+      <a:schemeClr val="lt1">
+        <a:alpha val="90000"/>
+      </a:schemeClr>
+    </dgm:fillClrLst>
+    <dgm:linClrLst meth="repeat">
+      <a:schemeClr val="accent1"/>
+    </dgm:linClrLst>
+    <dgm:effectClrLst/>
+    <dgm:txLinClrLst/>
+    <dgm:txFillClrLst meth="repeat">
+      <a:schemeClr val="dk1"/>
+    </dgm:txFillClrLst>
+    <dgm:txEffectClrLst/>
+  </dgm:styleLbl>
+  <dgm:styleLbl name="bgShp">
+    <dgm:fillClrLst meth="repeat">
+      <a:schemeClr val="accent1">
+        <a:tint val="40000"/>
+      </a:schemeClr>
+    </dgm:fillClrLst>
+    <dgm:linClrLst meth="repeat">
+      <a:schemeClr val="accent1"/>
+    </dgm:linClrLst>
+    <dgm:effectClrLst/>
+    <dgm:txLinClrLst/>
+    <dgm:txFillClrLst meth="repeat">
+      <a:schemeClr val="dk1"/>
+    </dgm:txFillClrLst>
+    <dgm:txEffectClrLst/>
+  </dgm:styleLbl>
+  <dgm:styleLbl name="dkBgShp">
+    <dgm:fillClrLst meth="repeat">
+      <a:schemeClr val="accent1">
+        <a:shade val="80000"/>
+      </a:schemeClr>
+    </dgm:fillClrLst>
+    <dgm:linClrLst meth="repeat">
+      <a:schemeClr val="accent1"/>
+    </dgm:linClrLst>
+    <dgm:effectClrLst/>
+    <dgm:txLinClrLst/>
+    <dgm:txFillClrLst meth="repeat">
+      <a:schemeClr val="lt1"/>
+    </dgm:txFillClrLst>
+    <dgm:txEffectClrLst/>
+  </dgm:styleLbl>
+  <dgm:styleLbl name="trBgShp">
+    <dgm:fillClrLst meth="repeat">
+      <a:schemeClr val="accent1">
+        <a:tint val="50000"/>
+        <a:alpha val="40000"/>
+      </a:schemeClr>
+    </dgm:fillClrLst>
+    <dgm:linClrLst meth="repeat">
+      <a:schemeClr val="accent1"/>
+    </dgm:linClrLst>
+    <dgm:effectClrLst/>
+    <dgm:txLinClrLst/>
+    <dgm:txFillClrLst meth="repeat">
+      <a:schemeClr val="lt1"/>
+    </dgm:txFillClrLst>
+    <dgm:txEffectClrLst/>
+  </dgm:styleLbl>
+  <dgm:styleLbl name="fgShp">
+    <dgm:fillClrLst meth="repeat">
+      <a:schemeClr val="accent1">
+        <a:tint val="60000"/>
+      </a:schemeClr>
+    </dgm:fillClrLst>
+    <dgm:linClrLst meth="repeat">
+      <a:schemeClr val="lt1"/>
+    </dgm:linClrLst>
+    <dgm:effectClrLst/>
+    <dgm:txLinClrLst/>
+    <dgm:txFillClrLst meth="repeat">
+      <a:schemeClr val="dk1"/>
+    </dgm:txFillClrLst>
+    <dgm:txEffectClrLst/>
+  </dgm:styleLbl>
+  <dgm:styleLbl name="revTx">
+    <dgm:fillClrLst meth="repeat">
+      <a:schemeClr val="lt1">
+        <a:alpha val="0"/>
+      </a:schemeClr>
+    </dgm:fillClrLst>
+    <dgm:linClrLst meth="repeat">
+      <a:schemeClr val="dk1">
+        <a:alpha val="0"/>
+      </a:schemeClr>
+    </dgm:linClrLst>
+    <dgm:effectClrLst/>
+    <dgm:txLinClrLst/>
+    <dgm:txFillClrLst meth="repeat">
+      <a:schemeClr val="tx1"/>
+    </dgm:txFillClrLst>
+    <dgm:txEffectClrLst/>
+  </dgm:styleLbl>
+</dgm:colorsDef>
+</file>
+
+<file path=ppt/diagrams/colors3.xml><?xml version="1.0" encoding="utf-8"?>
 <dgm:colorsDef xmlns:dgm="http://schemas.openxmlformats.org/drawingml/2006/diagram" xmlns:a="http://schemas.openxmlformats.org/drawingml/2006/main" uniqueId="urn:microsoft.com/office/officeart/2005/8/colors/accent1_2">
   <dgm:title val=""/>
   <dgm:desc val=""/>
@@ -2071,29 +2822,29 @@
     </dgm:pt>
   </dgm:ptLst>
   <dgm:cxnLst>
-    <dgm:cxn modelId="{1DDB9DCD-020B-4D73-B935-BFAAFC8BB99B}" srcId="{AFCA28FE-8865-4267-BA3F-C08208326948}" destId="{FAE17267-1157-44AB-868F-771324119380}" srcOrd="4" destOrd="0" parTransId="{6DC68754-8A65-4033-BF6B-33AE20080845}" sibTransId="{FB07CB8F-312F-4EA0-8F08-200DA7D944EB}"/>
+    <dgm:cxn modelId="{1AE085C5-6F51-420A-9FE7-F3E82256E9B9}" type="presOf" srcId="{30495CE7-FEE3-4F5C-A61E-76230EDD136B}" destId="{814A8E07-048C-471A-BBA7-D41505E9B98A}" srcOrd="1" destOrd="0" presId="urn:microsoft.com/office/officeart/2005/8/layout/radial1"/>
     <dgm:cxn modelId="{9C1671E6-5BB4-4115-B6A1-8D101C23A31F}" srcId="{AFCA28FE-8865-4267-BA3F-C08208326948}" destId="{3971EDF3-5E9E-4703-A6BA-E34CAC03BAE7}" srcOrd="0" destOrd="0" parTransId="{30495CE7-FEE3-4F5C-A61E-76230EDD136B}" sibTransId="{50E33090-435B-4F67-80BA-0C092CCEB04E}"/>
-    <dgm:cxn modelId="{1DF33BBD-1BB3-4875-B28D-8718445A213E}" type="presOf" srcId="{6DC68754-8A65-4033-BF6B-33AE20080845}" destId="{2DB5939B-B49D-4DE8-A2A0-5856286845E5}" srcOrd="0" destOrd="0" presId="urn:microsoft.com/office/officeart/2005/8/layout/radial1"/>
-    <dgm:cxn modelId="{C679252F-B9AF-443E-AFD3-AC57139245F7}" type="presOf" srcId="{3971EDF3-5E9E-4703-A6BA-E34CAC03BAE7}" destId="{D3ABC979-A187-493D-AD82-9C3961828BC0}" srcOrd="0" destOrd="0" presId="urn:microsoft.com/office/officeart/2005/8/layout/radial1"/>
-    <dgm:cxn modelId="{471F4DB3-DF8C-4C5C-A5B8-28FBEA46857E}" srcId="{2C8CEAFA-6EDE-4CEE-AD96-9CCA396B543E}" destId="{AFCA28FE-8865-4267-BA3F-C08208326948}" srcOrd="0" destOrd="0" parTransId="{15BECEDA-8CCE-42CF-A25F-9131CD63BBBC}" sibTransId="{83D61A94-BC05-4162-A96C-F57ECBD3E911}"/>
     <dgm:cxn modelId="{1B1AC71D-404F-4DB0-AF24-736C5B00F8C5}" type="presOf" srcId="{B94CBC8E-B388-4F10-A51E-C7A896696E62}" destId="{32A6C963-02E6-4E04-AD11-13C61D252FE5}" srcOrd="0" destOrd="0" presId="urn:microsoft.com/office/officeart/2005/8/layout/radial1"/>
-    <dgm:cxn modelId="{72FF1928-D79D-42EC-AC79-90A9E68D1364}" type="presOf" srcId="{7E20CC88-1F0A-438E-916D-0AF2098D81CF}" destId="{AC7D0357-7189-4320-BF33-DE16EF0D7FC6}" srcOrd="0" destOrd="0" presId="urn:microsoft.com/office/officeart/2005/8/layout/radial1"/>
-    <dgm:cxn modelId="{9CF6BC32-738B-4011-A0BB-E48F53C119BE}" type="presOf" srcId="{2F463147-07E8-4964-916E-9A15CC951ABF}" destId="{4D7594C6-3EA5-4BEE-B14E-A61C91AB5A56}" srcOrd="0" destOrd="0" presId="urn:microsoft.com/office/officeart/2005/8/layout/radial1"/>
-    <dgm:cxn modelId="{E8B57F11-0A04-40C6-9A3E-399FD016281F}" type="presOf" srcId="{7E20CC88-1F0A-438E-916D-0AF2098D81CF}" destId="{8FAA735F-735B-415A-AD6E-617940076933}" srcOrd="1" destOrd="0" presId="urn:microsoft.com/office/officeart/2005/8/layout/radial1"/>
-    <dgm:cxn modelId="{790BC292-91EC-419E-A983-E5D43E5BB38F}" type="presOf" srcId="{3098B158-E4CA-46D2-ADB3-2FD1AF69437E}" destId="{9246690B-84CC-4322-90C3-6933A0DB24FF}" srcOrd="1" destOrd="0" presId="urn:microsoft.com/office/officeart/2005/8/layout/radial1"/>
+    <dgm:cxn modelId="{C14B38EE-6279-4E9E-AA3C-B3021F927A85}" srcId="{AFCA28FE-8865-4267-BA3F-C08208326948}" destId="{14CBB5D9-64A8-4345-8BBE-AC5A75C41DF7}" srcOrd="3" destOrd="0" parTransId="{7E20CC88-1F0A-438E-916D-0AF2098D81CF}" sibTransId="{1010AF5D-02A0-43D3-AFFD-CB3728F105E4}"/>
+    <dgm:cxn modelId="{CF8ECA37-E160-4E8D-9725-833EC9D3057F}" type="presOf" srcId="{A6C5C48A-CD14-44D9-83EA-8B96B97E2223}" destId="{13480AE2-D0CC-43D9-95CF-5CEF4899DAC4}" srcOrd="0" destOrd="0" presId="urn:microsoft.com/office/officeart/2005/8/layout/radial1"/>
     <dgm:cxn modelId="{E35B0233-070E-4CE6-B29D-F27D9414874B}" type="presOf" srcId="{AFCA28FE-8865-4267-BA3F-C08208326948}" destId="{4D38731E-B89C-4F2E-86F2-3DD458E53F29}" srcOrd="0" destOrd="0" presId="urn:microsoft.com/office/officeart/2005/8/layout/radial1"/>
-    <dgm:cxn modelId="{D9DF52E3-B900-4CA2-AC3C-9ADF6003EDDF}" type="presOf" srcId="{B94CBC8E-B388-4F10-A51E-C7A896696E62}" destId="{BEEF1F93-D000-4123-9621-D36ABF846AEA}" srcOrd="1" destOrd="0" presId="urn:microsoft.com/office/officeart/2005/8/layout/radial1"/>
-    <dgm:cxn modelId="{8CEE6A46-CFA4-4D81-B1D0-D2CB62310FDA}" type="presOf" srcId="{FAE17267-1157-44AB-868F-771324119380}" destId="{B45025AF-8C8A-4EFD-9E78-0A9E4C884438}" srcOrd="0" destOrd="0" presId="urn:microsoft.com/office/officeart/2005/8/layout/radial1"/>
-    <dgm:cxn modelId="{CF8ECA37-E160-4E8D-9725-833EC9D3057F}" type="presOf" srcId="{A6C5C48A-CD14-44D9-83EA-8B96B97E2223}" destId="{13480AE2-D0CC-43D9-95CF-5CEF4899DAC4}" srcOrd="0" destOrd="0" presId="urn:microsoft.com/office/officeart/2005/8/layout/radial1"/>
-    <dgm:cxn modelId="{321FD252-E7D9-4C32-A1B6-930F9E12DBE9}" type="presOf" srcId="{2C8CEAFA-6EDE-4CEE-AD96-9CCA396B543E}" destId="{4C588477-F4FD-4377-91E3-E0CBA21E4E35}" srcOrd="0" destOrd="0" presId="urn:microsoft.com/office/officeart/2005/8/layout/radial1"/>
-    <dgm:cxn modelId="{1580D59C-8BD8-475A-BEA7-3F778D17EA7E}" srcId="{AFCA28FE-8865-4267-BA3F-C08208326948}" destId="{A6C5C48A-CD14-44D9-83EA-8B96B97E2223}" srcOrd="2" destOrd="0" parTransId="{B94CBC8E-B388-4F10-A51E-C7A896696E62}" sibTransId="{750278A5-5AD1-4DC8-BB82-2A1C900EE924}"/>
+    <dgm:cxn modelId="{086FD548-C3B3-4497-B7D3-BAA87855B603}" type="presOf" srcId="{14CBB5D9-64A8-4345-8BBE-AC5A75C41DF7}" destId="{B91882FC-8DB4-4777-82C8-E0126D59D040}" srcOrd="0" destOrd="0" presId="urn:microsoft.com/office/officeart/2005/8/layout/radial1"/>
     <dgm:cxn modelId="{A24636A2-DD41-4DD5-A2FF-ECBE03DEEC12}" type="presOf" srcId="{30495CE7-FEE3-4F5C-A61E-76230EDD136B}" destId="{EBA34540-0A86-4554-A2B1-8F434CB9F934}" srcOrd="0" destOrd="0" presId="urn:microsoft.com/office/officeart/2005/8/layout/radial1"/>
     <dgm:cxn modelId="{B4D4E68E-B03C-42D8-8C7E-CE102C4D82DE}" srcId="{AFCA28FE-8865-4267-BA3F-C08208326948}" destId="{2F463147-07E8-4964-916E-9A15CC951ABF}" srcOrd="1" destOrd="0" parTransId="{3098B158-E4CA-46D2-ADB3-2FD1AF69437E}" sibTransId="{5700B56D-55A0-4EB2-AA08-9FC7A3DE77F3}"/>
-    <dgm:cxn modelId="{086FD548-C3B3-4497-B7D3-BAA87855B603}" type="presOf" srcId="{14CBB5D9-64A8-4345-8BBE-AC5A75C41DF7}" destId="{B91882FC-8DB4-4777-82C8-E0126D59D040}" srcOrd="0" destOrd="0" presId="urn:microsoft.com/office/officeart/2005/8/layout/radial1"/>
+    <dgm:cxn modelId="{E8B57F11-0A04-40C6-9A3E-399FD016281F}" type="presOf" srcId="{7E20CC88-1F0A-438E-916D-0AF2098D81CF}" destId="{8FAA735F-735B-415A-AD6E-617940076933}" srcOrd="1" destOrd="0" presId="urn:microsoft.com/office/officeart/2005/8/layout/radial1"/>
+    <dgm:cxn modelId="{AC4DF629-993F-4249-8A5E-B58723F3905F}" type="presOf" srcId="{3098B158-E4CA-46D2-ADB3-2FD1AF69437E}" destId="{C0C516CD-91B4-4ED5-9418-78AF4EE14940}" srcOrd="0" destOrd="0" presId="urn:microsoft.com/office/officeart/2005/8/layout/radial1"/>
+    <dgm:cxn modelId="{1DF33BBD-1BB3-4875-B28D-8718445A213E}" type="presOf" srcId="{6DC68754-8A65-4033-BF6B-33AE20080845}" destId="{2DB5939B-B49D-4DE8-A2A0-5856286845E5}" srcOrd="0" destOrd="0" presId="urn:microsoft.com/office/officeart/2005/8/layout/radial1"/>
     <dgm:cxn modelId="{4532F8BF-A9E2-45AA-B8D6-376413C26B90}" type="presOf" srcId="{6DC68754-8A65-4033-BF6B-33AE20080845}" destId="{93F5DBB4-03A9-45BE-9C32-9E73CB60793A}" srcOrd="1" destOrd="0" presId="urn:microsoft.com/office/officeart/2005/8/layout/radial1"/>
-    <dgm:cxn modelId="{1AE085C5-6F51-420A-9FE7-F3E82256E9B9}" type="presOf" srcId="{30495CE7-FEE3-4F5C-A61E-76230EDD136B}" destId="{814A8E07-048C-471A-BBA7-D41505E9B98A}" srcOrd="1" destOrd="0" presId="urn:microsoft.com/office/officeart/2005/8/layout/radial1"/>
-    <dgm:cxn modelId="{AC4DF629-993F-4249-8A5E-B58723F3905F}" type="presOf" srcId="{3098B158-E4CA-46D2-ADB3-2FD1AF69437E}" destId="{C0C516CD-91B4-4ED5-9418-78AF4EE14940}" srcOrd="0" destOrd="0" presId="urn:microsoft.com/office/officeart/2005/8/layout/radial1"/>
-    <dgm:cxn modelId="{C14B38EE-6279-4E9E-AA3C-B3021F927A85}" srcId="{AFCA28FE-8865-4267-BA3F-C08208326948}" destId="{14CBB5D9-64A8-4345-8BBE-AC5A75C41DF7}" srcOrd="3" destOrd="0" parTransId="{7E20CC88-1F0A-438E-916D-0AF2098D81CF}" sibTransId="{1010AF5D-02A0-43D3-AFFD-CB3728F105E4}"/>
+    <dgm:cxn modelId="{9CF6BC32-738B-4011-A0BB-E48F53C119BE}" type="presOf" srcId="{2F463147-07E8-4964-916E-9A15CC951ABF}" destId="{4D7594C6-3EA5-4BEE-B14E-A61C91AB5A56}" srcOrd="0" destOrd="0" presId="urn:microsoft.com/office/officeart/2005/8/layout/radial1"/>
+    <dgm:cxn modelId="{471F4DB3-DF8C-4C5C-A5B8-28FBEA46857E}" srcId="{2C8CEAFA-6EDE-4CEE-AD96-9CCA396B543E}" destId="{AFCA28FE-8865-4267-BA3F-C08208326948}" srcOrd="0" destOrd="0" parTransId="{15BECEDA-8CCE-42CF-A25F-9131CD63BBBC}" sibTransId="{83D61A94-BC05-4162-A96C-F57ECBD3E911}"/>
+    <dgm:cxn modelId="{321FD252-E7D9-4C32-A1B6-930F9E12DBE9}" type="presOf" srcId="{2C8CEAFA-6EDE-4CEE-AD96-9CCA396B543E}" destId="{4C588477-F4FD-4377-91E3-E0CBA21E4E35}" srcOrd="0" destOrd="0" presId="urn:microsoft.com/office/officeart/2005/8/layout/radial1"/>
+    <dgm:cxn modelId="{D9DF52E3-B900-4CA2-AC3C-9ADF6003EDDF}" type="presOf" srcId="{B94CBC8E-B388-4F10-A51E-C7A896696E62}" destId="{BEEF1F93-D000-4123-9621-D36ABF846AEA}" srcOrd="1" destOrd="0" presId="urn:microsoft.com/office/officeart/2005/8/layout/radial1"/>
+    <dgm:cxn modelId="{72FF1928-D79D-42EC-AC79-90A9E68D1364}" type="presOf" srcId="{7E20CC88-1F0A-438E-916D-0AF2098D81CF}" destId="{AC7D0357-7189-4320-BF33-DE16EF0D7FC6}" srcOrd="0" destOrd="0" presId="urn:microsoft.com/office/officeart/2005/8/layout/radial1"/>
+    <dgm:cxn modelId="{8CEE6A46-CFA4-4D81-B1D0-D2CB62310FDA}" type="presOf" srcId="{FAE17267-1157-44AB-868F-771324119380}" destId="{B45025AF-8C8A-4EFD-9E78-0A9E4C884438}" srcOrd="0" destOrd="0" presId="urn:microsoft.com/office/officeart/2005/8/layout/radial1"/>
+    <dgm:cxn modelId="{1580D59C-8BD8-475A-BEA7-3F778D17EA7E}" srcId="{AFCA28FE-8865-4267-BA3F-C08208326948}" destId="{A6C5C48A-CD14-44D9-83EA-8B96B97E2223}" srcOrd="2" destOrd="0" parTransId="{B94CBC8E-B388-4F10-A51E-C7A896696E62}" sibTransId="{750278A5-5AD1-4DC8-BB82-2A1C900EE924}"/>
+    <dgm:cxn modelId="{790BC292-91EC-419E-A983-E5D43E5BB38F}" type="presOf" srcId="{3098B158-E4CA-46D2-ADB3-2FD1AF69437E}" destId="{9246690B-84CC-4322-90C3-6933A0DB24FF}" srcOrd="1" destOrd="0" presId="urn:microsoft.com/office/officeart/2005/8/layout/radial1"/>
+    <dgm:cxn modelId="{1DDB9DCD-020B-4D73-B935-BFAAFC8BB99B}" srcId="{AFCA28FE-8865-4267-BA3F-C08208326948}" destId="{FAE17267-1157-44AB-868F-771324119380}" srcOrd="4" destOrd="0" parTransId="{6DC68754-8A65-4033-BF6B-33AE20080845}" sibTransId="{FB07CB8F-312F-4EA0-8F08-200DA7D944EB}"/>
+    <dgm:cxn modelId="{C679252F-B9AF-443E-AFD3-AC57139245F7}" type="presOf" srcId="{3971EDF3-5E9E-4703-A6BA-E34CAC03BAE7}" destId="{D3ABC979-A187-493D-AD82-9C3961828BC0}" srcOrd="0" destOrd="0" presId="urn:microsoft.com/office/officeart/2005/8/layout/radial1"/>
     <dgm:cxn modelId="{CF1DBA65-D443-41AF-A263-BCC08A6398FC}" type="presParOf" srcId="{4C588477-F4FD-4377-91E3-E0CBA21E4E35}" destId="{4D38731E-B89C-4F2E-86F2-3DD458E53F29}" srcOrd="0" destOrd="0" presId="urn:microsoft.com/office/officeart/2005/8/layout/radial1"/>
     <dgm:cxn modelId="{729A0B41-B15E-4450-9F84-0DB53625C4E6}" type="presParOf" srcId="{4C588477-F4FD-4377-91E3-E0CBA21E4E35}" destId="{EBA34540-0A86-4554-A2B1-8F434CB9F934}" srcOrd="1" destOrd="0" presId="urn:microsoft.com/office/officeart/2005/8/layout/radial1"/>
     <dgm:cxn modelId="{8CD39598-A9C4-45A4-9C25-4BAFCAA0B0AA}" type="presParOf" srcId="{EBA34540-0A86-4554-A2B1-8F434CB9F934}" destId="{814A8E07-048C-471A-BBA7-D41505E9B98A}" srcOrd="0" destOrd="0" presId="urn:microsoft.com/office/officeart/2005/8/layout/radial1"/>
@@ -2519,6 +3270,395 @@
   <dgm:bg>
     <a:noFill/>
   </dgm:bg>
+  <dgm:whole/>
+  <dgm:extLst>
+    <a:ext uri="http://schemas.microsoft.com/office/drawing/2008/diagram">
+      <dsp:dataModelExt xmlns:dsp="http://schemas.microsoft.com/office/drawing/2008/diagram" relId="rId6" minVer="http://schemas.openxmlformats.org/drawingml/2006/diagram"/>
+    </a:ext>
+  </dgm:extLst>
+</dgm:dataModel>
+</file>
+
+<file path=ppt/diagrams/data3.xml><?xml version="1.0" encoding="utf-8"?>
+<dgm:dataModel xmlns:dgm="http://schemas.openxmlformats.org/drawingml/2006/diagram" xmlns:a="http://schemas.openxmlformats.org/drawingml/2006/main">
+  <dgm:ptLst>
+    <dgm:pt modelId="{CD9869A5-DB7C-4FCC-AF11-ED61EB23D4C1}" type="doc">
+      <dgm:prSet loTypeId="urn:microsoft.com/office/officeart/2008/layout/HorizontalMultiLevelHierarchy" loCatId="hierarchy" qsTypeId="urn:microsoft.com/office/officeart/2005/8/quickstyle/simple1" qsCatId="simple" csTypeId="urn:microsoft.com/office/officeart/2005/8/colors/accent1_2" csCatId="accent1" phldr="1"/>
+      <dgm:spPr/>
+      <dgm:t>
+        <a:bodyPr/>
+        <a:lstStyle/>
+        <a:p>
+          <a:endParaRPr lang="en-IN"/>
+        </a:p>
+      </dgm:t>
+    </dgm:pt>
+    <dgm:pt modelId="{EB3F85B6-7778-4AA4-945B-DDA6D81EEA80}">
+      <dgm:prSet phldrT="[Text]"/>
+      <dgm:spPr/>
+      <dgm:t>
+        <a:bodyPr/>
+        <a:lstStyle/>
+        <a:p>
+          <a:r>
+            <a:rPr lang="en-IN" dirty="0" err="1" smtClean="0"/>
+            <a:t>cirticisms</a:t>
+          </a:r>
+          <a:endParaRPr lang="en-IN" dirty="0"/>
+        </a:p>
+      </dgm:t>
+    </dgm:pt>
+    <dgm:pt modelId="{62026E28-3556-4881-B642-E5B91F2B0800}" type="parTrans" cxnId="{D9C1ED83-179C-4338-B123-A1AA44CC9158}">
+      <dgm:prSet/>
+      <dgm:spPr/>
+      <dgm:t>
+        <a:bodyPr/>
+        <a:lstStyle/>
+        <a:p>
+          <a:endParaRPr lang="en-IN"/>
+        </a:p>
+      </dgm:t>
+    </dgm:pt>
+    <dgm:pt modelId="{F9856985-484E-4D2E-9026-861A294B7FD0}" type="sibTrans" cxnId="{D9C1ED83-179C-4338-B123-A1AA44CC9158}">
+      <dgm:prSet/>
+      <dgm:spPr/>
+      <dgm:t>
+        <a:bodyPr/>
+        <a:lstStyle/>
+        <a:p>
+          <a:endParaRPr lang="en-IN"/>
+        </a:p>
+      </dgm:t>
+    </dgm:pt>
+    <dgm:pt modelId="{799D0458-7874-4E17-A321-F4E36B8E5BA3}">
+      <dgm:prSet phldrT="[Text]"/>
+      <dgm:spPr/>
+      <dgm:t>
+        <a:bodyPr/>
+        <a:lstStyle/>
+        <a:p>
+          <a:r>
+            <a:rPr lang="en-IN" dirty="0" smtClean="0"/>
+            <a:t>Lack of structure and </a:t>
+          </a:r>
+          <a:r>
+            <a:rPr lang="en-IN" smtClean="0"/>
+            <a:t>necessary documentation</a:t>
+          </a:r>
+          <a:endParaRPr lang="en-IN" dirty="0"/>
+        </a:p>
+      </dgm:t>
+    </dgm:pt>
+    <dgm:pt modelId="{8FCB8CDC-11D7-4B37-9E54-C12782813E02}" type="parTrans" cxnId="{DBE94031-4463-4859-879C-7E44291035B3}">
+      <dgm:prSet/>
+      <dgm:spPr/>
+      <dgm:t>
+        <a:bodyPr/>
+        <a:lstStyle/>
+        <a:p>
+          <a:endParaRPr lang="en-IN"/>
+        </a:p>
+      </dgm:t>
+    </dgm:pt>
+    <dgm:pt modelId="{42C8F76C-7BDF-4DC7-AC94-EF6D885824A2}" type="sibTrans" cxnId="{DBE94031-4463-4859-879C-7E44291035B3}">
+      <dgm:prSet/>
+      <dgm:spPr/>
+      <dgm:t>
+        <a:bodyPr/>
+        <a:lstStyle/>
+        <a:p>
+          <a:endParaRPr lang="en-IN"/>
+        </a:p>
+      </dgm:t>
+    </dgm:pt>
+    <dgm:pt modelId="{43C71346-2FE2-4153-9094-1D2224CD58F1}">
+      <dgm:prSet phldrT="[Text]"/>
+      <dgm:spPr/>
+      <dgm:t>
+        <a:bodyPr/>
+        <a:lstStyle/>
+        <a:p>
+          <a:r>
+            <a:rPr lang="en-IN" dirty="0" smtClean="0"/>
+            <a:t>Requires too much cultural changes to adopt</a:t>
+          </a:r>
+          <a:endParaRPr lang="en-IN" dirty="0"/>
+        </a:p>
+      </dgm:t>
+    </dgm:pt>
+    <dgm:pt modelId="{DCE1AD03-3B7D-4BA3-A95D-AA03B3D30DBC}" type="parTrans" cxnId="{B147A9A0-C7C8-4498-B685-71547CFAB901}">
+      <dgm:prSet/>
+      <dgm:spPr/>
+      <dgm:t>
+        <a:bodyPr/>
+        <a:lstStyle/>
+        <a:p>
+          <a:endParaRPr lang="en-IN"/>
+        </a:p>
+      </dgm:t>
+    </dgm:pt>
+    <dgm:pt modelId="{1E429405-6CC9-4696-81E3-58251957F9E4}" type="sibTrans" cxnId="{B147A9A0-C7C8-4498-B685-71547CFAB901}">
+      <dgm:prSet/>
+      <dgm:spPr/>
+      <dgm:t>
+        <a:bodyPr/>
+        <a:lstStyle/>
+        <a:p>
+          <a:endParaRPr lang="en-IN"/>
+        </a:p>
+      </dgm:t>
+    </dgm:pt>
+    <dgm:pt modelId="{C1043AE4-5531-4746-8807-BCFFA516B415}">
+      <dgm:prSet phldrT="[Text]"/>
+      <dgm:spPr/>
+      <dgm:t>
+        <a:bodyPr/>
+        <a:lstStyle/>
+        <a:p>
+          <a:r>
+            <a:rPr lang="en-IN" dirty="0" smtClean="0"/>
+            <a:t>Works with senior-level developers</a:t>
+          </a:r>
+          <a:endParaRPr lang="en-IN" dirty="0"/>
+        </a:p>
+      </dgm:t>
+    </dgm:pt>
+    <dgm:pt modelId="{7BBAF57B-D3E8-4357-848D-DFFA9F4E7918}" type="parTrans" cxnId="{8608CFD2-475F-4E9C-9E8E-8BA56D1B0C0C}">
+      <dgm:prSet/>
+      <dgm:spPr/>
+      <dgm:t>
+        <a:bodyPr/>
+        <a:lstStyle/>
+        <a:p>
+          <a:endParaRPr lang="en-IN"/>
+        </a:p>
+      </dgm:t>
+    </dgm:pt>
+    <dgm:pt modelId="{5A72311F-6494-4A91-A4C6-4EFB2A5EBC58}" type="sibTrans" cxnId="{8608CFD2-475F-4E9C-9E8E-8BA56D1B0C0C}">
+      <dgm:prSet/>
+      <dgm:spPr/>
+      <dgm:t>
+        <a:bodyPr/>
+        <a:lstStyle/>
+        <a:p>
+          <a:endParaRPr lang="en-IN"/>
+        </a:p>
+      </dgm:t>
+    </dgm:pt>
+    <dgm:pt modelId="{68715311-EFDF-477D-B410-BAE0296EC67A}" type="pres">
+      <dgm:prSet presAssocID="{CD9869A5-DB7C-4FCC-AF11-ED61EB23D4C1}" presName="Name0" presStyleCnt="0">
+        <dgm:presLayoutVars>
+          <dgm:chPref val="1"/>
+          <dgm:dir/>
+          <dgm:animOne val="branch"/>
+          <dgm:animLvl val="lvl"/>
+          <dgm:resizeHandles val="exact"/>
+        </dgm:presLayoutVars>
+      </dgm:prSet>
+      <dgm:spPr/>
+      <dgm:t>
+        <a:bodyPr/>
+        <a:lstStyle/>
+        <a:p>
+          <a:endParaRPr lang="en-IN"/>
+        </a:p>
+      </dgm:t>
+    </dgm:pt>
+    <dgm:pt modelId="{0333C638-5A07-4997-A40A-AB36EFF7618B}" type="pres">
+      <dgm:prSet presAssocID="{EB3F85B6-7778-4AA4-945B-DDA6D81EEA80}" presName="root1" presStyleCnt="0"/>
+      <dgm:spPr/>
+    </dgm:pt>
+    <dgm:pt modelId="{5CBFE96B-5747-438E-A410-CEE1027187FF}" type="pres">
+      <dgm:prSet presAssocID="{EB3F85B6-7778-4AA4-945B-DDA6D81EEA80}" presName="LevelOneTextNode" presStyleLbl="node0" presStyleIdx="0" presStyleCnt="1">
+        <dgm:presLayoutVars>
+          <dgm:chPref val="3"/>
+        </dgm:presLayoutVars>
+      </dgm:prSet>
+      <dgm:spPr/>
+      <dgm:t>
+        <a:bodyPr/>
+        <a:lstStyle/>
+        <a:p>
+          <a:endParaRPr lang="en-IN"/>
+        </a:p>
+      </dgm:t>
+    </dgm:pt>
+    <dgm:pt modelId="{6F0C910B-B194-4D23-BA9A-841CF7EBE589}" type="pres">
+      <dgm:prSet presAssocID="{EB3F85B6-7778-4AA4-945B-DDA6D81EEA80}" presName="level2hierChild" presStyleCnt="0"/>
+      <dgm:spPr/>
+    </dgm:pt>
+    <dgm:pt modelId="{63CBAC53-C0C5-439F-AAC0-2627C0CE7ADE}" type="pres">
+      <dgm:prSet presAssocID="{8FCB8CDC-11D7-4B37-9E54-C12782813E02}" presName="conn2-1" presStyleLbl="parChTrans1D2" presStyleIdx="0" presStyleCnt="3"/>
+      <dgm:spPr/>
+      <dgm:t>
+        <a:bodyPr/>
+        <a:lstStyle/>
+        <a:p>
+          <a:endParaRPr lang="en-IN"/>
+        </a:p>
+      </dgm:t>
+    </dgm:pt>
+    <dgm:pt modelId="{2A02AF96-2CD3-43F0-824E-1D9B3AB89ACA}" type="pres">
+      <dgm:prSet presAssocID="{8FCB8CDC-11D7-4B37-9E54-C12782813E02}" presName="connTx" presStyleLbl="parChTrans1D2" presStyleIdx="0" presStyleCnt="3"/>
+      <dgm:spPr/>
+      <dgm:t>
+        <a:bodyPr/>
+        <a:lstStyle/>
+        <a:p>
+          <a:endParaRPr lang="en-IN"/>
+        </a:p>
+      </dgm:t>
+    </dgm:pt>
+    <dgm:pt modelId="{38A64432-662D-40AB-8BB1-1995346CF5E4}" type="pres">
+      <dgm:prSet presAssocID="{799D0458-7874-4E17-A321-F4E36B8E5BA3}" presName="root2" presStyleCnt="0"/>
+      <dgm:spPr/>
+    </dgm:pt>
+    <dgm:pt modelId="{9ECC6E07-57FC-4935-8AE9-D0CAA69516BB}" type="pres">
+      <dgm:prSet presAssocID="{799D0458-7874-4E17-A321-F4E36B8E5BA3}" presName="LevelTwoTextNode" presStyleLbl="node2" presStyleIdx="0" presStyleCnt="3">
+        <dgm:presLayoutVars>
+          <dgm:chPref val="3"/>
+        </dgm:presLayoutVars>
+      </dgm:prSet>
+      <dgm:spPr/>
+      <dgm:t>
+        <a:bodyPr/>
+        <a:lstStyle/>
+        <a:p>
+          <a:endParaRPr lang="en-IN"/>
+        </a:p>
+      </dgm:t>
+    </dgm:pt>
+    <dgm:pt modelId="{DC373068-7073-41A3-8093-3849E1396100}" type="pres">
+      <dgm:prSet presAssocID="{799D0458-7874-4E17-A321-F4E36B8E5BA3}" presName="level3hierChild" presStyleCnt="0"/>
+      <dgm:spPr/>
+    </dgm:pt>
+    <dgm:pt modelId="{3E3A3D94-077E-4E9C-A496-300259394F9E}" type="pres">
+      <dgm:prSet presAssocID="{DCE1AD03-3B7D-4BA3-A95D-AA03B3D30DBC}" presName="conn2-1" presStyleLbl="parChTrans1D2" presStyleIdx="1" presStyleCnt="3"/>
+      <dgm:spPr/>
+      <dgm:t>
+        <a:bodyPr/>
+        <a:lstStyle/>
+        <a:p>
+          <a:endParaRPr lang="en-IN"/>
+        </a:p>
+      </dgm:t>
+    </dgm:pt>
+    <dgm:pt modelId="{F198DCCA-5906-4E75-A47C-9B0A0E53C6BE}" type="pres">
+      <dgm:prSet presAssocID="{DCE1AD03-3B7D-4BA3-A95D-AA03B3D30DBC}" presName="connTx" presStyleLbl="parChTrans1D2" presStyleIdx="1" presStyleCnt="3"/>
+      <dgm:spPr/>
+      <dgm:t>
+        <a:bodyPr/>
+        <a:lstStyle/>
+        <a:p>
+          <a:endParaRPr lang="en-IN"/>
+        </a:p>
+      </dgm:t>
+    </dgm:pt>
+    <dgm:pt modelId="{3CD5033E-A629-4AF6-ABBE-1D4446DBDD29}" type="pres">
+      <dgm:prSet presAssocID="{43C71346-2FE2-4153-9094-1D2224CD58F1}" presName="root2" presStyleCnt="0"/>
+      <dgm:spPr/>
+    </dgm:pt>
+    <dgm:pt modelId="{B58460D7-F2A5-4498-8357-C69E62DACEB3}" type="pres">
+      <dgm:prSet presAssocID="{43C71346-2FE2-4153-9094-1D2224CD58F1}" presName="LevelTwoTextNode" presStyleLbl="node2" presStyleIdx="1" presStyleCnt="3">
+        <dgm:presLayoutVars>
+          <dgm:chPref val="3"/>
+        </dgm:presLayoutVars>
+      </dgm:prSet>
+      <dgm:spPr/>
+      <dgm:t>
+        <a:bodyPr/>
+        <a:lstStyle/>
+        <a:p>
+          <a:endParaRPr lang="en-IN"/>
+        </a:p>
+      </dgm:t>
+    </dgm:pt>
+    <dgm:pt modelId="{E5EDC364-4309-4DBD-BC24-41254DB6DCB9}" type="pres">
+      <dgm:prSet presAssocID="{43C71346-2FE2-4153-9094-1D2224CD58F1}" presName="level3hierChild" presStyleCnt="0"/>
+      <dgm:spPr/>
+    </dgm:pt>
+    <dgm:pt modelId="{6BCE7F5B-9773-4ADA-AD63-E31815063815}" type="pres">
+      <dgm:prSet presAssocID="{7BBAF57B-D3E8-4357-848D-DFFA9F4E7918}" presName="conn2-1" presStyleLbl="parChTrans1D2" presStyleIdx="2" presStyleCnt="3"/>
+      <dgm:spPr/>
+      <dgm:t>
+        <a:bodyPr/>
+        <a:lstStyle/>
+        <a:p>
+          <a:endParaRPr lang="en-IN"/>
+        </a:p>
+      </dgm:t>
+    </dgm:pt>
+    <dgm:pt modelId="{F01C9ADB-912E-4826-B2EC-BF87E964F707}" type="pres">
+      <dgm:prSet presAssocID="{7BBAF57B-D3E8-4357-848D-DFFA9F4E7918}" presName="connTx" presStyleLbl="parChTrans1D2" presStyleIdx="2" presStyleCnt="3"/>
+      <dgm:spPr/>
+      <dgm:t>
+        <a:bodyPr/>
+        <a:lstStyle/>
+        <a:p>
+          <a:endParaRPr lang="en-IN"/>
+        </a:p>
+      </dgm:t>
+    </dgm:pt>
+    <dgm:pt modelId="{CAAF8225-6441-405E-A687-07D4D7C9C6DE}" type="pres">
+      <dgm:prSet presAssocID="{C1043AE4-5531-4746-8807-BCFFA516B415}" presName="root2" presStyleCnt="0"/>
+      <dgm:spPr/>
+    </dgm:pt>
+    <dgm:pt modelId="{149461F4-D8ED-4D3D-93C2-1DF1FA987DA4}" type="pres">
+      <dgm:prSet presAssocID="{C1043AE4-5531-4746-8807-BCFFA516B415}" presName="LevelTwoTextNode" presStyleLbl="node2" presStyleIdx="2" presStyleCnt="3">
+        <dgm:presLayoutVars>
+          <dgm:chPref val="3"/>
+        </dgm:presLayoutVars>
+      </dgm:prSet>
+      <dgm:spPr/>
+      <dgm:t>
+        <a:bodyPr/>
+        <a:lstStyle/>
+        <a:p>
+          <a:endParaRPr lang="en-IN"/>
+        </a:p>
+      </dgm:t>
+    </dgm:pt>
+    <dgm:pt modelId="{C6BDCDFD-3E10-41DD-A186-3D9DCC87635A}" type="pres">
+      <dgm:prSet presAssocID="{C1043AE4-5531-4746-8807-BCFFA516B415}" presName="level3hierChild" presStyleCnt="0"/>
+      <dgm:spPr/>
+    </dgm:pt>
+  </dgm:ptLst>
+  <dgm:cxnLst>
+    <dgm:cxn modelId="{34C04B3A-5A15-4F8C-9D9C-E466789570D3}" type="presOf" srcId="{EB3F85B6-7778-4AA4-945B-DDA6D81EEA80}" destId="{5CBFE96B-5747-438E-A410-CEE1027187FF}" srcOrd="0" destOrd="0" presId="urn:microsoft.com/office/officeart/2008/layout/HorizontalMultiLevelHierarchy"/>
+    <dgm:cxn modelId="{8608CFD2-475F-4E9C-9E8E-8BA56D1B0C0C}" srcId="{EB3F85B6-7778-4AA4-945B-DDA6D81EEA80}" destId="{C1043AE4-5531-4746-8807-BCFFA516B415}" srcOrd="2" destOrd="0" parTransId="{7BBAF57B-D3E8-4357-848D-DFFA9F4E7918}" sibTransId="{5A72311F-6494-4A91-A4C6-4EFB2A5EBC58}"/>
+    <dgm:cxn modelId="{DBE94031-4463-4859-879C-7E44291035B3}" srcId="{EB3F85B6-7778-4AA4-945B-DDA6D81EEA80}" destId="{799D0458-7874-4E17-A321-F4E36B8E5BA3}" srcOrd="0" destOrd="0" parTransId="{8FCB8CDC-11D7-4B37-9E54-C12782813E02}" sibTransId="{42C8F76C-7BDF-4DC7-AC94-EF6D885824A2}"/>
+    <dgm:cxn modelId="{0BE92054-1D67-4C7B-B527-A07ECD987171}" type="presOf" srcId="{C1043AE4-5531-4746-8807-BCFFA516B415}" destId="{149461F4-D8ED-4D3D-93C2-1DF1FA987DA4}" srcOrd="0" destOrd="0" presId="urn:microsoft.com/office/officeart/2008/layout/HorizontalMultiLevelHierarchy"/>
+    <dgm:cxn modelId="{E66F76E0-2EE5-43E8-BED8-E669BF459BD2}" type="presOf" srcId="{799D0458-7874-4E17-A321-F4E36B8E5BA3}" destId="{9ECC6E07-57FC-4935-8AE9-D0CAA69516BB}" srcOrd="0" destOrd="0" presId="urn:microsoft.com/office/officeart/2008/layout/HorizontalMultiLevelHierarchy"/>
+    <dgm:cxn modelId="{F9DF1A59-B3C7-4D0E-9194-17C5998A1157}" type="presOf" srcId="{DCE1AD03-3B7D-4BA3-A95D-AA03B3D30DBC}" destId="{3E3A3D94-077E-4E9C-A496-300259394F9E}" srcOrd="0" destOrd="0" presId="urn:microsoft.com/office/officeart/2008/layout/HorizontalMultiLevelHierarchy"/>
+    <dgm:cxn modelId="{C5A2A1BC-D045-48FD-AC47-E14C16E12F1D}" type="presOf" srcId="{7BBAF57B-D3E8-4357-848D-DFFA9F4E7918}" destId="{6BCE7F5B-9773-4ADA-AD63-E31815063815}" srcOrd="0" destOrd="0" presId="urn:microsoft.com/office/officeart/2008/layout/HorizontalMultiLevelHierarchy"/>
+    <dgm:cxn modelId="{1DB6353E-B3B7-4A7D-9A54-CC0B2363BB7D}" type="presOf" srcId="{DCE1AD03-3B7D-4BA3-A95D-AA03B3D30DBC}" destId="{F198DCCA-5906-4E75-A47C-9B0A0E53C6BE}" srcOrd="1" destOrd="0" presId="urn:microsoft.com/office/officeart/2008/layout/HorizontalMultiLevelHierarchy"/>
+    <dgm:cxn modelId="{B147A9A0-C7C8-4498-B685-71547CFAB901}" srcId="{EB3F85B6-7778-4AA4-945B-DDA6D81EEA80}" destId="{43C71346-2FE2-4153-9094-1D2224CD58F1}" srcOrd="1" destOrd="0" parTransId="{DCE1AD03-3B7D-4BA3-A95D-AA03B3D30DBC}" sibTransId="{1E429405-6CC9-4696-81E3-58251957F9E4}"/>
+    <dgm:cxn modelId="{D9C1ED83-179C-4338-B123-A1AA44CC9158}" srcId="{CD9869A5-DB7C-4FCC-AF11-ED61EB23D4C1}" destId="{EB3F85B6-7778-4AA4-945B-DDA6D81EEA80}" srcOrd="0" destOrd="0" parTransId="{62026E28-3556-4881-B642-E5B91F2B0800}" sibTransId="{F9856985-484E-4D2E-9026-861A294B7FD0}"/>
+    <dgm:cxn modelId="{F146A13D-4B08-4A65-9A19-69974A39042E}" type="presOf" srcId="{8FCB8CDC-11D7-4B37-9E54-C12782813E02}" destId="{2A02AF96-2CD3-43F0-824E-1D9B3AB89ACA}" srcOrd="1" destOrd="0" presId="urn:microsoft.com/office/officeart/2008/layout/HorizontalMultiLevelHierarchy"/>
+    <dgm:cxn modelId="{366E1899-3443-4921-8359-C6F7A639DEBB}" type="presOf" srcId="{43C71346-2FE2-4153-9094-1D2224CD58F1}" destId="{B58460D7-F2A5-4498-8357-C69E62DACEB3}" srcOrd="0" destOrd="0" presId="urn:microsoft.com/office/officeart/2008/layout/HorizontalMultiLevelHierarchy"/>
+    <dgm:cxn modelId="{F7EBF8E3-D63C-4EE9-B6A7-EE42E3852C48}" type="presOf" srcId="{8FCB8CDC-11D7-4B37-9E54-C12782813E02}" destId="{63CBAC53-C0C5-439F-AAC0-2627C0CE7ADE}" srcOrd="0" destOrd="0" presId="urn:microsoft.com/office/officeart/2008/layout/HorizontalMultiLevelHierarchy"/>
+    <dgm:cxn modelId="{83AD254A-6806-4DEB-BB68-81BB864F847C}" type="presOf" srcId="{7BBAF57B-D3E8-4357-848D-DFFA9F4E7918}" destId="{F01C9ADB-912E-4826-B2EC-BF87E964F707}" srcOrd="1" destOrd="0" presId="urn:microsoft.com/office/officeart/2008/layout/HorizontalMultiLevelHierarchy"/>
+    <dgm:cxn modelId="{9855D8E8-9CCA-490B-9420-C7FC4DDFE41D}" type="presOf" srcId="{CD9869A5-DB7C-4FCC-AF11-ED61EB23D4C1}" destId="{68715311-EFDF-477D-B410-BAE0296EC67A}" srcOrd="0" destOrd="0" presId="urn:microsoft.com/office/officeart/2008/layout/HorizontalMultiLevelHierarchy"/>
+    <dgm:cxn modelId="{93AA57FF-BA5A-41EA-B829-988B1502BD48}" type="presParOf" srcId="{68715311-EFDF-477D-B410-BAE0296EC67A}" destId="{0333C638-5A07-4997-A40A-AB36EFF7618B}" srcOrd="0" destOrd="0" presId="urn:microsoft.com/office/officeart/2008/layout/HorizontalMultiLevelHierarchy"/>
+    <dgm:cxn modelId="{8824D033-F4D6-427E-BEF1-32441F712F9C}" type="presParOf" srcId="{0333C638-5A07-4997-A40A-AB36EFF7618B}" destId="{5CBFE96B-5747-438E-A410-CEE1027187FF}" srcOrd="0" destOrd="0" presId="urn:microsoft.com/office/officeart/2008/layout/HorizontalMultiLevelHierarchy"/>
+    <dgm:cxn modelId="{34793364-9304-4EFC-93A9-68E9512561B9}" type="presParOf" srcId="{0333C638-5A07-4997-A40A-AB36EFF7618B}" destId="{6F0C910B-B194-4D23-BA9A-841CF7EBE589}" srcOrd="1" destOrd="0" presId="urn:microsoft.com/office/officeart/2008/layout/HorizontalMultiLevelHierarchy"/>
+    <dgm:cxn modelId="{C7DB1AAC-606E-4150-921C-24862C93ACCC}" type="presParOf" srcId="{6F0C910B-B194-4D23-BA9A-841CF7EBE589}" destId="{63CBAC53-C0C5-439F-AAC0-2627C0CE7ADE}" srcOrd="0" destOrd="0" presId="urn:microsoft.com/office/officeart/2008/layout/HorizontalMultiLevelHierarchy"/>
+    <dgm:cxn modelId="{BBCC52BA-40F0-4FAB-A943-0F511DC1FF68}" type="presParOf" srcId="{63CBAC53-C0C5-439F-AAC0-2627C0CE7ADE}" destId="{2A02AF96-2CD3-43F0-824E-1D9B3AB89ACA}" srcOrd="0" destOrd="0" presId="urn:microsoft.com/office/officeart/2008/layout/HorizontalMultiLevelHierarchy"/>
+    <dgm:cxn modelId="{D6C1EFCE-2838-44AE-AC6F-CE2D6213F587}" type="presParOf" srcId="{6F0C910B-B194-4D23-BA9A-841CF7EBE589}" destId="{38A64432-662D-40AB-8BB1-1995346CF5E4}" srcOrd="1" destOrd="0" presId="urn:microsoft.com/office/officeart/2008/layout/HorizontalMultiLevelHierarchy"/>
+    <dgm:cxn modelId="{5435FE43-67F5-46E9-9A4F-062583D6A1F4}" type="presParOf" srcId="{38A64432-662D-40AB-8BB1-1995346CF5E4}" destId="{9ECC6E07-57FC-4935-8AE9-D0CAA69516BB}" srcOrd="0" destOrd="0" presId="urn:microsoft.com/office/officeart/2008/layout/HorizontalMultiLevelHierarchy"/>
+    <dgm:cxn modelId="{BB1FF663-50D5-4A29-A5F9-FA56CE79589F}" type="presParOf" srcId="{38A64432-662D-40AB-8BB1-1995346CF5E4}" destId="{DC373068-7073-41A3-8093-3849E1396100}" srcOrd="1" destOrd="0" presId="urn:microsoft.com/office/officeart/2008/layout/HorizontalMultiLevelHierarchy"/>
+    <dgm:cxn modelId="{D96AFC96-2F0F-4A22-875E-FCB340B2B962}" type="presParOf" srcId="{6F0C910B-B194-4D23-BA9A-841CF7EBE589}" destId="{3E3A3D94-077E-4E9C-A496-300259394F9E}" srcOrd="2" destOrd="0" presId="urn:microsoft.com/office/officeart/2008/layout/HorizontalMultiLevelHierarchy"/>
+    <dgm:cxn modelId="{72AC11BD-FF2B-4F06-8935-1052E5A81E3E}" type="presParOf" srcId="{3E3A3D94-077E-4E9C-A496-300259394F9E}" destId="{F198DCCA-5906-4E75-A47C-9B0A0E53C6BE}" srcOrd="0" destOrd="0" presId="urn:microsoft.com/office/officeart/2008/layout/HorizontalMultiLevelHierarchy"/>
+    <dgm:cxn modelId="{7FDD1089-D5B1-42DA-9234-8A97DAD9EAA4}" type="presParOf" srcId="{6F0C910B-B194-4D23-BA9A-841CF7EBE589}" destId="{3CD5033E-A629-4AF6-ABBE-1D4446DBDD29}" srcOrd="3" destOrd="0" presId="urn:microsoft.com/office/officeart/2008/layout/HorizontalMultiLevelHierarchy"/>
+    <dgm:cxn modelId="{F77CCC1A-0607-46C0-9FC8-180BCB8FCB50}" type="presParOf" srcId="{3CD5033E-A629-4AF6-ABBE-1D4446DBDD29}" destId="{B58460D7-F2A5-4498-8357-C69E62DACEB3}" srcOrd="0" destOrd="0" presId="urn:microsoft.com/office/officeart/2008/layout/HorizontalMultiLevelHierarchy"/>
+    <dgm:cxn modelId="{B3BA4830-E93F-4E44-9DD8-D466485D32B9}" type="presParOf" srcId="{3CD5033E-A629-4AF6-ABBE-1D4446DBDD29}" destId="{E5EDC364-4309-4DBD-BC24-41254DB6DCB9}" srcOrd="1" destOrd="0" presId="urn:microsoft.com/office/officeart/2008/layout/HorizontalMultiLevelHierarchy"/>
+    <dgm:cxn modelId="{06BBC7E8-7BC3-435D-9854-47ECC680EA02}" type="presParOf" srcId="{6F0C910B-B194-4D23-BA9A-841CF7EBE589}" destId="{6BCE7F5B-9773-4ADA-AD63-E31815063815}" srcOrd="4" destOrd="0" presId="urn:microsoft.com/office/officeart/2008/layout/HorizontalMultiLevelHierarchy"/>
+    <dgm:cxn modelId="{9E70DE6B-F0EC-41D8-A66C-77BD562EC4C5}" type="presParOf" srcId="{6BCE7F5B-9773-4ADA-AD63-E31815063815}" destId="{F01C9ADB-912E-4826-B2EC-BF87E964F707}" srcOrd="0" destOrd="0" presId="urn:microsoft.com/office/officeart/2008/layout/HorizontalMultiLevelHierarchy"/>
+    <dgm:cxn modelId="{F97F1A09-FD93-4AF4-B85E-FBBBE94901BB}" type="presParOf" srcId="{6F0C910B-B194-4D23-BA9A-841CF7EBE589}" destId="{CAAF8225-6441-405E-A687-07D4D7C9C6DE}" srcOrd="5" destOrd="0" presId="urn:microsoft.com/office/officeart/2008/layout/HorizontalMultiLevelHierarchy"/>
+    <dgm:cxn modelId="{43009E73-C639-4E89-854E-987487577D68}" type="presParOf" srcId="{CAAF8225-6441-405E-A687-07D4D7C9C6DE}" destId="{149461F4-D8ED-4D3D-93C2-1DF1FA987DA4}" srcOrd="0" destOrd="0" presId="urn:microsoft.com/office/officeart/2008/layout/HorizontalMultiLevelHierarchy"/>
+    <dgm:cxn modelId="{99FB9808-08FD-4884-8FF6-A29B7403483B}" type="presParOf" srcId="{CAAF8225-6441-405E-A687-07D4D7C9C6DE}" destId="{C6BDCDFD-3E10-41DD-A186-3D9DCC87635A}" srcOrd="1" destOrd="0" presId="urn:microsoft.com/office/officeart/2008/layout/HorizontalMultiLevelHierarchy"/>
+  </dgm:cxnLst>
+  <dgm:bg/>
   <dgm:whole/>
   <dgm:extLst>
     <a:ext uri="http://schemas.microsoft.com/office/drawing/2008/diagram">
@@ -3949,6 +5089,586 @@
 </dsp:drawing>
 </file>
 
+<file path=ppt/diagrams/drawing3.xml><?xml version="1.0" encoding="utf-8"?>
+<dsp:drawing xmlns:dgm="http://schemas.openxmlformats.org/drawingml/2006/diagram" xmlns:dsp="http://schemas.microsoft.com/office/drawing/2008/diagram" xmlns:a="http://schemas.openxmlformats.org/drawingml/2006/main">
+  <dsp:spTree>
+    <dsp:nvGrpSpPr>
+      <dsp:cNvPr id="0" name=""/>
+      <dsp:cNvGrpSpPr/>
+    </dsp:nvGrpSpPr>
+    <dsp:grpSpPr/>
+    <dsp:sp modelId="{6BCE7F5B-9773-4ADA-AD63-E31815063815}">
+      <dsp:nvSpPr>
+        <dsp:cNvPr id="0" name=""/>
+        <dsp:cNvSpPr/>
+      </dsp:nvSpPr>
+      <dsp:spPr>
+        <a:xfrm>
+          <a:off x="2552625" y="2709333"/>
+          <a:ext cx="675382" cy="1286933"/>
+        </a:xfrm>
+        <a:custGeom>
+          <a:avLst/>
+          <a:gdLst/>
+          <a:ahLst/>
+          <a:cxnLst/>
+          <a:rect l="0" t="0" r="0" b="0"/>
+          <a:pathLst>
+            <a:path>
+              <a:moveTo>
+                <a:pt x="0" y="0"/>
+              </a:moveTo>
+              <a:lnTo>
+                <a:pt x="337691" y="0"/>
+              </a:lnTo>
+              <a:lnTo>
+                <a:pt x="337691" y="1286933"/>
+              </a:lnTo>
+              <a:lnTo>
+                <a:pt x="675382" y="1286933"/>
+              </a:lnTo>
+            </a:path>
+          </a:pathLst>
+        </a:custGeom>
+        <a:noFill/>
+        <a:ln w="12700" cap="flat" cmpd="sng" algn="ctr">
+          <a:solidFill>
+            <a:schemeClr val="accent1">
+              <a:shade val="60000"/>
+              <a:hueOff val="0"/>
+              <a:satOff val="0"/>
+              <a:lumOff val="0"/>
+              <a:alphaOff val="0"/>
+            </a:schemeClr>
+          </a:solidFill>
+          <a:prstDash val="solid"/>
+          <a:miter lim="800000"/>
+        </a:ln>
+        <a:effectLst/>
+      </dsp:spPr>
+      <dsp:style>
+        <a:lnRef idx="2">
+          <a:scrgbClr r="0" g="0" b="0"/>
+        </a:lnRef>
+        <a:fillRef idx="0">
+          <a:scrgbClr r="0" g="0" b="0"/>
+        </a:fillRef>
+        <a:effectRef idx="0">
+          <a:scrgbClr r="0" g="0" b="0"/>
+        </a:effectRef>
+        <a:fontRef idx="minor"/>
+      </dsp:style>
+      <dsp:txBody>
+        <a:bodyPr spcFirstLastPara="0" vert="horz" wrap="square" lIns="12700" tIns="0" rIns="12700" bIns="0" numCol="1" spcCol="1270" anchor="ctr" anchorCtr="0">
+          <a:noAutofit/>
+        </a:bodyPr>
+        <a:lstStyle/>
+        <a:p>
+          <a:pPr lvl="0" algn="ctr" defTabSz="222250">
+            <a:lnSpc>
+              <a:spcPct val="90000"/>
+            </a:lnSpc>
+            <a:spcBef>
+              <a:spcPct val="0"/>
+            </a:spcBef>
+            <a:spcAft>
+              <a:spcPct val="35000"/>
+            </a:spcAft>
+          </a:pPr>
+          <a:endParaRPr lang="en-IN" sz="500" kern="1200"/>
+        </a:p>
+      </dsp:txBody>
+      <dsp:txXfrm>
+        <a:off x="2853982" y="3316465"/>
+        <a:ext cx="72669" cy="72669"/>
+      </dsp:txXfrm>
+    </dsp:sp>
+    <dsp:sp modelId="{3E3A3D94-077E-4E9C-A496-300259394F9E}">
+      <dsp:nvSpPr>
+        <dsp:cNvPr id="0" name=""/>
+        <dsp:cNvSpPr/>
+      </dsp:nvSpPr>
+      <dsp:spPr>
+        <a:xfrm>
+          <a:off x="2552625" y="2663613"/>
+          <a:ext cx="675382" cy="91440"/>
+        </a:xfrm>
+        <a:custGeom>
+          <a:avLst/>
+          <a:gdLst/>
+          <a:ahLst/>
+          <a:cxnLst/>
+          <a:rect l="0" t="0" r="0" b="0"/>
+          <a:pathLst>
+            <a:path>
+              <a:moveTo>
+                <a:pt x="0" y="45720"/>
+              </a:moveTo>
+              <a:lnTo>
+                <a:pt x="675382" y="45720"/>
+              </a:lnTo>
+            </a:path>
+          </a:pathLst>
+        </a:custGeom>
+        <a:noFill/>
+        <a:ln w="12700" cap="flat" cmpd="sng" algn="ctr">
+          <a:solidFill>
+            <a:schemeClr val="accent1">
+              <a:shade val="60000"/>
+              <a:hueOff val="0"/>
+              <a:satOff val="0"/>
+              <a:lumOff val="0"/>
+              <a:alphaOff val="0"/>
+            </a:schemeClr>
+          </a:solidFill>
+          <a:prstDash val="solid"/>
+          <a:miter lim="800000"/>
+        </a:ln>
+        <a:effectLst/>
+      </dsp:spPr>
+      <dsp:style>
+        <a:lnRef idx="2">
+          <a:scrgbClr r="0" g="0" b="0"/>
+        </a:lnRef>
+        <a:fillRef idx="0">
+          <a:scrgbClr r="0" g="0" b="0"/>
+        </a:fillRef>
+        <a:effectRef idx="0">
+          <a:scrgbClr r="0" g="0" b="0"/>
+        </a:effectRef>
+        <a:fontRef idx="minor"/>
+      </dsp:style>
+      <dsp:txBody>
+        <a:bodyPr spcFirstLastPara="0" vert="horz" wrap="square" lIns="12700" tIns="0" rIns="12700" bIns="0" numCol="1" spcCol="1270" anchor="ctr" anchorCtr="0">
+          <a:noAutofit/>
+        </a:bodyPr>
+        <a:lstStyle/>
+        <a:p>
+          <a:pPr lvl="0" algn="ctr" defTabSz="222250">
+            <a:lnSpc>
+              <a:spcPct val="90000"/>
+            </a:lnSpc>
+            <a:spcBef>
+              <a:spcPct val="0"/>
+            </a:spcBef>
+            <a:spcAft>
+              <a:spcPct val="35000"/>
+            </a:spcAft>
+          </a:pPr>
+          <a:endParaRPr lang="en-IN" sz="500" kern="1200"/>
+        </a:p>
+      </dsp:txBody>
+      <dsp:txXfrm>
+        <a:off x="2873432" y="2692448"/>
+        <a:ext cx="33769" cy="33769"/>
+      </dsp:txXfrm>
+    </dsp:sp>
+    <dsp:sp modelId="{63CBAC53-C0C5-439F-AAC0-2627C0CE7ADE}">
+      <dsp:nvSpPr>
+        <dsp:cNvPr id="0" name=""/>
+        <dsp:cNvSpPr/>
+      </dsp:nvSpPr>
+      <dsp:spPr>
+        <a:xfrm>
+          <a:off x="2552625" y="1422400"/>
+          <a:ext cx="675382" cy="1286933"/>
+        </a:xfrm>
+        <a:custGeom>
+          <a:avLst/>
+          <a:gdLst/>
+          <a:ahLst/>
+          <a:cxnLst/>
+          <a:rect l="0" t="0" r="0" b="0"/>
+          <a:pathLst>
+            <a:path>
+              <a:moveTo>
+                <a:pt x="0" y="1286933"/>
+              </a:moveTo>
+              <a:lnTo>
+                <a:pt x="337691" y="1286933"/>
+              </a:lnTo>
+              <a:lnTo>
+                <a:pt x="337691" y="0"/>
+              </a:lnTo>
+              <a:lnTo>
+                <a:pt x="675382" y="0"/>
+              </a:lnTo>
+            </a:path>
+          </a:pathLst>
+        </a:custGeom>
+        <a:noFill/>
+        <a:ln w="12700" cap="flat" cmpd="sng" algn="ctr">
+          <a:solidFill>
+            <a:schemeClr val="accent1">
+              <a:shade val="60000"/>
+              <a:hueOff val="0"/>
+              <a:satOff val="0"/>
+              <a:lumOff val="0"/>
+              <a:alphaOff val="0"/>
+            </a:schemeClr>
+          </a:solidFill>
+          <a:prstDash val="solid"/>
+          <a:miter lim="800000"/>
+        </a:ln>
+        <a:effectLst/>
+      </dsp:spPr>
+      <dsp:style>
+        <a:lnRef idx="2">
+          <a:scrgbClr r="0" g="0" b="0"/>
+        </a:lnRef>
+        <a:fillRef idx="0">
+          <a:scrgbClr r="0" g="0" b="0"/>
+        </a:fillRef>
+        <a:effectRef idx="0">
+          <a:scrgbClr r="0" g="0" b="0"/>
+        </a:effectRef>
+        <a:fontRef idx="minor"/>
+      </dsp:style>
+      <dsp:txBody>
+        <a:bodyPr spcFirstLastPara="0" vert="horz" wrap="square" lIns="12700" tIns="0" rIns="12700" bIns="0" numCol="1" spcCol="1270" anchor="ctr" anchorCtr="0">
+          <a:noAutofit/>
+        </a:bodyPr>
+        <a:lstStyle/>
+        <a:p>
+          <a:pPr lvl="0" algn="ctr" defTabSz="222250">
+            <a:lnSpc>
+              <a:spcPct val="90000"/>
+            </a:lnSpc>
+            <a:spcBef>
+              <a:spcPct val="0"/>
+            </a:spcBef>
+            <a:spcAft>
+              <a:spcPct val="35000"/>
+            </a:spcAft>
+          </a:pPr>
+          <a:endParaRPr lang="en-IN" sz="500" kern="1200"/>
+        </a:p>
+      </dsp:txBody>
+      <dsp:txXfrm>
+        <a:off x="2853982" y="2029532"/>
+        <a:ext cx="72669" cy="72669"/>
+      </dsp:txXfrm>
+    </dsp:sp>
+    <dsp:sp modelId="{5CBFE96B-5747-438E-A410-CEE1027187FF}">
+      <dsp:nvSpPr>
+        <dsp:cNvPr id="0" name=""/>
+        <dsp:cNvSpPr/>
+      </dsp:nvSpPr>
+      <dsp:spPr>
+        <a:xfrm rot="16200000">
+          <a:off x="-671481" y="2194560"/>
+          <a:ext cx="5418667" cy="1029546"/>
+        </a:xfrm>
+        <a:prstGeom prst="rect">
+          <a:avLst/>
+        </a:prstGeom>
+        <a:solidFill>
+          <a:schemeClr val="accent1">
+            <a:hueOff val="0"/>
+            <a:satOff val="0"/>
+            <a:lumOff val="0"/>
+            <a:alphaOff val="0"/>
+          </a:schemeClr>
+        </a:solidFill>
+        <a:ln w="12700" cap="flat" cmpd="sng" algn="ctr">
+          <a:solidFill>
+            <a:schemeClr val="lt1">
+              <a:hueOff val="0"/>
+              <a:satOff val="0"/>
+              <a:lumOff val="0"/>
+              <a:alphaOff val="0"/>
+            </a:schemeClr>
+          </a:solidFill>
+          <a:prstDash val="solid"/>
+          <a:miter lim="800000"/>
+        </a:ln>
+        <a:effectLst/>
+      </dsp:spPr>
+      <dsp:style>
+        <a:lnRef idx="2">
+          <a:scrgbClr r="0" g="0" b="0"/>
+        </a:lnRef>
+        <a:fillRef idx="1">
+          <a:scrgbClr r="0" g="0" b="0"/>
+        </a:fillRef>
+        <a:effectRef idx="0">
+          <a:scrgbClr r="0" g="0" b="0"/>
+        </a:effectRef>
+        <a:fontRef idx="minor">
+          <a:schemeClr val="lt1"/>
+        </a:fontRef>
+      </dsp:style>
+      <dsp:txBody>
+        <a:bodyPr spcFirstLastPara="0" vert="horz" wrap="square" lIns="41275" tIns="41275" rIns="41275" bIns="41275" numCol="1" spcCol="1270" anchor="ctr" anchorCtr="0">
+          <a:noAutofit/>
+        </a:bodyPr>
+        <a:lstStyle/>
+        <a:p>
+          <a:pPr lvl="0" algn="ctr" defTabSz="2889250">
+            <a:lnSpc>
+              <a:spcPct val="90000"/>
+            </a:lnSpc>
+            <a:spcBef>
+              <a:spcPct val="0"/>
+            </a:spcBef>
+            <a:spcAft>
+              <a:spcPct val="35000"/>
+            </a:spcAft>
+          </a:pPr>
+          <a:r>
+            <a:rPr lang="en-IN" sz="6500" kern="1200" dirty="0" err="1" smtClean="0"/>
+            <a:t>cirticisms</a:t>
+          </a:r>
+          <a:endParaRPr lang="en-IN" sz="6500" kern="1200" dirty="0"/>
+        </a:p>
+      </dsp:txBody>
+      <dsp:txXfrm>
+        <a:off x="-671481" y="2194560"/>
+        <a:ext cx="5418667" cy="1029546"/>
+      </dsp:txXfrm>
+    </dsp:sp>
+    <dsp:sp modelId="{9ECC6E07-57FC-4935-8AE9-D0CAA69516BB}">
+      <dsp:nvSpPr>
+        <dsp:cNvPr id="0" name=""/>
+        <dsp:cNvSpPr/>
+      </dsp:nvSpPr>
+      <dsp:spPr>
+        <a:xfrm>
+          <a:off x="3228008" y="907626"/>
+          <a:ext cx="3376913" cy="1029546"/>
+        </a:xfrm>
+        <a:prstGeom prst="rect">
+          <a:avLst/>
+        </a:prstGeom>
+        <a:solidFill>
+          <a:schemeClr val="accent1">
+            <a:hueOff val="0"/>
+            <a:satOff val="0"/>
+            <a:lumOff val="0"/>
+            <a:alphaOff val="0"/>
+          </a:schemeClr>
+        </a:solidFill>
+        <a:ln w="12700" cap="flat" cmpd="sng" algn="ctr">
+          <a:solidFill>
+            <a:schemeClr val="lt1">
+              <a:hueOff val="0"/>
+              <a:satOff val="0"/>
+              <a:lumOff val="0"/>
+              <a:alphaOff val="0"/>
+            </a:schemeClr>
+          </a:solidFill>
+          <a:prstDash val="solid"/>
+          <a:miter lim="800000"/>
+        </a:ln>
+        <a:effectLst/>
+      </dsp:spPr>
+      <dsp:style>
+        <a:lnRef idx="2">
+          <a:scrgbClr r="0" g="0" b="0"/>
+        </a:lnRef>
+        <a:fillRef idx="1">
+          <a:scrgbClr r="0" g="0" b="0"/>
+        </a:fillRef>
+        <a:effectRef idx="0">
+          <a:scrgbClr r="0" g="0" b="0"/>
+        </a:effectRef>
+        <a:fontRef idx="minor">
+          <a:schemeClr val="lt1"/>
+        </a:fontRef>
+      </dsp:style>
+      <dsp:txBody>
+        <a:bodyPr spcFirstLastPara="0" vert="horz" wrap="square" lIns="14605" tIns="14605" rIns="14605" bIns="14605" numCol="1" spcCol="1270" anchor="ctr" anchorCtr="0">
+          <a:noAutofit/>
+        </a:bodyPr>
+        <a:lstStyle/>
+        <a:p>
+          <a:pPr lvl="0" algn="ctr" defTabSz="1022350">
+            <a:lnSpc>
+              <a:spcPct val="90000"/>
+            </a:lnSpc>
+            <a:spcBef>
+              <a:spcPct val="0"/>
+            </a:spcBef>
+            <a:spcAft>
+              <a:spcPct val="35000"/>
+            </a:spcAft>
+          </a:pPr>
+          <a:r>
+            <a:rPr lang="en-IN" sz="2300" kern="1200" dirty="0" smtClean="0"/>
+            <a:t>Lack of structure and </a:t>
+          </a:r>
+          <a:r>
+            <a:rPr lang="en-IN" sz="2300" kern="1200" smtClean="0"/>
+            <a:t>necessary documentation</a:t>
+          </a:r>
+          <a:endParaRPr lang="en-IN" sz="2300" kern="1200" dirty="0"/>
+        </a:p>
+      </dsp:txBody>
+      <dsp:txXfrm>
+        <a:off x="3228008" y="907626"/>
+        <a:ext cx="3376913" cy="1029546"/>
+      </dsp:txXfrm>
+    </dsp:sp>
+    <dsp:sp modelId="{B58460D7-F2A5-4498-8357-C69E62DACEB3}">
+      <dsp:nvSpPr>
+        <dsp:cNvPr id="0" name=""/>
+        <dsp:cNvSpPr/>
+      </dsp:nvSpPr>
+      <dsp:spPr>
+        <a:xfrm>
+          <a:off x="3228008" y="2194560"/>
+          <a:ext cx="3376913" cy="1029546"/>
+        </a:xfrm>
+        <a:prstGeom prst="rect">
+          <a:avLst/>
+        </a:prstGeom>
+        <a:solidFill>
+          <a:schemeClr val="accent1">
+            <a:hueOff val="0"/>
+            <a:satOff val="0"/>
+            <a:lumOff val="0"/>
+            <a:alphaOff val="0"/>
+          </a:schemeClr>
+        </a:solidFill>
+        <a:ln w="12700" cap="flat" cmpd="sng" algn="ctr">
+          <a:solidFill>
+            <a:schemeClr val="lt1">
+              <a:hueOff val="0"/>
+              <a:satOff val="0"/>
+              <a:lumOff val="0"/>
+              <a:alphaOff val="0"/>
+            </a:schemeClr>
+          </a:solidFill>
+          <a:prstDash val="solid"/>
+          <a:miter lim="800000"/>
+        </a:ln>
+        <a:effectLst/>
+      </dsp:spPr>
+      <dsp:style>
+        <a:lnRef idx="2">
+          <a:scrgbClr r="0" g="0" b="0"/>
+        </a:lnRef>
+        <a:fillRef idx="1">
+          <a:scrgbClr r="0" g="0" b="0"/>
+        </a:fillRef>
+        <a:effectRef idx="0">
+          <a:scrgbClr r="0" g="0" b="0"/>
+        </a:effectRef>
+        <a:fontRef idx="minor">
+          <a:schemeClr val="lt1"/>
+        </a:fontRef>
+      </dsp:style>
+      <dsp:txBody>
+        <a:bodyPr spcFirstLastPara="0" vert="horz" wrap="square" lIns="14605" tIns="14605" rIns="14605" bIns="14605" numCol="1" spcCol="1270" anchor="ctr" anchorCtr="0">
+          <a:noAutofit/>
+        </a:bodyPr>
+        <a:lstStyle/>
+        <a:p>
+          <a:pPr lvl="0" algn="ctr" defTabSz="1022350">
+            <a:lnSpc>
+              <a:spcPct val="90000"/>
+            </a:lnSpc>
+            <a:spcBef>
+              <a:spcPct val="0"/>
+            </a:spcBef>
+            <a:spcAft>
+              <a:spcPct val="35000"/>
+            </a:spcAft>
+          </a:pPr>
+          <a:r>
+            <a:rPr lang="en-IN" sz="2300" kern="1200" dirty="0" smtClean="0"/>
+            <a:t>Requires too much cultural changes to adopt</a:t>
+          </a:r>
+          <a:endParaRPr lang="en-IN" sz="2300" kern="1200" dirty="0"/>
+        </a:p>
+      </dsp:txBody>
+      <dsp:txXfrm>
+        <a:off x="3228008" y="2194560"/>
+        <a:ext cx="3376913" cy="1029546"/>
+      </dsp:txXfrm>
+    </dsp:sp>
+    <dsp:sp modelId="{149461F4-D8ED-4D3D-93C2-1DF1FA987DA4}">
+      <dsp:nvSpPr>
+        <dsp:cNvPr id="0" name=""/>
+        <dsp:cNvSpPr/>
+      </dsp:nvSpPr>
+      <dsp:spPr>
+        <a:xfrm>
+          <a:off x="3228008" y="3481493"/>
+          <a:ext cx="3376913" cy="1029546"/>
+        </a:xfrm>
+        <a:prstGeom prst="rect">
+          <a:avLst/>
+        </a:prstGeom>
+        <a:solidFill>
+          <a:schemeClr val="accent1">
+            <a:hueOff val="0"/>
+            <a:satOff val="0"/>
+            <a:lumOff val="0"/>
+            <a:alphaOff val="0"/>
+          </a:schemeClr>
+        </a:solidFill>
+        <a:ln w="12700" cap="flat" cmpd="sng" algn="ctr">
+          <a:solidFill>
+            <a:schemeClr val="lt1">
+              <a:hueOff val="0"/>
+              <a:satOff val="0"/>
+              <a:lumOff val="0"/>
+              <a:alphaOff val="0"/>
+            </a:schemeClr>
+          </a:solidFill>
+          <a:prstDash val="solid"/>
+          <a:miter lim="800000"/>
+        </a:ln>
+        <a:effectLst/>
+      </dsp:spPr>
+      <dsp:style>
+        <a:lnRef idx="2">
+          <a:scrgbClr r="0" g="0" b="0"/>
+        </a:lnRef>
+        <a:fillRef idx="1">
+          <a:scrgbClr r="0" g="0" b="0"/>
+        </a:fillRef>
+        <a:effectRef idx="0">
+          <a:scrgbClr r="0" g="0" b="0"/>
+        </a:effectRef>
+        <a:fontRef idx="minor">
+          <a:schemeClr val="lt1"/>
+        </a:fontRef>
+      </dsp:style>
+      <dsp:txBody>
+        <a:bodyPr spcFirstLastPara="0" vert="horz" wrap="square" lIns="14605" tIns="14605" rIns="14605" bIns="14605" numCol="1" spcCol="1270" anchor="ctr" anchorCtr="0">
+          <a:noAutofit/>
+        </a:bodyPr>
+        <a:lstStyle/>
+        <a:p>
+          <a:pPr lvl="0" algn="ctr" defTabSz="1022350">
+            <a:lnSpc>
+              <a:spcPct val="90000"/>
+            </a:lnSpc>
+            <a:spcBef>
+              <a:spcPct val="0"/>
+            </a:spcBef>
+            <a:spcAft>
+              <a:spcPct val="35000"/>
+            </a:spcAft>
+          </a:pPr>
+          <a:r>
+            <a:rPr lang="en-IN" sz="2300" kern="1200" dirty="0" smtClean="0"/>
+            <a:t>Works with senior-level developers</a:t>
+          </a:r>
+          <a:endParaRPr lang="en-IN" sz="2300" kern="1200" dirty="0"/>
+        </a:p>
+      </dsp:txBody>
+      <dsp:txXfrm>
+        <a:off x="3228008" y="3481493"/>
+        <a:ext cx="3376913" cy="1029546"/>
+      </dsp:txXfrm>
+    </dsp:sp>
+  </dsp:spTree>
+</dsp:drawing>
+</file>
+
 <file path=ppt/diagrams/layout1.xml><?xml version="1.0" encoding="utf-8"?>
 <dgm:layoutDef xmlns:dgm="http://schemas.openxmlformats.org/drawingml/2006/diagram" xmlns:a="http://schemas.openxmlformats.org/drawingml/2006/main" uniqueId="urn:microsoft.com/office/officeart/2005/8/layout/radial1">
   <dgm:title val=""/>
@@ -4437,6 +6157,329 @@
 </dgm:layoutDef>
 </file>
 
+<file path=ppt/diagrams/layout3.xml><?xml version="1.0" encoding="utf-8"?>
+<dgm:layoutDef xmlns:dgm="http://schemas.openxmlformats.org/drawingml/2006/diagram" xmlns:a="http://schemas.openxmlformats.org/drawingml/2006/main" uniqueId="urn:microsoft.com/office/officeart/2008/layout/HorizontalMultiLevelHierarchy">
+  <dgm:title val=""/>
+  <dgm:desc val=""/>
+  <dgm:catLst>
+    <dgm:cat type="hierarchy" pri="4600"/>
+  </dgm:catLst>
+  <dgm:sampData>
+    <dgm:dataModel>
+      <dgm:ptLst>
+        <dgm:pt modelId="0" type="doc"/>
+        <dgm:pt modelId="1">
+          <dgm:prSet phldr="1"/>
+        </dgm:pt>
+        <dgm:pt modelId="11">
+          <dgm:prSet phldr="1"/>
+        </dgm:pt>
+        <dgm:pt modelId="12">
+          <dgm:prSet phldr="1"/>
+        </dgm:pt>
+        <dgm:pt modelId="13">
+          <dgm:prSet phldr="1"/>
+        </dgm:pt>
+      </dgm:ptLst>
+      <dgm:cxnLst>
+        <dgm:cxn modelId="2" srcId="0" destId="1" srcOrd="0" destOrd="0"/>
+        <dgm:cxn modelId="3" srcId="1" destId="11" srcOrd="0" destOrd="0"/>
+        <dgm:cxn modelId="4" srcId="1" destId="12" srcOrd="1" destOrd="0"/>
+        <dgm:cxn modelId="5" srcId="1" destId="13" srcOrd="2" destOrd="0"/>
+      </dgm:cxnLst>
+      <dgm:bg/>
+      <dgm:whole/>
+    </dgm:dataModel>
+  </dgm:sampData>
+  <dgm:styleData>
+    <dgm:dataModel>
+      <dgm:ptLst>
+        <dgm:pt modelId="0" type="doc"/>
+        <dgm:pt modelId="1">
+          <dgm:prSet phldr="1"/>
+        </dgm:pt>
+        <dgm:pt modelId="11">
+          <dgm:prSet phldr="1"/>
+        </dgm:pt>
+        <dgm:pt modelId="12">
+          <dgm:prSet phldr="1"/>
+        </dgm:pt>
+      </dgm:ptLst>
+      <dgm:cxnLst>
+        <dgm:cxn modelId="2" srcId="0" destId="1" srcOrd="0" destOrd="0"/>
+        <dgm:cxn modelId="3" srcId="1" destId="11" srcOrd="0" destOrd="0"/>
+        <dgm:cxn modelId="4" srcId="1" destId="12" srcOrd="1" destOrd="0"/>
+      </dgm:cxnLst>
+      <dgm:bg/>
+      <dgm:whole/>
+    </dgm:dataModel>
+  </dgm:styleData>
+  <dgm:clrData>
+    <dgm:dataModel>
+      <dgm:ptLst>
+        <dgm:pt modelId="0" type="doc"/>
+        <dgm:pt modelId="1">
+          <dgm:prSet phldr="1"/>
+        </dgm:pt>
+        <dgm:pt modelId="11">
+          <dgm:prSet phldr="1"/>
+        </dgm:pt>
+        <dgm:pt modelId="12">
+          <dgm:prSet phldr="1"/>
+        </dgm:pt>
+        <dgm:pt modelId="13">
+          <dgm:prSet phldr="1"/>
+        </dgm:pt>
+      </dgm:ptLst>
+      <dgm:cxnLst>
+        <dgm:cxn modelId="2" srcId="0" destId="1" srcOrd="0" destOrd="0"/>
+        <dgm:cxn modelId="3" srcId="1" destId="11" srcOrd="0" destOrd="0"/>
+        <dgm:cxn modelId="4" srcId="1" destId="12" srcOrd="1" destOrd="0"/>
+        <dgm:cxn modelId="5" srcId="1" destId="13" srcOrd="2" destOrd="0"/>
+      </dgm:cxnLst>
+      <dgm:bg/>
+      <dgm:whole/>
+    </dgm:dataModel>
+  </dgm:clrData>
+  <dgm:layoutNode name="Name0">
+    <dgm:varLst>
+      <dgm:chPref val="1"/>
+      <dgm:dir/>
+      <dgm:animOne val="branch"/>
+      <dgm:animLvl val="lvl"/>
+      <dgm:resizeHandles val="exact"/>
+    </dgm:varLst>
+    <dgm:choose name="Name1">
+      <dgm:if name="Name2" func="var" arg="dir" op="equ" val="norm">
+        <dgm:alg type="hierChild">
+          <dgm:param type="linDir" val="fromT"/>
+          <dgm:param type="chAlign" val="l"/>
+        </dgm:alg>
+      </dgm:if>
+      <dgm:else name="Name3">
+        <dgm:alg type="hierChild">
+          <dgm:param type="linDir" val="fromT"/>
+          <dgm:param type="chAlign" val="r"/>
+        </dgm:alg>
+      </dgm:else>
+    </dgm:choose>
+    <dgm:shape xmlns:r="http://schemas.openxmlformats.org/officeDocument/2006/relationships" r:blip="">
+      <dgm:adjLst/>
+    </dgm:shape>
+    <dgm:presOf/>
+    <dgm:constrLst>
+      <dgm:constr type="h" for="des" forName="LevelOneTextNode" refType="h"/>
+      <dgm:constr type="w" for="des" forName="LevelOneTextNode" refType="h" refFor="des" refForName="LevelOneTextNode" fact="0.19"/>
+      <dgm:constr type="h" for="des" forName="LevelTwoTextNode" refType="w" refFor="des" refForName="LevelOneTextNode"/>
+      <dgm:constr type="w" for="des" forName="LevelTwoTextNode" refType="h" refFor="des" refForName="LevelTwoTextNode" fact="3.28"/>
+      <dgm:constr type="sibSp" refType="h" refFor="des" refForName="LevelTwoTextNode" op="equ" fact="0.25"/>
+      <dgm:constr type="sibSp" for="des" forName="level2hierChild" refType="h" refFor="des" refForName="LevelTwoTextNode" op="equ" fact="0.25"/>
+      <dgm:constr type="sibSp" for="des" forName="level3hierChild" refType="h" refFor="des" refForName="LevelTwoTextNode" op="equ" fact="0.25"/>
+      <dgm:constr type="sp" for="des" forName="root1" refType="w" refFor="des" refForName="LevelTwoTextNode" fact="0.2"/>
+      <dgm:constr type="sp" for="des" forName="root2" refType="sp" refFor="des" refForName="root1" op="equ"/>
+      <dgm:constr type="primFontSz" for="des" forName="LevelOneTextNode" op="equ" val="65"/>
+      <dgm:constr type="primFontSz" for="des" forName="LevelTwoTextNode" op="equ" val="65"/>
+      <dgm:constr type="primFontSz" for="des" forName="LevelTwoTextNode" refType="primFontSz" refFor="des" refForName="LevelOneTextNode" op="lte"/>
+      <dgm:constr type="primFontSz" for="des" forName="connTx" op="equ" val="50"/>
+      <dgm:constr type="primFontSz" for="des" forName="connTx" refType="primFontSz" refFor="des" refForName="LevelOneTextNode" op="lte" fact="0.78"/>
+    </dgm:constrLst>
+    <dgm:forEach name="Name4" axis="ch">
+      <dgm:forEach name="Name5" axis="self" ptType="node">
+        <dgm:layoutNode name="root1">
+          <dgm:choose name="Name6">
+            <dgm:if name="Name7" func="var" arg="dir" op="equ" val="norm">
+              <dgm:alg type="hierRoot">
+                <dgm:param type="hierAlign" val="lCtrCh"/>
+              </dgm:alg>
+            </dgm:if>
+            <dgm:else name="Name8">
+              <dgm:alg type="hierRoot">
+                <dgm:param type="hierAlign" val="rCtrCh"/>
+              </dgm:alg>
+            </dgm:else>
+          </dgm:choose>
+          <dgm:shape xmlns:r="http://schemas.openxmlformats.org/officeDocument/2006/relationships" r:blip="">
+            <dgm:adjLst/>
+          </dgm:shape>
+          <dgm:presOf/>
+          <dgm:layoutNode name="LevelOneTextNode" styleLbl="node0">
+            <dgm:varLst>
+              <dgm:chPref val="3"/>
+            </dgm:varLst>
+            <dgm:alg type="tx">
+              <dgm:param type="autoTxRot" val="grav"/>
+            </dgm:alg>
+            <dgm:choose name="Name9">
+              <dgm:if name="Name10" func="var" arg="dir" op="equ" val="norm">
+                <dgm:shape xmlns:r="http://schemas.openxmlformats.org/officeDocument/2006/relationships" rot="270" type="rect" r:blip="">
+                  <dgm:adjLst/>
+                </dgm:shape>
+              </dgm:if>
+              <dgm:else name="Name11">
+                <dgm:shape xmlns:r="http://schemas.openxmlformats.org/officeDocument/2006/relationships" rot="90" type="rect" r:blip="">
+                  <dgm:adjLst/>
+                </dgm:shape>
+              </dgm:else>
+            </dgm:choose>
+            <dgm:presOf axis="self"/>
+            <dgm:constrLst>
+              <dgm:constr type="tMarg" refType="primFontSz" fact="0.05"/>
+              <dgm:constr type="bMarg" refType="primFontSz" fact="0.05"/>
+              <dgm:constr type="lMarg" refType="primFontSz" fact="0.05"/>
+              <dgm:constr type="rMarg" refType="primFontSz" fact="0.05"/>
+            </dgm:constrLst>
+            <dgm:ruleLst>
+              <dgm:rule type="primFontSz" val="2" fact="NaN" max="NaN"/>
+            </dgm:ruleLst>
+          </dgm:layoutNode>
+          <dgm:layoutNode name="level2hierChild">
+            <dgm:choose name="Name12">
+              <dgm:if name="Name13" func="var" arg="dir" op="equ" val="norm">
+                <dgm:alg type="hierChild">
+                  <dgm:param type="linDir" val="fromT"/>
+                  <dgm:param type="chAlign" val="l"/>
+                </dgm:alg>
+              </dgm:if>
+              <dgm:else name="Name14">
+                <dgm:alg type="hierChild">
+                  <dgm:param type="linDir" val="fromT"/>
+                  <dgm:param type="chAlign" val="r"/>
+                </dgm:alg>
+              </dgm:else>
+            </dgm:choose>
+            <dgm:shape xmlns:r="http://schemas.openxmlformats.org/officeDocument/2006/relationships" r:blip="">
+              <dgm:adjLst/>
+            </dgm:shape>
+            <dgm:presOf/>
+            <dgm:forEach name="repeat" axis="ch">
+              <dgm:forEach name="Name15" axis="self" ptType="parTrans" cnt="1">
+                <dgm:layoutNode name="conn2-1">
+                  <dgm:choose name="Name16">
+                    <dgm:if name="Name17" func="var" arg="dir" op="equ" val="norm">
+                      <dgm:alg type="conn">
+                        <dgm:param type="dim" val="1D"/>
+                        <dgm:param type="begPts" val="midR"/>
+                        <dgm:param type="endPts" val="midL"/>
+                        <dgm:param type="endSty" val="noArr"/>
+                        <dgm:param type="connRout" val="bend"/>
+                      </dgm:alg>
+                    </dgm:if>
+                    <dgm:else name="Name18">
+                      <dgm:alg type="conn">
+                        <dgm:param type="dim" val="1D"/>
+                        <dgm:param type="begPts" val="midL"/>
+                        <dgm:param type="endPts" val="midR"/>
+                        <dgm:param type="endSty" val="noArr"/>
+                        <dgm:param type="connRout" val="bend"/>
+                      </dgm:alg>
+                    </dgm:else>
+                  </dgm:choose>
+                  <dgm:shape xmlns:r="http://schemas.openxmlformats.org/officeDocument/2006/relationships" type="conn" r:blip="" zOrderOff="-99999">
+                    <dgm:adjLst/>
+                  </dgm:shape>
+                  <dgm:presOf axis="self"/>
+                  <dgm:constrLst>
+                    <dgm:constr type="w" val="1"/>
+                    <dgm:constr type="h" val="5"/>
+                    <dgm:constr type="connDist"/>
+                    <dgm:constr type="begPad"/>
+                    <dgm:constr type="endPad"/>
+                    <dgm:constr type="userA" for="ch" refType="connDist"/>
+                  </dgm:constrLst>
+                  <dgm:layoutNode name="connTx">
+                    <dgm:alg type="tx">
+                      <dgm:param type="autoTxRot" val="grav"/>
+                    </dgm:alg>
+                    <dgm:shape xmlns:r="http://schemas.openxmlformats.org/officeDocument/2006/relationships" type="rect" r:blip="" hideGeom="1">
+                      <dgm:adjLst/>
+                    </dgm:shape>
+                    <dgm:presOf axis="self"/>
+                    <dgm:constrLst>
+                      <dgm:constr type="userA"/>
+                      <dgm:constr type="w" refType="userA" fact="0.05"/>
+                      <dgm:constr type="h" refType="userA" fact="0.05"/>
+                      <dgm:constr type="lMarg" val="1"/>
+                      <dgm:constr type="rMarg" val="1"/>
+                      <dgm:constr type="tMarg"/>
+                      <dgm:constr type="bMarg"/>
+                    </dgm:constrLst>
+                    <dgm:ruleLst>
+                      <dgm:rule type="h" val="NaN" fact="0.25" max="NaN"/>
+                      <dgm:rule type="w" val="NaN" fact="0.8" max="NaN"/>
+                      <dgm:rule type="primFontSz" val="5" fact="NaN" max="NaN"/>
+                    </dgm:ruleLst>
+                  </dgm:layoutNode>
+                </dgm:layoutNode>
+              </dgm:forEach>
+              <dgm:forEach name="Name19" axis="self" ptType="node">
+                <dgm:layoutNode name="root2">
+                  <dgm:choose name="Name20">
+                    <dgm:if name="Name21" func="var" arg="dir" op="equ" val="norm">
+                      <dgm:alg type="hierRoot">
+                        <dgm:param type="hierAlign" val="lCtrCh"/>
+                      </dgm:alg>
+                    </dgm:if>
+                    <dgm:else name="Name22">
+                      <dgm:alg type="hierRoot">
+                        <dgm:param type="hierAlign" val="rCtrCh"/>
+                      </dgm:alg>
+                    </dgm:else>
+                  </dgm:choose>
+                  <dgm:shape xmlns:r="http://schemas.openxmlformats.org/officeDocument/2006/relationships" r:blip="">
+                    <dgm:adjLst/>
+                  </dgm:shape>
+                  <dgm:presOf/>
+                  <dgm:layoutNode name="LevelTwoTextNode">
+                    <dgm:varLst>
+                      <dgm:chPref val="3"/>
+                    </dgm:varLst>
+                    <dgm:alg type="tx"/>
+                    <dgm:shape xmlns:r="http://schemas.openxmlformats.org/officeDocument/2006/relationships" type="rect" r:blip="">
+                      <dgm:adjLst/>
+                    </dgm:shape>
+                    <dgm:presOf axis="self"/>
+                    <dgm:constrLst>
+                      <dgm:constr type="tMarg" refType="primFontSz" fact="0.05"/>
+                      <dgm:constr type="bMarg" refType="primFontSz" fact="0.05"/>
+                      <dgm:constr type="lMarg" refType="primFontSz" fact="0.05"/>
+                      <dgm:constr type="rMarg" refType="primFontSz" fact="0.05"/>
+                    </dgm:constrLst>
+                    <dgm:ruleLst>
+                      <dgm:rule type="primFontSz" val="2" fact="NaN" max="NaN"/>
+                    </dgm:ruleLst>
+                  </dgm:layoutNode>
+                  <dgm:layoutNode name="level3hierChild">
+                    <dgm:choose name="Name23">
+                      <dgm:if name="Name24" func="var" arg="dir" op="equ" val="norm">
+                        <dgm:alg type="hierChild">
+                          <dgm:param type="linDir" val="fromT"/>
+                          <dgm:param type="chAlign" val="l"/>
+                        </dgm:alg>
+                      </dgm:if>
+                      <dgm:else name="Name25">
+                        <dgm:alg type="hierChild">
+                          <dgm:param type="linDir" val="fromT"/>
+                          <dgm:param type="chAlign" val="r"/>
+                        </dgm:alg>
+                      </dgm:else>
+                    </dgm:choose>
+                    <dgm:shape xmlns:r="http://schemas.openxmlformats.org/officeDocument/2006/relationships" r:blip="">
+                      <dgm:adjLst/>
+                    </dgm:shape>
+                    <dgm:presOf/>
+                    <dgm:forEach name="Name26" ref="repeat"/>
+                  </dgm:layoutNode>
+                </dgm:layoutNode>
+              </dgm:forEach>
+            </dgm:forEach>
+          </dgm:layoutNode>
+        </dgm:layoutNode>
+      </dgm:forEach>
+    </dgm:forEach>
+  </dgm:layoutNode>
+</dgm:layoutDef>
+</file>
+
 <file path=ppt/diagrams/quickStyle1.xml><?xml version="1.0" encoding="utf-8"?>
 <dgm:styleDef xmlns:dgm="http://schemas.openxmlformats.org/drawingml/2006/diagram" xmlns:a="http://schemas.openxmlformats.org/drawingml/2006/main" uniqueId="urn:microsoft.com/office/officeart/2005/8/quickstyle/simple1">
   <dgm:title val=""/>
@@ -5472,6 +7515,1040 @@
 </file>
 
 <file path=ppt/diagrams/quickStyle2.xml><?xml version="1.0" encoding="utf-8"?>
+<dgm:styleDef xmlns:dgm="http://schemas.openxmlformats.org/drawingml/2006/diagram" xmlns:a="http://schemas.openxmlformats.org/drawingml/2006/main" uniqueId="urn:microsoft.com/office/officeart/2005/8/quickstyle/simple1">
+  <dgm:title val=""/>
+  <dgm:desc val=""/>
+  <dgm:catLst>
+    <dgm:cat type="simple" pri="10100"/>
+  </dgm:catLst>
+  <dgm:scene3d>
+    <a:camera prst="orthographicFront"/>
+    <a:lightRig rig="threePt" dir="t"/>
+  </dgm:scene3d>
+  <dgm:styleLbl name="node0">
+    <dgm:scene3d>
+      <a:camera prst="orthographicFront"/>
+      <a:lightRig rig="threePt" dir="t"/>
+    </dgm:scene3d>
+    <dgm:sp3d/>
+    <dgm:txPr/>
+    <dgm:style>
+      <a:lnRef idx="2">
+        <a:scrgbClr r="0" g="0" b="0"/>
+      </a:lnRef>
+      <a:fillRef idx="1">
+        <a:scrgbClr r="0" g="0" b="0"/>
+      </a:fillRef>
+      <a:effectRef idx="0">
+        <a:scrgbClr r="0" g="0" b="0"/>
+      </a:effectRef>
+      <a:fontRef idx="minor">
+        <a:schemeClr val="lt1"/>
+      </a:fontRef>
+    </dgm:style>
+  </dgm:styleLbl>
+  <dgm:styleLbl name="lnNode1">
+    <dgm:scene3d>
+      <a:camera prst="orthographicFront"/>
+      <a:lightRig rig="threePt" dir="t"/>
+    </dgm:scene3d>
+    <dgm:sp3d/>
+    <dgm:txPr/>
+    <dgm:style>
+      <a:lnRef idx="2">
+        <a:scrgbClr r="0" g="0" b="0"/>
+      </a:lnRef>
+      <a:fillRef idx="1">
+        <a:scrgbClr r="0" g="0" b="0"/>
+      </a:fillRef>
+      <a:effectRef idx="0">
+        <a:scrgbClr r="0" g="0" b="0"/>
+      </a:effectRef>
+      <a:fontRef idx="minor">
+        <a:schemeClr val="lt1"/>
+      </a:fontRef>
+    </dgm:style>
+  </dgm:styleLbl>
+  <dgm:styleLbl name="vennNode1">
+    <dgm:scene3d>
+      <a:camera prst="orthographicFront"/>
+      <a:lightRig rig="threePt" dir="t"/>
+    </dgm:scene3d>
+    <dgm:sp3d/>
+    <dgm:txPr/>
+    <dgm:style>
+      <a:lnRef idx="2">
+        <a:scrgbClr r="0" g="0" b="0"/>
+      </a:lnRef>
+      <a:fillRef idx="1">
+        <a:scrgbClr r="0" g="0" b="0"/>
+      </a:fillRef>
+      <a:effectRef idx="0">
+        <a:scrgbClr r="0" g="0" b="0"/>
+      </a:effectRef>
+      <a:fontRef idx="minor">
+        <a:schemeClr val="tx1"/>
+      </a:fontRef>
+    </dgm:style>
+  </dgm:styleLbl>
+  <dgm:styleLbl name="alignNode1">
+    <dgm:scene3d>
+      <a:camera prst="orthographicFront"/>
+      <a:lightRig rig="threePt" dir="t"/>
+    </dgm:scene3d>
+    <dgm:sp3d/>
+    <dgm:txPr/>
+    <dgm:style>
+      <a:lnRef idx="2">
+        <a:scrgbClr r="0" g="0" b="0"/>
+      </a:lnRef>
+      <a:fillRef idx="1">
+        <a:scrgbClr r="0" g="0" b="0"/>
+      </a:fillRef>
+      <a:effectRef idx="0">
+        <a:scrgbClr r="0" g="0" b="0"/>
+      </a:effectRef>
+      <a:fontRef idx="minor">
+        <a:schemeClr val="lt1"/>
+      </a:fontRef>
+    </dgm:style>
+  </dgm:styleLbl>
+  <dgm:styleLbl name="node1">
+    <dgm:scene3d>
+      <a:camera prst="orthographicFront"/>
+      <a:lightRig rig="threePt" dir="t"/>
+    </dgm:scene3d>
+    <dgm:sp3d/>
+    <dgm:txPr/>
+    <dgm:style>
+      <a:lnRef idx="2">
+        <a:scrgbClr r="0" g="0" b="0"/>
+      </a:lnRef>
+      <a:fillRef idx="1">
+        <a:scrgbClr r="0" g="0" b="0"/>
+      </a:fillRef>
+      <a:effectRef idx="0">
+        <a:scrgbClr r="0" g="0" b="0"/>
+      </a:effectRef>
+      <a:fontRef idx="minor">
+        <a:schemeClr val="lt1"/>
+      </a:fontRef>
+    </dgm:style>
+  </dgm:styleLbl>
+  <dgm:styleLbl name="node2">
+    <dgm:scene3d>
+      <a:camera prst="orthographicFront"/>
+      <a:lightRig rig="threePt" dir="t"/>
+    </dgm:scene3d>
+    <dgm:sp3d/>
+    <dgm:txPr/>
+    <dgm:style>
+      <a:lnRef idx="2">
+        <a:scrgbClr r="0" g="0" b="0"/>
+      </a:lnRef>
+      <a:fillRef idx="1">
+        <a:scrgbClr r="0" g="0" b="0"/>
+      </a:fillRef>
+      <a:effectRef idx="0">
+        <a:scrgbClr r="0" g="0" b="0"/>
+      </a:effectRef>
+      <a:fontRef idx="minor">
+        <a:schemeClr val="lt1"/>
+      </a:fontRef>
+    </dgm:style>
+  </dgm:styleLbl>
+  <dgm:styleLbl name="node3">
+    <dgm:scene3d>
+      <a:camera prst="orthographicFront"/>
+      <a:lightRig rig="threePt" dir="t"/>
+    </dgm:scene3d>
+    <dgm:sp3d/>
+    <dgm:txPr/>
+    <dgm:style>
+      <a:lnRef idx="2">
+        <a:scrgbClr r="0" g="0" b="0"/>
+      </a:lnRef>
+      <a:fillRef idx="1">
+        <a:scrgbClr r="0" g="0" b="0"/>
+      </a:fillRef>
+      <a:effectRef idx="0">
+        <a:scrgbClr r="0" g="0" b="0"/>
+      </a:effectRef>
+      <a:fontRef idx="minor">
+        <a:schemeClr val="lt1"/>
+      </a:fontRef>
+    </dgm:style>
+  </dgm:styleLbl>
+  <dgm:styleLbl name="node4">
+    <dgm:scene3d>
+      <a:camera prst="orthographicFront"/>
+      <a:lightRig rig="threePt" dir="t"/>
+    </dgm:scene3d>
+    <dgm:sp3d/>
+    <dgm:txPr/>
+    <dgm:style>
+      <a:lnRef idx="2">
+        <a:scrgbClr r="0" g="0" b="0"/>
+      </a:lnRef>
+      <a:fillRef idx="1">
+        <a:scrgbClr r="0" g="0" b="0"/>
+      </a:fillRef>
+      <a:effectRef idx="0">
+        <a:scrgbClr r="0" g="0" b="0"/>
+      </a:effectRef>
+      <a:fontRef idx="minor">
+        <a:schemeClr val="lt1"/>
+      </a:fontRef>
+    </dgm:style>
+  </dgm:styleLbl>
+  <dgm:styleLbl name="fgImgPlace1">
+    <dgm:scene3d>
+      <a:camera prst="orthographicFront"/>
+      <a:lightRig rig="threePt" dir="t"/>
+    </dgm:scene3d>
+    <dgm:sp3d/>
+    <dgm:txPr/>
+    <dgm:style>
+      <a:lnRef idx="2">
+        <a:scrgbClr r="0" g="0" b="0"/>
+      </a:lnRef>
+      <a:fillRef idx="1">
+        <a:scrgbClr r="0" g="0" b="0"/>
+      </a:fillRef>
+      <a:effectRef idx="0">
+        <a:scrgbClr r="0" g="0" b="0"/>
+      </a:effectRef>
+      <a:fontRef idx="minor"/>
+    </dgm:style>
+  </dgm:styleLbl>
+  <dgm:styleLbl name="alignImgPlace1">
+    <dgm:scene3d>
+      <a:camera prst="orthographicFront"/>
+      <a:lightRig rig="threePt" dir="t"/>
+    </dgm:scene3d>
+    <dgm:sp3d/>
+    <dgm:txPr/>
+    <dgm:style>
+      <a:lnRef idx="2">
+        <a:scrgbClr r="0" g="0" b="0"/>
+      </a:lnRef>
+      <a:fillRef idx="1">
+        <a:scrgbClr r="0" g="0" b="0"/>
+      </a:fillRef>
+      <a:effectRef idx="0">
+        <a:scrgbClr r="0" g="0" b="0"/>
+      </a:effectRef>
+      <a:fontRef idx="minor"/>
+    </dgm:style>
+  </dgm:styleLbl>
+  <dgm:styleLbl name="bgImgPlace1">
+    <dgm:scene3d>
+      <a:camera prst="orthographicFront"/>
+      <a:lightRig rig="threePt" dir="t"/>
+    </dgm:scene3d>
+    <dgm:sp3d/>
+    <dgm:txPr/>
+    <dgm:style>
+      <a:lnRef idx="2">
+        <a:scrgbClr r="0" g="0" b="0"/>
+      </a:lnRef>
+      <a:fillRef idx="1">
+        <a:scrgbClr r="0" g="0" b="0"/>
+      </a:fillRef>
+      <a:effectRef idx="0">
+        <a:scrgbClr r="0" g="0" b="0"/>
+      </a:effectRef>
+      <a:fontRef idx="minor"/>
+    </dgm:style>
+  </dgm:styleLbl>
+  <dgm:styleLbl name="sibTrans2D1">
+    <dgm:scene3d>
+      <a:camera prst="orthographicFront"/>
+      <a:lightRig rig="threePt" dir="t"/>
+    </dgm:scene3d>
+    <dgm:sp3d/>
+    <dgm:txPr/>
+    <dgm:style>
+      <a:lnRef idx="0">
+        <a:scrgbClr r="0" g="0" b="0"/>
+      </a:lnRef>
+      <a:fillRef idx="1">
+        <a:scrgbClr r="0" g="0" b="0"/>
+      </a:fillRef>
+      <a:effectRef idx="0">
+        <a:scrgbClr r="0" g="0" b="0"/>
+      </a:effectRef>
+      <a:fontRef idx="minor">
+        <a:schemeClr val="lt1"/>
+      </a:fontRef>
+    </dgm:style>
+  </dgm:styleLbl>
+  <dgm:styleLbl name="fgSibTrans2D1">
+    <dgm:scene3d>
+      <a:camera prst="orthographicFront"/>
+      <a:lightRig rig="threePt" dir="t"/>
+    </dgm:scene3d>
+    <dgm:sp3d/>
+    <dgm:txPr/>
+    <dgm:style>
+      <a:lnRef idx="0">
+        <a:scrgbClr r="0" g="0" b="0"/>
+      </a:lnRef>
+      <a:fillRef idx="1">
+        <a:scrgbClr r="0" g="0" b="0"/>
+      </a:fillRef>
+      <a:effectRef idx="0">
+        <a:scrgbClr r="0" g="0" b="0"/>
+      </a:effectRef>
+      <a:fontRef idx="minor">
+        <a:schemeClr val="lt1"/>
+      </a:fontRef>
+    </dgm:style>
+  </dgm:styleLbl>
+  <dgm:styleLbl name="bgSibTrans2D1">
+    <dgm:scene3d>
+      <a:camera prst="orthographicFront"/>
+      <a:lightRig rig="threePt" dir="t"/>
+    </dgm:scene3d>
+    <dgm:sp3d/>
+    <dgm:txPr/>
+    <dgm:style>
+      <a:lnRef idx="0">
+        <a:scrgbClr r="0" g="0" b="0"/>
+      </a:lnRef>
+      <a:fillRef idx="1">
+        <a:scrgbClr r="0" g="0" b="0"/>
+      </a:fillRef>
+      <a:effectRef idx="0">
+        <a:scrgbClr r="0" g="0" b="0"/>
+      </a:effectRef>
+      <a:fontRef idx="minor">
+        <a:schemeClr val="lt1"/>
+      </a:fontRef>
+    </dgm:style>
+  </dgm:styleLbl>
+  <dgm:styleLbl name="sibTrans1D1">
+    <dgm:scene3d>
+      <a:camera prst="orthographicFront"/>
+      <a:lightRig rig="threePt" dir="t"/>
+    </dgm:scene3d>
+    <dgm:sp3d/>
+    <dgm:txPr/>
+    <dgm:style>
+      <a:lnRef idx="1">
+        <a:scrgbClr r="0" g="0" b="0"/>
+      </a:lnRef>
+      <a:fillRef idx="0">
+        <a:scrgbClr r="0" g="0" b="0"/>
+      </a:fillRef>
+      <a:effectRef idx="0">
+        <a:scrgbClr r="0" g="0" b="0"/>
+      </a:effectRef>
+      <a:fontRef idx="minor"/>
+    </dgm:style>
+  </dgm:styleLbl>
+  <dgm:styleLbl name="callout">
+    <dgm:scene3d>
+      <a:camera prst="orthographicFront"/>
+      <a:lightRig rig="threePt" dir="t"/>
+    </dgm:scene3d>
+    <dgm:sp3d/>
+    <dgm:txPr/>
+    <dgm:style>
+      <a:lnRef idx="2">
+        <a:scrgbClr r="0" g="0" b="0"/>
+      </a:lnRef>
+      <a:fillRef idx="1">
+        <a:scrgbClr r="0" g="0" b="0"/>
+      </a:fillRef>
+      <a:effectRef idx="0">
+        <a:scrgbClr r="0" g="0" b="0"/>
+      </a:effectRef>
+      <a:fontRef idx="minor"/>
+    </dgm:style>
+  </dgm:styleLbl>
+  <dgm:styleLbl name="asst0">
+    <dgm:scene3d>
+      <a:camera prst="orthographicFront"/>
+      <a:lightRig rig="threePt" dir="t"/>
+    </dgm:scene3d>
+    <dgm:sp3d/>
+    <dgm:txPr/>
+    <dgm:style>
+      <a:lnRef idx="2">
+        <a:scrgbClr r="0" g="0" b="0"/>
+      </a:lnRef>
+      <a:fillRef idx="1">
+        <a:scrgbClr r="0" g="0" b="0"/>
+      </a:fillRef>
+      <a:effectRef idx="0">
+        <a:scrgbClr r="0" g="0" b="0"/>
+      </a:effectRef>
+      <a:fontRef idx="minor">
+        <a:schemeClr val="lt1"/>
+      </a:fontRef>
+    </dgm:style>
+  </dgm:styleLbl>
+  <dgm:styleLbl name="asst1">
+    <dgm:scene3d>
+      <a:camera prst="orthographicFront"/>
+      <a:lightRig rig="threePt" dir="t"/>
+    </dgm:scene3d>
+    <dgm:sp3d/>
+    <dgm:txPr/>
+    <dgm:style>
+      <a:lnRef idx="2">
+        <a:scrgbClr r="0" g="0" b="0"/>
+      </a:lnRef>
+      <a:fillRef idx="1">
+        <a:scrgbClr r="0" g="0" b="0"/>
+      </a:fillRef>
+      <a:effectRef idx="0">
+        <a:scrgbClr r="0" g="0" b="0"/>
+      </a:effectRef>
+      <a:fontRef idx="minor">
+        <a:schemeClr val="lt1"/>
+      </a:fontRef>
+    </dgm:style>
+  </dgm:styleLbl>
+  <dgm:styleLbl name="asst2">
+    <dgm:scene3d>
+      <a:camera prst="orthographicFront"/>
+      <a:lightRig rig="threePt" dir="t"/>
+    </dgm:scene3d>
+    <dgm:sp3d/>
+    <dgm:txPr/>
+    <dgm:style>
+      <a:lnRef idx="2">
+        <a:scrgbClr r="0" g="0" b="0"/>
+      </a:lnRef>
+      <a:fillRef idx="1">
+        <a:scrgbClr r="0" g="0" b="0"/>
+      </a:fillRef>
+      <a:effectRef idx="0">
+        <a:scrgbClr r="0" g="0" b="0"/>
+      </a:effectRef>
+      <a:fontRef idx="minor">
+        <a:schemeClr val="lt1"/>
+      </a:fontRef>
+    </dgm:style>
+  </dgm:styleLbl>
+  <dgm:styleLbl name="asst3">
+    <dgm:scene3d>
+      <a:camera prst="orthographicFront"/>
+      <a:lightRig rig="threePt" dir="t"/>
+    </dgm:scene3d>
+    <dgm:sp3d/>
+    <dgm:txPr/>
+    <dgm:style>
+      <a:lnRef idx="2">
+        <a:scrgbClr r="0" g="0" b="0"/>
+      </a:lnRef>
+      <a:fillRef idx="1">
+        <a:scrgbClr r="0" g="0" b="0"/>
+      </a:fillRef>
+      <a:effectRef idx="0">
+        <a:scrgbClr r="0" g="0" b="0"/>
+      </a:effectRef>
+      <a:fontRef idx="minor">
+        <a:schemeClr val="lt1"/>
+      </a:fontRef>
+    </dgm:style>
+  </dgm:styleLbl>
+  <dgm:styleLbl name="asst4">
+    <dgm:scene3d>
+      <a:camera prst="orthographicFront"/>
+      <a:lightRig rig="threePt" dir="t"/>
+    </dgm:scene3d>
+    <dgm:sp3d/>
+    <dgm:txPr/>
+    <dgm:style>
+      <a:lnRef idx="2">
+        <a:scrgbClr r="0" g="0" b="0"/>
+      </a:lnRef>
+      <a:fillRef idx="1">
+        <a:scrgbClr r="0" g="0" b="0"/>
+      </a:fillRef>
+      <a:effectRef idx="0">
+        <a:scrgbClr r="0" g="0" b="0"/>
+      </a:effectRef>
+      <a:fontRef idx="minor">
+        <a:schemeClr val="lt1"/>
+      </a:fontRef>
+    </dgm:style>
+  </dgm:styleLbl>
+  <dgm:styleLbl name="parChTrans2D1">
+    <dgm:scene3d>
+      <a:camera prst="orthographicFront"/>
+      <a:lightRig rig="threePt" dir="t"/>
+    </dgm:scene3d>
+    <dgm:sp3d/>
+    <dgm:txPr/>
+    <dgm:style>
+      <a:lnRef idx="2">
+        <a:scrgbClr r="0" g="0" b="0"/>
+      </a:lnRef>
+      <a:fillRef idx="1">
+        <a:scrgbClr r="0" g="0" b="0"/>
+      </a:fillRef>
+      <a:effectRef idx="0">
+        <a:scrgbClr r="0" g="0" b="0"/>
+      </a:effectRef>
+      <a:fontRef idx="minor">
+        <a:schemeClr val="lt1"/>
+      </a:fontRef>
+    </dgm:style>
+  </dgm:styleLbl>
+  <dgm:styleLbl name="parChTrans2D2">
+    <dgm:scene3d>
+      <a:camera prst="orthographicFront"/>
+      <a:lightRig rig="threePt" dir="t"/>
+    </dgm:scene3d>
+    <dgm:sp3d/>
+    <dgm:txPr/>
+    <dgm:style>
+      <a:lnRef idx="2">
+        <a:scrgbClr r="0" g="0" b="0"/>
+      </a:lnRef>
+      <a:fillRef idx="1">
+        <a:scrgbClr r="0" g="0" b="0"/>
+      </a:fillRef>
+      <a:effectRef idx="0">
+        <a:scrgbClr r="0" g="0" b="0"/>
+      </a:effectRef>
+      <a:fontRef idx="minor">
+        <a:schemeClr val="lt1"/>
+      </a:fontRef>
+    </dgm:style>
+  </dgm:styleLbl>
+  <dgm:styleLbl name="parChTrans2D3">
+    <dgm:scene3d>
+      <a:camera prst="orthographicFront"/>
+      <a:lightRig rig="threePt" dir="t"/>
+    </dgm:scene3d>
+    <dgm:sp3d/>
+    <dgm:txPr/>
+    <dgm:style>
+      <a:lnRef idx="2">
+        <a:scrgbClr r="0" g="0" b="0"/>
+      </a:lnRef>
+      <a:fillRef idx="1">
+        <a:scrgbClr r="0" g="0" b="0"/>
+      </a:fillRef>
+      <a:effectRef idx="0">
+        <a:scrgbClr r="0" g="0" b="0"/>
+      </a:effectRef>
+      <a:fontRef idx="minor">
+        <a:schemeClr val="lt1"/>
+      </a:fontRef>
+    </dgm:style>
+  </dgm:styleLbl>
+  <dgm:styleLbl name="parChTrans2D4">
+    <dgm:scene3d>
+      <a:camera prst="orthographicFront"/>
+      <a:lightRig rig="threePt" dir="t"/>
+    </dgm:scene3d>
+    <dgm:sp3d/>
+    <dgm:txPr/>
+    <dgm:style>
+      <a:lnRef idx="2">
+        <a:scrgbClr r="0" g="0" b="0"/>
+      </a:lnRef>
+      <a:fillRef idx="1">
+        <a:scrgbClr r="0" g="0" b="0"/>
+      </a:fillRef>
+      <a:effectRef idx="0">
+        <a:scrgbClr r="0" g="0" b="0"/>
+      </a:effectRef>
+      <a:fontRef idx="minor">
+        <a:schemeClr val="lt1"/>
+      </a:fontRef>
+    </dgm:style>
+  </dgm:styleLbl>
+  <dgm:styleLbl name="parChTrans1D1">
+    <dgm:scene3d>
+      <a:camera prst="orthographicFront"/>
+      <a:lightRig rig="threePt" dir="t"/>
+    </dgm:scene3d>
+    <dgm:sp3d/>
+    <dgm:txPr/>
+    <dgm:style>
+      <a:lnRef idx="2">
+        <a:scrgbClr r="0" g="0" b="0"/>
+      </a:lnRef>
+      <a:fillRef idx="0">
+        <a:scrgbClr r="0" g="0" b="0"/>
+      </a:fillRef>
+      <a:effectRef idx="0">
+        <a:scrgbClr r="0" g="0" b="0"/>
+      </a:effectRef>
+      <a:fontRef idx="minor"/>
+    </dgm:style>
+  </dgm:styleLbl>
+  <dgm:styleLbl name="parChTrans1D2">
+    <dgm:scene3d>
+      <a:camera prst="orthographicFront"/>
+      <a:lightRig rig="threePt" dir="t"/>
+    </dgm:scene3d>
+    <dgm:sp3d/>
+    <dgm:txPr/>
+    <dgm:style>
+      <a:lnRef idx="2">
+        <a:scrgbClr r="0" g="0" b="0"/>
+      </a:lnRef>
+      <a:fillRef idx="0">
+        <a:scrgbClr r="0" g="0" b="0"/>
+      </a:fillRef>
+      <a:effectRef idx="0">
+        <a:scrgbClr r="0" g="0" b="0"/>
+      </a:effectRef>
+      <a:fontRef idx="minor"/>
+    </dgm:style>
+  </dgm:styleLbl>
+  <dgm:styleLbl name="parChTrans1D3">
+    <dgm:scene3d>
+      <a:camera prst="orthographicFront"/>
+      <a:lightRig rig="threePt" dir="t"/>
+    </dgm:scene3d>
+    <dgm:sp3d/>
+    <dgm:txPr/>
+    <dgm:style>
+      <a:lnRef idx="2">
+        <a:scrgbClr r="0" g="0" b="0"/>
+      </a:lnRef>
+      <a:fillRef idx="0">
+        <a:scrgbClr r="0" g="0" b="0"/>
+      </a:fillRef>
+      <a:effectRef idx="0">
+        <a:scrgbClr r="0" g="0" b="0"/>
+      </a:effectRef>
+      <a:fontRef idx="minor"/>
+    </dgm:style>
+  </dgm:styleLbl>
+  <dgm:styleLbl name="parChTrans1D4">
+    <dgm:scene3d>
+      <a:camera prst="orthographicFront"/>
+      <a:lightRig rig="threePt" dir="t"/>
+    </dgm:scene3d>
+    <dgm:sp3d/>
+    <dgm:txPr/>
+    <dgm:style>
+      <a:lnRef idx="2">
+        <a:scrgbClr r="0" g="0" b="0"/>
+      </a:lnRef>
+      <a:fillRef idx="0">
+        <a:scrgbClr r="0" g="0" b="0"/>
+      </a:fillRef>
+      <a:effectRef idx="0">
+        <a:scrgbClr r="0" g="0" b="0"/>
+      </a:effectRef>
+      <a:fontRef idx="minor"/>
+    </dgm:style>
+  </dgm:styleLbl>
+  <dgm:styleLbl name="fgAcc1">
+    <dgm:scene3d>
+      <a:camera prst="orthographicFront"/>
+      <a:lightRig rig="threePt" dir="t"/>
+    </dgm:scene3d>
+    <dgm:sp3d/>
+    <dgm:txPr/>
+    <dgm:style>
+      <a:lnRef idx="2">
+        <a:scrgbClr r="0" g="0" b="0"/>
+      </a:lnRef>
+      <a:fillRef idx="1">
+        <a:scrgbClr r="0" g="0" b="0"/>
+      </a:fillRef>
+      <a:effectRef idx="0">
+        <a:scrgbClr r="0" g="0" b="0"/>
+      </a:effectRef>
+      <a:fontRef idx="minor"/>
+    </dgm:style>
+  </dgm:styleLbl>
+  <dgm:styleLbl name="conFgAcc1">
+    <dgm:scene3d>
+      <a:camera prst="orthographicFront"/>
+      <a:lightRig rig="threePt" dir="t"/>
+    </dgm:scene3d>
+    <dgm:sp3d/>
+    <dgm:txPr/>
+    <dgm:style>
+      <a:lnRef idx="2">
+        <a:scrgbClr r="0" g="0" b="0"/>
+      </a:lnRef>
+      <a:fillRef idx="1">
+        <a:scrgbClr r="0" g="0" b="0"/>
+      </a:fillRef>
+      <a:effectRef idx="0">
+        <a:scrgbClr r="0" g="0" b="0"/>
+      </a:effectRef>
+      <a:fontRef idx="minor"/>
+    </dgm:style>
+  </dgm:styleLbl>
+  <dgm:styleLbl name="alignAcc1">
+    <dgm:scene3d>
+      <a:camera prst="orthographicFront"/>
+      <a:lightRig rig="threePt" dir="t"/>
+    </dgm:scene3d>
+    <dgm:sp3d/>
+    <dgm:txPr/>
+    <dgm:style>
+      <a:lnRef idx="2">
+        <a:scrgbClr r="0" g="0" b="0"/>
+      </a:lnRef>
+      <a:fillRef idx="1">
+        <a:scrgbClr r="0" g="0" b="0"/>
+      </a:fillRef>
+      <a:effectRef idx="0">
+        <a:scrgbClr r="0" g="0" b="0"/>
+      </a:effectRef>
+      <a:fontRef idx="minor"/>
+    </dgm:style>
+  </dgm:styleLbl>
+  <dgm:styleLbl name="trAlignAcc1">
+    <dgm:scene3d>
+      <a:camera prst="orthographicFront"/>
+      <a:lightRig rig="threePt" dir="t"/>
+    </dgm:scene3d>
+    <dgm:sp3d/>
+    <dgm:txPr/>
+    <dgm:style>
+      <a:lnRef idx="1">
+        <a:scrgbClr r="0" g="0" b="0"/>
+      </a:lnRef>
+      <a:fillRef idx="1">
+        <a:scrgbClr r="0" g="0" b="0"/>
+      </a:fillRef>
+      <a:effectRef idx="0">
+        <a:scrgbClr r="0" g="0" b="0"/>
+      </a:effectRef>
+      <a:fontRef idx="minor"/>
+    </dgm:style>
+  </dgm:styleLbl>
+  <dgm:styleLbl name="bgAcc1">
+    <dgm:scene3d>
+      <a:camera prst="orthographicFront"/>
+      <a:lightRig rig="threePt" dir="t"/>
+    </dgm:scene3d>
+    <dgm:sp3d/>
+    <dgm:txPr/>
+    <dgm:style>
+      <a:lnRef idx="2">
+        <a:scrgbClr r="0" g="0" b="0"/>
+      </a:lnRef>
+      <a:fillRef idx="1">
+        <a:scrgbClr r="0" g="0" b="0"/>
+      </a:fillRef>
+      <a:effectRef idx="0">
+        <a:scrgbClr r="0" g="0" b="0"/>
+      </a:effectRef>
+      <a:fontRef idx="minor"/>
+    </dgm:style>
+  </dgm:styleLbl>
+  <dgm:styleLbl name="solidFgAcc1">
+    <dgm:scene3d>
+      <a:camera prst="orthographicFront"/>
+      <a:lightRig rig="threePt" dir="t"/>
+    </dgm:scene3d>
+    <dgm:sp3d/>
+    <dgm:txPr/>
+    <dgm:style>
+      <a:lnRef idx="2">
+        <a:scrgbClr r="0" g="0" b="0"/>
+      </a:lnRef>
+      <a:fillRef idx="1">
+        <a:scrgbClr r="0" g="0" b="0"/>
+      </a:fillRef>
+      <a:effectRef idx="0">
+        <a:scrgbClr r="0" g="0" b="0"/>
+      </a:effectRef>
+      <a:fontRef idx="minor"/>
+    </dgm:style>
+  </dgm:styleLbl>
+  <dgm:styleLbl name="solidAlignAcc1">
+    <dgm:scene3d>
+      <a:camera prst="orthographicFront"/>
+      <a:lightRig rig="threePt" dir="t"/>
+    </dgm:scene3d>
+    <dgm:sp3d/>
+    <dgm:txPr/>
+    <dgm:style>
+      <a:lnRef idx="2">
+        <a:scrgbClr r="0" g="0" b="0"/>
+      </a:lnRef>
+      <a:fillRef idx="1">
+        <a:scrgbClr r="0" g="0" b="0"/>
+      </a:fillRef>
+      <a:effectRef idx="0">
+        <a:scrgbClr r="0" g="0" b="0"/>
+      </a:effectRef>
+      <a:fontRef idx="minor"/>
+    </dgm:style>
+  </dgm:styleLbl>
+  <dgm:styleLbl name="solidBgAcc1">
+    <dgm:scene3d>
+      <a:camera prst="orthographicFront"/>
+      <a:lightRig rig="threePt" dir="t"/>
+    </dgm:scene3d>
+    <dgm:sp3d/>
+    <dgm:txPr/>
+    <dgm:style>
+      <a:lnRef idx="2">
+        <a:scrgbClr r="0" g="0" b="0"/>
+      </a:lnRef>
+      <a:fillRef idx="1">
+        <a:scrgbClr r="0" g="0" b="0"/>
+      </a:fillRef>
+      <a:effectRef idx="0">
+        <a:scrgbClr r="0" g="0" b="0"/>
+      </a:effectRef>
+      <a:fontRef idx="minor"/>
+    </dgm:style>
+  </dgm:styleLbl>
+  <dgm:styleLbl name="fgAccFollowNode1">
+    <dgm:scene3d>
+      <a:camera prst="orthographicFront"/>
+      <a:lightRig rig="threePt" dir="t"/>
+    </dgm:scene3d>
+    <dgm:sp3d/>
+    <dgm:txPr/>
+    <dgm:style>
+      <a:lnRef idx="2">
+        <a:scrgbClr r="0" g="0" b="0"/>
+      </a:lnRef>
+      <a:fillRef idx="1">
+        <a:scrgbClr r="0" g="0" b="0"/>
+      </a:fillRef>
+      <a:effectRef idx="0">
+        <a:scrgbClr r="0" g="0" b="0"/>
+      </a:effectRef>
+      <a:fontRef idx="minor"/>
+    </dgm:style>
+  </dgm:styleLbl>
+  <dgm:styleLbl name="alignAccFollowNode1">
+    <dgm:scene3d>
+      <a:camera prst="orthographicFront"/>
+      <a:lightRig rig="threePt" dir="t"/>
+    </dgm:scene3d>
+    <dgm:sp3d/>
+    <dgm:txPr/>
+    <dgm:style>
+      <a:lnRef idx="2">
+        <a:scrgbClr r="0" g="0" b="0"/>
+      </a:lnRef>
+      <a:fillRef idx="1">
+        <a:scrgbClr r="0" g="0" b="0"/>
+      </a:fillRef>
+      <a:effectRef idx="0">
+        <a:scrgbClr r="0" g="0" b="0"/>
+      </a:effectRef>
+      <a:fontRef idx="minor"/>
+    </dgm:style>
+  </dgm:styleLbl>
+  <dgm:styleLbl name="bgAccFollowNode1">
+    <dgm:scene3d>
+      <a:camera prst="orthographicFront"/>
+      <a:lightRig rig="threePt" dir="t"/>
+    </dgm:scene3d>
+    <dgm:sp3d/>
+    <dgm:txPr/>
+    <dgm:style>
+      <a:lnRef idx="2">
+        <a:scrgbClr r="0" g="0" b="0"/>
+      </a:lnRef>
+      <a:fillRef idx="1">
+        <a:scrgbClr r="0" g="0" b="0"/>
+      </a:fillRef>
+      <a:effectRef idx="0">
+        <a:scrgbClr r="0" g="0" b="0"/>
+      </a:effectRef>
+      <a:fontRef idx="minor"/>
+    </dgm:style>
+  </dgm:styleLbl>
+  <dgm:styleLbl name="fgAcc0">
+    <dgm:scene3d>
+      <a:camera prst="orthographicFront"/>
+      <a:lightRig rig="threePt" dir="t"/>
+    </dgm:scene3d>
+    <dgm:sp3d/>
+    <dgm:txPr/>
+    <dgm:style>
+      <a:lnRef idx="2">
+        <a:scrgbClr r="0" g="0" b="0"/>
+      </a:lnRef>
+      <a:fillRef idx="1">
+        <a:scrgbClr r="0" g="0" b="0"/>
+      </a:fillRef>
+      <a:effectRef idx="0">
+        <a:scrgbClr r="0" g="0" b="0"/>
+      </a:effectRef>
+      <a:fontRef idx="minor"/>
+    </dgm:style>
+  </dgm:styleLbl>
+  <dgm:styleLbl name="fgAcc2">
+    <dgm:scene3d>
+      <a:camera prst="orthographicFront"/>
+      <a:lightRig rig="threePt" dir="t"/>
+    </dgm:scene3d>
+    <dgm:sp3d/>
+    <dgm:txPr/>
+    <dgm:style>
+      <a:lnRef idx="2">
+        <a:scrgbClr r="0" g="0" b="0"/>
+      </a:lnRef>
+      <a:fillRef idx="1">
+        <a:scrgbClr r="0" g="0" b="0"/>
+      </a:fillRef>
+      <a:effectRef idx="0">
+        <a:scrgbClr r="0" g="0" b="0"/>
+      </a:effectRef>
+      <a:fontRef idx="minor"/>
+    </dgm:style>
+  </dgm:styleLbl>
+  <dgm:styleLbl name="fgAcc3">
+    <dgm:scene3d>
+      <a:camera prst="orthographicFront"/>
+      <a:lightRig rig="threePt" dir="t"/>
+    </dgm:scene3d>
+    <dgm:sp3d/>
+    <dgm:txPr/>
+    <dgm:style>
+      <a:lnRef idx="2">
+        <a:scrgbClr r="0" g="0" b="0"/>
+      </a:lnRef>
+      <a:fillRef idx="1">
+        <a:scrgbClr r="0" g="0" b="0"/>
+      </a:fillRef>
+      <a:effectRef idx="0">
+        <a:scrgbClr r="0" g="0" b="0"/>
+      </a:effectRef>
+      <a:fontRef idx="minor"/>
+    </dgm:style>
+  </dgm:styleLbl>
+  <dgm:styleLbl name="fgAcc4">
+    <dgm:scene3d>
+      <a:camera prst="orthographicFront"/>
+      <a:lightRig rig="threePt" dir="t"/>
+    </dgm:scene3d>
+    <dgm:sp3d/>
+    <dgm:txPr/>
+    <dgm:style>
+      <a:lnRef idx="2">
+        <a:scrgbClr r="0" g="0" b="0"/>
+      </a:lnRef>
+      <a:fillRef idx="1">
+        <a:scrgbClr r="0" g="0" b="0"/>
+      </a:fillRef>
+      <a:effectRef idx="0">
+        <a:scrgbClr r="0" g="0" b="0"/>
+      </a:effectRef>
+      <a:fontRef idx="minor"/>
+    </dgm:style>
+  </dgm:styleLbl>
+  <dgm:styleLbl name="bgShp">
+    <dgm:scene3d>
+      <a:camera prst="orthographicFront"/>
+      <a:lightRig rig="threePt" dir="t"/>
+    </dgm:scene3d>
+    <dgm:sp3d/>
+    <dgm:txPr/>
+    <dgm:style>
+      <a:lnRef idx="0">
+        <a:scrgbClr r="0" g="0" b="0"/>
+      </a:lnRef>
+      <a:fillRef idx="1">
+        <a:scrgbClr r="0" g="0" b="0"/>
+      </a:fillRef>
+      <a:effectRef idx="0">
+        <a:scrgbClr r="0" g="0" b="0"/>
+      </a:effectRef>
+      <a:fontRef idx="minor"/>
+    </dgm:style>
+  </dgm:styleLbl>
+  <dgm:styleLbl name="dkBgShp">
+    <dgm:scene3d>
+      <a:camera prst="orthographicFront"/>
+      <a:lightRig rig="threePt" dir="t"/>
+    </dgm:scene3d>
+    <dgm:sp3d/>
+    <dgm:txPr/>
+    <dgm:style>
+      <a:lnRef idx="0">
+        <a:scrgbClr r="0" g="0" b="0"/>
+      </a:lnRef>
+      <a:fillRef idx="1">
+        <a:scrgbClr r="0" g="0" b="0"/>
+      </a:fillRef>
+      <a:effectRef idx="0">
+        <a:scrgbClr r="0" g="0" b="0"/>
+      </a:effectRef>
+      <a:fontRef idx="minor"/>
+    </dgm:style>
+  </dgm:styleLbl>
+  <dgm:styleLbl name="trBgShp">
+    <dgm:scene3d>
+      <a:camera prst="orthographicFront"/>
+      <a:lightRig rig="threePt" dir="t"/>
+    </dgm:scene3d>
+    <dgm:sp3d/>
+    <dgm:txPr/>
+    <dgm:style>
+      <a:lnRef idx="0">
+        <a:scrgbClr r="0" g="0" b="0"/>
+      </a:lnRef>
+      <a:fillRef idx="1">
+        <a:scrgbClr r="0" g="0" b="0"/>
+      </a:fillRef>
+      <a:effectRef idx="0">
+        <a:scrgbClr r="0" g="0" b="0"/>
+      </a:effectRef>
+      <a:fontRef idx="minor"/>
+    </dgm:style>
+  </dgm:styleLbl>
+  <dgm:styleLbl name="fgShp">
+    <dgm:scene3d>
+      <a:camera prst="orthographicFront"/>
+      <a:lightRig rig="threePt" dir="t"/>
+    </dgm:scene3d>
+    <dgm:sp3d/>
+    <dgm:txPr/>
+    <dgm:style>
+      <a:lnRef idx="2">
+        <a:scrgbClr r="0" g="0" b="0"/>
+      </a:lnRef>
+      <a:fillRef idx="1">
+        <a:scrgbClr r="0" g="0" b="0"/>
+      </a:fillRef>
+      <a:effectRef idx="0">
+        <a:scrgbClr r="0" g="0" b="0"/>
+      </a:effectRef>
+      <a:fontRef idx="minor"/>
+    </dgm:style>
+  </dgm:styleLbl>
+  <dgm:styleLbl name="revTx">
+    <dgm:scene3d>
+      <a:camera prst="orthographicFront"/>
+      <a:lightRig rig="threePt" dir="t"/>
+    </dgm:scene3d>
+    <dgm:sp3d/>
+    <dgm:txPr/>
+    <dgm:style>
+      <a:lnRef idx="0">
+        <a:scrgbClr r="0" g="0" b="0"/>
+      </a:lnRef>
+      <a:fillRef idx="0">
+        <a:scrgbClr r="0" g="0" b="0"/>
+      </a:fillRef>
+      <a:effectRef idx="0">
+        <a:scrgbClr r="0" g="0" b="0"/>
+      </a:effectRef>
+      <a:fontRef idx="minor"/>
+    </dgm:style>
+  </dgm:styleLbl>
+</dgm:styleDef>
+</file>
+
+<file path=ppt/diagrams/quickStyle3.xml><?xml version="1.0" encoding="utf-8"?>
 <dgm:styleDef xmlns:dgm="http://schemas.openxmlformats.org/drawingml/2006/diagram" xmlns:a="http://schemas.openxmlformats.org/drawingml/2006/main" uniqueId="urn:microsoft.com/office/officeart/2005/8/quickstyle/simple1">
   <dgm:title val=""/>
   <dgm:desc val=""/>
@@ -9809,10 +12886,170 @@
           <a:chExt cx="0" cy="0"/>
         </a:xfrm>
       </p:grpSpPr>
+      <p:graphicFrame>
+        <p:nvGraphicFramePr>
+          <p:cNvPr id="2" name="Diagram 1"/>
+          <p:cNvGraphicFramePr/>
+          <p:nvPr>
+            <p:extLst>
+              <p:ext uri="{D42A27DB-BD31-4B8C-83A1-F6EECF244321}">
+                <p14:modId xmlns:p14="http://schemas.microsoft.com/office/powerpoint/2010/main" val="4189883146"/>
+              </p:ext>
+            </p:extLst>
+          </p:nvPr>
+        </p:nvGraphicFramePr>
+        <p:xfrm>
+          <a:off x="2032000" y="719666"/>
+          <a:ext cx="8128000" cy="5418667"/>
+        </p:xfrm>
+        <a:graphic>
+          <a:graphicData uri="http://schemas.openxmlformats.org/drawingml/2006/diagram">
+            <dgm:relIds xmlns:dgm="http://schemas.openxmlformats.org/drawingml/2006/diagram" xmlns:r="http://schemas.openxmlformats.org/officeDocument/2006/relationships" r:dm="rId2" r:lo="rId3" r:qs="rId4" r:cs="rId5"/>
+          </a:graphicData>
+        </a:graphic>
+      </p:graphicFrame>
     </p:spTree>
     <p:extLst>
       <p:ext uri="{BB962C8B-B14F-4D97-AF65-F5344CB8AC3E}">
-        <p14:creationId xmlns:p14="http://schemas.microsoft.com/office/powerpoint/2010/main" val="3417291369"/>
+        <p14:creationId xmlns:p14="http://schemas.microsoft.com/office/powerpoint/2010/main" val="1734191585"/>
+      </p:ext>
+    </p:extLst>
+  </p:cSld>
+  <p:clrMapOvr>
+    <a:masterClrMapping/>
+  </p:clrMapOvr>
+</p:sld>
+</file>
+
+<file path=ppt/slides/slide4.xml><?xml version="1.0" encoding="utf-8"?>
+<p:sld xmlns:a="http://schemas.openxmlformats.org/drawingml/2006/main" xmlns:r="http://schemas.openxmlformats.org/officeDocument/2006/relationships" xmlns:p="http://schemas.openxmlformats.org/presentationml/2006/main">
+  <p:cSld>
+    <p:spTree>
+      <p:nvGrpSpPr>
+        <p:cNvPr id="1" name=""/>
+        <p:cNvGrpSpPr/>
+        <p:nvPr/>
+      </p:nvGrpSpPr>
+      <p:grpSpPr>
+        <a:xfrm>
+          <a:off x="0" y="0"/>
+          <a:ext cx="0" cy="0"/>
+          <a:chOff x="0" y="0"/>
+          <a:chExt cx="0" cy="0"/>
+        </a:xfrm>
+      </p:grpSpPr>
+      <p:pic>
+        <p:nvPicPr>
+          <p:cNvPr id="3" name="Picture 2"/>
+          <p:cNvPicPr>
+            <a:picLocks noChangeAspect="1"/>
+          </p:cNvPicPr>
+          <p:nvPr/>
+        </p:nvPicPr>
+        <p:blipFill>
+          <a:blip r:embed="rId2">
+            <a:extLst>
+              <a:ext uri="{28A0092B-C50C-407E-A947-70E740481C1C}">
+                <a14:useLocalDpi xmlns:a14="http://schemas.microsoft.com/office/drawing/2010/main" val="0"/>
+              </a:ext>
+            </a:extLst>
+          </a:blip>
+          <a:stretch>
+            <a:fillRect/>
+          </a:stretch>
+        </p:blipFill>
+        <p:spPr>
+          <a:xfrm>
+            <a:off x="3428999" y="914400"/>
+            <a:ext cx="6890657" cy="4455886"/>
+          </a:xfrm>
+          <a:prstGeom prst="rect">
+            <a:avLst/>
+          </a:prstGeom>
+        </p:spPr>
+      </p:pic>
+    </p:spTree>
+    <p:extLst>
+      <p:ext uri="{BB962C8B-B14F-4D97-AF65-F5344CB8AC3E}">
+        <p14:creationId xmlns:p14="http://schemas.microsoft.com/office/powerpoint/2010/main" val="1270223613"/>
+      </p:ext>
+    </p:extLst>
+  </p:cSld>
+  <p:clrMapOvr>
+    <a:masterClrMapping/>
+  </p:clrMapOvr>
+</p:sld>
+</file>
+
+<file path=ppt/slides/slide5.xml><?xml version="1.0" encoding="utf-8"?>
+<p:sld xmlns:a="http://schemas.openxmlformats.org/drawingml/2006/main" xmlns:r="http://schemas.openxmlformats.org/officeDocument/2006/relationships" xmlns:p="http://schemas.openxmlformats.org/presentationml/2006/main">
+  <p:cSld>
+    <p:spTree>
+      <p:nvGrpSpPr>
+        <p:cNvPr id="1" name=""/>
+        <p:cNvGrpSpPr/>
+        <p:nvPr/>
+      </p:nvGrpSpPr>
+      <p:grpSpPr>
+        <a:xfrm>
+          <a:off x="0" y="0"/>
+          <a:ext cx="0" cy="0"/>
+          <a:chOff x="0" y="0"/>
+          <a:chExt cx="0" cy="0"/>
+        </a:xfrm>
+      </p:grpSpPr>
+      <p:sp>
+        <p:nvSpPr>
+          <p:cNvPr id="2" name="Title 1"/>
+          <p:cNvSpPr>
+            <a:spLocks noGrp="1"/>
+          </p:cNvSpPr>
+          <p:nvPr>
+            <p:ph type="title"/>
+          </p:nvPr>
+        </p:nvSpPr>
+        <p:spPr/>
+        <p:txBody>
+          <a:bodyPr/>
+          <a:lstStyle/>
+          <a:p>
+            <a:endParaRPr lang="en-IN"/>
+          </a:p>
+        </p:txBody>
+      </p:sp>
+      <p:pic>
+        <p:nvPicPr>
+          <p:cNvPr id="5" name="Content Placeholder 4"/>
+          <p:cNvPicPr>
+            <a:picLocks noGrp="1" noChangeAspect="1"/>
+          </p:cNvPicPr>
+          <p:nvPr>
+            <p:ph idx="1"/>
+          </p:nvPr>
+        </p:nvPicPr>
+        <p:blipFill>
+          <a:blip r:embed="rId2">
+            <a:extLst>
+              <a:ext uri="{28A0092B-C50C-407E-A947-70E740481C1C}">
+                <a14:useLocalDpi xmlns:a14="http://schemas.microsoft.com/office/drawing/2010/main" val="0"/>
+              </a:ext>
+            </a:extLst>
+          </a:blip>
+          <a:stretch>
+            <a:fillRect/>
+          </a:stretch>
+        </p:blipFill>
+        <p:spPr>
+          <a:xfrm>
+            <a:off x="2685144" y="2641600"/>
+            <a:ext cx="5158694" cy="3854337"/>
+          </a:xfrm>
+        </p:spPr>
+      </p:pic>
+    </p:spTree>
+    <p:extLst>
+      <p:ext uri="{BB962C8B-B14F-4D97-AF65-F5344CB8AC3E}">
+        <p14:creationId xmlns:p14="http://schemas.microsoft.com/office/powerpoint/2010/main" val="3031411156"/>
       </p:ext>
     </p:extLst>
   </p:cSld>
@@ -10077,7 +13314,7 @@
   <a:extraClrSchemeLst/>
   <a:extLst>
     <a:ext uri="{05A4C25C-085E-4340-85A3-A5531E510DB2}">
-      <thm15:themeFamily xmlns:thm15="http://schemas.microsoft.com/office/thememl/2012/main" xmlns="" name="Office Theme" id="{62F939B6-93AF-4DB8-9C6B-D6C7DFDC589F}" vid="{4A3C46E8-61CC-4603-A589-7422A47A8E4A}"/>
+      <thm15:themeFamily xmlns="" xmlns:thm15="http://schemas.microsoft.com/office/thememl/2012/main" name="Office Theme" id="{62F939B6-93AF-4DB8-9C6B-D6C7DFDC589F}" vid="{4A3C46E8-61CC-4603-A589-7422A47A8E4A}"/>
     </a:ext>
   </a:extLst>
 </a:theme>
@@ -10338,7 +13575,7 @@
   <a:extraClrSchemeLst/>
   <a:extLst>
     <a:ext uri="{05A4C25C-085E-4340-85A3-A5531E510DB2}">
-      <thm15:themeFamily xmlns:thm15="http://schemas.microsoft.com/office/thememl/2012/main" xmlns="" name="Office Theme" id="{62F939B6-93AF-4DB8-9C6B-D6C7DFDC589F}" vid="{4A3C46E8-61CC-4603-A589-7422A47A8E4A}"/>
+      <thm15:themeFamily xmlns="" xmlns:thm15="http://schemas.microsoft.com/office/thememl/2012/main" name="Office Theme" id="{62F939B6-93AF-4DB8-9C6B-D6C7DFDC589F}" vid="{4A3C46E8-61CC-4603-A589-7422A47A8E4A}"/>
     </a:ext>
   </a:extLst>
 </a:theme>

--- a/s_extreme_programming.pptx
+++ b/s_extreme_programming.pptx
@@ -5,7 +5,7 @@
     <p:sldMasterId id="2147483660" r:id="rId1"/>
   </p:sldMasterIdLst>
   <p:notesMasterIdLst>
-    <p:notesMasterId r:id="rId7"/>
+    <p:notesMasterId r:id="rId9"/>
   </p:notesMasterIdLst>
   <p:sldIdLst>
     <p:sldId id="263" r:id="rId2"/>
@@ -13,6 +13,8 @@
     <p:sldId id="266" r:id="rId4"/>
     <p:sldId id="267" r:id="rId5"/>
     <p:sldId id="268" r:id="rId6"/>
+    <p:sldId id="269" r:id="rId7"/>
+    <p:sldId id="270" r:id="rId8"/>
   </p:sldIdLst>
   <p:sldSz cx="12192000" cy="6858000"/>
   <p:notesSz cx="6858000" cy="9144000"/>
@@ -121,6 +123,8 @@
             <p14:sldId id="266"/>
             <p14:sldId id="267"/>
             <p14:sldId id="268"/>
+            <p14:sldId id="269"/>
+            <p14:sldId id="270"/>
           </p14:sldIdLst>
         </p14:section>
       </p14:sectionLst>
@@ -3624,21 +3628,21 @@
     </dgm:pt>
   </dgm:ptLst>
   <dgm:cxnLst>
+    <dgm:cxn modelId="{C5A2A1BC-D045-48FD-AC47-E14C16E12F1D}" type="presOf" srcId="{7BBAF57B-D3E8-4357-848D-DFFA9F4E7918}" destId="{6BCE7F5B-9773-4ADA-AD63-E31815063815}" srcOrd="0" destOrd="0" presId="urn:microsoft.com/office/officeart/2008/layout/HorizontalMultiLevelHierarchy"/>
+    <dgm:cxn modelId="{F9DF1A59-B3C7-4D0E-9194-17C5998A1157}" type="presOf" srcId="{DCE1AD03-3B7D-4BA3-A95D-AA03B3D30DBC}" destId="{3E3A3D94-077E-4E9C-A496-300259394F9E}" srcOrd="0" destOrd="0" presId="urn:microsoft.com/office/officeart/2008/layout/HorizontalMultiLevelHierarchy"/>
+    <dgm:cxn modelId="{366E1899-3443-4921-8359-C6F7A639DEBB}" type="presOf" srcId="{43C71346-2FE2-4153-9094-1D2224CD58F1}" destId="{B58460D7-F2A5-4498-8357-C69E62DACEB3}" srcOrd="0" destOrd="0" presId="urn:microsoft.com/office/officeart/2008/layout/HorizontalMultiLevelHierarchy"/>
+    <dgm:cxn modelId="{B147A9A0-C7C8-4498-B685-71547CFAB901}" srcId="{EB3F85B6-7778-4AA4-945B-DDA6D81EEA80}" destId="{43C71346-2FE2-4153-9094-1D2224CD58F1}" srcOrd="1" destOrd="0" parTransId="{DCE1AD03-3B7D-4BA3-A95D-AA03B3D30DBC}" sibTransId="{1E429405-6CC9-4696-81E3-58251957F9E4}"/>
+    <dgm:cxn modelId="{E66F76E0-2EE5-43E8-BED8-E669BF459BD2}" type="presOf" srcId="{799D0458-7874-4E17-A321-F4E36B8E5BA3}" destId="{9ECC6E07-57FC-4935-8AE9-D0CAA69516BB}" srcOrd="0" destOrd="0" presId="urn:microsoft.com/office/officeart/2008/layout/HorizontalMultiLevelHierarchy"/>
+    <dgm:cxn modelId="{D9C1ED83-179C-4338-B123-A1AA44CC9158}" srcId="{CD9869A5-DB7C-4FCC-AF11-ED61EB23D4C1}" destId="{EB3F85B6-7778-4AA4-945B-DDA6D81EEA80}" srcOrd="0" destOrd="0" parTransId="{62026E28-3556-4881-B642-E5B91F2B0800}" sibTransId="{F9856985-484E-4D2E-9026-861A294B7FD0}"/>
+    <dgm:cxn modelId="{1DB6353E-B3B7-4A7D-9A54-CC0B2363BB7D}" type="presOf" srcId="{DCE1AD03-3B7D-4BA3-A95D-AA03B3D30DBC}" destId="{F198DCCA-5906-4E75-A47C-9B0A0E53C6BE}" srcOrd="1" destOrd="0" presId="urn:microsoft.com/office/officeart/2008/layout/HorizontalMultiLevelHierarchy"/>
     <dgm:cxn modelId="{34C04B3A-5A15-4F8C-9D9C-E466789570D3}" type="presOf" srcId="{EB3F85B6-7778-4AA4-945B-DDA6D81EEA80}" destId="{5CBFE96B-5747-438E-A410-CEE1027187FF}" srcOrd="0" destOrd="0" presId="urn:microsoft.com/office/officeart/2008/layout/HorizontalMultiLevelHierarchy"/>
+    <dgm:cxn modelId="{83AD254A-6806-4DEB-BB68-81BB864F847C}" type="presOf" srcId="{7BBAF57B-D3E8-4357-848D-DFFA9F4E7918}" destId="{F01C9ADB-912E-4826-B2EC-BF87E964F707}" srcOrd="1" destOrd="0" presId="urn:microsoft.com/office/officeart/2008/layout/HorizontalMultiLevelHierarchy"/>
+    <dgm:cxn modelId="{DBE94031-4463-4859-879C-7E44291035B3}" srcId="{EB3F85B6-7778-4AA4-945B-DDA6D81EEA80}" destId="{799D0458-7874-4E17-A321-F4E36B8E5BA3}" srcOrd="0" destOrd="0" parTransId="{8FCB8CDC-11D7-4B37-9E54-C12782813E02}" sibTransId="{42C8F76C-7BDF-4DC7-AC94-EF6D885824A2}"/>
+    <dgm:cxn modelId="{9855D8E8-9CCA-490B-9420-C7FC4DDFE41D}" type="presOf" srcId="{CD9869A5-DB7C-4FCC-AF11-ED61EB23D4C1}" destId="{68715311-EFDF-477D-B410-BAE0296EC67A}" srcOrd="0" destOrd="0" presId="urn:microsoft.com/office/officeart/2008/layout/HorizontalMultiLevelHierarchy"/>
+    <dgm:cxn modelId="{F7EBF8E3-D63C-4EE9-B6A7-EE42E3852C48}" type="presOf" srcId="{8FCB8CDC-11D7-4B37-9E54-C12782813E02}" destId="{63CBAC53-C0C5-439F-AAC0-2627C0CE7ADE}" srcOrd="0" destOrd="0" presId="urn:microsoft.com/office/officeart/2008/layout/HorizontalMultiLevelHierarchy"/>
+    <dgm:cxn modelId="{F146A13D-4B08-4A65-9A19-69974A39042E}" type="presOf" srcId="{8FCB8CDC-11D7-4B37-9E54-C12782813E02}" destId="{2A02AF96-2CD3-43F0-824E-1D9B3AB89ACA}" srcOrd="1" destOrd="0" presId="urn:microsoft.com/office/officeart/2008/layout/HorizontalMultiLevelHierarchy"/>
     <dgm:cxn modelId="{8608CFD2-475F-4E9C-9E8E-8BA56D1B0C0C}" srcId="{EB3F85B6-7778-4AA4-945B-DDA6D81EEA80}" destId="{C1043AE4-5531-4746-8807-BCFFA516B415}" srcOrd="2" destOrd="0" parTransId="{7BBAF57B-D3E8-4357-848D-DFFA9F4E7918}" sibTransId="{5A72311F-6494-4A91-A4C6-4EFB2A5EBC58}"/>
-    <dgm:cxn modelId="{DBE94031-4463-4859-879C-7E44291035B3}" srcId="{EB3F85B6-7778-4AA4-945B-DDA6D81EEA80}" destId="{799D0458-7874-4E17-A321-F4E36B8E5BA3}" srcOrd="0" destOrd="0" parTransId="{8FCB8CDC-11D7-4B37-9E54-C12782813E02}" sibTransId="{42C8F76C-7BDF-4DC7-AC94-EF6D885824A2}"/>
     <dgm:cxn modelId="{0BE92054-1D67-4C7B-B527-A07ECD987171}" type="presOf" srcId="{C1043AE4-5531-4746-8807-BCFFA516B415}" destId="{149461F4-D8ED-4D3D-93C2-1DF1FA987DA4}" srcOrd="0" destOrd="0" presId="urn:microsoft.com/office/officeart/2008/layout/HorizontalMultiLevelHierarchy"/>
-    <dgm:cxn modelId="{E66F76E0-2EE5-43E8-BED8-E669BF459BD2}" type="presOf" srcId="{799D0458-7874-4E17-A321-F4E36B8E5BA3}" destId="{9ECC6E07-57FC-4935-8AE9-D0CAA69516BB}" srcOrd="0" destOrd="0" presId="urn:microsoft.com/office/officeart/2008/layout/HorizontalMultiLevelHierarchy"/>
-    <dgm:cxn modelId="{F9DF1A59-B3C7-4D0E-9194-17C5998A1157}" type="presOf" srcId="{DCE1AD03-3B7D-4BA3-A95D-AA03B3D30DBC}" destId="{3E3A3D94-077E-4E9C-A496-300259394F9E}" srcOrd="0" destOrd="0" presId="urn:microsoft.com/office/officeart/2008/layout/HorizontalMultiLevelHierarchy"/>
-    <dgm:cxn modelId="{C5A2A1BC-D045-48FD-AC47-E14C16E12F1D}" type="presOf" srcId="{7BBAF57B-D3E8-4357-848D-DFFA9F4E7918}" destId="{6BCE7F5B-9773-4ADA-AD63-E31815063815}" srcOrd="0" destOrd="0" presId="urn:microsoft.com/office/officeart/2008/layout/HorizontalMultiLevelHierarchy"/>
-    <dgm:cxn modelId="{1DB6353E-B3B7-4A7D-9A54-CC0B2363BB7D}" type="presOf" srcId="{DCE1AD03-3B7D-4BA3-A95D-AA03B3D30DBC}" destId="{F198DCCA-5906-4E75-A47C-9B0A0E53C6BE}" srcOrd="1" destOrd="0" presId="urn:microsoft.com/office/officeart/2008/layout/HorizontalMultiLevelHierarchy"/>
-    <dgm:cxn modelId="{B147A9A0-C7C8-4498-B685-71547CFAB901}" srcId="{EB3F85B6-7778-4AA4-945B-DDA6D81EEA80}" destId="{43C71346-2FE2-4153-9094-1D2224CD58F1}" srcOrd="1" destOrd="0" parTransId="{DCE1AD03-3B7D-4BA3-A95D-AA03B3D30DBC}" sibTransId="{1E429405-6CC9-4696-81E3-58251957F9E4}"/>
-    <dgm:cxn modelId="{D9C1ED83-179C-4338-B123-A1AA44CC9158}" srcId="{CD9869A5-DB7C-4FCC-AF11-ED61EB23D4C1}" destId="{EB3F85B6-7778-4AA4-945B-DDA6D81EEA80}" srcOrd="0" destOrd="0" parTransId="{62026E28-3556-4881-B642-E5B91F2B0800}" sibTransId="{F9856985-484E-4D2E-9026-861A294B7FD0}"/>
-    <dgm:cxn modelId="{F146A13D-4B08-4A65-9A19-69974A39042E}" type="presOf" srcId="{8FCB8CDC-11D7-4B37-9E54-C12782813E02}" destId="{2A02AF96-2CD3-43F0-824E-1D9B3AB89ACA}" srcOrd="1" destOrd="0" presId="urn:microsoft.com/office/officeart/2008/layout/HorizontalMultiLevelHierarchy"/>
-    <dgm:cxn modelId="{366E1899-3443-4921-8359-C6F7A639DEBB}" type="presOf" srcId="{43C71346-2FE2-4153-9094-1D2224CD58F1}" destId="{B58460D7-F2A5-4498-8357-C69E62DACEB3}" srcOrd="0" destOrd="0" presId="urn:microsoft.com/office/officeart/2008/layout/HorizontalMultiLevelHierarchy"/>
-    <dgm:cxn modelId="{F7EBF8E3-D63C-4EE9-B6A7-EE42E3852C48}" type="presOf" srcId="{8FCB8CDC-11D7-4B37-9E54-C12782813E02}" destId="{63CBAC53-C0C5-439F-AAC0-2627C0CE7ADE}" srcOrd="0" destOrd="0" presId="urn:microsoft.com/office/officeart/2008/layout/HorizontalMultiLevelHierarchy"/>
-    <dgm:cxn modelId="{83AD254A-6806-4DEB-BB68-81BB864F847C}" type="presOf" srcId="{7BBAF57B-D3E8-4357-848D-DFFA9F4E7918}" destId="{F01C9ADB-912E-4826-B2EC-BF87E964F707}" srcOrd="1" destOrd="0" presId="urn:microsoft.com/office/officeart/2008/layout/HorizontalMultiLevelHierarchy"/>
-    <dgm:cxn modelId="{9855D8E8-9CCA-490B-9420-C7FC4DDFE41D}" type="presOf" srcId="{CD9869A5-DB7C-4FCC-AF11-ED61EB23D4C1}" destId="{68715311-EFDF-477D-B410-BAE0296EC67A}" srcOrd="0" destOrd="0" presId="urn:microsoft.com/office/officeart/2008/layout/HorizontalMultiLevelHierarchy"/>
     <dgm:cxn modelId="{93AA57FF-BA5A-41EA-B829-988B1502BD48}" type="presParOf" srcId="{68715311-EFDF-477D-B410-BAE0296EC67A}" destId="{0333C638-5A07-4997-A40A-AB36EFF7618B}" srcOrd="0" destOrd="0" presId="urn:microsoft.com/office/officeart/2008/layout/HorizontalMultiLevelHierarchy"/>
     <dgm:cxn modelId="{8824D033-F4D6-427E-BEF1-32441F712F9C}" type="presParOf" srcId="{0333C638-5A07-4997-A40A-AB36EFF7618B}" destId="{5CBFE96B-5747-438E-A410-CEE1027187FF}" srcOrd="0" destOrd="0" presId="urn:microsoft.com/office/officeart/2008/layout/HorizontalMultiLevelHierarchy"/>
     <dgm:cxn modelId="{34793364-9304-4EFC-93A9-68E9512561B9}" type="presParOf" srcId="{0333C638-5A07-4997-A40A-AB36EFF7618B}" destId="{6F0C910B-B194-4D23-BA9A-841CF7EBE589}" srcOrd="1" destOrd="0" presId="urn:microsoft.com/office/officeart/2008/layout/HorizontalMultiLevelHierarchy"/>
@@ -13059,6 +13063,162 @@
 </p:sld>
 </file>
 
+<file path=ppt/slides/slide6.xml><?xml version="1.0" encoding="utf-8"?>
+<p:sld xmlns:a="http://schemas.openxmlformats.org/drawingml/2006/main" xmlns:r="http://schemas.openxmlformats.org/officeDocument/2006/relationships" xmlns:p="http://schemas.openxmlformats.org/presentationml/2006/main">
+  <p:cSld>
+    <p:spTree>
+      <p:nvGrpSpPr>
+        <p:cNvPr id="1" name=""/>
+        <p:cNvGrpSpPr/>
+        <p:nvPr/>
+      </p:nvGrpSpPr>
+      <p:grpSpPr>
+        <a:xfrm>
+          <a:off x="0" y="0"/>
+          <a:ext cx="0" cy="0"/>
+          <a:chOff x="0" y="0"/>
+          <a:chExt cx="0" cy="0"/>
+        </a:xfrm>
+      </p:grpSpPr>
+      <p:sp>
+        <p:nvSpPr>
+          <p:cNvPr id="2" name="Title 1"/>
+          <p:cNvSpPr>
+            <a:spLocks noGrp="1"/>
+          </p:cNvSpPr>
+          <p:nvPr>
+            <p:ph type="title"/>
+          </p:nvPr>
+        </p:nvSpPr>
+        <p:spPr/>
+        <p:txBody>
+          <a:bodyPr/>
+          <a:lstStyle/>
+          <a:p>
+            <a:endParaRPr lang="en-IN"/>
+          </a:p>
+        </p:txBody>
+      </p:sp>
+      <p:pic>
+        <p:nvPicPr>
+          <p:cNvPr id="4" name="Content Placeholder 3"/>
+          <p:cNvPicPr>
+            <a:picLocks noGrp="1" noChangeAspect="1"/>
+          </p:cNvPicPr>
+          <p:nvPr>
+            <p:ph idx="1"/>
+          </p:nvPr>
+        </p:nvPicPr>
+        <p:blipFill>
+          <a:blip r:embed="rId2">
+            <a:extLst>
+              <a:ext uri="{28A0092B-C50C-407E-A947-70E740481C1C}">
+                <a14:useLocalDpi xmlns:a14="http://schemas.microsoft.com/office/drawing/2010/main" val="0"/>
+              </a:ext>
+            </a:extLst>
+          </a:blip>
+          <a:stretch>
+            <a:fillRect/>
+          </a:stretch>
+        </p:blipFill>
+        <p:spPr>
+          <a:xfrm>
+            <a:off x="1630153" y="1825625"/>
+            <a:ext cx="8931693" cy="4351338"/>
+          </a:xfrm>
+        </p:spPr>
+      </p:pic>
+    </p:spTree>
+    <p:extLst>
+      <p:ext uri="{BB962C8B-B14F-4D97-AF65-F5344CB8AC3E}">
+        <p14:creationId xmlns:p14="http://schemas.microsoft.com/office/powerpoint/2010/main" val="2258726026"/>
+      </p:ext>
+    </p:extLst>
+  </p:cSld>
+  <p:clrMapOvr>
+    <a:masterClrMapping/>
+  </p:clrMapOvr>
+</p:sld>
+</file>
+
+<file path=ppt/slides/slide7.xml><?xml version="1.0" encoding="utf-8"?>
+<p:sld xmlns:a="http://schemas.openxmlformats.org/drawingml/2006/main" xmlns:r="http://schemas.openxmlformats.org/officeDocument/2006/relationships" xmlns:p="http://schemas.openxmlformats.org/presentationml/2006/main">
+  <p:cSld>
+    <p:spTree>
+      <p:nvGrpSpPr>
+        <p:cNvPr id="1" name=""/>
+        <p:cNvGrpSpPr/>
+        <p:nvPr/>
+      </p:nvGrpSpPr>
+      <p:grpSpPr>
+        <a:xfrm>
+          <a:off x="0" y="0"/>
+          <a:ext cx="0" cy="0"/>
+          <a:chOff x="0" y="0"/>
+          <a:chExt cx="0" cy="0"/>
+        </a:xfrm>
+      </p:grpSpPr>
+      <p:sp>
+        <p:nvSpPr>
+          <p:cNvPr id="2" name="Title 1"/>
+          <p:cNvSpPr>
+            <a:spLocks noGrp="1"/>
+          </p:cNvSpPr>
+          <p:nvPr>
+            <p:ph type="title"/>
+          </p:nvPr>
+        </p:nvSpPr>
+        <p:spPr/>
+        <p:txBody>
+          <a:bodyPr/>
+          <a:lstStyle/>
+          <a:p>
+            <a:endParaRPr lang="en-IN"/>
+          </a:p>
+        </p:txBody>
+      </p:sp>
+      <p:pic>
+        <p:nvPicPr>
+          <p:cNvPr id="6" name="Content Placeholder 5"/>
+          <p:cNvPicPr>
+            <a:picLocks noGrp="1" noChangeAspect="1"/>
+          </p:cNvPicPr>
+          <p:nvPr>
+            <p:ph idx="1"/>
+          </p:nvPr>
+        </p:nvPicPr>
+        <p:blipFill>
+          <a:blip r:embed="rId2">
+            <a:extLst>
+              <a:ext uri="{28A0092B-C50C-407E-A947-70E740481C1C}">
+                <a14:useLocalDpi xmlns:a14="http://schemas.microsoft.com/office/drawing/2010/main" val="0"/>
+              </a:ext>
+            </a:extLst>
+          </a:blip>
+          <a:stretch>
+            <a:fillRect/>
+          </a:stretch>
+        </p:blipFill>
+        <p:spPr>
+          <a:xfrm>
+            <a:off x="2932539" y="1825625"/>
+            <a:ext cx="6326921" cy="4351338"/>
+          </a:xfrm>
+        </p:spPr>
+      </p:pic>
+    </p:spTree>
+    <p:extLst>
+      <p:ext uri="{BB962C8B-B14F-4D97-AF65-F5344CB8AC3E}">
+        <p14:creationId xmlns:p14="http://schemas.microsoft.com/office/powerpoint/2010/main" val="823864504"/>
+      </p:ext>
+    </p:extLst>
+  </p:cSld>
+  <p:clrMapOvr>
+    <a:masterClrMapping/>
+  </p:clrMapOvr>
+</p:sld>
+</file>
+
 <file path=ppt/theme/theme1.xml><?xml version="1.0" encoding="utf-8"?>
 <a:theme xmlns:a="http://schemas.openxmlformats.org/drawingml/2006/main" name="Office Theme">
   <a:themeElements>
@@ -13314,7 +13474,7 @@
   <a:extraClrSchemeLst/>
   <a:extLst>
     <a:ext uri="{05A4C25C-085E-4340-85A3-A5531E510DB2}">
-      <thm15:themeFamily xmlns="" xmlns:thm15="http://schemas.microsoft.com/office/thememl/2012/main" name="Office Theme" id="{62F939B6-93AF-4DB8-9C6B-D6C7DFDC589F}" vid="{4A3C46E8-61CC-4603-A589-7422A47A8E4A}"/>
+      <thm15:themeFamily xmlns:thm15="http://schemas.microsoft.com/office/thememl/2012/main" xmlns="" name="Office Theme" id="{62F939B6-93AF-4DB8-9C6B-D6C7DFDC589F}" vid="{4A3C46E8-61CC-4603-A589-7422A47A8E4A}"/>
     </a:ext>
   </a:extLst>
 </a:theme>
@@ -13575,7 +13735,7 @@
   <a:extraClrSchemeLst/>
   <a:extLst>
     <a:ext uri="{05A4C25C-085E-4340-85A3-A5531E510DB2}">
-      <thm15:themeFamily xmlns="" xmlns:thm15="http://schemas.microsoft.com/office/thememl/2012/main" name="Office Theme" id="{62F939B6-93AF-4DB8-9C6B-D6C7DFDC589F}" vid="{4A3C46E8-61CC-4603-A589-7422A47A8E4A}"/>
+      <thm15:themeFamily xmlns:thm15="http://schemas.microsoft.com/office/thememl/2012/main" xmlns="" name="Office Theme" id="{62F939B6-93AF-4DB8-9C6B-D6C7DFDC589F}" vid="{4A3C46E8-61CC-4603-A589-7422A47A8E4A}"/>
     </a:ext>
   </a:extLst>
 </a:theme>

--- a/s_extreme_programming.pptx
+++ b/s_extreme_programming.pptx
@@ -5,16 +5,12 @@
     <p:sldMasterId id="2147483660" r:id="rId1"/>
   </p:sldMasterIdLst>
   <p:notesMasterIdLst>
-    <p:notesMasterId r:id="rId9"/>
+    <p:notesMasterId r:id="rId5"/>
   </p:notesMasterIdLst>
   <p:sldIdLst>
     <p:sldId id="263" r:id="rId2"/>
     <p:sldId id="264" r:id="rId3"/>
     <p:sldId id="266" r:id="rId4"/>
-    <p:sldId id="267" r:id="rId5"/>
-    <p:sldId id="268" r:id="rId6"/>
-    <p:sldId id="269" r:id="rId7"/>
-    <p:sldId id="270" r:id="rId8"/>
   </p:sldIdLst>
   <p:sldSz cx="12192000" cy="6858000"/>
   <p:notesSz cx="6858000" cy="9144000"/>
@@ -121,13 +117,23 @@
             <p14:sldId id="263"/>
             <p14:sldId id="264"/>
             <p14:sldId id="266"/>
-            <p14:sldId id="267"/>
-            <p14:sldId id="268"/>
-            <p14:sldId id="269"/>
-            <p14:sldId id="270"/>
           </p14:sldIdLst>
         </p14:section>
       </p14:sectionLst>
+    </p:ext>
+    <p:ext uri="{EFAFB233-063F-42B5-8137-9DF3F51BA10A}">
+      <p15:sldGuideLst xmlns:p15="http://schemas.microsoft.com/office/powerpoint/2012/main">
+        <p15:guide id="1" orient="horz" pos="2160">
+          <p15:clr>
+            <a:srgbClr val="A4A3A4"/>
+          </p15:clr>
+        </p15:guide>
+        <p15:guide id="2" pos="3840">
+          <p15:clr>
+            <a:srgbClr val="A4A3A4"/>
+          </p15:clr>
+        </p15:guide>
+      </p15:sldGuideLst>
     </p:ext>
   </p:extLst>
 </p:presentation>
@@ -4130,12 +4136,12 @@
         <a:fontRef idx="minor"/>
       </dsp:style>
       <dsp:txBody>
-        <a:bodyPr spcFirstLastPara="0" vert="horz" wrap="square" lIns="12700" tIns="0" rIns="12700" bIns="0" numCol="1" spcCol="1270" anchor="ctr" anchorCtr="0">
+        <a:bodyPr spcFirstLastPara="0" vert="horz" wrap="square" lIns="0" tIns="0" rIns="0" bIns="0" numCol="1" spcCol="1270" anchor="ctr" anchorCtr="0">
           <a:noAutofit/>
         </a:bodyPr>
         <a:lstStyle/>
         <a:p>
-          <a:pPr lvl="0" algn="ctr" defTabSz="222250">
+          <a:pPr lvl="0" algn="ctr" defTabSz="44450">
             <a:lnSpc>
               <a:spcPct val="90000"/>
             </a:lnSpc>
@@ -4146,12 +4152,12 @@
               <a:spcPct val="35000"/>
             </a:spcAft>
           </a:pPr>
-          <a:endParaRPr lang="en-IN" sz="500" kern="1200"/>
+          <a:endParaRPr lang="en-IN" sz="100" kern="1200"/>
         </a:p>
       </dsp:txBody>
       <dsp:txXfrm>
-        <a:off x="4665213" y="3740667"/>
-        <a:ext cx="24210" cy="24210"/>
+        <a:off x="4435209" y="3735027"/>
+        <a:ext cx="484217" cy="35492"/>
       </dsp:txXfrm>
     </dsp:sp>
     <dsp:sp modelId="{13480AE2-D0CC-43D9-95CF-5CEF4899DAC4}">
@@ -4288,12 +4294,12 @@
         <a:fontRef idx="minor"/>
       </dsp:style>
       <dsp:txBody>
-        <a:bodyPr spcFirstLastPara="0" vert="horz" wrap="square" lIns="12700" tIns="0" rIns="12700" bIns="0" numCol="1" spcCol="1270" anchor="ctr" anchorCtr="0">
+        <a:bodyPr spcFirstLastPara="0" vert="horz" wrap="square" lIns="0" tIns="0" rIns="0" bIns="0" numCol="1" spcCol="1270" anchor="ctr" anchorCtr="0">
           <a:noAutofit/>
         </a:bodyPr>
         <a:lstStyle/>
         <a:p>
-          <a:pPr lvl="0" algn="ctr" defTabSz="222250">
+          <a:pPr lvl="0" algn="ctr" defTabSz="44450">
             <a:lnSpc>
               <a:spcPct val="90000"/>
             </a:lnSpc>
@@ -4304,12 +4310,12 @@
               <a:spcPct val="35000"/>
             </a:spcAft>
           </a:pPr>
-          <a:endParaRPr lang="en-IN" sz="500" kern="1200"/>
+          <a:endParaRPr lang="en-IN" sz="100" kern="1200"/>
         </a:p>
       </dsp:txBody>
       <dsp:txXfrm rot="10800000">
-        <a:off x="3143683" y="3741052"/>
-        <a:ext cx="43844" cy="43844"/>
+        <a:off x="2727159" y="3745228"/>
+        <a:ext cx="876891" cy="35492"/>
       </dsp:txXfrm>
     </dsp:sp>
     <dsp:sp modelId="{B91882FC-8DB4-4777-82C8-E0126D59D040}">
@@ -4446,12 +4452,12 @@
         <a:fontRef idx="minor"/>
       </dsp:style>
       <dsp:txBody>
-        <a:bodyPr spcFirstLastPara="0" vert="horz" wrap="square" lIns="12700" tIns="0" rIns="12700" bIns="0" numCol="1" spcCol="1270" anchor="ctr" anchorCtr="0">
+        <a:bodyPr spcFirstLastPara="0" vert="horz" wrap="square" lIns="0" tIns="0" rIns="0" bIns="0" numCol="1" spcCol="1270" anchor="ctr" anchorCtr="0">
           <a:noAutofit/>
         </a:bodyPr>
         <a:lstStyle/>
         <a:p>
-          <a:pPr lvl="0" algn="ctr" defTabSz="222250">
+          <a:pPr lvl="0" algn="ctr" defTabSz="44450">
             <a:lnSpc>
               <a:spcPct val="90000"/>
             </a:lnSpc>
@@ -4462,12 +4468,12 @@
               <a:spcPct val="35000"/>
             </a:spcAft>
           </a:pPr>
-          <a:endParaRPr lang="en-IN" sz="500" kern="1200"/>
+          <a:endParaRPr lang="en-IN" sz="100" kern="1200"/>
         </a:p>
       </dsp:txBody>
       <dsp:txXfrm rot="10800000">
-        <a:off x="3059524" y="2574066"/>
-        <a:ext cx="24210" cy="24210"/>
+        <a:off x="2829520" y="2568426"/>
+        <a:ext cx="484217" cy="35492"/>
       </dsp:txXfrm>
     </dsp:sp>
     <dsp:sp modelId="{B45025AF-8C8A-4EFD-9E78-0A9E4C884438}">
@@ -4560,535 +4566,6 @@
       <dsp:cNvGrpSpPr/>
     </dsp:nvGrpSpPr>
     <dsp:grpSpPr/>
-    <dsp:sp modelId="{F8540F95-C1AA-4263-9902-20FB07087AFE}">
-      <dsp:nvSpPr>
-        <dsp:cNvPr id="0" name=""/>
-        <dsp:cNvSpPr/>
-      </dsp:nvSpPr>
-      <dsp:spPr>
-        <a:xfrm>
-          <a:off x="2754811" y="2565149"/>
-          <a:ext cx="2037805" cy="2037805"/>
-        </a:xfrm>
-        <a:prstGeom prst="ellipse">
-          <a:avLst/>
-        </a:prstGeom>
-        <a:solidFill>
-          <a:schemeClr val="accent6"/>
-        </a:solidFill>
-        <a:ln w="12700" cap="flat" cmpd="sng" algn="ctr">
-          <a:solidFill>
-            <a:schemeClr val="lt1">
-              <a:hueOff val="0"/>
-              <a:satOff val="0"/>
-              <a:lumOff val="0"/>
-              <a:alphaOff val="0"/>
-            </a:schemeClr>
-          </a:solidFill>
-          <a:prstDash val="solid"/>
-          <a:miter lim="800000"/>
-        </a:ln>
-        <a:effectLst/>
-      </dsp:spPr>
-      <dsp:style>
-        <a:lnRef idx="2">
-          <a:scrgbClr r="0" g="0" b="0"/>
-        </a:lnRef>
-        <a:fillRef idx="1">
-          <a:scrgbClr r="0" g="0" b="0"/>
-        </a:fillRef>
-        <a:effectRef idx="0">
-          <a:scrgbClr r="0" g="0" b="0"/>
-        </a:effectRef>
-        <a:fontRef idx="minor">
-          <a:schemeClr val="lt1"/>
-        </a:fontRef>
-      </dsp:style>
-      <dsp:txBody>
-        <a:bodyPr spcFirstLastPara="0" vert="horz" wrap="square" lIns="8255" tIns="8255" rIns="8255" bIns="8255" numCol="1" spcCol="1270" anchor="ctr" anchorCtr="0">
-          <a:noAutofit/>
-        </a:bodyPr>
-        <a:lstStyle/>
-        <a:p>
-          <a:pPr lvl="0" algn="ctr" defTabSz="577850">
-            <a:lnSpc>
-              <a:spcPct val="90000"/>
-            </a:lnSpc>
-            <a:spcBef>
-              <a:spcPct val="0"/>
-            </a:spcBef>
-            <a:spcAft>
-              <a:spcPct val="35000"/>
-            </a:spcAft>
-          </a:pPr>
-          <a:r>
-            <a:rPr lang="en-IN" sz="1300" kern="1200" dirty="0" smtClean="0"/>
-            <a:t>DISADVANTAGES</a:t>
-          </a:r>
-          <a:endParaRPr lang="en-IN" sz="1300" kern="1200" dirty="0"/>
-        </a:p>
-      </dsp:txBody>
-      <dsp:txXfrm>
-        <a:off x="3053241" y="2863579"/>
-        <a:ext cx="1440945" cy="1440945"/>
-      </dsp:txXfrm>
-    </dsp:sp>
-    <dsp:sp modelId="{9D93F777-CF80-4789-A7D8-A2D2E164F77F}">
-      <dsp:nvSpPr>
-        <dsp:cNvPr id="0" name=""/>
-        <dsp:cNvSpPr/>
-      </dsp:nvSpPr>
-      <dsp:spPr>
-        <a:xfrm rot="11700000">
-          <a:off x="938884" y="2772665"/>
-          <a:ext cx="1780869" cy="580774"/>
-        </a:xfrm>
-        <a:prstGeom prst="leftArrow">
-          <a:avLst>
-            <a:gd name="adj1" fmla="val 60000"/>
-            <a:gd name="adj2" fmla="val 50000"/>
-          </a:avLst>
-        </a:prstGeom>
-        <a:solidFill>
-          <a:schemeClr val="accent6"/>
-        </a:solidFill>
-        <a:ln>
-          <a:noFill/>
-        </a:ln>
-        <a:effectLst/>
-      </dsp:spPr>
-      <dsp:style>
-        <a:lnRef idx="0">
-          <a:scrgbClr r="0" g="0" b="0"/>
-        </a:lnRef>
-        <a:fillRef idx="1">
-          <a:scrgbClr r="0" g="0" b="0"/>
-        </a:fillRef>
-        <a:effectRef idx="0">
-          <a:scrgbClr r="0" g="0" b="0"/>
-        </a:effectRef>
-        <a:fontRef idx="minor">
-          <a:schemeClr val="lt1"/>
-        </a:fontRef>
-      </dsp:style>
-    </dsp:sp>
-    <dsp:sp modelId="{237C685F-C42D-4BEE-BD44-CAA1A95196DD}">
-      <dsp:nvSpPr>
-        <dsp:cNvPr id="0" name=""/>
-        <dsp:cNvSpPr/>
-      </dsp:nvSpPr>
-      <dsp:spPr>
-        <a:xfrm>
-          <a:off x="1267" y="2058225"/>
-          <a:ext cx="1935915" cy="1548732"/>
-        </a:xfrm>
-        <a:prstGeom prst="roundRect">
-          <a:avLst>
-            <a:gd name="adj" fmla="val 10000"/>
-          </a:avLst>
-        </a:prstGeom>
-        <a:solidFill>
-          <a:schemeClr val="accent6"/>
-        </a:solidFill>
-        <a:ln w="12700" cap="flat" cmpd="sng" algn="ctr">
-          <a:solidFill>
-            <a:schemeClr val="lt1">
-              <a:hueOff val="0"/>
-              <a:satOff val="0"/>
-              <a:lumOff val="0"/>
-              <a:alphaOff val="0"/>
-            </a:schemeClr>
-          </a:solidFill>
-          <a:prstDash val="solid"/>
-          <a:miter lim="800000"/>
-        </a:ln>
-        <a:effectLst/>
-      </dsp:spPr>
-      <dsp:style>
-        <a:lnRef idx="2">
-          <a:scrgbClr r="0" g="0" b="0"/>
-        </a:lnRef>
-        <a:fillRef idx="1">
-          <a:scrgbClr r="0" g="0" b="0"/>
-        </a:fillRef>
-        <a:effectRef idx="0">
-          <a:scrgbClr r="0" g="0" b="0"/>
-        </a:effectRef>
-        <a:fontRef idx="minor">
-          <a:schemeClr val="lt1"/>
-        </a:fontRef>
-      </dsp:style>
-      <dsp:txBody>
-        <a:bodyPr spcFirstLastPara="0" vert="horz" wrap="square" lIns="45720" tIns="45720" rIns="45720" bIns="45720" numCol="1" spcCol="1270" anchor="ctr" anchorCtr="0">
-          <a:noAutofit/>
-        </a:bodyPr>
-        <a:lstStyle/>
-        <a:p>
-          <a:pPr lvl="0" algn="ctr" defTabSz="1066800">
-            <a:lnSpc>
-              <a:spcPct val="90000"/>
-            </a:lnSpc>
-            <a:spcBef>
-              <a:spcPct val="0"/>
-            </a:spcBef>
-            <a:spcAft>
-              <a:spcPct val="35000"/>
-            </a:spcAft>
-          </a:pPr>
-          <a:r>
-            <a:rPr lang="en-IN" sz="2400" kern="1200" dirty="0" smtClean="0"/>
-            <a:t>Focused only on code</a:t>
-          </a:r>
-          <a:endParaRPr lang="en-IN" sz="2400" kern="1200" dirty="0"/>
-        </a:p>
-      </dsp:txBody>
-      <dsp:txXfrm>
-        <a:off x="46628" y="2103586"/>
-        <a:ext cx="1845193" cy="1458010"/>
-      </dsp:txXfrm>
-    </dsp:sp>
-    <dsp:sp modelId="{2474F4BD-7704-4CED-9202-628A0642F8DD}">
-      <dsp:nvSpPr>
-        <dsp:cNvPr id="0" name=""/>
-        <dsp:cNvSpPr/>
-      </dsp:nvSpPr>
-      <dsp:spPr>
-        <a:xfrm rot="14700000">
-          <a:off x="2032555" y="1469279"/>
-          <a:ext cx="1780869" cy="580774"/>
-        </a:xfrm>
-        <a:prstGeom prst="leftArrow">
-          <a:avLst>
-            <a:gd name="adj1" fmla="val 60000"/>
-            <a:gd name="adj2" fmla="val 50000"/>
-          </a:avLst>
-        </a:prstGeom>
-        <a:solidFill>
-          <a:schemeClr val="accent6"/>
-        </a:solidFill>
-        <a:ln>
-          <a:noFill/>
-        </a:ln>
-        <a:effectLst/>
-      </dsp:spPr>
-      <dsp:style>
-        <a:lnRef idx="0">
-          <a:scrgbClr r="0" g="0" b="0"/>
-        </a:lnRef>
-        <a:fillRef idx="1">
-          <a:scrgbClr r="0" g="0" b="0"/>
-        </a:fillRef>
-        <a:effectRef idx="0">
-          <a:scrgbClr r="0" g="0" b="0"/>
-        </a:effectRef>
-        <a:fontRef idx="minor">
-          <a:schemeClr val="lt1"/>
-        </a:fontRef>
-      </dsp:style>
-    </dsp:sp>
-    <dsp:sp modelId="{A1B78FFA-47C8-4439-B9BB-24C7FB713AF4}">
-      <dsp:nvSpPr>
-        <dsp:cNvPr id="0" name=""/>
-        <dsp:cNvSpPr/>
-      </dsp:nvSpPr>
-      <dsp:spPr>
-        <a:xfrm>
-          <a:off x="1578718" y="178293"/>
-          <a:ext cx="1935915" cy="1548732"/>
-        </a:xfrm>
-        <a:prstGeom prst="roundRect">
-          <a:avLst>
-            <a:gd name="adj" fmla="val 10000"/>
-          </a:avLst>
-        </a:prstGeom>
-        <a:solidFill>
-          <a:schemeClr val="accent6"/>
-        </a:solidFill>
-        <a:ln w="12700" cap="flat" cmpd="sng" algn="ctr">
-          <a:solidFill>
-            <a:schemeClr val="lt1">
-              <a:hueOff val="0"/>
-              <a:satOff val="0"/>
-              <a:lumOff val="0"/>
-              <a:alphaOff val="0"/>
-            </a:schemeClr>
-          </a:solidFill>
-          <a:prstDash val="solid"/>
-          <a:miter lim="800000"/>
-        </a:ln>
-        <a:effectLst/>
-      </dsp:spPr>
-      <dsp:style>
-        <a:lnRef idx="2">
-          <a:scrgbClr r="0" g="0" b="0"/>
-        </a:lnRef>
-        <a:fillRef idx="1">
-          <a:scrgbClr r="0" g="0" b="0"/>
-        </a:fillRef>
-        <a:effectRef idx="0">
-          <a:scrgbClr r="0" g="0" b="0"/>
-        </a:effectRef>
-        <a:fontRef idx="minor">
-          <a:schemeClr val="lt1"/>
-        </a:fontRef>
-      </dsp:style>
-      <dsp:txBody>
-        <a:bodyPr spcFirstLastPara="0" vert="horz" wrap="square" lIns="45720" tIns="45720" rIns="45720" bIns="45720" numCol="1" spcCol="1270" anchor="ctr" anchorCtr="0">
-          <a:noAutofit/>
-        </a:bodyPr>
-        <a:lstStyle/>
-        <a:p>
-          <a:pPr lvl="0" algn="ctr" defTabSz="1066800">
-            <a:lnSpc>
-              <a:spcPct val="90000"/>
-            </a:lnSpc>
-            <a:spcBef>
-              <a:spcPct val="0"/>
-            </a:spcBef>
-            <a:spcAft>
-              <a:spcPct val="35000"/>
-            </a:spcAft>
-          </a:pPr>
-          <a:r>
-            <a:rPr lang="en-IN" sz="2400" kern="1200" dirty="0" smtClean="0"/>
-            <a:t>Requires much user input</a:t>
-          </a:r>
-          <a:endParaRPr lang="en-IN" sz="2400" kern="1200" dirty="0"/>
-        </a:p>
-      </dsp:txBody>
-      <dsp:txXfrm>
-        <a:off x="1624079" y="223654"/>
-        <a:ext cx="1845193" cy="1458010"/>
-      </dsp:txXfrm>
-    </dsp:sp>
-    <dsp:sp modelId="{EAE5356A-A62D-4269-A806-BBD7EF53EC84}">
-      <dsp:nvSpPr>
-        <dsp:cNvPr id="0" name=""/>
-        <dsp:cNvSpPr/>
-      </dsp:nvSpPr>
-      <dsp:spPr>
-        <a:xfrm rot="17700000">
-          <a:off x="3734004" y="1469279"/>
-          <a:ext cx="1780869" cy="580774"/>
-        </a:xfrm>
-        <a:prstGeom prst="leftArrow">
-          <a:avLst>
-            <a:gd name="adj1" fmla="val 60000"/>
-            <a:gd name="adj2" fmla="val 50000"/>
-          </a:avLst>
-        </a:prstGeom>
-        <a:solidFill>
-          <a:schemeClr val="accent6"/>
-        </a:solidFill>
-        <a:ln>
-          <a:noFill/>
-        </a:ln>
-        <a:effectLst/>
-      </dsp:spPr>
-      <dsp:style>
-        <a:lnRef idx="0">
-          <a:scrgbClr r="0" g="0" b="0"/>
-        </a:lnRef>
-        <a:fillRef idx="1">
-          <a:scrgbClr r="0" g="0" b="0"/>
-        </a:fillRef>
-        <a:effectRef idx="0">
-          <a:scrgbClr r="0" g="0" b="0"/>
-        </a:effectRef>
-        <a:fontRef idx="minor">
-          <a:schemeClr val="lt1"/>
-        </a:fontRef>
-      </dsp:style>
-    </dsp:sp>
-    <dsp:sp modelId="{DCFC9909-2BEE-4462-9F24-8D399F079A9E}">
-      <dsp:nvSpPr>
-        <dsp:cNvPr id="0" name=""/>
-        <dsp:cNvSpPr/>
-      </dsp:nvSpPr>
-      <dsp:spPr>
-        <a:xfrm>
-          <a:off x="4032795" y="178293"/>
-          <a:ext cx="1935915" cy="1548732"/>
-        </a:xfrm>
-        <a:prstGeom prst="roundRect">
-          <a:avLst>
-            <a:gd name="adj" fmla="val 10000"/>
-          </a:avLst>
-        </a:prstGeom>
-        <a:solidFill>
-          <a:schemeClr val="accent6"/>
-        </a:solidFill>
-        <a:ln w="12700" cap="flat" cmpd="sng" algn="ctr">
-          <a:solidFill>
-            <a:schemeClr val="lt1">
-              <a:hueOff val="0"/>
-              <a:satOff val="0"/>
-              <a:lumOff val="0"/>
-              <a:alphaOff val="0"/>
-            </a:schemeClr>
-          </a:solidFill>
-          <a:prstDash val="solid"/>
-          <a:miter lim="800000"/>
-        </a:ln>
-        <a:effectLst/>
-      </dsp:spPr>
-      <dsp:style>
-        <a:lnRef idx="2">
-          <a:scrgbClr r="0" g="0" b="0"/>
-        </a:lnRef>
-        <a:fillRef idx="1">
-          <a:scrgbClr r="0" g="0" b="0"/>
-        </a:fillRef>
-        <a:effectRef idx="0">
-          <a:scrgbClr r="0" g="0" b="0"/>
-        </a:effectRef>
-        <a:fontRef idx="minor">
-          <a:schemeClr val="lt1"/>
-        </a:fontRef>
-      </dsp:style>
-      <dsp:txBody>
-        <a:bodyPr spcFirstLastPara="0" vert="horz" wrap="square" lIns="45720" tIns="45720" rIns="45720" bIns="45720" numCol="1" spcCol="1270" anchor="ctr" anchorCtr="0">
-          <a:noAutofit/>
-        </a:bodyPr>
-        <a:lstStyle/>
-        <a:p>
-          <a:pPr lvl="0" algn="ctr" defTabSz="1066800">
-            <a:lnSpc>
-              <a:spcPct val="90000"/>
-            </a:lnSpc>
-            <a:spcBef>
-              <a:spcPct val="0"/>
-            </a:spcBef>
-            <a:spcAft>
-              <a:spcPct val="35000"/>
-            </a:spcAft>
-          </a:pPr>
-          <a:r>
-            <a:rPr lang="en-IN" sz="2400" kern="1200" dirty="0" smtClean="0"/>
-            <a:t>Depends on customer interaction</a:t>
-          </a:r>
-          <a:endParaRPr lang="en-IN" sz="2400" kern="1200" dirty="0"/>
-        </a:p>
-      </dsp:txBody>
-      <dsp:txXfrm>
-        <a:off x="4078156" y="223654"/>
-        <a:ext cx="1845193" cy="1458010"/>
-      </dsp:txXfrm>
-    </dsp:sp>
-    <dsp:sp modelId="{9C267DA5-5434-45A3-8FA9-BE4720976465}">
-      <dsp:nvSpPr>
-        <dsp:cNvPr id="0" name=""/>
-        <dsp:cNvSpPr/>
-      </dsp:nvSpPr>
-      <dsp:spPr>
-        <a:xfrm rot="20700000">
-          <a:off x="4827675" y="2772665"/>
-          <a:ext cx="1780869" cy="580774"/>
-        </a:xfrm>
-        <a:prstGeom prst="leftArrow">
-          <a:avLst>
-            <a:gd name="adj1" fmla="val 60000"/>
-            <a:gd name="adj2" fmla="val 50000"/>
-          </a:avLst>
-        </a:prstGeom>
-        <a:solidFill>
-          <a:schemeClr val="accent6"/>
-        </a:solidFill>
-        <a:ln>
-          <a:noFill/>
-        </a:ln>
-        <a:effectLst/>
-      </dsp:spPr>
-      <dsp:style>
-        <a:lnRef idx="0">
-          <a:scrgbClr r="0" g="0" b="0"/>
-        </a:lnRef>
-        <a:fillRef idx="1">
-          <a:scrgbClr r="0" g="0" b="0"/>
-        </a:fillRef>
-        <a:effectRef idx="0">
-          <a:scrgbClr r="0" g="0" b="0"/>
-        </a:effectRef>
-        <a:fontRef idx="minor">
-          <a:schemeClr val="lt1"/>
-        </a:fontRef>
-      </dsp:style>
-    </dsp:sp>
-    <dsp:sp modelId="{A5A85BA2-D2EF-4197-B6D1-5F2928F8ABAD}">
-      <dsp:nvSpPr>
-        <dsp:cNvPr id="0" name=""/>
-        <dsp:cNvSpPr/>
-      </dsp:nvSpPr>
-      <dsp:spPr>
-        <a:xfrm>
-          <a:off x="5610245" y="2058225"/>
-          <a:ext cx="1935915" cy="1548732"/>
-        </a:xfrm>
-        <a:prstGeom prst="roundRect">
-          <a:avLst>
-            <a:gd name="adj" fmla="val 10000"/>
-          </a:avLst>
-        </a:prstGeom>
-        <a:solidFill>
-          <a:schemeClr val="accent6"/>
-        </a:solidFill>
-        <a:ln w="12700" cap="flat" cmpd="sng" algn="ctr">
-          <a:solidFill>
-            <a:schemeClr val="lt1">
-              <a:hueOff val="0"/>
-              <a:satOff val="0"/>
-              <a:lumOff val="0"/>
-              <a:alphaOff val="0"/>
-            </a:schemeClr>
-          </a:solidFill>
-          <a:prstDash val="solid"/>
-          <a:miter lim="800000"/>
-        </a:ln>
-        <a:effectLst/>
-      </dsp:spPr>
-      <dsp:style>
-        <a:lnRef idx="2">
-          <a:scrgbClr r="0" g="0" b="0"/>
-        </a:lnRef>
-        <a:fillRef idx="1">
-          <a:scrgbClr r="0" g="0" b="0"/>
-        </a:fillRef>
-        <a:effectRef idx="0">
-          <a:scrgbClr r="0" g="0" b="0"/>
-        </a:effectRef>
-        <a:fontRef idx="minor">
-          <a:schemeClr val="lt1"/>
-        </a:fontRef>
-      </dsp:style>
-      <dsp:txBody>
-        <a:bodyPr spcFirstLastPara="0" vert="horz" wrap="square" lIns="45720" tIns="45720" rIns="45720" bIns="45720" numCol="1" spcCol="1270" anchor="ctr" anchorCtr="0">
-          <a:noAutofit/>
-        </a:bodyPr>
-        <a:lstStyle/>
-        <a:p>
-          <a:pPr lvl="0" algn="ctr" defTabSz="1066800">
-            <a:lnSpc>
-              <a:spcPct val="90000"/>
-            </a:lnSpc>
-            <a:spcBef>
-              <a:spcPct val="0"/>
-            </a:spcBef>
-            <a:spcAft>
-              <a:spcPct val="35000"/>
-            </a:spcAft>
-          </a:pPr>
-          <a:r>
-            <a:rPr lang="en-IN" sz="2400" kern="1200" dirty="0" smtClean="0"/>
-            <a:t>Works only in smaller project</a:t>
-          </a:r>
-          <a:endParaRPr lang="en-IN" sz="2400" kern="1200" dirty="0"/>
-        </a:p>
-      </dsp:txBody>
-      <dsp:txXfrm>
-        <a:off x="5655606" y="2103586"/>
-        <a:ext cx="1845193" cy="1458010"/>
-      </dsp:txXfrm>
-    </dsp:sp>
   </dsp:spTree>
 </dsp:drawing>
 </file>
@@ -9668,7 +9145,7 @@
           <a:p>
             <a:fld id="{994FF27E-85CE-4FD5-A4AE-A7D95BC7DEEA}" type="datetimeFigureOut">
               <a:rPr lang="en-US" smtClean="0"/>
-              <a:t>12/8/2019</a:t>
+              <a:t>19|12|8</a:t>
             </a:fld>
             <a:endParaRPr lang="en-US"/>
           </a:p>
@@ -10065,7 +9542,7 @@
           <a:p>
             <a:fld id="{40E987CA-7BA2-4746-8519-FABFE68F3C1A}" type="datetimeFigureOut">
               <a:rPr lang="en-US" smtClean="0"/>
-              <a:t>12/8/2019</a:t>
+              <a:t>19|12|8</a:t>
             </a:fld>
             <a:endParaRPr lang="en-US"/>
           </a:p>
@@ -10233,7 +9710,7 @@
           <a:p>
             <a:fld id="{40E987CA-7BA2-4746-8519-FABFE68F3C1A}" type="datetimeFigureOut">
               <a:rPr lang="en-US" smtClean="0"/>
-              <a:t>12/8/2019</a:t>
+              <a:t>19|12|8</a:t>
             </a:fld>
             <a:endParaRPr lang="en-US"/>
           </a:p>
@@ -10411,7 +9888,7 @@
           <a:p>
             <a:fld id="{40E987CA-7BA2-4746-8519-FABFE68F3C1A}" type="datetimeFigureOut">
               <a:rPr lang="en-US" smtClean="0"/>
-              <a:t>12/8/2019</a:t>
+              <a:t>19|12|8</a:t>
             </a:fld>
             <a:endParaRPr lang="en-US"/>
           </a:p>
@@ -10579,7 +10056,7 @@
           <a:p>
             <a:fld id="{40E987CA-7BA2-4746-8519-FABFE68F3C1A}" type="datetimeFigureOut">
               <a:rPr lang="en-US" smtClean="0"/>
-              <a:t>12/8/2019</a:t>
+              <a:t>19|12|8</a:t>
             </a:fld>
             <a:endParaRPr lang="en-US"/>
           </a:p>
@@ -10824,7 +10301,7 @@
           <a:p>
             <a:fld id="{40E987CA-7BA2-4746-8519-FABFE68F3C1A}" type="datetimeFigureOut">
               <a:rPr lang="en-US" smtClean="0"/>
-              <a:t>12/8/2019</a:t>
+              <a:t>19|12|8</a:t>
             </a:fld>
             <a:endParaRPr lang="en-US"/>
           </a:p>
@@ -11053,7 +10530,7 @@
           <a:p>
             <a:fld id="{40E987CA-7BA2-4746-8519-FABFE68F3C1A}" type="datetimeFigureOut">
               <a:rPr lang="en-US" smtClean="0"/>
-              <a:t>12/8/2019</a:t>
+              <a:t>19|12|8</a:t>
             </a:fld>
             <a:endParaRPr lang="en-US"/>
           </a:p>
@@ -11417,7 +10894,7 @@
           <a:p>
             <a:fld id="{40E987CA-7BA2-4746-8519-FABFE68F3C1A}" type="datetimeFigureOut">
               <a:rPr lang="en-US" smtClean="0"/>
-              <a:t>12/8/2019</a:t>
+              <a:t>19|12|8</a:t>
             </a:fld>
             <a:endParaRPr lang="en-US"/>
           </a:p>
@@ -11534,7 +11011,7 @@
           <a:p>
             <a:fld id="{40E987CA-7BA2-4746-8519-FABFE68F3C1A}" type="datetimeFigureOut">
               <a:rPr lang="en-US" smtClean="0"/>
-              <a:t>12/8/2019</a:t>
+              <a:t>19|12|8</a:t>
             </a:fld>
             <a:endParaRPr lang="en-US"/>
           </a:p>
@@ -11629,7 +11106,7 @@
           <a:p>
             <a:fld id="{40E987CA-7BA2-4746-8519-FABFE68F3C1A}" type="datetimeFigureOut">
               <a:rPr lang="en-US" smtClean="0"/>
-              <a:t>12/8/2019</a:t>
+              <a:t>19|12|8</a:t>
             </a:fld>
             <a:endParaRPr lang="en-US"/>
           </a:p>
@@ -11904,7 +11381,7 @@
           <a:p>
             <a:fld id="{40E987CA-7BA2-4746-8519-FABFE68F3C1A}" type="datetimeFigureOut">
               <a:rPr lang="en-US" smtClean="0"/>
-              <a:t>12/8/2019</a:t>
+              <a:t>19|12|8</a:t>
             </a:fld>
             <a:endParaRPr lang="en-US"/>
           </a:p>
@@ -12156,7 +11633,7 @@
           <a:p>
             <a:fld id="{40E987CA-7BA2-4746-8519-FABFE68F3C1A}" type="datetimeFigureOut">
               <a:rPr lang="en-US" smtClean="0"/>
-              <a:t>12/8/2019</a:t>
+              <a:t>19|12|8</a:t>
             </a:fld>
             <a:endParaRPr lang="en-US"/>
           </a:p>
@@ -12367,7 +11844,7 @@
           <a:p>
             <a:fld id="{40E987CA-7BA2-4746-8519-FABFE68F3C1A}" type="datetimeFigureOut">
               <a:rPr lang="en-US" smtClean="0"/>
-              <a:t>12/8/2019</a:t>
+              <a:t>19|12|8</a:t>
             </a:fld>
             <a:endParaRPr lang="en-US"/>
           </a:p>
@@ -12925,300 +12402,6 @@
 </p:sld>
 </file>
 
-<file path=ppt/slides/slide4.xml><?xml version="1.0" encoding="utf-8"?>
-<p:sld xmlns:a="http://schemas.openxmlformats.org/drawingml/2006/main" xmlns:r="http://schemas.openxmlformats.org/officeDocument/2006/relationships" xmlns:p="http://schemas.openxmlformats.org/presentationml/2006/main">
-  <p:cSld>
-    <p:spTree>
-      <p:nvGrpSpPr>
-        <p:cNvPr id="1" name=""/>
-        <p:cNvGrpSpPr/>
-        <p:nvPr/>
-      </p:nvGrpSpPr>
-      <p:grpSpPr>
-        <a:xfrm>
-          <a:off x="0" y="0"/>
-          <a:ext cx="0" cy="0"/>
-          <a:chOff x="0" y="0"/>
-          <a:chExt cx="0" cy="0"/>
-        </a:xfrm>
-      </p:grpSpPr>
-      <p:pic>
-        <p:nvPicPr>
-          <p:cNvPr id="3" name="Picture 2"/>
-          <p:cNvPicPr>
-            <a:picLocks noChangeAspect="1"/>
-          </p:cNvPicPr>
-          <p:nvPr/>
-        </p:nvPicPr>
-        <p:blipFill>
-          <a:blip r:embed="rId2">
-            <a:extLst>
-              <a:ext uri="{28A0092B-C50C-407E-A947-70E740481C1C}">
-                <a14:useLocalDpi xmlns:a14="http://schemas.microsoft.com/office/drawing/2010/main" val="0"/>
-              </a:ext>
-            </a:extLst>
-          </a:blip>
-          <a:stretch>
-            <a:fillRect/>
-          </a:stretch>
-        </p:blipFill>
-        <p:spPr>
-          <a:xfrm>
-            <a:off x="3428999" y="914400"/>
-            <a:ext cx="6890657" cy="4455886"/>
-          </a:xfrm>
-          <a:prstGeom prst="rect">
-            <a:avLst/>
-          </a:prstGeom>
-        </p:spPr>
-      </p:pic>
-    </p:spTree>
-    <p:extLst>
-      <p:ext uri="{BB962C8B-B14F-4D97-AF65-F5344CB8AC3E}">
-        <p14:creationId xmlns:p14="http://schemas.microsoft.com/office/powerpoint/2010/main" val="1270223613"/>
-      </p:ext>
-    </p:extLst>
-  </p:cSld>
-  <p:clrMapOvr>
-    <a:masterClrMapping/>
-  </p:clrMapOvr>
-</p:sld>
-</file>
-
-<file path=ppt/slides/slide5.xml><?xml version="1.0" encoding="utf-8"?>
-<p:sld xmlns:a="http://schemas.openxmlformats.org/drawingml/2006/main" xmlns:r="http://schemas.openxmlformats.org/officeDocument/2006/relationships" xmlns:p="http://schemas.openxmlformats.org/presentationml/2006/main">
-  <p:cSld>
-    <p:spTree>
-      <p:nvGrpSpPr>
-        <p:cNvPr id="1" name=""/>
-        <p:cNvGrpSpPr/>
-        <p:nvPr/>
-      </p:nvGrpSpPr>
-      <p:grpSpPr>
-        <a:xfrm>
-          <a:off x="0" y="0"/>
-          <a:ext cx="0" cy="0"/>
-          <a:chOff x="0" y="0"/>
-          <a:chExt cx="0" cy="0"/>
-        </a:xfrm>
-      </p:grpSpPr>
-      <p:sp>
-        <p:nvSpPr>
-          <p:cNvPr id="2" name="Title 1"/>
-          <p:cNvSpPr>
-            <a:spLocks noGrp="1"/>
-          </p:cNvSpPr>
-          <p:nvPr>
-            <p:ph type="title"/>
-          </p:nvPr>
-        </p:nvSpPr>
-        <p:spPr/>
-        <p:txBody>
-          <a:bodyPr/>
-          <a:lstStyle/>
-          <a:p>
-            <a:endParaRPr lang="en-IN"/>
-          </a:p>
-        </p:txBody>
-      </p:sp>
-      <p:pic>
-        <p:nvPicPr>
-          <p:cNvPr id="5" name="Content Placeholder 4"/>
-          <p:cNvPicPr>
-            <a:picLocks noGrp="1" noChangeAspect="1"/>
-          </p:cNvPicPr>
-          <p:nvPr>
-            <p:ph idx="1"/>
-          </p:nvPr>
-        </p:nvPicPr>
-        <p:blipFill>
-          <a:blip r:embed="rId2">
-            <a:extLst>
-              <a:ext uri="{28A0092B-C50C-407E-A947-70E740481C1C}">
-                <a14:useLocalDpi xmlns:a14="http://schemas.microsoft.com/office/drawing/2010/main" val="0"/>
-              </a:ext>
-            </a:extLst>
-          </a:blip>
-          <a:stretch>
-            <a:fillRect/>
-          </a:stretch>
-        </p:blipFill>
-        <p:spPr>
-          <a:xfrm>
-            <a:off x="2685144" y="2641600"/>
-            <a:ext cx="5158694" cy="3854337"/>
-          </a:xfrm>
-        </p:spPr>
-      </p:pic>
-    </p:spTree>
-    <p:extLst>
-      <p:ext uri="{BB962C8B-B14F-4D97-AF65-F5344CB8AC3E}">
-        <p14:creationId xmlns:p14="http://schemas.microsoft.com/office/powerpoint/2010/main" val="3031411156"/>
-      </p:ext>
-    </p:extLst>
-  </p:cSld>
-  <p:clrMapOvr>
-    <a:masterClrMapping/>
-  </p:clrMapOvr>
-</p:sld>
-</file>
-
-<file path=ppt/slides/slide6.xml><?xml version="1.0" encoding="utf-8"?>
-<p:sld xmlns:a="http://schemas.openxmlformats.org/drawingml/2006/main" xmlns:r="http://schemas.openxmlformats.org/officeDocument/2006/relationships" xmlns:p="http://schemas.openxmlformats.org/presentationml/2006/main">
-  <p:cSld>
-    <p:spTree>
-      <p:nvGrpSpPr>
-        <p:cNvPr id="1" name=""/>
-        <p:cNvGrpSpPr/>
-        <p:nvPr/>
-      </p:nvGrpSpPr>
-      <p:grpSpPr>
-        <a:xfrm>
-          <a:off x="0" y="0"/>
-          <a:ext cx="0" cy="0"/>
-          <a:chOff x="0" y="0"/>
-          <a:chExt cx="0" cy="0"/>
-        </a:xfrm>
-      </p:grpSpPr>
-      <p:sp>
-        <p:nvSpPr>
-          <p:cNvPr id="2" name="Title 1"/>
-          <p:cNvSpPr>
-            <a:spLocks noGrp="1"/>
-          </p:cNvSpPr>
-          <p:nvPr>
-            <p:ph type="title"/>
-          </p:nvPr>
-        </p:nvSpPr>
-        <p:spPr/>
-        <p:txBody>
-          <a:bodyPr/>
-          <a:lstStyle/>
-          <a:p>
-            <a:endParaRPr lang="en-IN"/>
-          </a:p>
-        </p:txBody>
-      </p:sp>
-      <p:pic>
-        <p:nvPicPr>
-          <p:cNvPr id="4" name="Content Placeholder 3"/>
-          <p:cNvPicPr>
-            <a:picLocks noGrp="1" noChangeAspect="1"/>
-          </p:cNvPicPr>
-          <p:nvPr>
-            <p:ph idx="1"/>
-          </p:nvPr>
-        </p:nvPicPr>
-        <p:blipFill>
-          <a:blip r:embed="rId2">
-            <a:extLst>
-              <a:ext uri="{28A0092B-C50C-407E-A947-70E740481C1C}">
-                <a14:useLocalDpi xmlns:a14="http://schemas.microsoft.com/office/drawing/2010/main" val="0"/>
-              </a:ext>
-            </a:extLst>
-          </a:blip>
-          <a:stretch>
-            <a:fillRect/>
-          </a:stretch>
-        </p:blipFill>
-        <p:spPr>
-          <a:xfrm>
-            <a:off x="1630153" y="1825625"/>
-            <a:ext cx="8931693" cy="4351338"/>
-          </a:xfrm>
-        </p:spPr>
-      </p:pic>
-    </p:spTree>
-    <p:extLst>
-      <p:ext uri="{BB962C8B-B14F-4D97-AF65-F5344CB8AC3E}">
-        <p14:creationId xmlns:p14="http://schemas.microsoft.com/office/powerpoint/2010/main" val="2258726026"/>
-      </p:ext>
-    </p:extLst>
-  </p:cSld>
-  <p:clrMapOvr>
-    <a:masterClrMapping/>
-  </p:clrMapOvr>
-</p:sld>
-</file>
-
-<file path=ppt/slides/slide7.xml><?xml version="1.0" encoding="utf-8"?>
-<p:sld xmlns:a="http://schemas.openxmlformats.org/drawingml/2006/main" xmlns:r="http://schemas.openxmlformats.org/officeDocument/2006/relationships" xmlns:p="http://schemas.openxmlformats.org/presentationml/2006/main">
-  <p:cSld>
-    <p:spTree>
-      <p:nvGrpSpPr>
-        <p:cNvPr id="1" name=""/>
-        <p:cNvGrpSpPr/>
-        <p:nvPr/>
-      </p:nvGrpSpPr>
-      <p:grpSpPr>
-        <a:xfrm>
-          <a:off x="0" y="0"/>
-          <a:ext cx="0" cy="0"/>
-          <a:chOff x="0" y="0"/>
-          <a:chExt cx="0" cy="0"/>
-        </a:xfrm>
-      </p:grpSpPr>
-      <p:sp>
-        <p:nvSpPr>
-          <p:cNvPr id="2" name="Title 1"/>
-          <p:cNvSpPr>
-            <a:spLocks noGrp="1"/>
-          </p:cNvSpPr>
-          <p:nvPr>
-            <p:ph type="title"/>
-          </p:nvPr>
-        </p:nvSpPr>
-        <p:spPr/>
-        <p:txBody>
-          <a:bodyPr/>
-          <a:lstStyle/>
-          <a:p>
-            <a:endParaRPr lang="en-IN"/>
-          </a:p>
-        </p:txBody>
-      </p:sp>
-      <p:pic>
-        <p:nvPicPr>
-          <p:cNvPr id="6" name="Content Placeholder 5"/>
-          <p:cNvPicPr>
-            <a:picLocks noGrp="1" noChangeAspect="1"/>
-          </p:cNvPicPr>
-          <p:nvPr>
-            <p:ph idx="1"/>
-          </p:nvPr>
-        </p:nvPicPr>
-        <p:blipFill>
-          <a:blip r:embed="rId2">
-            <a:extLst>
-              <a:ext uri="{28A0092B-C50C-407E-A947-70E740481C1C}">
-                <a14:useLocalDpi xmlns:a14="http://schemas.microsoft.com/office/drawing/2010/main" val="0"/>
-              </a:ext>
-            </a:extLst>
-          </a:blip>
-          <a:stretch>
-            <a:fillRect/>
-          </a:stretch>
-        </p:blipFill>
-        <p:spPr>
-          <a:xfrm>
-            <a:off x="2932539" y="1825625"/>
-            <a:ext cx="6326921" cy="4351338"/>
-          </a:xfrm>
-        </p:spPr>
-      </p:pic>
-    </p:spTree>
-    <p:extLst>
-      <p:ext uri="{BB962C8B-B14F-4D97-AF65-F5344CB8AC3E}">
-        <p14:creationId xmlns:p14="http://schemas.microsoft.com/office/powerpoint/2010/main" val="823864504"/>
-      </p:ext>
-    </p:extLst>
-  </p:cSld>
-  <p:clrMapOvr>
-    <a:masterClrMapping/>
-  </p:clrMapOvr>
-</p:sld>
-</file>
-
 <file path=ppt/theme/theme1.xml><?xml version="1.0" encoding="utf-8"?>
 <a:theme xmlns:a="http://schemas.openxmlformats.org/drawingml/2006/main" name="Office Theme">
   <a:themeElements>
@@ -13474,7 +12657,7 @@
   <a:extraClrSchemeLst/>
   <a:extLst>
     <a:ext uri="{05A4C25C-085E-4340-85A3-A5531E510DB2}">
-      <thm15:themeFamily xmlns:thm15="http://schemas.microsoft.com/office/thememl/2012/main" xmlns="" name="Office Theme" id="{62F939B6-93AF-4DB8-9C6B-D6C7DFDC589F}" vid="{4A3C46E8-61CC-4603-A589-7422A47A8E4A}"/>
+      <thm15:themeFamily xmlns:thm15="http://schemas.microsoft.com/office/thememl/2012/main" name="Office Theme" id="{62F939B6-93AF-4DB8-9C6B-D6C7DFDC589F}" vid="{4A3C46E8-61CC-4603-A589-7422A47A8E4A}"/>
     </a:ext>
   </a:extLst>
 </a:theme>
@@ -13735,7 +12918,7 @@
   <a:extraClrSchemeLst/>
   <a:extLst>
     <a:ext uri="{05A4C25C-085E-4340-85A3-A5531E510DB2}">
-      <thm15:themeFamily xmlns:thm15="http://schemas.microsoft.com/office/thememl/2012/main" xmlns="" name="Office Theme" id="{62F939B6-93AF-4DB8-9C6B-D6C7DFDC589F}" vid="{4A3C46E8-61CC-4603-A589-7422A47A8E4A}"/>
+      <thm15:themeFamily xmlns:thm15="http://schemas.microsoft.com/office/thememl/2012/main" name="Office Theme" id="{62F939B6-93AF-4DB8-9C6B-D6C7DFDC589F}" vid="{4A3C46E8-61CC-4603-A589-7422A47A8E4A}"/>
     </a:ext>
   </a:extLst>
 </a:theme>

--- a/s_extreme_programming.pptx
+++ b/s_extreme_programming.pptx
@@ -5,7 +5,7 @@
     <p:sldMasterId id="2147483660" r:id="rId1"/>
   </p:sldMasterIdLst>
   <p:notesMasterIdLst>
-    <p:notesMasterId r:id="rId9"/>
+    <p:notesMasterId r:id="rId11"/>
   </p:notesMasterIdLst>
   <p:sldIdLst>
     <p:sldId id="263" r:id="rId2"/>
@@ -15,6 +15,8 @@
     <p:sldId id="268" r:id="rId6"/>
     <p:sldId id="269" r:id="rId7"/>
     <p:sldId id="270" r:id="rId8"/>
+    <p:sldId id="271" r:id="rId9"/>
+    <p:sldId id="272" r:id="rId10"/>
   </p:sldIdLst>
   <p:sldSz cx="12192000" cy="6858000"/>
   <p:notesSz cx="6858000" cy="9144000"/>
@@ -125,6 +127,8 @@
             <p14:sldId id="268"/>
             <p14:sldId id="269"/>
             <p14:sldId id="270"/>
+            <p14:sldId id="271"/>
+            <p14:sldId id="272"/>
           </p14:sldIdLst>
         </p14:section>
       </p14:sectionLst>
@@ -13219,6 +13223,213 @@
 </p:sld>
 </file>
 
+<file path=ppt/slides/slide8.xml><?xml version="1.0" encoding="utf-8"?>
+<p:sld xmlns:a="http://schemas.openxmlformats.org/drawingml/2006/main" xmlns:r="http://schemas.openxmlformats.org/officeDocument/2006/relationships" xmlns:p="http://schemas.openxmlformats.org/presentationml/2006/main">
+  <p:cSld>
+    <p:spTree>
+      <p:nvGrpSpPr>
+        <p:cNvPr id="1" name=""/>
+        <p:cNvGrpSpPr/>
+        <p:nvPr/>
+      </p:nvGrpSpPr>
+      <p:grpSpPr>
+        <a:xfrm>
+          <a:off x="0" y="0"/>
+          <a:ext cx="0" cy="0"/>
+          <a:chOff x="0" y="0"/>
+          <a:chExt cx="0" cy="0"/>
+        </a:xfrm>
+      </p:grpSpPr>
+      <p:sp>
+        <p:nvSpPr>
+          <p:cNvPr id="2" name="Title 1"/>
+          <p:cNvSpPr>
+            <a:spLocks noGrp="1"/>
+          </p:cNvSpPr>
+          <p:nvPr>
+            <p:ph type="title"/>
+          </p:nvPr>
+        </p:nvSpPr>
+        <p:spPr/>
+        <p:txBody>
+          <a:bodyPr/>
+          <a:lstStyle/>
+          <a:p>
+            <a:r>
+              <a:rPr lang="en-IN" dirty="0" smtClean="0"/>
+              <a:t>When applicable </a:t>
+            </a:r>
+            <a:r>
+              <a:rPr lang="en-IN" dirty="0" err="1" smtClean="0"/>
+              <a:t>xp</a:t>
+            </a:r>
+            <a:r>
+              <a:rPr lang="en-IN" dirty="0" smtClean="0"/>
+              <a:t/>
+            </a:r>
+            <a:br>
+              <a:rPr lang="en-IN" dirty="0" smtClean="0"/>
+            </a:br>
+            <a:endParaRPr lang="en-IN" dirty="0"/>
+          </a:p>
+        </p:txBody>
+      </p:sp>
+      <p:sp>
+        <p:nvSpPr>
+          <p:cNvPr id="3" name="Content Placeholder 2"/>
+          <p:cNvSpPr>
+            <a:spLocks noGrp="1"/>
+          </p:cNvSpPr>
+          <p:nvPr>
+            <p:ph idx="1"/>
+          </p:nvPr>
+        </p:nvSpPr>
+        <p:spPr/>
+        <p:txBody>
+          <a:bodyPr/>
+          <a:lstStyle/>
+          <a:p>
+            <a:r>
+              <a:rPr lang="en-IN" dirty="0" smtClean="0"/>
+              <a:t>Dynamically  changing software requirements</a:t>
+            </a:r>
+          </a:p>
+          <a:p>
+            <a:r>
+              <a:rPr lang="en-IN" dirty="0"/>
+              <a:t> </a:t>
+            </a:r>
+            <a:r>
+              <a:rPr lang="en-IN" dirty="0" smtClean="0"/>
+              <a:t>Risks caused by fixed time project</a:t>
+            </a:r>
+          </a:p>
+          <a:p>
+            <a:r>
+              <a:rPr lang="en-IN" dirty="0" smtClean="0"/>
+              <a:t>Small co-located extended development team</a:t>
+            </a:r>
+          </a:p>
+          <a:p>
+            <a:r>
+              <a:rPr lang="en-IN" dirty="0" smtClean="0"/>
+              <a:t>Technology are using allows for automated</a:t>
+            </a:r>
+            <a:endParaRPr lang="en-IN" dirty="0"/>
+          </a:p>
+        </p:txBody>
+      </p:sp>
+    </p:spTree>
+    <p:extLst>
+      <p:ext uri="{BB962C8B-B14F-4D97-AF65-F5344CB8AC3E}">
+        <p14:creationId xmlns:p14="http://schemas.microsoft.com/office/powerpoint/2010/main" val="76781455"/>
+      </p:ext>
+    </p:extLst>
+  </p:cSld>
+  <p:clrMapOvr>
+    <a:masterClrMapping/>
+  </p:clrMapOvr>
+</p:sld>
+</file>
+
+<file path=ppt/slides/slide9.xml><?xml version="1.0" encoding="utf-8"?>
+<p:sld xmlns:a="http://schemas.openxmlformats.org/drawingml/2006/main" xmlns:r="http://schemas.openxmlformats.org/officeDocument/2006/relationships" xmlns:p="http://schemas.openxmlformats.org/presentationml/2006/main">
+  <p:cSld>
+    <p:spTree>
+      <p:nvGrpSpPr>
+        <p:cNvPr id="1" name=""/>
+        <p:cNvGrpSpPr/>
+        <p:nvPr/>
+      </p:nvGrpSpPr>
+      <p:grpSpPr>
+        <a:xfrm>
+          <a:off x="0" y="0"/>
+          <a:ext cx="0" cy="0"/>
+          <a:chOff x="0" y="0"/>
+          <a:chExt cx="0" cy="0"/>
+        </a:xfrm>
+      </p:grpSpPr>
+      <p:sp>
+        <p:nvSpPr>
+          <p:cNvPr id="2" name="Title 1"/>
+          <p:cNvSpPr>
+            <a:spLocks noGrp="1"/>
+          </p:cNvSpPr>
+          <p:nvPr>
+            <p:ph type="title"/>
+          </p:nvPr>
+        </p:nvSpPr>
+        <p:spPr/>
+        <p:txBody>
+          <a:bodyPr/>
+          <a:lstStyle/>
+          <a:p>
+            <a:r>
+              <a:rPr lang="en-IN" dirty="0" smtClean="0"/>
+              <a:t>Controversy around </a:t>
+            </a:r>
+            <a:r>
+              <a:rPr lang="en-IN" dirty="0" err="1" smtClean="0"/>
+              <a:t>xp</a:t>
+            </a:r>
+            <a:endParaRPr lang="en-IN" dirty="0"/>
+          </a:p>
+        </p:txBody>
+      </p:sp>
+      <p:sp>
+        <p:nvSpPr>
+          <p:cNvPr id="3" name="Content Placeholder 2"/>
+          <p:cNvSpPr>
+            <a:spLocks noGrp="1"/>
+          </p:cNvSpPr>
+          <p:nvPr>
+            <p:ph idx="1"/>
+          </p:nvPr>
+        </p:nvSpPr>
+        <p:spPr/>
+        <p:txBody>
+          <a:bodyPr/>
+          <a:lstStyle/>
+          <a:p>
+            <a:r>
+              <a:rPr lang="en-IN" dirty="0" smtClean="0"/>
+              <a:t>Design documentation makes  XP controversial.</a:t>
+            </a:r>
+            <a:endParaRPr lang="en-IN" dirty="0"/>
+          </a:p>
+          <a:p>
+            <a:r>
+              <a:rPr lang="en-IN" dirty="0" smtClean="0"/>
+              <a:t>Face to face communication </a:t>
+            </a:r>
+          </a:p>
+          <a:p>
+            <a:r>
+              <a:rPr lang="en-IN" dirty="0" smtClean="0"/>
+              <a:t>Self-organising teams</a:t>
+            </a:r>
+          </a:p>
+          <a:p>
+            <a:r>
+              <a:rPr lang="en-IN" dirty="0" smtClean="0"/>
+              <a:t>Collaboration between programmers and business experts</a:t>
+            </a:r>
+          </a:p>
+        </p:txBody>
+      </p:sp>
+    </p:spTree>
+    <p:extLst>
+      <p:ext uri="{BB962C8B-B14F-4D97-AF65-F5344CB8AC3E}">
+        <p14:creationId xmlns:p14="http://schemas.microsoft.com/office/powerpoint/2010/main" val="1566148350"/>
+      </p:ext>
+    </p:extLst>
+  </p:cSld>
+  <p:clrMapOvr>
+    <a:masterClrMapping/>
+  </p:clrMapOvr>
+</p:sld>
+</file>
+
 <file path=ppt/theme/theme1.xml><?xml version="1.0" encoding="utf-8"?>
 <a:theme xmlns:a="http://schemas.openxmlformats.org/drawingml/2006/main" name="Office Theme">
   <a:themeElements>
@@ -13474,7 +13685,7 @@
   <a:extraClrSchemeLst/>
   <a:extLst>
     <a:ext uri="{05A4C25C-085E-4340-85A3-A5531E510DB2}">
-      <thm15:themeFamily xmlns:thm15="http://schemas.microsoft.com/office/thememl/2012/main" xmlns="" name="Office Theme" id="{62F939B6-93AF-4DB8-9C6B-D6C7DFDC589F}" vid="{4A3C46E8-61CC-4603-A589-7422A47A8E4A}"/>
+      <thm15:themeFamily xmlns="" xmlns:thm15="http://schemas.microsoft.com/office/thememl/2012/main" name="Office Theme" id="{62F939B6-93AF-4DB8-9C6B-D6C7DFDC589F}" vid="{4A3C46E8-61CC-4603-A589-7422A47A8E4A}"/>
     </a:ext>
   </a:extLst>
 </a:theme>
@@ -13735,7 +13946,7 @@
   <a:extraClrSchemeLst/>
   <a:extLst>
     <a:ext uri="{05A4C25C-085E-4340-85A3-A5531E510DB2}">
-      <thm15:themeFamily xmlns:thm15="http://schemas.microsoft.com/office/thememl/2012/main" xmlns="" name="Office Theme" id="{62F939B6-93AF-4DB8-9C6B-D6C7DFDC589F}" vid="{4A3C46E8-61CC-4603-A589-7422A47A8E4A}"/>
+      <thm15:themeFamily xmlns="" xmlns:thm15="http://schemas.microsoft.com/office/thememl/2012/main" name="Office Theme" id="{62F939B6-93AF-4DB8-9C6B-D6C7DFDC589F}" vid="{4A3C46E8-61CC-4603-A589-7422A47A8E4A}"/>
     </a:ext>
   </a:extLst>
 </a:theme>
